--- a/term/fig/fig.pptx
+++ b/term/fig/fig.pptx
@@ -6,6 +6,7 @@
   </p:sldMasterIdLst>
   <p:sldIdLst>
     <p:sldId id="256" r:id="rId2"/>
+    <p:sldId id="257" r:id="rId3"/>
   </p:sldIdLst>
   <p:sldSz cx="9144000" cy="6858000" type="screen4x3"/>
   <p:notesSz cx="6858000" cy="9144000"/>
@@ -486,10 +487,2115 @@
           <a:chExt cx="0" cy="0"/>
         </a:xfrm>
       </p:grpSpPr>
+      <p:pic>
+        <p:nvPicPr>
+          <p:cNvPr id="16" name="Picture 2" descr="フォルダのイラスト">
+            <a:extLst>
+              <a:ext uri="{FF2B5EF4-FFF2-40B4-BE49-F238E27FC236}">
+                <a16:creationId xmlns:a16="http://schemas.microsoft.com/office/drawing/2014/main" id="{4716B7A6-EA34-3F4F-8E45-49861D78F92D}"/>
+              </a:ext>
+            </a:extLst>
+          </p:cNvPr>
+          <p:cNvPicPr>
+            <a:picLocks noChangeAspect="1" noChangeArrowheads="1"/>
+          </p:cNvPicPr>
+          <p:nvPr/>
+        </p:nvPicPr>
+        <p:blipFill>
+          <a:blip r:embed="rId2" cstate="print">
+            <a:extLst>
+              <a:ext uri="{28A0092B-C50C-407E-A947-70E740481C1C}">
+                <a14:useLocalDpi xmlns:a14="http://schemas.microsoft.com/office/drawing/2010/main" val="0"/>
+              </a:ext>
+            </a:extLst>
+          </a:blip>
+          <a:srcRect/>
+          <a:stretch>
+            <a:fillRect/>
+          </a:stretch>
+        </p:blipFill>
+        <p:spPr bwMode="auto">
+          <a:xfrm>
+            <a:off x="2627784" y="1556792"/>
+            <a:ext cx="764145" cy="639971"/>
+          </a:xfrm>
+          <a:prstGeom prst="rect">
+            <a:avLst/>
+          </a:prstGeom>
+          <a:noFill/>
+          <a:extLst>
+            <a:ext uri="{909E8E84-426E-40DD-AFC4-6F175D3DCCD1}">
+              <a14:hiddenFill xmlns:a14="http://schemas.microsoft.com/office/drawing/2010/main">
+                <a:solidFill>
+                  <a:srgbClr val="FFFFFF"/>
+                </a:solidFill>
+              </a14:hiddenFill>
+            </a:ext>
+          </a:extLst>
+        </p:spPr>
+      </p:pic>
+      <p:pic>
+        <p:nvPicPr>
+          <p:cNvPr id="17" name="Picture 2" descr="ファイルアイコン（ブランク）">
+            <a:extLst>
+              <a:ext uri="{FF2B5EF4-FFF2-40B4-BE49-F238E27FC236}">
+                <a16:creationId xmlns:a16="http://schemas.microsoft.com/office/drawing/2014/main" id="{EB6ACC0C-46B4-4045-B590-058860FE6CEA}"/>
+              </a:ext>
+            </a:extLst>
+          </p:cNvPr>
+          <p:cNvPicPr>
+            <a:picLocks noChangeAspect="1" noChangeArrowheads="1"/>
+          </p:cNvPicPr>
+          <p:nvPr/>
+        </p:nvPicPr>
+        <p:blipFill>
+          <a:blip r:embed="rId3" cstate="print">
+            <a:extLst>
+              <a:ext uri="{28A0092B-C50C-407E-A947-70E740481C1C}">
+                <a14:useLocalDpi xmlns:a14="http://schemas.microsoft.com/office/drawing/2010/main" val="0"/>
+              </a:ext>
+            </a:extLst>
+          </a:blip>
+          <a:srcRect/>
+          <a:stretch>
+            <a:fillRect/>
+          </a:stretch>
+        </p:blipFill>
+        <p:spPr bwMode="auto">
+          <a:xfrm>
+            <a:off x="4836095" y="2420888"/>
+            <a:ext cx="455985" cy="529531"/>
+          </a:xfrm>
+          <a:prstGeom prst="rect">
+            <a:avLst/>
+          </a:prstGeom>
+          <a:noFill/>
+          <a:extLst>
+            <a:ext uri="{909E8E84-426E-40DD-AFC4-6F175D3DCCD1}">
+              <a14:hiddenFill xmlns:a14="http://schemas.microsoft.com/office/drawing/2010/main">
+                <a:solidFill>
+                  <a:srgbClr val="FFFFFF"/>
+                </a:solidFill>
+              </a14:hiddenFill>
+            </a:ext>
+          </a:extLst>
+        </p:spPr>
+      </p:pic>
+      <p:pic>
+        <p:nvPicPr>
+          <p:cNvPr id="18" name="Picture 2" descr="ファイルアイコン（ブランク）">
+            <a:extLst>
+              <a:ext uri="{FF2B5EF4-FFF2-40B4-BE49-F238E27FC236}">
+                <a16:creationId xmlns:a16="http://schemas.microsoft.com/office/drawing/2014/main" id="{5AE946EC-83CF-2842-ADA6-E21FAAB08730}"/>
+              </a:ext>
+            </a:extLst>
+          </p:cNvPr>
+          <p:cNvPicPr>
+            <a:picLocks noChangeAspect="1" noChangeArrowheads="1"/>
+          </p:cNvPicPr>
+          <p:nvPr/>
+        </p:nvPicPr>
+        <p:blipFill>
+          <a:blip r:embed="rId3" cstate="print">
+            <a:extLst>
+              <a:ext uri="{28A0092B-C50C-407E-A947-70E740481C1C}">
+                <a14:useLocalDpi xmlns:a14="http://schemas.microsoft.com/office/drawing/2010/main" val="0"/>
+              </a:ext>
+            </a:extLst>
+          </a:blip>
+          <a:srcRect/>
+          <a:stretch>
+            <a:fillRect/>
+          </a:stretch>
+        </p:blipFill>
+        <p:spPr bwMode="auto">
+          <a:xfrm>
+            <a:off x="4188023" y="2420888"/>
+            <a:ext cx="455985" cy="529531"/>
+          </a:xfrm>
+          <a:prstGeom prst="rect">
+            <a:avLst/>
+          </a:prstGeom>
+          <a:noFill/>
+          <a:extLst>
+            <a:ext uri="{909E8E84-426E-40DD-AFC4-6F175D3DCCD1}">
+              <a14:hiddenFill xmlns:a14="http://schemas.microsoft.com/office/drawing/2010/main">
+                <a:solidFill>
+                  <a:srgbClr val="FFFFFF"/>
+                </a:solidFill>
+              </a14:hiddenFill>
+            </a:ext>
+          </a:extLst>
+        </p:spPr>
+      </p:pic>
+      <p:sp>
+        <p:nvSpPr>
+          <p:cNvPr id="19" name="角丸四角形 18">
+            <a:extLst>
+              <a:ext uri="{FF2B5EF4-FFF2-40B4-BE49-F238E27FC236}">
+                <a16:creationId xmlns:a16="http://schemas.microsoft.com/office/drawing/2014/main" id="{101BC1A3-9500-BE46-9666-849B0184F508}"/>
+              </a:ext>
+            </a:extLst>
+          </p:cNvPr>
+          <p:cNvSpPr/>
+          <p:nvPr/>
+        </p:nvSpPr>
+        <p:spPr>
+          <a:xfrm>
+            <a:off x="2272612" y="1405271"/>
+            <a:ext cx="3959223" cy="2530625"/>
+          </a:xfrm>
+          <a:prstGeom prst="roundRect">
+            <a:avLst/>
+          </a:prstGeom>
+          <a:noFill/>
+          <a:ln w="28575">
+            <a:solidFill>
+              <a:schemeClr val="tx1"/>
+            </a:solidFill>
+            <a:prstDash val="dash"/>
+          </a:ln>
+        </p:spPr>
+        <p:style>
+          <a:lnRef idx="2">
+            <a:schemeClr val="accent1">
+              <a:shade val="50000"/>
+            </a:schemeClr>
+          </a:lnRef>
+          <a:fillRef idx="1">
+            <a:schemeClr val="accent1"/>
+          </a:fillRef>
+          <a:effectRef idx="0">
+            <a:schemeClr val="accent1"/>
+          </a:effectRef>
+          <a:fontRef idx="minor">
+            <a:schemeClr val="lt1"/>
+          </a:fontRef>
+        </p:style>
+        <p:txBody>
+          <a:bodyPr rtlCol="0" anchor="ctr"/>
+          <a:lstStyle/>
+          <a:p>
+            <a:pPr algn="ctr"/>
+            <a:endParaRPr kumimoji="1" lang="ja-JP" altLang="en-US"/>
+          </a:p>
+        </p:txBody>
+      </p:sp>
+      <p:sp>
+        <p:nvSpPr>
+          <p:cNvPr id="20" name="円柱 19">
+            <a:extLst>
+              <a:ext uri="{FF2B5EF4-FFF2-40B4-BE49-F238E27FC236}">
+                <a16:creationId xmlns:a16="http://schemas.microsoft.com/office/drawing/2014/main" id="{E61169A5-8C44-C148-B62A-535A04758B8B}"/>
+              </a:ext>
+            </a:extLst>
+          </p:cNvPr>
+          <p:cNvSpPr/>
+          <p:nvPr/>
+        </p:nvSpPr>
+        <p:spPr>
+          <a:xfrm>
+            <a:off x="2678184" y="2492896"/>
+            <a:ext cx="669680" cy="496072"/>
+          </a:xfrm>
+          <a:prstGeom prst="can">
+            <a:avLst/>
+          </a:prstGeom>
+          <a:solidFill>
+            <a:schemeClr val="accent2">
+              <a:lumMod val="40000"/>
+              <a:lumOff val="60000"/>
+            </a:schemeClr>
+          </a:solidFill>
+          <a:ln>
+            <a:solidFill>
+              <a:schemeClr val="tx1"/>
+            </a:solidFill>
+          </a:ln>
+        </p:spPr>
+        <p:style>
+          <a:lnRef idx="2">
+            <a:schemeClr val="accent1">
+              <a:shade val="50000"/>
+            </a:schemeClr>
+          </a:lnRef>
+          <a:fillRef idx="1">
+            <a:schemeClr val="accent1"/>
+          </a:fillRef>
+          <a:effectRef idx="0">
+            <a:schemeClr val="accent1"/>
+          </a:effectRef>
+          <a:fontRef idx="minor">
+            <a:schemeClr val="lt1"/>
+          </a:fontRef>
+        </p:style>
+        <p:txBody>
+          <a:bodyPr rtlCol="0" anchor="ctr"/>
+          <a:lstStyle/>
+          <a:p>
+            <a:pPr algn="ctr"/>
+            <a:endParaRPr kumimoji="1" lang="ja-JP" altLang="en-US"/>
+          </a:p>
+        </p:txBody>
+      </p:sp>
+      <p:sp>
+        <p:nvSpPr>
+          <p:cNvPr id="21" name="テキスト ボックス 20">
+            <a:extLst>
+              <a:ext uri="{FF2B5EF4-FFF2-40B4-BE49-F238E27FC236}">
+                <a16:creationId xmlns:a16="http://schemas.microsoft.com/office/drawing/2014/main" id="{CD042290-20B8-B94F-81E0-7D22ADEA1F2B}"/>
+              </a:ext>
+            </a:extLst>
+          </p:cNvPr>
+          <p:cNvSpPr txBox="1"/>
+          <p:nvPr/>
+        </p:nvSpPr>
+        <p:spPr>
+          <a:xfrm>
+            <a:off x="2413383" y="3127579"/>
+            <a:ext cx="1210588" cy="338554"/>
+          </a:xfrm>
+          <a:prstGeom prst="rect">
+            <a:avLst/>
+          </a:prstGeom>
+          <a:noFill/>
+        </p:spPr>
+        <p:txBody>
+          <a:bodyPr wrap="none" rtlCol="0">
+            <a:spAutoFit/>
+          </a:bodyPr>
+          <a:lstStyle/>
+          <a:p>
+            <a:r>
+              <a:rPr lang="ja-JP" altLang="en-US" sz="1600" dirty="0"/>
+              <a:t>リポジトリ</a:t>
+            </a:r>
+            <a:endParaRPr kumimoji="1" lang="ja-JP" altLang="en-US" sz="1600" dirty="0"/>
+          </a:p>
+        </p:txBody>
+      </p:sp>
+      <p:cxnSp>
+        <p:nvCxnSpPr>
+          <p:cNvPr id="23" name="直線コネクタ 22">
+            <a:extLst>
+              <a:ext uri="{FF2B5EF4-FFF2-40B4-BE49-F238E27FC236}">
+                <a16:creationId xmlns:a16="http://schemas.microsoft.com/office/drawing/2014/main" id="{C12578BD-4CA2-9744-96C2-01830F167B2E}"/>
+              </a:ext>
+            </a:extLst>
+          </p:cNvPr>
+          <p:cNvCxnSpPr>
+            <a:stCxn id="16" idx="2"/>
+            <a:endCxn id="20" idx="1"/>
+          </p:cNvCxnSpPr>
+          <p:nvPr/>
+        </p:nvCxnSpPr>
+        <p:spPr>
+          <a:xfrm>
+            <a:off x="3009857" y="2196763"/>
+            <a:ext cx="3167" cy="296133"/>
+          </a:xfrm>
+          <a:prstGeom prst="line">
+            <a:avLst/>
+          </a:prstGeom>
+          <a:ln>
+            <a:solidFill>
+              <a:schemeClr val="tx1"/>
+            </a:solidFill>
+            <a:headEnd type="none" w="med" len="med"/>
+            <a:tailEnd type="none" w="med" len="med"/>
+          </a:ln>
+        </p:spPr>
+        <p:style>
+          <a:lnRef idx="1">
+            <a:schemeClr val="accent1"/>
+          </a:lnRef>
+          <a:fillRef idx="0">
+            <a:schemeClr val="accent1"/>
+          </a:fillRef>
+          <a:effectRef idx="0">
+            <a:schemeClr val="accent1"/>
+          </a:effectRef>
+          <a:fontRef idx="minor">
+            <a:schemeClr val="tx1"/>
+          </a:fontRef>
+        </p:style>
+      </p:cxnSp>
+      <p:pic>
+        <p:nvPicPr>
+          <p:cNvPr id="24" name="Picture 2" descr="フォルダのイラスト">
+            <a:extLst>
+              <a:ext uri="{FF2B5EF4-FFF2-40B4-BE49-F238E27FC236}">
+                <a16:creationId xmlns:a16="http://schemas.microsoft.com/office/drawing/2014/main" id="{08F1C4A9-56BB-C543-A4FE-D14FBE44EC69}"/>
+              </a:ext>
+            </a:extLst>
+          </p:cNvPr>
+          <p:cNvPicPr>
+            <a:picLocks noChangeAspect="1" noChangeArrowheads="1"/>
+          </p:cNvPicPr>
+          <p:nvPr/>
+        </p:nvPicPr>
+        <p:blipFill>
+          <a:blip r:embed="rId4" cstate="print">
+            <a:extLst>
+              <a:ext uri="{28A0092B-C50C-407E-A947-70E740481C1C}">
+                <a14:useLocalDpi xmlns:a14="http://schemas.microsoft.com/office/drawing/2010/main" val="0"/>
+              </a:ext>
+            </a:extLst>
+          </a:blip>
+          <a:srcRect/>
+          <a:stretch>
+            <a:fillRect/>
+          </a:stretch>
+        </p:blipFill>
+        <p:spPr bwMode="auto">
+          <a:xfrm>
+            <a:off x="3419872" y="2420888"/>
+            <a:ext cx="687838" cy="576064"/>
+          </a:xfrm>
+          <a:prstGeom prst="rect">
+            <a:avLst/>
+          </a:prstGeom>
+          <a:noFill/>
+          <a:extLst>
+            <a:ext uri="{909E8E84-426E-40DD-AFC4-6F175D3DCCD1}">
+              <a14:hiddenFill xmlns:a14="http://schemas.microsoft.com/office/drawing/2010/main">
+                <a:solidFill>
+                  <a:srgbClr val="FFFFFF"/>
+                </a:solidFill>
+              </a14:hiddenFill>
+            </a:ext>
+          </a:extLst>
+        </p:spPr>
+      </p:pic>
+      <p:cxnSp>
+        <p:nvCxnSpPr>
+          <p:cNvPr id="25" name="カギ線コネクタ 24">
+            <a:extLst>
+              <a:ext uri="{FF2B5EF4-FFF2-40B4-BE49-F238E27FC236}">
+                <a16:creationId xmlns:a16="http://schemas.microsoft.com/office/drawing/2014/main" id="{CC874798-4855-B249-A08E-6C2A7C8F875A}"/>
+              </a:ext>
+            </a:extLst>
+          </p:cNvPr>
+          <p:cNvCxnSpPr>
+            <a:stCxn id="16" idx="2"/>
+            <a:endCxn id="24" idx="0"/>
+          </p:cNvCxnSpPr>
+          <p:nvPr/>
+        </p:nvCxnSpPr>
+        <p:spPr>
+          <a:xfrm rot="16200000" flipH="1">
+            <a:off x="3274762" y="1931858"/>
+            <a:ext cx="224125" cy="753934"/>
+          </a:xfrm>
+          <a:prstGeom prst="bentConnector3">
+            <a:avLst/>
+          </a:prstGeom>
+          <a:ln>
+            <a:solidFill>
+              <a:schemeClr val="tx1"/>
+            </a:solidFill>
+            <a:headEnd type="none" w="med" len="med"/>
+            <a:tailEnd type="none" w="med" len="med"/>
+          </a:ln>
+        </p:spPr>
+        <p:style>
+          <a:lnRef idx="1">
+            <a:schemeClr val="accent1"/>
+          </a:lnRef>
+          <a:fillRef idx="0">
+            <a:schemeClr val="accent1"/>
+          </a:fillRef>
+          <a:effectRef idx="0">
+            <a:schemeClr val="accent1"/>
+          </a:effectRef>
+          <a:fontRef idx="minor">
+            <a:schemeClr val="tx1"/>
+          </a:fontRef>
+        </p:style>
+      </p:cxnSp>
+      <p:cxnSp>
+        <p:nvCxnSpPr>
+          <p:cNvPr id="26" name="カギ線コネクタ 25">
+            <a:extLst>
+              <a:ext uri="{FF2B5EF4-FFF2-40B4-BE49-F238E27FC236}">
+                <a16:creationId xmlns:a16="http://schemas.microsoft.com/office/drawing/2014/main" id="{D6CB5B32-D42C-0F4F-AC0C-3D2C9F4214C1}"/>
+              </a:ext>
+            </a:extLst>
+          </p:cNvPr>
+          <p:cNvCxnSpPr>
+            <a:stCxn id="16" idx="2"/>
+            <a:endCxn id="18" idx="0"/>
+          </p:cNvCxnSpPr>
+          <p:nvPr/>
+        </p:nvCxnSpPr>
+        <p:spPr>
+          <a:xfrm rot="16200000" flipH="1">
+            <a:off x="3600874" y="1605745"/>
+            <a:ext cx="224125" cy="1406159"/>
+          </a:xfrm>
+          <a:prstGeom prst="bentConnector3">
+            <a:avLst/>
+          </a:prstGeom>
+          <a:ln>
+            <a:solidFill>
+              <a:schemeClr val="tx1"/>
+            </a:solidFill>
+            <a:headEnd type="none" w="med" len="med"/>
+            <a:tailEnd type="none" w="med" len="med"/>
+          </a:ln>
+        </p:spPr>
+        <p:style>
+          <a:lnRef idx="1">
+            <a:schemeClr val="accent1"/>
+          </a:lnRef>
+          <a:fillRef idx="0">
+            <a:schemeClr val="accent1"/>
+          </a:fillRef>
+          <a:effectRef idx="0">
+            <a:schemeClr val="accent1"/>
+          </a:effectRef>
+          <a:fontRef idx="minor">
+            <a:schemeClr val="tx1"/>
+          </a:fontRef>
+        </p:style>
+      </p:cxnSp>
+      <p:cxnSp>
+        <p:nvCxnSpPr>
+          <p:cNvPr id="27" name="カギ線コネクタ 26">
+            <a:extLst>
+              <a:ext uri="{FF2B5EF4-FFF2-40B4-BE49-F238E27FC236}">
+                <a16:creationId xmlns:a16="http://schemas.microsoft.com/office/drawing/2014/main" id="{51C35BCD-E1EF-7646-9D74-F7510E72B96E}"/>
+              </a:ext>
+            </a:extLst>
+          </p:cNvPr>
+          <p:cNvCxnSpPr>
+            <a:stCxn id="16" idx="2"/>
+            <a:endCxn id="17" idx="0"/>
+          </p:cNvCxnSpPr>
+          <p:nvPr/>
+        </p:nvCxnSpPr>
+        <p:spPr>
+          <a:xfrm rot="16200000" flipH="1">
+            <a:off x="3924910" y="1281709"/>
+            <a:ext cx="224125" cy="2054231"/>
+          </a:xfrm>
+          <a:prstGeom prst="bentConnector3">
+            <a:avLst/>
+          </a:prstGeom>
+          <a:ln>
+            <a:solidFill>
+              <a:schemeClr val="tx1"/>
+            </a:solidFill>
+            <a:headEnd type="none" w="med" len="med"/>
+            <a:tailEnd type="none" w="med" len="med"/>
+          </a:ln>
+        </p:spPr>
+        <p:style>
+          <a:lnRef idx="1">
+            <a:schemeClr val="accent1"/>
+          </a:lnRef>
+          <a:fillRef idx="0">
+            <a:schemeClr val="accent1"/>
+          </a:fillRef>
+          <a:effectRef idx="0">
+            <a:schemeClr val="accent1"/>
+          </a:effectRef>
+          <a:fontRef idx="minor">
+            <a:schemeClr val="tx1"/>
+          </a:fontRef>
+        </p:style>
+      </p:cxnSp>
+      <p:sp>
+        <p:nvSpPr>
+          <p:cNvPr id="28" name="左中かっこ 27">
+            <a:extLst>
+              <a:ext uri="{FF2B5EF4-FFF2-40B4-BE49-F238E27FC236}">
+                <a16:creationId xmlns:a16="http://schemas.microsoft.com/office/drawing/2014/main" id="{F95002D7-360B-B746-BF14-83A2F9DCA7CD}"/>
+              </a:ext>
+            </a:extLst>
+          </p:cNvPr>
+          <p:cNvSpPr/>
+          <p:nvPr/>
+        </p:nvSpPr>
+        <p:spPr>
+          <a:xfrm rot="16200000">
+            <a:off x="4555063" y="2005777"/>
+            <a:ext cx="288032" cy="2270382"/>
+          </a:xfrm>
+          <a:prstGeom prst="leftBrace">
+            <a:avLst/>
+          </a:prstGeom>
+          <a:ln>
+            <a:solidFill>
+              <a:schemeClr val="tx1"/>
+            </a:solidFill>
+            <a:headEnd type="none" w="med" len="med"/>
+            <a:tailEnd type="none" w="med" len="med"/>
+          </a:ln>
+        </p:spPr>
+        <p:style>
+          <a:lnRef idx="1">
+            <a:schemeClr val="accent1"/>
+          </a:lnRef>
+          <a:fillRef idx="0">
+            <a:schemeClr val="accent1"/>
+          </a:fillRef>
+          <a:effectRef idx="0">
+            <a:schemeClr val="accent1"/>
+          </a:effectRef>
+          <a:fontRef idx="minor">
+            <a:schemeClr val="tx1"/>
+          </a:fontRef>
+        </p:style>
+        <p:txBody>
+          <a:bodyPr rtlCol="0" anchor="ctr"/>
+          <a:lstStyle/>
+          <a:p>
+            <a:pPr algn="ctr"/>
+            <a:endParaRPr kumimoji="1" lang="ja-JP" altLang="en-US"/>
+          </a:p>
+        </p:txBody>
+      </p:sp>
+      <p:sp>
+        <p:nvSpPr>
+          <p:cNvPr id="29" name="テキスト ボックス 28">
+            <a:extLst>
+              <a:ext uri="{FF2B5EF4-FFF2-40B4-BE49-F238E27FC236}">
+                <a16:creationId xmlns:a16="http://schemas.microsoft.com/office/drawing/2014/main" id="{A5145B83-FEFF-3D44-9930-D94B6AF3FCE9}"/>
+              </a:ext>
+            </a:extLst>
+          </p:cNvPr>
+          <p:cNvSpPr txBox="1"/>
+          <p:nvPr/>
+        </p:nvSpPr>
+        <p:spPr>
+          <a:xfrm>
+            <a:off x="3683160" y="3338854"/>
+            <a:ext cx="2031325" cy="369332"/>
+          </a:xfrm>
+          <a:prstGeom prst="rect">
+            <a:avLst/>
+          </a:prstGeom>
+          <a:noFill/>
+        </p:spPr>
+        <p:txBody>
+          <a:bodyPr wrap="none" rtlCol="0">
+            <a:spAutoFit/>
+          </a:bodyPr>
+          <a:lstStyle/>
+          <a:p>
+            <a:r>
+              <a:rPr kumimoji="1" lang="ja-JP" altLang="en-US" dirty="0"/>
+              <a:t>ワーキングツリー</a:t>
+            </a:r>
+          </a:p>
+        </p:txBody>
+      </p:sp>
+      <p:sp>
+        <p:nvSpPr>
+          <p:cNvPr id="30" name="テキスト ボックス 29">
+            <a:extLst>
+              <a:ext uri="{FF2B5EF4-FFF2-40B4-BE49-F238E27FC236}">
+                <a16:creationId xmlns:a16="http://schemas.microsoft.com/office/drawing/2014/main" id="{273B75AC-2DCF-0D41-81D8-087388B81C8B}"/>
+              </a:ext>
+            </a:extLst>
+          </p:cNvPr>
+          <p:cNvSpPr txBox="1"/>
+          <p:nvPr/>
+        </p:nvSpPr>
+        <p:spPr>
+          <a:xfrm>
+            <a:off x="2655234" y="2614058"/>
+            <a:ext cx="633507" cy="338554"/>
+          </a:xfrm>
+          <a:prstGeom prst="rect">
+            <a:avLst/>
+          </a:prstGeom>
+          <a:noFill/>
+        </p:spPr>
+        <p:txBody>
+          <a:bodyPr wrap="none" rtlCol="0">
+            <a:spAutoFit/>
+          </a:bodyPr>
+          <a:lstStyle/>
+          <a:p>
+            <a:r>
+              <a:rPr lang="en-US" altLang="ja-JP" sz="1600" dirty="0">
+                <a:latin typeface="Consolas" panose="020B0609020204030204" pitchFamily="49" charset="0"/>
+                <a:cs typeface="Consolas" panose="020B0609020204030204" pitchFamily="49" charset="0"/>
+              </a:rPr>
+              <a:t>.git</a:t>
+            </a:r>
+            <a:endParaRPr kumimoji="1" lang="ja-JP" altLang="en-US" sz="1600" dirty="0">
+              <a:latin typeface="Consolas" panose="020B0609020204030204" pitchFamily="49" charset="0"/>
+              <a:cs typeface="Consolas" panose="020B0609020204030204" pitchFamily="49" charset="0"/>
+            </a:endParaRPr>
+          </a:p>
+        </p:txBody>
+      </p:sp>
+      <p:pic>
+        <p:nvPicPr>
+          <p:cNvPr id="31" name="Picture 2" descr="ファイルアイコン（ブランク）">
+            <a:extLst>
+              <a:ext uri="{FF2B5EF4-FFF2-40B4-BE49-F238E27FC236}">
+                <a16:creationId xmlns:a16="http://schemas.microsoft.com/office/drawing/2014/main" id="{CE8E678B-847C-D447-9372-5EBCBEDEB6EB}"/>
+              </a:ext>
+            </a:extLst>
+          </p:cNvPr>
+          <p:cNvPicPr>
+            <a:picLocks noChangeAspect="1" noChangeArrowheads="1"/>
+          </p:cNvPicPr>
+          <p:nvPr/>
+        </p:nvPicPr>
+        <p:blipFill>
+          <a:blip r:embed="rId3" cstate="print">
+            <a:extLst>
+              <a:ext uri="{28A0092B-C50C-407E-A947-70E740481C1C}">
+                <a14:useLocalDpi xmlns:a14="http://schemas.microsoft.com/office/drawing/2010/main" val="0"/>
+              </a:ext>
+            </a:extLst>
+          </a:blip>
+          <a:srcRect/>
+          <a:stretch>
+            <a:fillRect/>
+          </a:stretch>
+        </p:blipFill>
+        <p:spPr bwMode="auto">
+          <a:xfrm>
+            <a:off x="5445695" y="2424201"/>
+            <a:ext cx="455985" cy="529531"/>
+          </a:xfrm>
+          <a:prstGeom prst="rect">
+            <a:avLst/>
+          </a:prstGeom>
+          <a:noFill/>
+          <a:extLst>
+            <a:ext uri="{909E8E84-426E-40DD-AFC4-6F175D3DCCD1}">
+              <a14:hiddenFill xmlns:a14="http://schemas.microsoft.com/office/drawing/2010/main">
+                <a:solidFill>
+                  <a:srgbClr val="FFFFFF"/>
+                </a:solidFill>
+              </a14:hiddenFill>
+            </a:ext>
+          </a:extLst>
+        </p:spPr>
+      </p:pic>
+      <p:cxnSp>
+        <p:nvCxnSpPr>
+          <p:cNvPr id="32" name="カギ線コネクタ 31">
+            <a:extLst>
+              <a:ext uri="{FF2B5EF4-FFF2-40B4-BE49-F238E27FC236}">
+                <a16:creationId xmlns:a16="http://schemas.microsoft.com/office/drawing/2014/main" id="{A12D8C17-9443-D142-B401-A6BF374ADE95}"/>
+              </a:ext>
+            </a:extLst>
+          </p:cNvPr>
+          <p:cNvCxnSpPr>
+            <a:cxnSpLocks/>
+            <a:stCxn id="16" idx="2"/>
+            <a:endCxn id="31" idx="0"/>
+          </p:cNvCxnSpPr>
+          <p:nvPr/>
+        </p:nvCxnSpPr>
+        <p:spPr>
+          <a:xfrm rot="16200000" flipH="1">
+            <a:off x="4228053" y="978566"/>
+            <a:ext cx="227438" cy="2663831"/>
+          </a:xfrm>
+          <a:prstGeom prst="bentConnector3">
+            <a:avLst>
+              <a:gd name="adj1" fmla="val 50000"/>
+            </a:avLst>
+          </a:prstGeom>
+          <a:ln>
+            <a:solidFill>
+              <a:schemeClr val="tx1"/>
+            </a:solidFill>
+            <a:headEnd type="none" w="med" len="med"/>
+            <a:tailEnd type="none" w="med" len="med"/>
+          </a:ln>
+        </p:spPr>
+        <p:style>
+          <a:lnRef idx="1">
+            <a:schemeClr val="accent1"/>
+          </a:lnRef>
+          <a:fillRef idx="0">
+            <a:schemeClr val="accent1"/>
+          </a:fillRef>
+          <a:effectRef idx="0">
+            <a:schemeClr val="accent1"/>
+          </a:effectRef>
+          <a:fontRef idx="minor">
+            <a:schemeClr val="tx1"/>
+          </a:fontRef>
+        </p:style>
+      </p:cxnSp>
     </p:spTree>
     <p:extLst>
       <p:ext uri="{BB962C8B-B14F-4D97-AF65-F5344CB8AC3E}">
         <p14:creationId xmlns:p14="http://schemas.microsoft.com/office/powerpoint/2010/main" val="833368575"/>
+      </p:ext>
+    </p:extLst>
+  </p:cSld>
+  <p:clrMapOvr>
+    <a:masterClrMapping/>
+  </p:clrMapOvr>
+</p:sld>
+</file>
+
+<file path=ppt/slides/slide2.xml><?xml version="1.0" encoding="utf-8"?>
+<p:sld xmlns:a="http://schemas.openxmlformats.org/drawingml/2006/main" xmlns:r="http://schemas.openxmlformats.org/officeDocument/2006/relationships" xmlns:p="http://schemas.openxmlformats.org/presentationml/2006/main">
+  <p:cSld>
+    <p:spTree>
+      <p:nvGrpSpPr>
+        <p:cNvPr id="1" name=""/>
+        <p:cNvGrpSpPr/>
+        <p:nvPr/>
+      </p:nvGrpSpPr>
+      <p:grpSpPr>
+        <a:xfrm>
+          <a:off x="0" y="0"/>
+          <a:ext cx="0" cy="0"/>
+          <a:chOff x="0" y="0"/>
+          <a:chExt cx="0" cy="0"/>
+        </a:xfrm>
+      </p:grpSpPr>
+      <p:pic>
+        <p:nvPicPr>
+          <p:cNvPr id="1026" name="Picture 2" descr="パソコンを使う男性のイラスト">
+            <a:extLst>
+              <a:ext uri="{FF2B5EF4-FFF2-40B4-BE49-F238E27FC236}">
+                <a16:creationId xmlns:a16="http://schemas.microsoft.com/office/drawing/2014/main" id="{0E1772E2-F50D-BA41-B934-888F9D6C0FA3}"/>
+              </a:ext>
+            </a:extLst>
+          </p:cNvPr>
+          <p:cNvPicPr>
+            <a:picLocks noChangeAspect="1" noChangeArrowheads="1"/>
+          </p:cNvPicPr>
+          <p:nvPr/>
+        </p:nvPicPr>
+        <p:blipFill>
+          <a:blip r:embed="rId2">
+            <a:extLst>
+              <a:ext uri="{28A0092B-C50C-407E-A947-70E740481C1C}">
+                <a14:useLocalDpi xmlns:a14="http://schemas.microsoft.com/office/drawing/2010/main" val="0"/>
+              </a:ext>
+            </a:extLst>
+          </a:blip>
+          <a:srcRect/>
+          <a:stretch>
+            <a:fillRect/>
+          </a:stretch>
+        </p:blipFill>
+        <p:spPr bwMode="auto">
+          <a:xfrm>
+            <a:off x="1746526" y="1182081"/>
+            <a:ext cx="1563204" cy="1571060"/>
+          </a:xfrm>
+          <a:prstGeom prst="rect">
+            <a:avLst/>
+          </a:prstGeom>
+          <a:noFill/>
+          <a:extLst>
+            <a:ext uri="{909E8E84-426E-40DD-AFC4-6F175D3DCCD1}">
+              <a14:hiddenFill xmlns:a14="http://schemas.microsoft.com/office/drawing/2010/main">
+                <a:solidFill>
+                  <a:srgbClr val="FFFFFF"/>
+                </a:solidFill>
+              </a14:hiddenFill>
+            </a:ext>
+          </a:extLst>
+        </p:spPr>
+      </p:pic>
+      <p:pic>
+        <p:nvPicPr>
+          <p:cNvPr id="3" name="Picture 2" descr="フォルダのイラスト">
+            <a:extLst>
+              <a:ext uri="{FF2B5EF4-FFF2-40B4-BE49-F238E27FC236}">
+                <a16:creationId xmlns:a16="http://schemas.microsoft.com/office/drawing/2014/main" id="{40C7438F-C61D-F048-ABF7-794201B8FFD4}"/>
+              </a:ext>
+            </a:extLst>
+          </p:cNvPr>
+          <p:cNvPicPr>
+            <a:picLocks noChangeAspect="1" noChangeArrowheads="1"/>
+          </p:cNvPicPr>
+          <p:nvPr/>
+        </p:nvPicPr>
+        <p:blipFill>
+          <a:blip r:embed="rId3" cstate="print">
+            <a:extLst>
+              <a:ext uri="{28A0092B-C50C-407E-A947-70E740481C1C}">
+                <a14:useLocalDpi xmlns:a14="http://schemas.microsoft.com/office/drawing/2010/main" val="0"/>
+              </a:ext>
+            </a:extLst>
+          </a:blip>
+          <a:srcRect/>
+          <a:stretch>
+            <a:fillRect/>
+          </a:stretch>
+        </p:blipFill>
+        <p:spPr bwMode="auto">
+          <a:xfrm>
+            <a:off x="941782" y="3823928"/>
+            <a:ext cx="764145" cy="639971"/>
+          </a:xfrm>
+          <a:prstGeom prst="rect">
+            <a:avLst/>
+          </a:prstGeom>
+          <a:noFill/>
+          <a:extLst>
+            <a:ext uri="{909E8E84-426E-40DD-AFC4-6F175D3DCCD1}">
+              <a14:hiddenFill xmlns:a14="http://schemas.microsoft.com/office/drawing/2010/main">
+                <a:solidFill>
+                  <a:srgbClr val="FFFFFF"/>
+                </a:solidFill>
+              </a14:hiddenFill>
+            </a:ext>
+          </a:extLst>
+        </p:spPr>
+      </p:pic>
+      <p:pic>
+        <p:nvPicPr>
+          <p:cNvPr id="4" name="Picture 2" descr="ファイルアイコン（ブランク）">
+            <a:extLst>
+              <a:ext uri="{FF2B5EF4-FFF2-40B4-BE49-F238E27FC236}">
+                <a16:creationId xmlns:a16="http://schemas.microsoft.com/office/drawing/2014/main" id="{37595752-4EE5-B54A-8236-0E8D2560FFD3}"/>
+              </a:ext>
+            </a:extLst>
+          </p:cNvPr>
+          <p:cNvPicPr>
+            <a:picLocks noChangeAspect="1" noChangeArrowheads="1"/>
+          </p:cNvPicPr>
+          <p:nvPr/>
+        </p:nvPicPr>
+        <p:blipFill>
+          <a:blip r:embed="rId4" cstate="print">
+            <a:extLst>
+              <a:ext uri="{28A0092B-C50C-407E-A947-70E740481C1C}">
+                <a14:useLocalDpi xmlns:a14="http://schemas.microsoft.com/office/drawing/2010/main" val="0"/>
+              </a:ext>
+            </a:extLst>
+          </a:blip>
+          <a:srcRect/>
+          <a:stretch>
+            <a:fillRect/>
+          </a:stretch>
+        </p:blipFill>
+        <p:spPr bwMode="auto">
+          <a:xfrm>
+            <a:off x="3150093" y="4688024"/>
+            <a:ext cx="455985" cy="529531"/>
+          </a:xfrm>
+          <a:prstGeom prst="rect">
+            <a:avLst/>
+          </a:prstGeom>
+          <a:noFill/>
+          <a:extLst>
+            <a:ext uri="{909E8E84-426E-40DD-AFC4-6F175D3DCCD1}">
+              <a14:hiddenFill xmlns:a14="http://schemas.microsoft.com/office/drawing/2010/main">
+                <a:solidFill>
+                  <a:srgbClr val="FFFFFF"/>
+                </a:solidFill>
+              </a14:hiddenFill>
+            </a:ext>
+          </a:extLst>
+        </p:spPr>
+      </p:pic>
+      <p:pic>
+        <p:nvPicPr>
+          <p:cNvPr id="5" name="Picture 2" descr="ファイルアイコン（ブランク）">
+            <a:extLst>
+              <a:ext uri="{FF2B5EF4-FFF2-40B4-BE49-F238E27FC236}">
+                <a16:creationId xmlns:a16="http://schemas.microsoft.com/office/drawing/2014/main" id="{B65B7896-6F58-EF46-8BFD-A7594DECC984}"/>
+              </a:ext>
+            </a:extLst>
+          </p:cNvPr>
+          <p:cNvPicPr>
+            <a:picLocks noChangeAspect="1" noChangeArrowheads="1"/>
+          </p:cNvPicPr>
+          <p:nvPr/>
+        </p:nvPicPr>
+        <p:blipFill>
+          <a:blip r:embed="rId4" cstate="print">
+            <a:extLst>
+              <a:ext uri="{28A0092B-C50C-407E-A947-70E740481C1C}">
+                <a14:useLocalDpi xmlns:a14="http://schemas.microsoft.com/office/drawing/2010/main" val="0"/>
+              </a:ext>
+            </a:extLst>
+          </a:blip>
+          <a:srcRect/>
+          <a:stretch>
+            <a:fillRect/>
+          </a:stretch>
+        </p:blipFill>
+        <p:spPr bwMode="auto">
+          <a:xfrm>
+            <a:off x="2502021" y="4688024"/>
+            <a:ext cx="455985" cy="529531"/>
+          </a:xfrm>
+          <a:prstGeom prst="rect">
+            <a:avLst/>
+          </a:prstGeom>
+          <a:noFill/>
+          <a:extLst>
+            <a:ext uri="{909E8E84-426E-40DD-AFC4-6F175D3DCCD1}">
+              <a14:hiddenFill xmlns:a14="http://schemas.microsoft.com/office/drawing/2010/main">
+                <a:solidFill>
+                  <a:srgbClr val="FFFFFF"/>
+                </a:solidFill>
+              </a14:hiddenFill>
+            </a:ext>
+          </a:extLst>
+        </p:spPr>
+      </p:pic>
+      <p:sp>
+        <p:nvSpPr>
+          <p:cNvPr id="6" name="角丸四角形 5">
+            <a:extLst>
+              <a:ext uri="{FF2B5EF4-FFF2-40B4-BE49-F238E27FC236}">
+                <a16:creationId xmlns:a16="http://schemas.microsoft.com/office/drawing/2014/main" id="{83FB53E6-1CF4-A64B-893C-E8ADE54CA479}"/>
+              </a:ext>
+            </a:extLst>
+          </p:cNvPr>
+          <p:cNvSpPr/>
+          <p:nvPr/>
+        </p:nvSpPr>
+        <p:spPr>
+          <a:xfrm>
+            <a:off x="755576" y="3573016"/>
+            <a:ext cx="3810136" cy="1914399"/>
+          </a:xfrm>
+          <a:prstGeom prst="roundRect">
+            <a:avLst/>
+          </a:prstGeom>
+          <a:noFill/>
+          <a:ln w="28575">
+            <a:solidFill>
+              <a:schemeClr val="tx1"/>
+            </a:solidFill>
+            <a:prstDash val="dash"/>
+          </a:ln>
+        </p:spPr>
+        <p:style>
+          <a:lnRef idx="2">
+            <a:schemeClr val="accent1">
+              <a:shade val="50000"/>
+            </a:schemeClr>
+          </a:lnRef>
+          <a:fillRef idx="1">
+            <a:schemeClr val="accent1"/>
+          </a:fillRef>
+          <a:effectRef idx="0">
+            <a:schemeClr val="accent1"/>
+          </a:effectRef>
+          <a:fontRef idx="minor">
+            <a:schemeClr val="lt1"/>
+          </a:fontRef>
+        </p:style>
+        <p:txBody>
+          <a:bodyPr rtlCol="0" anchor="ctr"/>
+          <a:lstStyle/>
+          <a:p>
+            <a:pPr algn="ctr"/>
+            <a:endParaRPr kumimoji="1" lang="ja-JP" altLang="en-US"/>
+          </a:p>
+        </p:txBody>
+      </p:sp>
+      <p:sp>
+        <p:nvSpPr>
+          <p:cNvPr id="7" name="円柱 6">
+            <a:extLst>
+              <a:ext uri="{FF2B5EF4-FFF2-40B4-BE49-F238E27FC236}">
+                <a16:creationId xmlns:a16="http://schemas.microsoft.com/office/drawing/2014/main" id="{93AF649B-D383-AA43-AB51-BA35C7D633D7}"/>
+              </a:ext>
+            </a:extLst>
+          </p:cNvPr>
+          <p:cNvSpPr/>
+          <p:nvPr/>
+        </p:nvSpPr>
+        <p:spPr>
+          <a:xfrm>
+            <a:off x="992182" y="4760032"/>
+            <a:ext cx="669680" cy="496072"/>
+          </a:xfrm>
+          <a:prstGeom prst="can">
+            <a:avLst/>
+          </a:prstGeom>
+          <a:solidFill>
+            <a:schemeClr val="accent2">
+              <a:lumMod val="40000"/>
+              <a:lumOff val="60000"/>
+            </a:schemeClr>
+          </a:solidFill>
+          <a:ln>
+            <a:solidFill>
+              <a:schemeClr val="tx1"/>
+            </a:solidFill>
+          </a:ln>
+        </p:spPr>
+        <p:style>
+          <a:lnRef idx="2">
+            <a:schemeClr val="accent1">
+              <a:shade val="50000"/>
+            </a:schemeClr>
+          </a:lnRef>
+          <a:fillRef idx="1">
+            <a:schemeClr val="accent1"/>
+          </a:fillRef>
+          <a:effectRef idx="0">
+            <a:schemeClr val="accent1"/>
+          </a:effectRef>
+          <a:fontRef idx="minor">
+            <a:schemeClr val="lt1"/>
+          </a:fontRef>
+        </p:style>
+        <p:txBody>
+          <a:bodyPr rtlCol="0" anchor="ctr"/>
+          <a:lstStyle/>
+          <a:p>
+            <a:pPr algn="ctr"/>
+            <a:endParaRPr kumimoji="1" lang="ja-JP" altLang="en-US"/>
+          </a:p>
+        </p:txBody>
+      </p:sp>
+      <p:cxnSp>
+        <p:nvCxnSpPr>
+          <p:cNvPr id="9" name="直線コネクタ 8">
+            <a:extLst>
+              <a:ext uri="{FF2B5EF4-FFF2-40B4-BE49-F238E27FC236}">
+                <a16:creationId xmlns:a16="http://schemas.microsoft.com/office/drawing/2014/main" id="{F907CE50-AB74-9545-9954-AA18F1A6195A}"/>
+              </a:ext>
+            </a:extLst>
+          </p:cNvPr>
+          <p:cNvCxnSpPr>
+            <a:stCxn id="3" idx="2"/>
+            <a:endCxn id="7" idx="1"/>
+          </p:cNvCxnSpPr>
+          <p:nvPr/>
+        </p:nvCxnSpPr>
+        <p:spPr>
+          <a:xfrm>
+            <a:off x="1323855" y="4463899"/>
+            <a:ext cx="3167" cy="296133"/>
+          </a:xfrm>
+          <a:prstGeom prst="line">
+            <a:avLst/>
+          </a:prstGeom>
+          <a:ln>
+            <a:solidFill>
+              <a:schemeClr val="tx1"/>
+            </a:solidFill>
+            <a:headEnd type="none" w="med" len="med"/>
+            <a:tailEnd type="none" w="med" len="med"/>
+          </a:ln>
+        </p:spPr>
+        <p:style>
+          <a:lnRef idx="1">
+            <a:schemeClr val="accent1"/>
+          </a:lnRef>
+          <a:fillRef idx="0">
+            <a:schemeClr val="accent1"/>
+          </a:fillRef>
+          <a:effectRef idx="0">
+            <a:schemeClr val="accent1"/>
+          </a:effectRef>
+          <a:fontRef idx="minor">
+            <a:schemeClr val="tx1"/>
+          </a:fontRef>
+        </p:style>
+      </p:cxnSp>
+      <p:pic>
+        <p:nvPicPr>
+          <p:cNvPr id="10" name="Picture 2" descr="フォルダのイラスト">
+            <a:extLst>
+              <a:ext uri="{FF2B5EF4-FFF2-40B4-BE49-F238E27FC236}">
+                <a16:creationId xmlns:a16="http://schemas.microsoft.com/office/drawing/2014/main" id="{F9FDF82B-DFBF-0346-B923-AC279B301F89}"/>
+              </a:ext>
+            </a:extLst>
+          </p:cNvPr>
+          <p:cNvPicPr>
+            <a:picLocks noChangeAspect="1" noChangeArrowheads="1"/>
+          </p:cNvPicPr>
+          <p:nvPr/>
+        </p:nvPicPr>
+        <p:blipFill>
+          <a:blip r:embed="rId5" cstate="print">
+            <a:extLst>
+              <a:ext uri="{28A0092B-C50C-407E-A947-70E740481C1C}">
+                <a14:useLocalDpi xmlns:a14="http://schemas.microsoft.com/office/drawing/2010/main" val="0"/>
+              </a:ext>
+            </a:extLst>
+          </a:blip>
+          <a:srcRect/>
+          <a:stretch>
+            <a:fillRect/>
+          </a:stretch>
+        </p:blipFill>
+        <p:spPr bwMode="auto">
+          <a:xfrm>
+            <a:off x="1733870" y="4688024"/>
+            <a:ext cx="687838" cy="576064"/>
+          </a:xfrm>
+          <a:prstGeom prst="rect">
+            <a:avLst/>
+          </a:prstGeom>
+          <a:noFill/>
+          <a:extLst>
+            <a:ext uri="{909E8E84-426E-40DD-AFC4-6F175D3DCCD1}">
+              <a14:hiddenFill xmlns:a14="http://schemas.microsoft.com/office/drawing/2010/main">
+                <a:solidFill>
+                  <a:srgbClr val="FFFFFF"/>
+                </a:solidFill>
+              </a14:hiddenFill>
+            </a:ext>
+          </a:extLst>
+        </p:spPr>
+      </p:pic>
+      <p:cxnSp>
+        <p:nvCxnSpPr>
+          <p:cNvPr id="11" name="カギ線コネクタ 10">
+            <a:extLst>
+              <a:ext uri="{FF2B5EF4-FFF2-40B4-BE49-F238E27FC236}">
+                <a16:creationId xmlns:a16="http://schemas.microsoft.com/office/drawing/2014/main" id="{16AE55B4-886F-D64F-98D2-F9779153B0BC}"/>
+              </a:ext>
+            </a:extLst>
+          </p:cNvPr>
+          <p:cNvCxnSpPr>
+            <a:stCxn id="3" idx="2"/>
+            <a:endCxn id="10" idx="0"/>
+          </p:cNvCxnSpPr>
+          <p:nvPr/>
+        </p:nvCxnSpPr>
+        <p:spPr>
+          <a:xfrm rot="16200000" flipH="1">
+            <a:off x="1588760" y="4198994"/>
+            <a:ext cx="224125" cy="753934"/>
+          </a:xfrm>
+          <a:prstGeom prst="bentConnector3">
+            <a:avLst/>
+          </a:prstGeom>
+          <a:ln>
+            <a:solidFill>
+              <a:schemeClr val="tx1"/>
+            </a:solidFill>
+            <a:headEnd type="none" w="med" len="med"/>
+            <a:tailEnd type="none" w="med" len="med"/>
+          </a:ln>
+        </p:spPr>
+        <p:style>
+          <a:lnRef idx="1">
+            <a:schemeClr val="accent1"/>
+          </a:lnRef>
+          <a:fillRef idx="0">
+            <a:schemeClr val="accent1"/>
+          </a:fillRef>
+          <a:effectRef idx="0">
+            <a:schemeClr val="accent1"/>
+          </a:effectRef>
+          <a:fontRef idx="minor">
+            <a:schemeClr val="tx1"/>
+          </a:fontRef>
+        </p:style>
+      </p:cxnSp>
+      <p:cxnSp>
+        <p:nvCxnSpPr>
+          <p:cNvPr id="12" name="カギ線コネクタ 11">
+            <a:extLst>
+              <a:ext uri="{FF2B5EF4-FFF2-40B4-BE49-F238E27FC236}">
+                <a16:creationId xmlns:a16="http://schemas.microsoft.com/office/drawing/2014/main" id="{5C1AB882-7D75-0D4F-8F54-2A86B469485A}"/>
+              </a:ext>
+            </a:extLst>
+          </p:cNvPr>
+          <p:cNvCxnSpPr>
+            <a:stCxn id="3" idx="2"/>
+            <a:endCxn id="5" idx="0"/>
+          </p:cNvCxnSpPr>
+          <p:nvPr/>
+        </p:nvCxnSpPr>
+        <p:spPr>
+          <a:xfrm rot="16200000" flipH="1">
+            <a:off x="1914872" y="3872881"/>
+            <a:ext cx="224125" cy="1406159"/>
+          </a:xfrm>
+          <a:prstGeom prst="bentConnector3">
+            <a:avLst/>
+          </a:prstGeom>
+          <a:ln>
+            <a:solidFill>
+              <a:schemeClr val="tx1"/>
+            </a:solidFill>
+            <a:headEnd type="none" w="med" len="med"/>
+            <a:tailEnd type="none" w="med" len="med"/>
+          </a:ln>
+        </p:spPr>
+        <p:style>
+          <a:lnRef idx="1">
+            <a:schemeClr val="accent1"/>
+          </a:lnRef>
+          <a:fillRef idx="0">
+            <a:schemeClr val="accent1"/>
+          </a:fillRef>
+          <a:effectRef idx="0">
+            <a:schemeClr val="accent1"/>
+          </a:effectRef>
+          <a:fontRef idx="minor">
+            <a:schemeClr val="tx1"/>
+          </a:fontRef>
+        </p:style>
+      </p:cxnSp>
+      <p:cxnSp>
+        <p:nvCxnSpPr>
+          <p:cNvPr id="13" name="カギ線コネクタ 12">
+            <a:extLst>
+              <a:ext uri="{FF2B5EF4-FFF2-40B4-BE49-F238E27FC236}">
+                <a16:creationId xmlns:a16="http://schemas.microsoft.com/office/drawing/2014/main" id="{48832397-8D6A-354B-BB37-3FE1FC6897BF}"/>
+              </a:ext>
+            </a:extLst>
+          </p:cNvPr>
+          <p:cNvCxnSpPr>
+            <a:stCxn id="3" idx="2"/>
+            <a:endCxn id="4" idx="0"/>
+          </p:cNvCxnSpPr>
+          <p:nvPr/>
+        </p:nvCxnSpPr>
+        <p:spPr>
+          <a:xfrm rot="16200000" flipH="1">
+            <a:off x="2238908" y="3548845"/>
+            <a:ext cx="224125" cy="2054231"/>
+          </a:xfrm>
+          <a:prstGeom prst="bentConnector3">
+            <a:avLst/>
+          </a:prstGeom>
+          <a:ln>
+            <a:solidFill>
+              <a:schemeClr val="tx1"/>
+            </a:solidFill>
+            <a:headEnd type="none" w="med" len="med"/>
+            <a:tailEnd type="none" w="med" len="med"/>
+          </a:ln>
+        </p:spPr>
+        <p:style>
+          <a:lnRef idx="1">
+            <a:schemeClr val="accent1"/>
+          </a:lnRef>
+          <a:fillRef idx="0">
+            <a:schemeClr val="accent1"/>
+          </a:fillRef>
+          <a:effectRef idx="0">
+            <a:schemeClr val="accent1"/>
+          </a:effectRef>
+          <a:fontRef idx="minor">
+            <a:schemeClr val="tx1"/>
+          </a:fontRef>
+        </p:style>
+      </p:cxnSp>
+      <p:sp>
+        <p:nvSpPr>
+          <p:cNvPr id="16" name="テキスト ボックス 15">
+            <a:extLst>
+              <a:ext uri="{FF2B5EF4-FFF2-40B4-BE49-F238E27FC236}">
+                <a16:creationId xmlns:a16="http://schemas.microsoft.com/office/drawing/2014/main" id="{20A8443A-EA27-4949-8110-7FD0815935BA}"/>
+              </a:ext>
+            </a:extLst>
+          </p:cNvPr>
+          <p:cNvSpPr txBox="1"/>
+          <p:nvPr/>
+        </p:nvSpPr>
+        <p:spPr>
+          <a:xfrm>
+            <a:off x="969232" y="4881194"/>
+            <a:ext cx="633507" cy="338554"/>
+          </a:xfrm>
+          <a:prstGeom prst="rect">
+            <a:avLst/>
+          </a:prstGeom>
+          <a:noFill/>
+        </p:spPr>
+        <p:txBody>
+          <a:bodyPr wrap="none" rtlCol="0">
+            <a:spAutoFit/>
+          </a:bodyPr>
+          <a:lstStyle/>
+          <a:p>
+            <a:r>
+              <a:rPr lang="en-US" altLang="ja-JP" sz="1600" dirty="0">
+                <a:latin typeface="Consolas" panose="020B0609020204030204" pitchFamily="49" charset="0"/>
+                <a:cs typeface="Consolas" panose="020B0609020204030204" pitchFamily="49" charset="0"/>
+              </a:rPr>
+              <a:t>.git</a:t>
+            </a:r>
+            <a:endParaRPr kumimoji="1" lang="ja-JP" altLang="en-US" sz="1600" dirty="0">
+              <a:latin typeface="Consolas" panose="020B0609020204030204" pitchFamily="49" charset="0"/>
+              <a:cs typeface="Consolas" panose="020B0609020204030204" pitchFamily="49" charset="0"/>
+            </a:endParaRPr>
+          </a:p>
+        </p:txBody>
+      </p:sp>
+      <p:pic>
+        <p:nvPicPr>
+          <p:cNvPr id="17" name="Picture 2" descr="ファイルアイコン（ブランク）">
+            <a:extLst>
+              <a:ext uri="{FF2B5EF4-FFF2-40B4-BE49-F238E27FC236}">
+                <a16:creationId xmlns:a16="http://schemas.microsoft.com/office/drawing/2014/main" id="{251EC517-CFC7-C74D-A7D2-E2AFA2532D84}"/>
+              </a:ext>
+            </a:extLst>
+          </p:cNvPr>
+          <p:cNvPicPr>
+            <a:picLocks noChangeAspect="1" noChangeArrowheads="1"/>
+          </p:cNvPicPr>
+          <p:nvPr/>
+        </p:nvPicPr>
+        <p:blipFill>
+          <a:blip r:embed="rId4" cstate="print">
+            <a:extLst>
+              <a:ext uri="{28A0092B-C50C-407E-A947-70E740481C1C}">
+                <a14:useLocalDpi xmlns:a14="http://schemas.microsoft.com/office/drawing/2010/main" val="0"/>
+              </a:ext>
+            </a:extLst>
+          </a:blip>
+          <a:srcRect/>
+          <a:stretch>
+            <a:fillRect/>
+          </a:stretch>
+        </p:blipFill>
+        <p:spPr bwMode="auto">
+          <a:xfrm>
+            <a:off x="3759693" y="4691337"/>
+            <a:ext cx="455985" cy="529531"/>
+          </a:xfrm>
+          <a:prstGeom prst="rect">
+            <a:avLst/>
+          </a:prstGeom>
+          <a:noFill/>
+          <a:extLst>
+            <a:ext uri="{909E8E84-426E-40DD-AFC4-6F175D3DCCD1}">
+              <a14:hiddenFill xmlns:a14="http://schemas.microsoft.com/office/drawing/2010/main">
+                <a:solidFill>
+                  <a:srgbClr val="FFFFFF"/>
+                </a:solidFill>
+              </a14:hiddenFill>
+            </a:ext>
+          </a:extLst>
+        </p:spPr>
+      </p:pic>
+      <p:cxnSp>
+        <p:nvCxnSpPr>
+          <p:cNvPr id="18" name="カギ線コネクタ 17">
+            <a:extLst>
+              <a:ext uri="{FF2B5EF4-FFF2-40B4-BE49-F238E27FC236}">
+                <a16:creationId xmlns:a16="http://schemas.microsoft.com/office/drawing/2014/main" id="{CF35A663-0105-BB43-B2A1-0831360BC587}"/>
+              </a:ext>
+            </a:extLst>
+          </p:cNvPr>
+          <p:cNvCxnSpPr>
+            <a:cxnSpLocks/>
+            <a:stCxn id="3" idx="2"/>
+            <a:endCxn id="17" idx="0"/>
+          </p:cNvCxnSpPr>
+          <p:nvPr/>
+        </p:nvCxnSpPr>
+        <p:spPr>
+          <a:xfrm rot="16200000" flipH="1">
+            <a:off x="2542051" y="3245702"/>
+            <a:ext cx="227438" cy="2663831"/>
+          </a:xfrm>
+          <a:prstGeom prst="bentConnector3">
+            <a:avLst>
+              <a:gd name="adj1" fmla="val 50000"/>
+            </a:avLst>
+          </a:prstGeom>
+          <a:ln>
+            <a:solidFill>
+              <a:schemeClr val="tx1"/>
+            </a:solidFill>
+            <a:headEnd type="none" w="med" len="med"/>
+            <a:tailEnd type="none" w="med" len="med"/>
+          </a:ln>
+        </p:spPr>
+        <p:style>
+          <a:lnRef idx="1">
+            <a:schemeClr val="accent1"/>
+          </a:lnRef>
+          <a:fillRef idx="0">
+            <a:schemeClr val="accent1"/>
+          </a:fillRef>
+          <a:effectRef idx="0">
+            <a:schemeClr val="accent1"/>
+          </a:effectRef>
+          <a:fontRef idx="minor">
+            <a:schemeClr val="tx1"/>
+          </a:fontRef>
+        </p:style>
+      </p:cxnSp>
+      <p:pic>
+        <p:nvPicPr>
+          <p:cNvPr id="1028" name="Picture 4" descr="サーバのイラスト（グレー）">
+            <a:extLst>
+              <a:ext uri="{FF2B5EF4-FFF2-40B4-BE49-F238E27FC236}">
+                <a16:creationId xmlns:a16="http://schemas.microsoft.com/office/drawing/2014/main" id="{BDCF0C36-7F26-4940-872D-31F6C259E189}"/>
+              </a:ext>
+            </a:extLst>
+          </p:cNvPr>
+          <p:cNvPicPr>
+            <a:picLocks noChangeAspect="1" noChangeArrowheads="1"/>
+          </p:cNvPicPr>
+          <p:nvPr/>
+        </p:nvPicPr>
+        <p:blipFill>
+          <a:blip r:embed="rId6">
+            <a:extLst>
+              <a:ext uri="{28A0092B-C50C-407E-A947-70E740481C1C}">
+                <a14:useLocalDpi xmlns:a14="http://schemas.microsoft.com/office/drawing/2010/main" val="0"/>
+              </a:ext>
+            </a:extLst>
+          </a:blip>
+          <a:srcRect/>
+          <a:stretch>
+            <a:fillRect/>
+          </a:stretch>
+        </p:blipFill>
+        <p:spPr bwMode="auto">
+          <a:xfrm>
+            <a:off x="6740110" y="1152938"/>
+            <a:ext cx="1074729" cy="1636643"/>
+          </a:xfrm>
+          <a:prstGeom prst="rect">
+            <a:avLst/>
+          </a:prstGeom>
+          <a:noFill/>
+          <a:extLst>
+            <a:ext uri="{909E8E84-426E-40DD-AFC4-6F175D3DCCD1}">
+              <a14:hiddenFill xmlns:a14="http://schemas.microsoft.com/office/drawing/2010/main">
+                <a:solidFill>
+                  <a:srgbClr val="FFFFFF"/>
+                </a:solidFill>
+              </a14:hiddenFill>
+            </a:ext>
+          </a:extLst>
+        </p:spPr>
+      </p:pic>
+      <p:sp>
+        <p:nvSpPr>
+          <p:cNvPr id="20" name="角丸四角形 19">
+            <a:extLst>
+              <a:ext uri="{FF2B5EF4-FFF2-40B4-BE49-F238E27FC236}">
+                <a16:creationId xmlns:a16="http://schemas.microsoft.com/office/drawing/2014/main" id="{D57C3040-2E93-F846-AB6A-6F20F0F0405E}"/>
+              </a:ext>
+            </a:extLst>
+          </p:cNvPr>
+          <p:cNvSpPr/>
+          <p:nvPr/>
+        </p:nvSpPr>
+        <p:spPr>
+          <a:xfrm>
+            <a:off x="6588224" y="3573016"/>
+            <a:ext cx="1222647" cy="1914399"/>
+          </a:xfrm>
+          <a:prstGeom prst="roundRect">
+            <a:avLst/>
+          </a:prstGeom>
+          <a:noFill/>
+          <a:ln w="28575">
+            <a:solidFill>
+              <a:schemeClr val="tx1"/>
+            </a:solidFill>
+            <a:prstDash val="dash"/>
+          </a:ln>
+        </p:spPr>
+        <p:style>
+          <a:lnRef idx="2">
+            <a:schemeClr val="accent1">
+              <a:shade val="50000"/>
+            </a:schemeClr>
+          </a:lnRef>
+          <a:fillRef idx="1">
+            <a:schemeClr val="accent1"/>
+          </a:fillRef>
+          <a:effectRef idx="0">
+            <a:schemeClr val="accent1"/>
+          </a:effectRef>
+          <a:fontRef idx="minor">
+            <a:schemeClr val="lt1"/>
+          </a:fontRef>
+        </p:style>
+        <p:txBody>
+          <a:bodyPr rtlCol="0" anchor="ctr"/>
+          <a:lstStyle/>
+          <a:p>
+            <a:pPr algn="ctr"/>
+            <a:endParaRPr kumimoji="1" lang="ja-JP" altLang="en-US"/>
+          </a:p>
+        </p:txBody>
+      </p:sp>
+      <p:pic>
+        <p:nvPicPr>
+          <p:cNvPr id="21" name="Picture 2" descr="フォルダのイラスト">
+            <a:extLst>
+              <a:ext uri="{FF2B5EF4-FFF2-40B4-BE49-F238E27FC236}">
+                <a16:creationId xmlns:a16="http://schemas.microsoft.com/office/drawing/2014/main" id="{20F7ED3D-65EE-BF41-8794-E08059C89615}"/>
+              </a:ext>
+            </a:extLst>
+          </p:cNvPr>
+          <p:cNvPicPr>
+            <a:picLocks noChangeAspect="1" noChangeArrowheads="1"/>
+          </p:cNvPicPr>
+          <p:nvPr/>
+        </p:nvPicPr>
+        <p:blipFill>
+          <a:blip r:embed="rId3" cstate="print">
+            <a:extLst>
+              <a:ext uri="{28A0092B-C50C-407E-A947-70E740481C1C}">
+                <a14:useLocalDpi xmlns:a14="http://schemas.microsoft.com/office/drawing/2010/main" val="0"/>
+              </a:ext>
+            </a:extLst>
+          </a:blip>
+          <a:srcRect/>
+          <a:stretch>
+            <a:fillRect/>
+          </a:stretch>
+        </p:blipFill>
+        <p:spPr bwMode="auto">
+          <a:xfrm>
+            <a:off x="6784368" y="3813989"/>
+            <a:ext cx="764145" cy="639971"/>
+          </a:xfrm>
+          <a:prstGeom prst="rect">
+            <a:avLst/>
+          </a:prstGeom>
+          <a:noFill/>
+          <a:extLst>
+            <a:ext uri="{909E8E84-426E-40DD-AFC4-6F175D3DCCD1}">
+              <a14:hiddenFill xmlns:a14="http://schemas.microsoft.com/office/drawing/2010/main">
+                <a:solidFill>
+                  <a:srgbClr val="FFFFFF"/>
+                </a:solidFill>
+              </a14:hiddenFill>
+            </a:ext>
+          </a:extLst>
+        </p:spPr>
+      </p:pic>
+      <p:sp>
+        <p:nvSpPr>
+          <p:cNvPr id="22" name="円柱 21">
+            <a:extLst>
+              <a:ext uri="{FF2B5EF4-FFF2-40B4-BE49-F238E27FC236}">
+                <a16:creationId xmlns:a16="http://schemas.microsoft.com/office/drawing/2014/main" id="{148E9CEB-4D98-2945-B54B-F41FF3B88034}"/>
+              </a:ext>
+            </a:extLst>
+          </p:cNvPr>
+          <p:cNvSpPr/>
+          <p:nvPr/>
+        </p:nvSpPr>
+        <p:spPr>
+          <a:xfrm>
+            <a:off x="6834768" y="4750093"/>
+            <a:ext cx="669680" cy="496072"/>
+          </a:xfrm>
+          <a:prstGeom prst="can">
+            <a:avLst/>
+          </a:prstGeom>
+          <a:solidFill>
+            <a:schemeClr val="accent2">
+              <a:lumMod val="40000"/>
+              <a:lumOff val="60000"/>
+            </a:schemeClr>
+          </a:solidFill>
+          <a:ln>
+            <a:solidFill>
+              <a:schemeClr val="tx1"/>
+            </a:solidFill>
+          </a:ln>
+        </p:spPr>
+        <p:style>
+          <a:lnRef idx="2">
+            <a:schemeClr val="accent1">
+              <a:shade val="50000"/>
+            </a:schemeClr>
+          </a:lnRef>
+          <a:fillRef idx="1">
+            <a:schemeClr val="accent1"/>
+          </a:fillRef>
+          <a:effectRef idx="0">
+            <a:schemeClr val="accent1"/>
+          </a:effectRef>
+          <a:fontRef idx="minor">
+            <a:schemeClr val="lt1"/>
+          </a:fontRef>
+        </p:style>
+        <p:txBody>
+          <a:bodyPr rtlCol="0" anchor="ctr"/>
+          <a:lstStyle/>
+          <a:p>
+            <a:pPr algn="ctr"/>
+            <a:endParaRPr kumimoji="1" lang="ja-JP" altLang="en-US"/>
+          </a:p>
+        </p:txBody>
+      </p:sp>
+      <p:cxnSp>
+        <p:nvCxnSpPr>
+          <p:cNvPr id="23" name="直線コネクタ 22">
+            <a:extLst>
+              <a:ext uri="{FF2B5EF4-FFF2-40B4-BE49-F238E27FC236}">
+                <a16:creationId xmlns:a16="http://schemas.microsoft.com/office/drawing/2014/main" id="{48123B53-35C1-6B4E-A14B-B1524E39CDF7}"/>
+              </a:ext>
+            </a:extLst>
+          </p:cNvPr>
+          <p:cNvCxnSpPr>
+            <a:stCxn id="21" idx="2"/>
+            <a:endCxn id="22" idx="1"/>
+          </p:cNvCxnSpPr>
+          <p:nvPr/>
+        </p:nvCxnSpPr>
+        <p:spPr>
+          <a:xfrm>
+            <a:off x="7166441" y="4453960"/>
+            <a:ext cx="3167" cy="296133"/>
+          </a:xfrm>
+          <a:prstGeom prst="line">
+            <a:avLst/>
+          </a:prstGeom>
+          <a:ln>
+            <a:solidFill>
+              <a:schemeClr val="tx1"/>
+            </a:solidFill>
+            <a:headEnd type="none" w="med" len="med"/>
+            <a:tailEnd type="none" w="med" len="med"/>
+          </a:ln>
+        </p:spPr>
+        <p:style>
+          <a:lnRef idx="1">
+            <a:schemeClr val="accent1"/>
+          </a:lnRef>
+          <a:fillRef idx="0">
+            <a:schemeClr val="accent1"/>
+          </a:fillRef>
+          <a:effectRef idx="0">
+            <a:schemeClr val="accent1"/>
+          </a:effectRef>
+          <a:fontRef idx="minor">
+            <a:schemeClr val="tx1"/>
+          </a:fontRef>
+        </p:style>
+      </p:cxnSp>
+      <p:sp>
+        <p:nvSpPr>
+          <p:cNvPr id="24" name="テキスト ボックス 23">
+            <a:extLst>
+              <a:ext uri="{FF2B5EF4-FFF2-40B4-BE49-F238E27FC236}">
+                <a16:creationId xmlns:a16="http://schemas.microsoft.com/office/drawing/2014/main" id="{CF8C2759-DB1E-F841-8784-87BE5A111C5D}"/>
+              </a:ext>
+            </a:extLst>
+          </p:cNvPr>
+          <p:cNvSpPr txBox="1"/>
+          <p:nvPr/>
+        </p:nvSpPr>
+        <p:spPr>
+          <a:xfrm>
+            <a:off x="6811818" y="4871255"/>
+            <a:ext cx="633507" cy="338554"/>
+          </a:xfrm>
+          <a:prstGeom prst="rect">
+            <a:avLst/>
+          </a:prstGeom>
+          <a:noFill/>
+        </p:spPr>
+        <p:txBody>
+          <a:bodyPr wrap="none" rtlCol="0">
+            <a:spAutoFit/>
+          </a:bodyPr>
+          <a:lstStyle/>
+          <a:p>
+            <a:r>
+              <a:rPr lang="en-US" altLang="ja-JP" sz="1600" dirty="0">
+                <a:latin typeface="Consolas" panose="020B0609020204030204" pitchFamily="49" charset="0"/>
+                <a:cs typeface="Consolas" panose="020B0609020204030204" pitchFamily="49" charset="0"/>
+              </a:rPr>
+              <a:t>.git</a:t>
+            </a:r>
+            <a:endParaRPr kumimoji="1" lang="ja-JP" altLang="en-US" sz="1600" dirty="0">
+              <a:latin typeface="Consolas" panose="020B0609020204030204" pitchFamily="49" charset="0"/>
+              <a:cs typeface="Consolas" panose="020B0609020204030204" pitchFamily="49" charset="0"/>
+            </a:endParaRPr>
+          </a:p>
+        </p:txBody>
+      </p:sp>
+      <p:sp>
+        <p:nvSpPr>
+          <p:cNvPr id="2" name="テキスト ボックス 1">
+            <a:extLst>
+              <a:ext uri="{FF2B5EF4-FFF2-40B4-BE49-F238E27FC236}">
+                <a16:creationId xmlns:a16="http://schemas.microsoft.com/office/drawing/2014/main" id="{3C8757E8-FFF0-3943-B234-748CF2AA43F4}"/>
+              </a:ext>
+            </a:extLst>
+          </p:cNvPr>
+          <p:cNvSpPr txBox="1"/>
+          <p:nvPr/>
+        </p:nvSpPr>
+        <p:spPr>
+          <a:xfrm>
+            <a:off x="1619672" y="476672"/>
+            <a:ext cx="1483098" cy="461665"/>
+          </a:xfrm>
+          <a:prstGeom prst="rect">
+            <a:avLst/>
+          </a:prstGeom>
+          <a:noFill/>
+        </p:spPr>
+        <p:txBody>
+          <a:bodyPr wrap="none" rtlCol="0">
+            <a:spAutoFit/>
+          </a:bodyPr>
+          <a:lstStyle/>
+          <a:p>
+            <a:r>
+              <a:rPr kumimoji="1" lang="ja-JP" altLang="en-US" sz="2400"/>
+              <a:t>自分の</a:t>
+            </a:r>
+            <a:r>
+              <a:rPr lang="en-US" altLang="ja-JP" sz="2400"/>
+              <a:t>PC</a:t>
+            </a:r>
+            <a:endParaRPr kumimoji="1" lang="ja-JP" altLang="en-US" sz="2400"/>
+          </a:p>
+        </p:txBody>
+      </p:sp>
+      <p:sp>
+        <p:nvSpPr>
+          <p:cNvPr id="26" name="テキスト ボックス 25">
+            <a:extLst>
+              <a:ext uri="{FF2B5EF4-FFF2-40B4-BE49-F238E27FC236}">
+                <a16:creationId xmlns:a16="http://schemas.microsoft.com/office/drawing/2014/main" id="{11775100-95C6-EB40-A188-B66D8B2B1FFE}"/>
+              </a:ext>
+            </a:extLst>
+          </p:cNvPr>
+          <p:cNvSpPr txBox="1"/>
+          <p:nvPr/>
+        </p:nvSpPr>
+        <p:spPr>
+          <a:xfrm>
+            <a:off x="6444208" y="404664"/>
+            <a:ext cx="1107996" cy="461665"/>
+          </a:xfrm>
+          <a:prstGeom prst="rect">
+            <a:avLst/>
+          </a:prstGeom>
+          <a:noFill/>
+        </p:spPr>
+        <p:txBody>
+          <a:bodyPr wrap="none" rtlCol="0">
+            <a:spAutoFit/>
+          </a:bodyPr>
+          <a:lstStyle/>
+          <a:p>
+            <a:r>
+              <a:rPr kumimoji="1" lang="ja-JP" altLang="en-US" sz="2400"/>
+              <a:t>サーバ</a:t>
+            </a:r>
+          </a:p>
+        </p:txBody>
+      </p:sp>
+      <p:sp>
+        <p:nvSpPr>
+          <p:cNvPr id="19" name="テキスト ボックス 18">
+            <a:extLst>
+              <a:ext uri="{FF2B5EF4-FFF2-40B4-BE49-F238E27FC236}">
+                <a16:creationId xmlns:a16="http://schemas.microsoft.com/office/drawing/2014/main" id="{CED36E11-FFBA-4C4B-AD6C-825447CA2437}"/>
+              </a:ext>
+            </a:extLst>
+          </p:cNvPr>
+          <p:cNvSpPr txBox="1"/>
+          <p:nvPr/>
+        </p:nvSpPr>
+        <p:spPr>
+          <a:xfrm>
+            <a:off x="827584" y="3068960"/>
+            <a:ext cx="2262158" cy="369332"/>
+          </a:xfrm>
+          <a:prstGeom prst="rect">
+            <a:avLst/>
+          </a:prstGeom>
+          <a:noFill/>
+        </p:spPr>
+        <p:txBody>
+          <a:bodyPr wrap="none" rtlCol="0">
+            <a:spAutoFit/>
+          </a:bodyPr>
+          <a:lstStyle/>
+          <a:p>
+            <a:r>
+              <a:rPr kumimoji="1" lang="ja-JP" altLang="en-US"/>
+              <a:t>ローカルリポジトリ</a:t>
+            </a:r>
+          </a:p>
+        </p:txBody>
+      </p:sp>
+      <p:sp>
+        <p:nvSpPr>
+          <p:cNvPr id="28" name="テキスト ボックス 27">
+            <a:extLst>
+              <a:ext uri="{FF2B5EF4-FFF2-40B4-BE49-F238E27FC236}">
+                <a16:creationId xmlns:a16="http://schemas.microsoft.com/office/drawing/2014/main" id="{AF43818C-9CF7-3843-B0AA-6161332FCE26}"/>
+              </a:ext>
+            </a:extLst>
+          </p:cNvPr>
+          <p:cNvSpPr txBox="1"/>
+          <p:nvPr/>
+        </p:nvSpPr>
+        <p:spPr>
+          <a:xfrm>
+            <a:off x="6012160" y="3068960"/>
+            <a:ext cx="2262158" cy="369332"/>
+          </a:xfrm>
+          <a:prstGeom prst="rect">
+            <a:avLst/>
+          </a:prstGeom>
+          <a:noFill/>
+        </p:spPr>
+        <p:txBody>
+          <a:bodyPr wrap="none" rtlCol="0">
+            <a:spAutoFit/>
+          </a:bodyPr>
+          <a:lstStyle/>
+          <a:p>
+            <a:r>
+              <a:rPr kumimoji="1" lang="ja-JP" altLang="en-US"/>
+              <a:t>リモートリポジトリ</a:t>
+            </a:r>
+          </a:p>
+        </p:txBody>
+      </p:sp>
+      <p:pic>
+        <p:nvPicPr>
+          <p:cNvPr id="1030" name="Picture 6" descr="Wi-Fi無線ルーターのイラスト">
+            <a:extLst>
+              <a:ext uri="{FF2B5EF4-FFF2-40B4-BE49-F238E27FC236}">
+                <a16:creationId xmlns:a16="http://schemas.microsoft.com/office/drawing/2014/main" id="{C8F9FEF8-985E-2F4F-9E8A-6F34CDC0B6F1}"/>
+              </a:ext>
+            </a:extLst>
+          </p:cNvPr>
+          <p:cNvPicPr>
+            <a:picLocks noChangeAspect="1" noChangeArrowheads="1"/>
+          </p:cNvPicPr>
+          <p:nvPr/>
+        </p:nvPicPr>
+        <p:blipFill>
+          <a:blip r:embed="rId7">
+            <a:extLst>
+              <a:ext uri="{28A0092B-C50C-407E-A947-70E740481C1C}">
+                <a14:useLocalDpi xmlns:a14="http://schemas.microsoft.com/office/drawing/2010/main" val="0"/>
+              </a:ext>
+            </a:extLst>
+          </a:blip>
+          <a:srcRect/>
+          <a:stretch>
+            <a:fillRect/>
+          </a:stretch>
+        </p:blipFill>
+        <p:spPr bwMode="auto">
+          <a:xfrm>
+            <a:off x="4283968" y="1124744"/>
+            <a:ext cx="1008112" cy="1248436"/>
+          </a:xfrm>
+          <a:prstGeom prst="rect">
+            <a:avLst/>
+          </a:prstGeom>
+          <a:noFill/>
+          <a:extLst>
+            <a:ext uri="{909E8E84-426E-40DD-AFC4-6F175D3DCCD1}">
+              <a14:hiddenFill xmlns:a14="http://schemas.microsoft.com/office/drawing/2010/main">
+                <a:solidFill>
+                  <a:srgbClr val="FFFFFF"/>
+                </a:solidFill>
+              </a14:hiddenFill>
+            </a:ext>
+          </a:extLst>
+        </p:spPr>
+      </p:pic>
+      <p:pic>
+        <p:nvPicPr>
+          <p:cNvPr id="1032" name="Picture 8" descr="天気のマーク「雷」">
+            <a:extLst>
+              <a:ext uri="{FF2B5EF4-FFF2-40B4-BE49-F238E27FC236}">
+                <a16:creationId xmlns:a16="http://schemas.microsoft.com/office/drawing/2014/main" id="{B9A169C0-7383-CB4B-8924-31E9754FD69F}"/>
+              </a:ext>
+            </a:extLst>
+          </p:cNvPr>
+          <p:cNvPicPr>
+            <a:picLocks noChangeAspect="1" noChangeArrowheads="1"/>
+          </p:cNvPicPr>
+          <p:nvPr/>
+        </p:nvPicPr>
+        <p:blipFill>
+          <a:blip r:embed="rId8">
+            <a:extLst>
+              <a:ext uri="{28A0092B-C50C-407E-A947-70E740481C1C}">
+                <a14:useLocalDpi xmlns:a14="http://schemas.microsoft.com/office/drawing/2010/main" val="0"/>
+              </a:ext>
+            </a:extLst>
+          </a:blip>
+          <a:srcRect/>
+          <a:stretch>
+            <a:fillRect/>
+          </a:stretch>
+        </p:blipFill>
+        <p:spPr bwMode="auto">
+          <a:xfrm rot="15300000">
+            <a:off x="3249365" y="1427524"/>
+            <a:ext cx="890927" cy="926976"/>
+          </a:xfrm>
+          <a:prstGeom prst="rect">
+            <a:avLst/>
+          </a:prstGeom>
+          <a:noFill/>
+          <a:extLst>
+            <a:ext uri="{909E8E84-426E-40DD-AFC4-6F175D3DCCD1}">
+              <a14:hiddenFill xmlns:a14="http://schemas.microsoft.com/office/drawing/2010/main">
+                <a:solidFill>
+                  <a:srgbClr val="FFFFFF"/>
+                </a:solidFill>
+              </a14:hiddenFill>
+            </a:ext>
+          </a:extLst>
+        </p:spPr>
+      </p:pic>
+      <p:pic>
+        <p:nvPicPr>
+          <p:cNvPr id="31" name="Picture 8" descr="天気のマーク「雷」">
+            <a:extLst>
+              <a:ext uri="{FF2B5EF4-FFF2-40B4-BE49-F238E27FC236}">
+                <a16:creationId xmlns:a16="http://schemas.microsoft.com/office/drawing/2014/main" id="{4D1E653C-496A-114A-91D4-6DFC8BE0C1FD}"/>
+              </a:ext>
+            </a:extLst>
+          </p:cNvPr>
+          <p:cNvPicPr>
+            <a:picLocks noChangeAspect="1" noChangeArrowheads="1"/>
+          </p:cNvPicPr>
+          <p:nvPr/>
+        </p:nvPicPr>
+        <p:blipFill>
+          <a:blip r:embed="rId8">
+            <a:extLst>
+              <a:ext uri="{28A0092B-C50C-407E-A947-70E740481C1C}">
+                <a14:useLocalDpi xmlns:a14="http://schemas.microsoft.com/office/drawing/2010/main" val="0"/>
+              </a:ext>
+            </a:extLst>
+          </a:blip>
+          <a:srcRect/>
+          <a:stretch>
+            <a:fillRect/>
+          </a:stretch>
+        </p:blipFill>
+        <p:spPr bwMode="auto">
+          <a:xfrm rot="15300000">
+            <a:off x="5409606" y="1427525"/>
+            <a:ext cx="890927" cy="926976"/>
+          </a:xfrm>
+          <a:prstGeom prst="rect">
+            <a:avLst/>
+          </a:prstGeom>
+          <a:noFill/>
+          <a:extLst>
+            <a:ext uri="{909E8E84-426E-40DD-AFC4-6F175D3DCCD1}">
+              <a14:hiddenFill xmlns:a14="http://schemas.microsoft.com/office/drawing/2010/main">
+                <a:solidFill>
+                  <a:srgbClr val="FFFFFF"/>
+                </a:solidFill>
+              </a14:hiddenFill>
+            </a:ext>
+          </a:extLst>
+        </p:spPr>
+      </p:pic>
+      <p:sp>
+        <p:nvSpPr>
+          <p:cNvPr id="33" name="テキスト ボックス 32">
+            <a:extLst>
+              <a:ext uri="{FF2B5EF4-FFF2-40B4-BE49-F238E27FC236}">
+                <a16:creationId xmlns:a16="http://schemas.microsoft.com/office/drawing/2014/main" id="{872D8FC9-4917-0C4A-868B-F77B74211DB4}"/>
+              </a:ext>
+            </a:extLst>
+          </p:cNvPr>
+          <p:cNvSpPr txBox="1"/>
+          <p:nvPr/>
+        </p:nvSpPr>
+        <p:spPr>
+          <a:xfrm>
+            <a:off x="1403648" y="5589240"/>
+            <a:ext cx="2412840" cy="369332"/>
+          </a:xfrm>
+          <a:prstGeom prst="rect">
+            <a:avLst/>
+          </a:prstGeom>
+          <a:noFill/>
+        </p:spPr>
+        <p:txBody>
+          <a:bodyPr wrap="none" rtlCol="0">
+            <a:spAutoFit/>
+          </a:bodyPr>
+          <a:lstStyle/>
+          <a:p>
+            <a:r>
+              <a:rPr kumimoji="1" lang="en-US" altLang="ja-JP"/>
+              <a:t>(</a:t>
+            </a:r>
+            <a:r>
+              <a:rPr kumimoji="1" lang="ja-JP" altLang="en-US"/>
+              <a:t>ノンベアリポジトリ</a:t>
+            </a:r>
+            <a:r>
+              <a:rPr kumimoji="1" lang="en-US" altLang="ja-JP"/>
+              <a:t>)</a:t>
+            </a:r>
+            <a:endParaRPr kumimoji="1" lang="ja-JP" altLang="en-US"/>
+          </a:p>
+        </p:txBody>
+      </p:sp>
+      <p:sp>
+        <p:nvSpPr>
+          <p:cNvPr id="34" name="テキスト ボックス 33">
+            <a:extLst>
+              <a:ext uri="{FF2B5EF4-FFF2-40B4-BE49-F238E27FC236}">
+                <a16:creationId xmlns:a16="http://schemas.microsoft.com/office/drawing/2014/main" id="{AD66D219-7E58-FD48-A10B-2780EBDF4CE5}"/>
+              </a:ext>
+            </a:extLst>
+          </p:cNvPr>
+          <p:cNvSpPr txBox="1"/>
+          <p:nvPr/>
+        </p:nvSpPr>
+        <p:spPr>
+          <a:xfrm>
+            <a:off x="6228184" y="5589240"/>
+            <a:ext cx="1951175" cy="369332"/>
+          </a:xfrm>
+          <a:prstGeom prst="rect">
+            <a:avLst/>
+          </a:prstGeom>
+          <a:noFill/>
+        </p:spPr>
+        <p:txBody>
+          <a:bodyPr wrap="none" rtlCol="0">
+            <a:spAutoFit/>
+          </a:bodyPr>
+          <a:lstStyle/>
+          <a:p>
+            <a:r>
+              <a:rPr kumimoji="1" lang="en-US" altLang="ja-JP"/>
+              <a:t>(</a:t>
+            </a:r>
+            <a:r>
+              <a:rPr kumimoji="1" lang="ja-JP" altLang="en-US"/>
+              <a:t>ベアリポジトリ</a:t>
+            </a:r>
+            <a:r>
+              <a:rPr kumimoji="1" lang="en-US" altLang="ja-JP"/>
+              <a:t>)</a:t>
+            </a:r>
+            <a:endParaRPr kumimoji="1" lang="ja-JP" altLang="en-US"/>
+          </a:p>
+        </p:txBody>
+      </p:sp>
+    </p:spTree>
+    <p:extLst>
+      <p:ext uri="{BB962C8B-B14F-4D97-AF65-F5344CB8AC3E}">
+        <p14:creationId xmlns:p14="http://schemas.microsoft.com/office/powerpoint/2010/main" val="1494177305"/>
       </p:ext>
     </p:extLst>
   </p:cSld>
@@ -540,51 +2646,18 @@
         <a:srgbClr val="954F72"/>
       </a:folHlink>
     </a:clrScheme>
-    <a:fontScheme name="Office テーマ">
+    <a:fontScheme name="Gill Sans MT">
       <a:majorFont>
-        <a:latin typeface="Calibri Light" panose="020F0302020204030204"/>
+        <a:latin typeface="Gill Sans MT" panose="020B0502020104020203"/>
         <a:ea typeface=""/>
         <a:cs typeface=""/>
-        <a:font script="Jpan" typeface="游ゴシック Light"/>
-        <a:font script="Hang" typeface="맑은 고딕"/>
-        <a:font script="Hans" typeface="等线 Light"/>
-        <a:font script="Hant" typeface="新細明體"/>
-        <a:font script="Arab" typeface="Times New Roman"/>
-        <a:font script="Hebr" typeface="Times New Roman"/>
-        <a:font script="Thai" typeface="Angsana New"/>
-        <a:font script="Ethi" typeface="Nyala"/>
-        <a:font script="Beng" typeface="Vrinda"/>
-        <a:font script="Gujr" typeface="Shruti"/>
-        <a:font script="Khmr" typeface="MoolBoran"/>
-        <a:font script="Knda" typeface="Tunga"/>
-        <a:font script="Guru" typeface="Raavi"/>
-        <a:font script="Cans" typeface="Euphemia"/>
-        <a:font script="Cher" typeface="Plantagenet Cherokee"/>
-        <a:font script="Yiii" typeface="Microsoft Yi Baiti"/>
-        <a:font script="Tibt" typeface="Microsoft Himalaya"/>
-        <a:font script="Thaa" typeface="MV Boli"/>
-        <a:font script="Deva" typeface="Mangal"/>
-        <a:font script="Telu" typeface="Gautami"/>
-        <a:font script="Taml" typeface="Latha"/>
-        <a:font script="Syrc" typeface="Estrangelo Edessa"/>
-        <a:font script="Orya" typeface="Kalinga"/>
-        <a:font script="Mlym" typeface="Kartika"/>
-        <a:font script="Laoo" typeface="DokChampa"/>
-        <a:font script="Sinh" typeface="Iskoola Pota"/>
-        <a:font script="Mong" typeface="Mongolian Baiti"/>
-        <a:font script="Viet" typeface="Times New Roman"/>
-        <a:font script="Uigh" typeface="Microsoft Uighur"/>
-        <a:font script="Geor" typeface="Sylfaen"/>
-      </a:majorFont>
-      <a:minorFont>
-        <a:latin typeface="Calibri" panose="020F0502020204030204"/>
-        <a:ea typeface=""/>
-        <a:cs typeface=""/>
-        <a:font script="Jpan" typeface="游ゴシック"/>
-        <a:font script="Hang" typeface="맑은 고딕"/>
-        <a:font script="Hans" typeface="等线"/>
-        <a:font script="Hant" typeface="新細明體"/>
-        <a:font script="Arab" typeface="Arial"/>
+        <a:font script="Grek" typeface="Corbel"/>
+        <a:font script="Cyrl" typeface="Corbel"/>
+        <a:font script="Jpan" typeface="HGｺﾞｼｯｸE"/>
+        <a:font script="Hang" typeface="휴먼매직체"/>
+        <a:font script="Hans" typeface="华文中宋"/>
+        <a:font script="Hant" typeface="微軟正黑體"/>
+        <a:font script="Arab" typeface="Majalla UI"/>
         <a:font script="Hebr" typeface="Arial"/>
         <a:font script="Thai" typeface="Cordia New"/>
         <a:font script="Ethi" typeface="Nyala"/>
@@ -607,7 +2680,44 @@
         <a:font script="Laoo" typeface="DokChampa"/>
         <a:font script="Sinh" typeface="Iskoola Pota"/>
         <a:font script="Mong" typeface="Mongolian Baiti"/>
-        <a:font script="Viet" typeface="Arial"/>
+        <a:font script="Viet" typeface="Tahoma"/>
+        <a:font script="Uigh" typeface="Microsoft Uighur"/>
+        <a:font script="Geor" typeface="Sylfaen"/>
+      </a:majorFont>
+      <a:minorFont>
+        <a:latin typeface="Gill Sans MT" panose="020B0502020104020203"/>
+        <a:ea typeface=""/>
+        <a:cs typeface=""/>
+        <a:font script="Grek" typeface="Corbel"/>
+        <a:font script="Cyrl" typeface="Corbel"/>
+        <a:font script="Jpan" typeface="HGｺﾞｼｯｸE"/>
+        <a:font script="Hang" typeface="휴먼매직체"/>
+        <a:font script="Hans" typeface="华文中宋"/>
+        <a:font script="Hant" typeface="微軟正黑體"/>
+        <a:font script="Arab" typeface="Majalla UI"/>
+        <a:font script="Hebr" typeface="Arial"/>
+        <a:font script="Thai" typeface="Cordia New"/>
+        <a:font script="Ethi" typeface="Nyala"/>
+        <a:font script="Beng" typeface="Vrinda"/>
+        <a:font script="Gujr" typeface="Shruti"/>
+        <a:font script="Khmr" typeface="DaunPenh"/>
+        <a:font script="Knda" typeface="Tunga"/>
+        <a:font script="Guru" typeface="Raavi"/>
+        <a:font script="Cans" typeface="Euphemia"/>
+        <a:font script="Cher" typeface="Plantagenet Cherokee"/>
+        <a:font script="Yiii" typeface="Microsoft Yi Baiti"/>
+        <a:font script="Tibt" typeface="Microsoft Himalaya"/>
+        <a:font script="Thaa" typeface="MV Boli"/>
+        <a:font script="Deva" typeface="Mangal"/>
+        <a:font script="Telu" typeface="Gautami"/>
+        <a:font script="Taml" typeface="Latha"/>
+        <a:font script="Syrc" typeface="Estrangelo Edessa"/>
+        <a:font script="Orya" typeface="Kalinga"/>
+        <a:font script="Mlym" typeface="Kartika"/>
+        <a:font script="Laoo" typeface="DokChampa"/>
+        <a:font script="Sinh" typeface="Iskoola Pota"/>
+        <a:font script="Mong" typeface="Mongolian Baiti"/>
+        <a:font script="Viet" typeface="Tahoma"/>
         <a:font script="Uigh" typeface="Microsoft Uighur"/>
         <a:font script="Geor" typeface="Sylfaen"/>
       </a:minorFont>

--- a/term/fig/fig.pptx
+++ b/term/fig/fig.pptx
@@ -7,6 +7,7 @@
   <p:sldIdLst>
     <p:sldId id="256" r:id="rId2"/>
     <p:sldId id="257" r:id="rId3"/>
+    <p:sldId id="258" r:id="rId4"/>
   </p:sldIdLst>
   <p:sldSz cx="9144000" cy="6858000" type="screen4x3"/>
   <p:notesSz cx="6858000" cy="9144000"/>
@@ -2605,6 +2606,941 @@
 </p:sld>
 </file>
 
+<file path=ppt/slides/slide3.xml><?xml version="1.0" encoding="utf-8"?>
+<p:sld xmlns:a="http://schemas.openxmlformats.org/drawingml/2006/main" xmlns:r="http://schemas.openxmlformats.org/officeDocument/2006/relationships" xmlns:p="http://schemas.openxmlformats.org/presentationml/2006/main">
+  <p:cSld>
+    <p:spTree>
+      <p:nvGrpSpPr>
+        <p:cNvPr id="1" name=""/>
+        <p:cNvGrpSpPr/>
+        <p:nvPr/>
+      </p:nvGrpSpPr>
+      <p:grpSpPr>
+        <a:xfrm>
+          <a:off x="0" y="0"/>
+          <a:ext cx="0" cy="0"/>
+          <a:chOff x="0" y="0"/>
+          <a:chExt cx="0" cy="0"/>
+        </a:xfrm>
+      </p:grpSpPr>
+      <p:sp>
+        <p:nvSpPr>
+          <p:cNvPr id="2" name="楕円 4">
+            <a:extLst>
+              <a:ext uri="{FF2B5EF4-FFF2-40B4-BE49-F238E27FC236}">
+                <a16:creationId xmlns:a16="http://schemas.microsoft.com/office/drawing/2014/main" id="{8860FC6B-2420-FD40-8DA1-85AA8B20F66E}"/>
+              </a:ext>
+            </a:extLst>
+          </p:cNvPr>
+          <p:cNvSpPr/>
+          <p:nvPr/>
+        </p:nvSpPr>
+        <p:spPr>
+          <a:xfrm>
+            <a:off x="1979712" y="4509120"/>
+            <a:ext cx="432048" cy="432048"/>
+          </a:xfrm>
+          <a:prstGeom prst="ellipse">
+            <a:avLst/>
+          </a:prstGeom>
+          <a:solidFill>
+            <a:srgbClr val="011893"/>
+          </a:solidFill>
+          <a:ln>
+            <a:solidFill>
+              <a:schemeClr val="tx1"/>
+            </a:solidFill>
+          </a:ln>
+        </p:spPr>
+        <p:style>
+          <a:lnRef idx="2">
+            <a:schemeClr val="accent1">
+              <a:shade val="50000"/>
+            </a:schemeClr>
+          </a:lnRef>
+          <a:fillRef idx="1">
+            <a:schemeClr val="accent1"/>
+          </a:fillRef>
+          <a:effectRef idx="0">
+            <a:schemeClr val="accent1"/>
+          </a:effectRef>
+          <a:fontRef idx="minor">
+            <a:schemeClr val="lt1"/>
+          </a:fontRef>
+        </p:style>
+        <p:txBody>
+          <a:bodyPr rtlCol="0" anchor="ctr"/>
+          <a:lstStyle/>
+          <a:p>
+            <a:pPr algn="ctr"/>
+            <a:endParaRPr kumimoji="1" lang="ja-JP" altLang="en-US"/>
+          </a:p>
+        </p:txBody>
+      </p:sp>
+      <p:sp>
+        <p:nvSpPr>
+          <p:cNvPr id="3" name="楕円 5">
+            <a:extLst>
+              <a:ext uri="{FF2B5EF4-FFF2-40B4-BE49-F238E27FC236}">
+                <a16:creationId xmlns:a16="http://schemas.microsoft.com/office/drawing/2014/main" id="{34002EB5-DA0E-1542-BE4D-8899709AEBF6}"/>
+              </a:ext>
+            </a:extLst>
+          </p:cNvPr>
+          <p:cNvSpPr/>
+          <p:nvPr/>
+        </p:nvSpPr>
+        <p:spPr>
+          <a:xfrm>
+            <a:off x="3419872" y="4509120"/>
+            <a:ext cx="432048" cy="432048"/>
+          </a:xfrm>
+          <a:prstGeom prst="ellipse">
+            <a:avLst/>
+          </a:prstGeom>
+          <a:solidFill>
+            <a:srgbClr val="011893"/>
+          </a:solidFill>
+          <a:ln>
+            <a:solidFill>
+              <a:schemeClr val="tx1"/>
+            </a:solidFill>
+          </a:ln>
+        </p:spPr>
+        <p:style>
+          <a:lnRef idx="2">
+            <a:schemeClr val="accent1">
+              <a:shade val="50000"/>
+            </a:schemeClr>
+          </a:lnRef>
+          <a:fillRef idx="1">
+            <a:schemeClr val="accent1"/>
+          </a:fillRef>
+          <a:effectRef idx="0">
+            <a:schemeClr val="accent1"/>
+          </a:effectRef>
+          <a:fontRef idx="minor">
+            <a:schemeClr val="lt1"/>
+          </a:fontRef>
+        </p:style>
+        <p:txBody>
+          <a:bodyPr rtlCol="0" anchor="ctr"/>
+          <a:lstStyle/>
+          <a:p>
+            <a:pPr algn="ctr"/>
+            <a:endParaRPr kumimoji="1" lang="ja-JP" altLang="en-US"/>
+          </a:p>
+        </p:txBody>
+      </p:sp>
+      <p:sp>
+        <p:nvSpPr>
+          <p:cNvPr id="4" name="楕円 6">
+            <a:extLst>
+              <a:ext uri="{FF2B5EF4-FFF2-40B4-BE49-F238E27FC236}">
+                <a16:creationId xmlns:a16="http://schemas.microsoft.com/office/drawing/2014/main" id="{AD81A3E6-3343-FA42-A428-B92ACB1A7F72}"/>
+              </a:ext>
+            </a:extLst>
+          </p:cNvPr>
+          <p:cNvSpPr/>
+          <p:nvPr/>
+        </p:nvSpPr>
+        <p:spPr>
+          <a:xfrm>
+            <a:off x="4860032" y="4509120"/>
+            <a:ext cx="432048" cy="432048"/>
+          </a:xfrm>
+          <a:prstGeom prst="ellipse">
+            <a:avLst/>
+          </a:prstGeom>
+          <a:solidFill>
+            <a:srgbClr val="011893"/>
+          </a:solidFill>
+          <a:ln>
+            <a:solidFill>
+              <a:schemeClr val="tx1"/>
+            </a:solidFill>
+          </a:ln>
+        </p:spPr>
+        <p:style>
+          <a:lnRef idx="2">
+            <a:schemeClr val="accent1">
+              <a:shade val="50000"/>
+            </a:schemeClr>
+          </a:lnRef>
+          <a:fillRef idx="1">
+            <a:schemeClr val="accent1"/>
+          </a:fillRef>
+          <a:effectRef idx="0">
+            <a:schemeClr val="accent1"/>
+          </a:effectRef>
+          <a:fontRef idx="minor">
+            <a:schemeClr val="lt1"/>
+          </a:fontRef>
+        </p:style>
+        <p:txBody>
+          <a:bodyPr rtlCol="0" anchor="ctr"/>
+          <a:lstStyle/>
+          <a:p>
+            <a:pPr algn="ctr"/>
+            <a:endParaRPr kumimoji="1" lang="ja-JP" altLang="en-US"/>
+          </a:p>
+        </p:txBody>
+      </p:sp>
+      <p:cxnSp>
+        <p:nvCxnSpPr>
+          <p:cNvPr id="5" name="直線コネクタ 4">
+            <a:extLst>
+              <a:ext uri="{FF2B5EF4-FFF2-40B4-BE49-F238E27FC236}">
+                <a16:creationId xmlns:a16="http://schemas.microsoft.com/office/drawing/2014/main" id="{74F2C81F-9129-E146-A401-3D3C334B18AD}"/>
+              </a:ext>
+            </a:extLst>
+          </p:cNvPr>
+          <p:cNvCxnSpPr>
+            <a:stCxn id="2" idx="6"/>
+            <a:endCxn id="3" idx="2"/>
+          </p:cNvCxnSpPr>
+          <p:nvPr/>
+        </p:nvCxnSpPr>
+        <p:spPr>
+          <a:xfrm>
+            <a:off x="2411760" y="4725144"/>
+            <a:ext cx="1008112" cy="0"/>
+          </a:xfrm>
+          <a:prstGeom prst="line">
+            <a:avLst/>
+          </a:prstGeom>
+          <a:ln w="57150">
+            <a:solidFill>
+              <a:schemeClr val="tx1"/>
+            </a:solidFill>
+            <a:headEnd type="none" w="med" len="med"/>
+            <a:tailEnd type="none" w="med" len="med"/>
+          </a:ln>
+        </p:spPr>
+        <p:style>
+          <a:lnRef idx="1">
+            <a:schemeClr val="accent1"/>
+          </a:lnRef>
+          <a:fillRef idx="0">
+            <a:schemeClr val="accent1"/>
+          </a:fillRef>
+          <a:effectRef idx="0">
+            <a:schemeClr val="accent1"/>
+          </a:effectRef>
+          <a:fontRef idx="minor">
+            <a:schemeClr val="tx1"/>
+          </a:fontRef>
+        </p:style>
+      </p:cxnSp>
+      <p:cxnSp>
+        <p:nvCxnSpPr>
+          <p:cNvPr id="6" name="直線コネクタ 5">
+            <a:extLst>
+              <a:ext uri="{FF2B5EF4-FFF2-40B4-BE49-F238E27FC236}">
+                <a16:creationId xmlns:a16="http://schemas.microsoft.com/office/drawing/2014/main" id="{4646C3EC-625B-EC4D-BAB2-12FD26696B69}"/>
+              </a:ext>
+            </a:extLst>
+          </p:cNvPr>
+          <p:cNvCxnSpPr/>
+          <p:nvPr/>
+        </p:nvCxnSpPr>
+        <p:spPr>
+          <a:xfrm>
+            <a:off x="3851920" y="4725144"/>
+            <a:ext cx="1008112" cy="0"/>
+          </a:xfrm>
+          <a:prstGeom prst="line">
+            <a:avLst/>
+          </a:prstGeom>
+          <a:ln w="57150">
+            <a:solidFill>
+              <a:schemeClr val="tx1"/>
+            </a:solidFill>
+            <a:headEnd type="none" w="med" len="med"/>
+            <a:tailEnd type="none" w="med" len="med"/>
+          </a:ln>
+        </p:spPr>
+        <p:style>
+          <a:lnRef idx="1">
+            <a:schemeClr val="accent1"/>
+          </a:lnRef>
+          <a:fillRef idx="0">
+            <a:schemeClr val="accent1"/>
+          </a:fillRef>
+          <a:effectRef idx="0">
+            <a:schemeClr val="accent1"/>
+          </a:effectRef>
+          <a:fontRef idx="minor">
+            <a:schemeClr val="tx1"/>
+          </a:fontRef>
+        </p:style>
+      </p:cxnSp>
+      <p:sp>
+        <p:nvSpPr>
+          <p:cNvPr id="7" name="テキスト ボックス 6">
+            <a:extLst>
+              <a:ext uri="{FF2B5EF4-FFF2-40B4-BE49-F238E27FC236}">
+                <a16:creationId xmlns:a16="http://schemas.microsoft.com/office/drawing/2014/main" id="{7D9B6505-4A1D-A745-A42C-4CD266DF007F}"/>
+              </a:ext>
+            </a:extLst>
+          </p:cNvPr>
+          <p:cNvSpPr txBox="1"/>
+          <p:nvPr/>
+        </p:nvSpPr>
+        <p:spPr>
+          <a:xfrm>
+            <a:off x="1763688" y="4005064"/>
+            <a:ext cx="877163" cy="369332"/>
+          </a:xfrm>
+          <a:prstGeom prst="rect">
+            <a:avLst/>
+          </a:prstGeom>
+          <a:noFill/>
+        </p:spPr>
+        <p:txBody>
+          <a:bodyPr wrap="none" rtlCol="0">
+            <a:spAutoFit/>
+          </a:bodyPr>
+          <a:lstStyle/>
+          <a:p>
+            <a:r>
+              <a:rPr lang="ja-JP" altLang="en-US" dirty="0"/>
+              <a:t>三</a:t>
+            </a:r>
+            <a:r>
+              <a:rPr kumimoji="1" lang="ja-JP" altLang="en-US" dirty="0"/>
+              <a:t>日前</a:t>
+            </a:r>
+          </a:p>
+        </p:txBody>
+      </p:sp>
+      <p:sp>
+        <p:nvSpPr>
+          <p:cNvPr id="8" name="テキスト ボックス 7">
+            <a:extLst>
+              <a:ext uri="{FF2B5EF4-FFF2-40B4-BE49-F238E27FC236}">
+                <a16:creationId xmlns:a16="http://schemas.microsoft.com/office/drawing/2014/main" id="{0B99C0F8-6903-804F-92C5-9DDDFCE7E719}"/>
+              </a:ext>
+            </a:extLst>
+          </p:cNvPr>
+          <p:cNvSpPr txBox="1"/>
+          <p:nvPr/>
+        </p:nvSpPr>
+        <p:spPr>
+          <a:xfrm>
+            <a:off x="3203848" y="4005064"/>
+            <a:ext cx="877163" cy="369332"/>
+          </a:xfrm>
+          <a:prstGeom prst="rect">
+            <a:avLst/>
+          </a:prstGeom>
+          <a:noFill/>
+        </p:spPr>
+        <p:txBody>
+          <a:bodyPr wrap="none" rtlCol="0">
+            <a:spAutoFit/>
+          </a:bodyPr>
+          <a:lstStyle/>
+          <a:p>
+            <a:r>
+              <a:rPr kumimoji="1" lang="ja-JP" altLang="en-US" dirty="0"/>
+              <a:t>二日前</a:t>
+            </a:r>
+          </a:p>
+        </p:txBody>
+      </p:sp>
+      <p:sp>
+        <p:nvSpPr>
+          <p:cNvPr id="9" name="テキスト ボックス 8">
+            <a:extLst>
+              <a:ext uri="{FF2B5EF4-FFF2-40B4-BE49-F238E27FC236}">
+                <a16:creationId xmlns:a16="http://schemas.microsoft.com/office/drawing/2014/main" id="{FBA96ADC-D87A-EB43-B803-D49B1647A201}"/>
+              </a:ext>
+            </a:extLst>
+          </p:cNvPr>
+          <p:cNvSpPr txBox="1"/>
+          <p:nvPr/>
+        </p:nvSpPr>
+        <p:spPr>
+          <a:xfrm>
+            <a:off x="4789765" y="4005064"/>
+            <a:ext cx="646331" cy="369332"/>
+          </a:xfrm>
+          <a:prstGeom prst="rect">
+            <a:avLst/>
+          </a:prstGeom>
+          <a:noFill/>
+        </p:spPr>
+        <p:txBody>
+          <a:bodyPr wrap="none" rtlCol="0">
+            <a:spAutoFit/>
+          </a:bodyPr>
+          <a:lstStyle/>
+          <a:p>
+            <a:r>
+              <a:rPr lang="ja-JP" altLang="en-US" dirty="0"/>
+              <a:t>昨日</a:t>
+            </a:r>
+            <a:endParaRPr kumimoji="1" lang="ja-JP" altLang="en-US" dirty="0"/>
+          </a:p>
+        </p:txBody>
+      </p:sp>
+      <p:sp>
+        <p:nvSpPr>
+          <p:cNvPr id="17" name="楕円 19">
+            <a:extLst>
+              <a:ext uri="{FF2B5EF4-FFF2-40B4-BE49-F238E27FC236}">
+                <a16:creationId xmlns:a16="http://schemas.microsoft.com/office/drawing/2014/main" id="{D2797C25-39CA-C74C-B205-E8094241F6CA}"/>
+              </a:ext>
+            </a:extLst>
+          </p:cNvPr>
+          <p:cNvSpPr/>
+          <p:nvPr/>
+        </p:nvSpPr>
+        <p:spPr>
+          <a:xfrm>
+            <a:off x="6300192" y="4509120"/>
+            <a:ext cx="432048" cy="432048"/>
+          </a:xfrm>
+          <a:prstGeom prst="ellipse">
+            <a:avLst/>
+          </a:prstGeom>
+          <a:solidFill>
+            <a:srgbClr val="FF0000"/>
+          </a:solidFill>
+          <a:ln>
+            <a:solidFill>
+              <a:schemeClr val="tx1"/>
+            </a:solidFill>
+          </a:ln>
+        </p:spPr>
+        <p:style>
+          <a:lnRef idx="2">
+            <a:schemeClr val="accent1">
+              <a:shade val="50000"/>
+            </a:schemeClr>
+          </a:lnRef>
+          <a:fillRef idx="1">
+            <a:schemeClr val="accent1"/>
+          </a:fillRef>
+          <a:effectRef idx="0">
+            <a:schemeClr val="accent1"/>
+          </a:effectRef>
+          <a:fontRef idx="minor">
+            <a:schemeClr val="lt1"/>
+          </a:fontRef>
+        </p:style>
+        <p:txBody>
+          <a:bodyPr rtlCol="0" anchor="ctr"/>
+          <a:lstStyle/>
+          <a:p>
+            <a:pPr algn="ctr"/>
+            <a:endParaRPr kumimoji="1" lang="ja-JP" altLang="en-US"/>
+          </a:p>
+        </p:txBody>
+      </p:sp>
+      <p:cxnSp>
+        <p:nvCxnSpPr>
+          <p:cNvPr id="18" name="直線コネクタ 17">
+            <a:extLst>
+              <a:ext uri="{FF2B5EF4-FFF2-40B4-BE49-F238E27FC236}">
+                <a16:creationId xmlns:a16="http://schemas.microsoft.com/office/drawing/2014/main" id="{C95C3C0A-E231-134A-948B-12FE84214BEC}"/>
+              </a:ext>
+            </a:extLst>
+          </p:cNvPr>
+          <p:cNvCxnSpPr/>
+          <p:nvPr/>
+        </p:nvCxnSpPr>
+        <p:spPr>
+          <a:xfrm>
+            <a:off x="5292080" y="4725144"/>
+            <a:ext cx="1008112" cy="0"/>
+          </a:xfrm>
+          <a:prstGeom prst="line">
+            <a:avLst/>
+          </a:prstGeom>
+          <a:ln w="57150">
+            <a:solidFill>
+              <a:srgbClr val="FF0000"/>
+            </a:solidFill>
+            <a:headEnd type="none" w="med" len="med"/>
+            <a:tailEnd type="none" w="med" len="med"/>
+          </a:ln>
+        </p:spPr>
+        <p:style>
+          <a:lnRef idx="1">
+            <a:schemeClr val="accent1"/>
+          </a:lnRef>
+          <a:fillRef idx="0">
+            <a:schemeClr val="accent1"/>
+          </a:fillRef>
+          <a:effectRef idx="0">
+            <a:schemeClr val="accent1"/>
+          </a:effectRef>
+          <a:fontRef idx="minor">
+            <a:schemeClr val="tx1"/>
+          </a:fontRef>
+        </p:style>
+      </p:cxnSp>
+      <p:sp>
+        <p:nvSpPr>
+          <p:cNvPr id="19" name="下矢印 18">
+            <a:extLst>
+              <a:ext uri="{FF2B5EF4-FFF2-40B4-BE49-F238E27FC236}">
+                <a16:creationId xmlns:a16="http://schemas.microsoft.com/office/drawing/2014/main" id="{231ECE29-47D8-5049-BA13-B480E38A30B6}"/>
+              </a:ext>
+            </a:extLst>
+          </p:cNvPr>
+          <p:cNvSpPr/>
+          <p:nvPr/>
+        </p:nvSpPr>
+        <p:spPr>
+          <a:xfrm>
+            <a:off x="6300192" y="4005064"/>
+            <a:ext cx="432048" cy="432048"/>
+          </a:xfrm>
+          <a:prstGeom prst="downArrow">
+            <a:avLst/>
+          </a:prstGeom>
+          <a:solidFill>
+            <a:srgbClr val="FF0000"/>
+          </a:solidFill>
+          <a:ln>
+            <a:solidFill>
+              <a:schemeClr val="tx1"/>
+            </a:solidFill>
+          </a:ln>
+        </p:spPr>
+        <p:style>
+          <a:lnRef idx="2">
+            <a:schemeClr val="accent1">
+              <a:shade val="50000"/>
+            </a:schemeClr>
+          </a:lnRef>
+          <a:fillRef idx="1">
+            <a:schemeClr val="accent1"/>
+          </a:fillRef>
+          <a:effectRef idx="0">
+            <a:schemeClr val="accent1"/>
+          </a:effectRef>
+          <a:fontRef idx="minor">
+            <a:schemeClr val="lt1"/>
+          </a:fontRef>
+        </p:style>
+        <p:txBody>
+          <a:bodyPr rtlCol="0" anchor="ctr"/>
+          <a:lstStyle/>
+          <a:p>
+            <a:pPr algn="ctr"/>
+            <a:endParaRPr kumimoji="1" lang="ja-JP" altLang="en-US"/>
+          </a:p>
+        </p:txBody>
+      </p:sp>
+      <p:sp>
+        <p:nvSpPr>
+          <p:cNvPr id="20" name="テキスト ボックス 19">
+            <a:extLst>
+              <a:ext uri="{FF2B5EF4-FFF2-40B4-BE49-F238E27FC236}">
+                <a16:creationId xmlns:a16="http://schemas.microsoft.com/office/drawing/2014/main" id="{13482389-D664-A749-BB01-89AA69DCE8E3}"/>
+              </a:ext>
+            </a:extLst>
+          </p:cNvPr>
+          <p:cNvSpPr txBox="1"/>
+          <p:nvPr/>
+        </p:nvSpPr>
+        <p:spPr>
+          <a:xfrm>
+            <a:off x="6732240" y="4005064"/>
+            <a:ext cx="1107996" cy="369332"/>
+          </a:xfrm>
+          <a:prstGeom prst="rect">
+            <a:avLst/>
+          </a:prstGeom>
+          <a:noFill/>
+        </p:spPr>
+        <p:txBody>
+          <a:bodyPr wrap="none" rtlCol="0">
+            <a:spAutoFit/>
+          </a:bodyPr>
+          <a:lstStyle/>
+          <a:p>
+            <a:r>
+              <a:rPr lang="ja-JP" altLang="en-US" dirty="0"/>
+              <a:t>コミット</a:t>
+            </a:r>
+            <a:endParaRPr kumimoji="1" lang="ja-JP" altLang="en-US" dirty="0"/>
+          </a:p>
+        </p:txBody>
+      </p:sp>
+      <p:sp>
+        <p:nvSpPr>
+          <p:cNvPr id="21" name="テキスト ボックス 20">
+            <a:extLst>
+              <a:ext uri="{FF2B5EF4-FFF2-40B4-BE49-F238E27FC236}">
+                <a16:creationId xmlns:a16="http://schemas.microsoft.com/office/drawing/2014/main" id="{1CD41037-783E-234A-9474-0D50D55A1DFC}"/>
+              </a:ext>
+            </a:extLst>
+          </p:cNvPr>
+          <p:cNvSpPr txBox="1"/>
+          <p:nvPr/>
+        </p:nvSpPr>
+        <p:spPr>
+          <a:xfrm>
+            <a:off x="892821" y="4489956"/>
+            <a:ext cx="902811" cy="523220"/>
+          </a:xfrm>
+          <a:prstGeom prst="rect">
+            <a:avLst/>
+          </a:prstGeom>
+          <a:noFill/>
+        </p:spPr>
+        <p:txBody>
+          <a:bodyPr wrap="none" rtlCol="0">
+            <a:spAutoFit/>
+          </a:bodyPr>
+          <a:lstStyle/>
+          <a:p>
+            <a:r>
+              <a:rPr kumimoji="1" lang="ja-JP" altLang="en-US" sz="2800" dirty="0"/>
+              <a:t>歴史</a:t>
+            </a:r>
+          </a:p>
+        </p:txBody>
+      </p:sp>
+      <p:pic>
+        <p:nvPicPr>
+          <p:cNvPr id="30" name="Picture 2" descr="フォルダのイラスト">
+            <a:extLst>
+              <a:ext uri="{FF2B5EF4-FFF2-40B4-BE49-F238E27FC236}">
+                <a16:creationId xmlns:a16="http://schemas.microsoft.com/office/drawing/2014/main" id="{D2EC3C43-B647-034B-9669-2443D9CC979A}"/>
+              </a:ext>
+            </a:extLst>
+          </p:cNvPr>
+          <p:cNvPicPr>
+            <a:picLocks noChangeAspect="1" noChangeArrowheads="1"/>
+          </p:cNvPicPr>
+          <p:nvPr/>
+        </p:nvPicPr>
+        <p:blipFill>
+          <a:blip r:embed="rId2" cstate="print">
+            <a:extLst>
+              <a:ext uri="{28A0092B-C50C-407E-A947-70E740481C1C}">
+                <a14:useLocalDpi xmlns:a14="http://schemas.microsoft.com/office/drawing/2010/main" val="0"/>
+              </a:ext>
+            </a:extLst>
+          </a:blip>
+          <a:srcRect/>
+          <a:stretch>
+            <a:fillRect/>
+          </a:stretch>
+        </p:blipFill>
+        <p:spPr bwMode="auto">
+          <a:xfrm>
+            <a:off x="5580112" y="1988840"/>
+            <a:ext cx="764145" cy="639971"/>
+          </a:xfrm>
+          <a:prstGeom prst="rect">
+            <a:avLst/>
+          </a:prstGeom>
+          <a:noFill/>
+          <a:extLst>
+            <a:ext uri="{909E8E84-426E-40DD-AFC4-6F175D3DCCD1}">
+              <a14:hiddenFill xmlns:a14="http://schemas.microsoft.com/office/drawing/2010/main">
+                <a:solidFill>
+                  <a:srgbClr val="FFFFFF"/>
+                </a:solidFill>
+              </a14:hiddenFill>
+            </a:ext>
+          </a:extLst>
+        </p:spPr>
+      </p:pic>
+      <p:pic>
+        <p:nvPicPr>
+          <p:cNvPr id="31" name="Picture 2" descr="ファイルアイコン（ブランク）">
+            <a:extLst>
+              <a:ext uri="{FF2B5EF4-FFF2-40B4-BE49-F238E27FC236}">
+                <a16:creationId xmlns:a16="http://schemas.microsoft.com/office/drawing/2014/main" id="{8CE18D38-E8D9-B94F-809C-EA517CF070F4}"/>
+              </a:ext>
+            </a:extLst>
+          </p:cNvPr>
+          <p:cNvPicPr>
+            <a:picLocks noChangeAspect="1" noChangeArrowheads="1"/>
+          </p:cNvPicPr>
+          <p:nvPr/>
+        </p:nvPicPr>
+        <p:blipFill>
+          <a:blip r:embed="rId3" cstate="print">
+            <a:extLst>
+              <a:ext uri="{28A0092B-C50C-407E-A947-70E740481C1C}">
+                <a14:useLocalDpi xmlns:a14="http://schemas.microsoft.com/office/drawing/2010/main" val="0"/>
+              </a:ext>
+            </a:extLst>
+          </a:blip>
+          <a:srcRect/>
+          <a:stretch>
+            <a:fillRect/>
+          </a:stretch>
+        </p:blipFill>
+        <p:spPr bwMode="auto">
+          <a:xfrm>
+            <a:off x="6776305" y="2035373"/>
+            <a:ext cx="455985" cy="529531"/>
+          </a:xfrm>
+          <a:prstGeom prst="rect">
+            <a:avLst/>
+          </a:prstGeom>
+          <a:noFill/>
+          <a:extLst>
+            <a:ext uri="{909E8E84-426E-40DD-AFC4-6F175D3DCCD1}">
+              <a14:hiddenFill xmlns:a14="http://schemas.microsoft.com/office/drawing/2010/main">
+                <a:solidFill>
+                  <a:srgbClr val="FFFFFF"/>
+                </a:solidFill>
+              </a14:hiddenFill>
+            </a:ext>
+          </a:extLst>
+        </p:spPr>
+      </p:pic>
+      <p:pic>
+        <p:nvPicPr>
+          <p:cNvPr id="32" name="Picture 2" descr="ファイルアイコン（ブランク）">
+            <a:extLst>
+              <a:ext uri="{FF2B5EF4-FFF2-40B4-BE49-F238E27FC236}">
+                <a16:creationId xmlns:a16="http://schemas.microsoft.com/office/drawing/2014/main" id="{6C8B17B1-E04F-BE43-AD51-C1753B295F2D}"/>
+              </a:ext>
+            </a:extLst>
+          </p:cNvPr>
+          <p:cNvPicPr>
+            <a:picLocks noChangeAspect="1" noChangeArrowheads="1"/>
+          </p:cNvPicPr>
+          <p:nvPr/>
+        </p:nvPicPr>
+        <p:blipFill>
+          <a:blip r:embed="rId3" cstate="print">
+            <a:extLst>
+              <a:ext uri="{28A0092B-C50C-407E-A947-70E740481C1C}">
+                <a14:useLocalDpi xmlns:a14="http://schemas.microsoft.com/office/drawing/2010/main" val="0"/>
+              </a:ext>
+            </a:extLst>
+          </a:blip>
+          <a:srcRect/>
+          <a:stretch>
+            <a:fillRect/>
+          </a:stretch>
+        </p:blipFill>
+        <p:spPr bwMode="auto">
+          <a:xfrm>
+            <a:off x="6776305" y="2852936"/>
+            <a:ext cx="455985" cy="529531"/>
+          </a:xfrm>
+          <a:prstGeom prst="rect">
+            <a:avLst/>
+          </a:prstGeom>
+          <a:noFill/>
+          <a:extLst>
+            <a:ext uri="{909E8E84-426E-40DD-AFC4-6F175D3DCCD1}">
+              <a14:hiddenFill xmlns:a14="http://schemas.microsoft.com/office/drawing/2010/main">
+                <a:solidFill>
+                  <a:srgbClr val="FFFFFF"/>
+                </a:solidFill>
+              </a14:hiddenFill>
+            </a:ext>
+          </a:extLst>
+        </p:spPr>
+      </p:pic>
+      <p:cxnSp>
+        <p:nvCxnSpPr>
+          <p:cNvPr id="33" name="直線コネクタ 32">
+            <a:extLst>
+              <a:ext uri="{FF2B5EF4-FFF2-40B4-BE49-F238E27FC236}">
+                <a16:creationId xmlns:a16="http://schemas.microsoft.com/office/drawing/2014/main" id="{15D957FD-2AC5-8241-9786-869062508F28}"/>
+              </a:ext>
+            </a:extLst>
+          </p:cNvPr>
+          <p:cNvCxnSpPr>
+            <a:stCxn id="30" idx="3"/>
+            <a:endCxn id="31" idx="1"/>
+          </p:cNvCxnSpPr>
+          <p:nvPr/>
+        </p:nvCxnSpPr>
+        <p:spPr>
+          <a:xfrm flipV="1">
+            <a:off x="6344257" y="2300139"/>
+            <a:ext cx="432048" cy="8687"/>
+          </a:xfrm>
+          <a:prstGeom prst="line">
+            <a:avLst/>
+          </a:prstGeom>
+          <a:ln>
+            <a:solidFill>
+              <a:schemeClr val="tx1"/>
+            </a:solidFill>
+            <a:headEnd type="none" w="med" len="med"/>
+            <a:tailEnd type="none" w="med" len="med"/>
+          </a:ln>
+        </p:spPr>
+        <p:style>
+          <a:lnRef idx="1">
+            <a:schemeClr val="accent1"/>
+          </a:lnRef>
+          <a:fillRef idx="0">
+            <a:schemeClr val="accent1"/>
+          </a:fillRef>
+          <a:effectRef idx="0">
+            <a:schemeClr val="accent1"/>
+          </a:effectRef>
+          <a:fontRef idx="minor">
+            <a:schemeClr val="tx1"/>
+          </a:fontRef>
+        </p:style>
+      </p:cxnSp>
+      <p:cxnSp>
+        <p:nvCxnSpPr>
+          <p:cNvPr id="34" name="カギ線コネクタ 33">
+            <a:extLst>
+              <a:ext uri="{FF2B5EF4-FFF2-40B4-BE49-F238E27FC236}">
+                <a16:creationId xmlns:a16="http://schemas.microsoft.com/office/drawing/2014/main" id="{C7D3DFDC-54F7-174F-8E7B-5C8C86162D3C}"/>
+              </a:ext>
+            </a:extLst>
+          </p:cNvPr>
+          <p:cNvCxnSpPr>
+            <a:stCxn id="30" idx="3"/>
+            <a:endCxn id="32" idx="1"/>
+          </p:cNvCxnSpPr>
+          <p:nvPr/>
+        </p:nvCxnSpPr>
+        <p:spPr>
+          <a:xfrm>
+            <a:off x="6344257" y="2308826"/>
+            <a:ext cx="432048" cy="808876"/>
+          </a:xfrm>
+          <a:prstGeom prst="bentConnector3">
+            <a:avLst/>
+          </a:prstGeom>
+          <a:ln>
+            <a:solidFill>
+              <a:schemeClr val="tx1"/>
+            </a:solidFill>
+            <a:headEnd type="none" w="med" len="med"/>
+            <a:tailEnd type="none" w="med" len="med"/>
+          </a:ln>
+        </p:spPr>
+        <p:style>
+          <a:lnRef idx="1">
+            <a:schemeClr val="accent1"/>
+          </a:lnRef>
+          <a:fillRef idx="0">
+            <a:schemeClr val="accent1"/>
+          </a:fillRef>
+          <a:effectRef idx="0">
+            <a:schemeClr val="accent1"/>
+          </a:effectRef>
+          <a:fontRef idx="minor">
+            <a:schemeClr val="tx1"/>
+          </a:fontRef>
+        </p:style>
+      </p:cxnSp>
+      <p:sp>
+        <p:nvSpPr>
+          <p:cNvPr id="35" name="角丸四角形 34">
+            <a:extLst>
+              <a:ext uri="{FF2B5EF4-FFF2-40B4-BE49-F238E27FC236}">
+                <a16:creationId xmlns:a16="http://schemas.microsoft.com/office/drawing/2014/main" id="{323F4F4D-603E-C448-9ACA-35AFE0FA6F31}"/>
+              </a:ext>
+            </a:extLst>
+          </p:cNvPr>
+          <p:cNvSpPr/>
+          <p:nvPr/>
+        </p:nvSpPr>
+        <p:spPr>
+          <a:xfrm>
+            <a:off x="5292080" y="1628800"/>
+            <a:ext cx="2304256" cy="2016224"/>
+          </a:xfrm>
+          <a:prstGeom prst="roundRect">
+            <a:avLst/>
+          </a:prstGeom>
+          <a:noFill/>
+          <a:ln w="28575">
+            <a:solidFill>
+              <a:schemeClr val="tx1"/>
+            </a:solidFill>
+            <a:prstDash val="dash"/>
+          </a:ln>
+        </p:spPr>
+        <p:style>
+          <a:lnRef idx="2">
+            <a:schemeClr val="accent1">
+              <a:shade val="50000"/>
+            </a:schemeClr>
+          </a:lnRef>
+          <a:fillRef idx="1">
+            <a:schemeClr val="accent1"/>
+          </a:fillRef>
+          <a:effectRef idx="0">
+            <a:schemeClr val="accent1"/>
+          </a:effectRef>
+          <a:fontRef idx="minor">
+            <a:schemeClr val="lt1"/>
+          </a:fontRef>
+        </p:style>
+        <p:txBody>
+          <a:bodyPr rtlCol="0" anchor="ctr"/>
+          <a:lstStyle/>
+          <a:p>
+            <a:pPr algn="ctr"/>
+            <a:endParaRPr kumimoji="1" lang="ja-JP" altLang="en-US"/>
+          </a:p>
+        </p:txBody>
+      </p:sp>
+      <p:sp>
+        <p:nvSpPr>
+          <p:cNvPr id="36" name="テキスト ボックス 35">
+            <a:extLst>
+              <a:ext uri="{FF2B5EF4-FFF2-40B4-BE49-F238E27FC236}">
+                <a16:creationId xmlns:a16="http://schemas.microsoft.com/office/drawing/2014/main" id="{017F43A0-A39A-1343-817F-7DB509496AA8}"/>
+              </a:ext>
+            </a:extLst>
+          </p:cNvPr>
+          <p:cNvSpPr txBox="1"/>
+          <p:nvPr/>
+        </p:nvSpPr>
+        <p:spPr>
+          <a:xfrm>
+            <a:off x="4932040" y="1052736"/>
+            <a:ext cx="3416320" cy="369332"/>
+          </a:xfrm>
+          <a:prstGeom prst="rect">
+            <a:avLst/>
+          </a:prstGeom>
+          <a:noFill/>
+        </p:spPr>
+        <p:txBody>
+          <a:bodyPr wrap="none" rtlCol="0">
+            <a:spAutoFit/>
+          </a:bodyPr>
+          <a:lstStyle/>
+          <a:p>
+            <a:r>
+              <a:rPr lang="ja-JP" altLang="en-US" dirty="0"/>
+              <a:t>昨日から修正を加えたファイル</a:t>
+            </a:r>
+            <a:endParaRPr kumimoji="1" lang="ja-JP" altLang="en-US" dirty="0"/>
+          </a:p>
+        </p:txBody>
+      </p:sp>
+    </p:spTree>
+    <p:extLst>
+      <p:ext uri="{BB962C8B-B14F-4D97-AF65-F5344CB8AC3E}">
+        <p14:creationId xmlns:p14="http://schemas.microsoft.com/office/powerpoint/2010/main" val="1324392168"/>
+      </p:ext>
+    </p:extLst>
+  </p:cSld>
+  <p:clrMapOvr>
+    <a:masterClrMapping/>
+  </p:clrMapOvr>
+</p:sld>
+</file>
+
 <file path=ppt/theme/theme1.xml><?xml version="1.0" encoding="utf-8"?>
 <a:theme xmlns:a="http://schemas.openxmlformats.org/drawingml/2006/main" name="Office テーマ">
   <a:themeElements>

--- a/term/fig/fig.pptx
+++ b/term/fig/fig.pptx
@@ -5,9 +5,10 @@
     <p:sldMasterId id="2147483660" r:id="rId1"/>
   </p:sldMasterIdLst>
   <p:sldIdLst>
-    <p:sldId id="256" r:id="rId2"/>
-    <p:sldId id="257" r:id="rId3"/>
-    <p:sldId id="258" r:id="rId4"/>
+    <p:sldId id="259" r:id="rId2"/>
+    <p:sldId id="256" r:id="rId3"/>
+    <p:sldId id="257" r:id="rId4"/>
+    <p:sldId id="258" r:id="rId5"/>
   </p:sldIdLst>
   <p:sldSz cx="9144000" cy="6858000" type="screen4x3"/>
   <p:notesSz cx="6858000" cy="9144000"/>
@@ -488,153 +489,12 @@
           <a:chExt cx="0" cy="0"/>
         </a:xfrm>
       </p:grpSpPr>
-      <p:pic>
-        <p:nvPicPr>
-          <p:cNvPr id="16" name="Picture 2" descr="フォルダのイラスト">
-            <a:extLst>
-              <a:ext uri="{FF2B5EF4-FFF2-40B4-BE49-F238E27FC236}">
-                <a16:creationId xmlns:a16="http://schemas.microsoft.com/office/drawing/2014/main" id="{4716B7A6-EA34-3F4F-8E45-49861D78F92D}"/>
-              </a:ext>
-            </a:extLst>
-          </p:cNvPr>
-          <p:cNvPicPr>
-            <a:picLocks noChangeAspect="1" noChangeArrowheads="1"/>
-          </p:cNvPicPr>
-          <p:nvPr/>
-        </p:nvPicPr>
-        <p:blipFill>
-          <a:blip r:embed="rId2" cstate="print">
-            <a:extLst>
-              <a:ext uri="{28A0092B-C50C-407E-A947-70E740481C1C}">
-                <a14:useLocalDpi xmlns:a14="http://schemas.microsoft.com/office/drawing/2010/main" val="0"/>
-              </a:ext>
-            </a:extLst>
-          </a:blip>
-          <a:srcRect/>
-          <a:stretch>
-            <a:fillRect/>
-          </a:stretch>
-        </p:blipFill>
-        <p:spPr bwMode="auto">
-          <a:xfrm>
-            <a:off x="2627784" y="1556792"/>
-            <a:ext cx="764145" cy="639971"/>
-          </a:xfrm>
-          <a:prstGeom prst="rect">
-            <a:avLst/>
-          </a:prstGeom>
-          <a:noFill/>
-          <a:extLst>
-            <a:ext uri="{909E8E84-426E-40DD-AFC4-6F175D3DCCD1}">
-              <a14:hiddenFill xmlns:a14="http://schemas.microsoft.com/office/drawing/2010/main">
-                <a:solidFill>
-                  <a:srgbClr val="FFFFFF"/>
-                </a:solidFill>
-              </a14:hiddenFill>
-            </a:ext>
-          </a:extLst>
-        </p:spPr>
-      </p:pic>
-      <p:pic>
-        <p:nvPicPr>
-          <p:cNvPr id="17" name="Picture 2" descr="ファイルアイコン（ブランク）">
-            <a:extLst>
-              <a:ext uri="{FF2B5EF4-FFF2-40B4-BE49-F238E27FC236}">
-                <a16:creationId xmlns:a16="http://schemas.microsoft.com/office/drawing/2014/main" id="{EB6ACC0C-46B4-4045-B590-058860FE6CEA}"/>
-              </a:ext>
-            </a:extLst>
-          </p:cNvPr>
-          <p:cNvPicPr>
-            <a:picLocks noChangeAspect="1" noChangeArrowheads="1"/>
-          </p:cNvPicPr>
-          <p:nvPr/>
-        </p:nvPicPr>
-        <p:blipFill>
-          <a:blip r:embed="rId3" cstate="print">
-            <a:extLst>
-              <a:ext uri="{28A0092B-C50C-407E-A947-70E740481C1C}">
-                <a14:useLocalDpi xmlns:a14="http://schemas.microsoft.com/office/drawing/2010/main" val="0"/>
-              </a:ext>
-            </a:extLst>
-          </a:blip>
-          <a:srcRect/>
-          <a:stretch>
-            <a:fillRect/>
-          </a:stretch>
-        </p:blipFill>
-        <p:spPr bwMode="auto">
-          <a:xfrm>
-            <a:off x="4836095" y="2420888"/>
-            <a:ext cx="455985" cy="529531"/>
-          </a:xfrm>
-          <a:prstGeom prst="rect">
-            <a:avLst/>
-          </a:prstGeom>
-          <a:noFill/>
-          <a:extLst>
-            <a:ext uri="{909E8E84-426E-40DD-AFC4-6F175D3DCCD1}">
-              <a14:hiddenFill xmlns:a14="http://schemas.microsoft.com/office/drawing/2010/main">
-                <a:solidFill>
-                  <a:srgbClr val="FFFFFF"/>
-                </a:solidFill>
-              </a14:hiddenFill>
-            </a:ext>
-          </a:extLst>
-        </p:spPr>
-      </p:pic>
-      <p:pic>
-        <p:nvPicPr>
-          <p:cNvPr id="18" name="Picture 2" descr="ファイルアイコン（ブランク）">
-            <a:extLst>
-              <a:ext uri="{FF2B5EF4-FFF2-40B4-BE49-F238E27FC236}">
-                <a16:creationId xmlns:a16="http://schemas.microsoft.com/office/drawing/2014/main" id="{5AE946EC-83CF-2842-ADA6-E21FAAB08730}"/>
-              </a:ext>
-            </a:extLst>
-          </p:cNvPr>
-          <p:cNvPicPr>
-            <a:picLocks noChangeAspect="1" noChangeArrowheads="1"/>
-          </p:cNvPicPr>
-          <p:nvPr/>
-        </p:nvPicPr>
-        <p:blipFill>
-          <a:blip r:embed="rId3" cstate="print">
-            <a:extLst>
-              <a:ext uri="{28A0092B-C50C-407E-A947-70E740481C1C}">
-                <a14:useLocalDpi xmlns:a14="http://schemas.microsoft.com/office/drawing/2010/main" val="0"/>
-              </a:ext>
-            </a:extLst>
-          </a:blip>
-          <a:srcRect/>
-          <a:stretch>
-            <a:fillRect/>
-          </a:stretch>
-        </p:blipFill>
-        <p:spPr bwMode="auto">
-          <a:xfrm>
-            <a:off x="4188023" y="2420888"/>
-            <a:ext cx="455985" cy="529531"/>
-          </a:xfrm>
-          <a:prstGeom prst="rect">
-            <a:avLst/>
-          </a:prstGeom>
-          <a:noFill/>
-          <a:extLst>
-            <a:ext uri="{909E8E84-426E-40DD-AFC4-6F175D3DCCD1}">
-              <a14:hiddenFill xmlns:a14="http://schemas.microsoft.com/office/drawing/2010/main">
-                <a:solidFill>
-                  <a:srgbClr val="FFFFFF"/>
-                </a:solidFill>
-              </a14:hiddenFill>
-            </a:ext>
-          </a:extLst>
-        </p:spPr>
-      </p:pic>
       <p:sp>
         <p:nvSpPr>
-          <p:cNvPr id="19" name="角丸四角形 18">
-            <a:extLst>
-              <a:ext uri="{FF2B5EF4-FFF2-40B4-BE49-F238E27FC236}">
-                <a16:creationId xmlns:a16="http://schemas.microsoft.com/office/drawing/2014/main" id="{101BC1A3-9500-BE46-9666-849B0184F508}"/>
+          <p:cNvPr id="2" name="角丸四角形 18">
+            <a:extLst>
+              <a:ext uri="{FF2B5EF4-FFF2-40B4-BE49-F238E27FC236}">
+                <a16:creationId xmlns:a16="http://schemas.microsoft.com/office/drawing/2014/main" id="{D3E654A3-83BD-4774-8388-F3DC86CAA3E8}"/>
               </a:ext>
             </a:extLst>
           </p:cNvPr>
@@ -643,8 +503,8 @@
         </p:nvSpPr>
         <p:spPr>
           <a:xfrm>
-            <a:off x="2272612" y="1405271"/>
-            <a:ext cx="3959223" cy="2530625"/>
+            <a:off x="1043608" y="1988840"/>
+            <a:ext cx="4752528" cy="3240360"/>
           </a:xfrm>
           <a:prstGeom prst="roundRect">
             <a:avLst/>
@@ -684,77 +544,20 @@
       </p:sp>
       <p:sp>
         <p:nvSpPr>
-          <p:cNvPr id="20" name="円柱 19">
-            <a:extLst>
-              <a:ext uri="{FF2B5EF4-FFF2-40B4-BE49-F238E27FC236}">
-                <a16:creationId xmlns:a16="http://schemas.microsoft.com/office/drawing/2014/main" id="{E61169A5-8C44-C148-B62A-535A04758B8B}"/>
-              </a:ext>
-            </a:extLst>
-          </p:cNvPr>
-          <p:cNvSpPr/>
+          <p:cNvPr id="6" name="テキスト ボックス 5">
+            <a:extLst>
+              <a:ext uri="{FF2B5EF4-FFF2-40B4-BE49-F238E27FC236}">
+                <a16:creationId xmlns:a16="http://schemas.microsoft.com/office/drawing/2014/main" id="{DA5F2010-5951-446E-83E2-4C064052DB25}"/>
+              </a:ext>
+            </a:extLst>
+          </p:cNvPr>
+          <p:cNvSpPr txBox="1"/>
           <p:nvPr/>
         </p:nvSpPr>
         <p:spPr>
           <a:xfrm>
-            <a:off x="2678184" y="2492896"/>
-            <a:ext cx="669680" cy="496072"/>
-          </a:xfrm>
-          <a:prstGeom prst="can">
-            <a:avLst/>
-          </a:prstGeom>
-          <a:solidFill>
-            <a:schemeClr val="accent2">
-              <a:lumMod val="40000"/>
-              <a:lumOff val="60000"/>
-            </a:schemeClr>
-          </a:solidFill>
-          <a:ln>
-            <a:solidFill>
-              <a:schemeClr val="tx1"/>
-            </a:solidFill>
-          </a:ln>
-        </p:spPr>
-        <p:style>
-          <a:lnRef idx="2">
-            <a:schemeClr val="accent1">
-              <a:shade val="50000"/>
-            </a:schemeClr>
-          </a:lnRef>
-          <a:fillRef idx="1">
-            <a:schemeClr val="accent1"/>
-          </a:fillRef>
-          <a:effectRef idx="0">
-            <a:schemeClr val="accent1"/>
-          </a:effectRef>
-          <a:fontRef idx="minor">
-            <a:schemeClr val="lt1"/>
-          </a:fontRef>
-        </p:style>
-        <p:txBody>
-          <a:bodyPr rtlCol="0" anchor="ctr"/>
-          <a:lstStyle/>
-          <a:p>
-            <a:pPr algn="ctr"/>
-            <a:endParaRPr kumimoji="1" lang="ja-JP" altLang="en-US"/>
-          </a:p>
-        </p:txBody>
-      </p:sp>
-      <p:sp>
-        <p:nvSpPr>
-          <p:cNvPr id="21" name="テキスト ボックス 20">
-            <a:extLst>
-              <a:ext uri="{FF2B5EF4-FFF2-40B4-BE49-F238E27FC236}">
-                <a16:creationId xmlns:a16="http://schemas.microsoft.com/office/drawing/2014/main" id="{CD042290-20B8-B94F-81E0-7D22ADEA1F2B}"/>
-              </a:ext>
-            </a:extLst>
-          </p:cNvPr>
-          <p:cNvSpPr txBox="1"/>
-          <p:nvPr/>
-        </p:nvSpPr>
-        <p:spPr>
-          <a:xfrm>
-            <a:off x="2413383" y="3127579"/>
-            <a:ext cx="1210588" cy="338554"/>
+            <a:off x="2356235" y="1484784"/>
+            <a:ext cx="2031325" cy="369332"/>
           </a:xfrm>
           <a:prstGeom prst="rect">
             <a:avLst/>
@@ -768,65 +571,19 @@
           <a:lstStyle/>
           <a:p>
             <a:r>
-              <a:rPr lang="ja-JP" altLang="en-US" sz="1600" dirty="0"/>
-              <a:t>リポジトリ</a:t>
+              <a:rPr lang="ja-JP" altLang="en-US" dirty="0"/>
+              <a:t>卒論プロジェクト</a:t>
             </a:r>
-            <a:endParaRPr kumimoji="1" lang="ja-JP" altLang="en-US" sz="1600" dirty="0"/>
+            <a:endParaRPr kumimoji="1" lang="ja-JP" altLang="en-US" dirty="0"/>
           </a:p>
         </p:txBody>
       </p:sp>
-      <p:cxnSp>
-        <p:nvCxnSpPr>
-          <p:cNvPr id="23" name="直線コネクタ 22">
-            <a:extLst>
-              <a:ext uri="{FF2B5EF4-FFF2-40B4-BE49-F238E27FC236}">
-                <a16:creationId xmlns:a16="http://schemas.microsoft.com/office/drawing/2014/main" id="{C12578BD-4CA2-9744-96C2-01830F167B2E}"/>
-              </a:ext>
-            </a:extLst>
-          </p:cNvPr>
-          <p:cNvCxnSpPr>
-            <a:stCxn id="16" idx="2"/>
-            <a:endCxn id="20" idx="1"/>
-          </p:cNvCxnSpPr>
-          <p:nvPr/>
-        </p:nvCxnSpPr>
-        <p:spPr>
-          <a:xfrm>
-            <a:off x="3009857" y="2196763"/>
-            <a:ext cx="3167" cy="296133"/>
-          </a:xfrm>
-          <a:prstGeom prst="line">
-            <a:avLst/>
-          </a:prstGeom>
-          <a:ln>
-            <a:solidFill>
-              <a:schemeClr val="tx1"/>
-            </a:solidFill>
-            <a:headEnd type="none" w="med" len="med"/>
-            <a:tailEnd type="none" w="med" len="med"/>
-          </a:ln>
-        </p:spPr>
-        <p:style>
-          <a:lnRef idx="1">
-            <a:schemeClr val="accent1"/>
-          </a:lnRef>
-          <a:fillRef idx="0">
-            <a:schemeClr val="accent1"/>
-          </a:fillRef>
-          <a:effectRef idx="0">
-            <a:schemeClr val="accent1"/>
-          </a:effectRef>
-          <a:fontRef idx="minor">
-            <a:schemeClr val="tx1"/>
-          </a:fontRef>
-        </p:style>
-      </p:cxnSp>
       <p:pic>
         <p:nvPicPr>
-          <p:cNvPr id="24" name="Picture 2" descr="フォルダのイラスト">
-            <a:extLst>
-              <a:ext uri="{FF2B5EF4-FFF2-40B4-BE49-F238E27FC236}">
-                <a16:creationId xmlns:a16="http://schemas.microsoft.com/office/drawing/2014/main" id="{08F1C4A9-56BB-C543-A4FE-D14FBE44EC69}"/>
+          <p:cNvPr id="11" name="Picture 2" descr="フォルダのイラスト">
+            <a:extLst>
+              <a:ext uri="{FF2B5EF4-FFF2-40B4-BE49-F238E27FC236}">
+                <a16:creationId xmlns:a16="http://schemas.microsoft.com/office/drawing/2014/main" id="{E0933499-4F2D-46FA-9A54-5CA585600B49}"/>
               </a:ext>
             </a:extLst>
           </p:cNvPr>
@@ -836,7 +593,7 @@
           <p:nvPr/>
         </p:nvPicPr>
         <p:blipFill>
-          <a:blip r:embed="rId4" cstate="print">
+          <a:blip r:embed="rId2" cstate="print">
             <a:extLst>
               <a:ext uri="{28A0092B-C50C-407E-A947-70E740481C1C}">
                 <a14:useLocalDpi xmlns:a14="http://schemas.microsoft.com/office/drawing/2010/main" val="0"/>
@@ -850,8 +607,8 @@
         </p:blipFill>
         <p:spPr bwMode="auto">
           <a:xfrm>
-            <a:off x="3419872" y="2420888"/>
-            <a:ext cx="687838" cy="576064"/>
+            <a:off x="1331640" y="2276872"/>
+            <a:ext cx="764145" cy="639971"/>
           </a:xfrm>
           <a:prstGeom prst="rect">
             <a:avLst/>
@@ -868,278 +625,12 @@
           </a:extLst>
         </p:spPr>
       </p:pic>
-      <p:cxnSp>
-        <p:nvCxnSpPr>
-          <p:cNvPr id="25" name="カギ線コネクタ 24">
-            <a:extLst>
-              <a:ext uri="{FF2B5EF4-FFF2-40B4-BE49-F238E27FC236}">
-                <a16:creationId xmlns:a16="http://schemas.microsoft.com/office/drawing/2014/main" id="{CC874798-4855-B249-A08E-6C2A7C8F875A}"/>
-              </a:ext>
-            </a:extLst>
-          </p:cNvPr>
-          <p:cNvCxnSpPr>
-            <a:stCxn id="16" idx="2"/>
-            <a:endCxn id="24" idx="0"/>
-          </p:cNvCxnSpPr>
-          <p:nvPr/>
-        </p:nvCxnSpPr>
-        <p:spPr>
-          <a:xfrm rot="16200000" flipH="1">
-            <a:off x="3274762" y="1931858"/>
-            <a:ext cx="224125" cy="753934"/>
-          </a:xfrm>
-          <a:prstGeom prst="bentConnector3">
-            <a:avLst/>
-          </a:prstGeom>
-          <a:ln>
-            <a:solidFill>
-              <a:schemeClr val="tx1"/>
-            </a:solidFill>
-            <a:headEnd type="none" w="med" len="med"/>
-            <a:tailEnd type="none" w="med" len="med"/>
-          </a:ln>
-        </p:spPr>
-        <p:style>
-          <a:lnRef idx="1">
-            <a:schemeClr val="accent1"/>
-          </a:lnRef>
-          <a:fillRef idx="0">
-            <a:schemeClr val="accent1"/>
-          </a:fillRef>
-          <a:effectRef idx="0">
-            <a:schemeClr val="accent1"/>
-          </a:effectRef>
-          <a:fontRef idx="minor">
-            <a:schemeClr val="tx1"/>
-          </a:fontRef>
-        </p:style>
-      </p:cxnSp>
-      <p:cxnSp>
-        <p:nvCxnSpPr>
-          <p:cNvPr id="26" name="カギ線コネクタ 25">
-            <a:extLst>
-              <a:ext uri="{FF2B5EF4-FFF2-40B4-BE49-F238E27FC236}">
-                <a16:creationId xmlns:a16="http://schemas.microsoft.com/office/drawing/2014/main" id="{D6CB5B32-D42C-0F4F-AC0C-3D2C9F4214C1}"/>
-              </a:ext>
-            </a:extLst>
-          </p:cNvPr>
-          <p:cNvCxnSpPr>
-            <a:stCxn id="16" idx="2"/>
-            <a:endCxn id="18" idx="0"/>
-          </p:cNvCxnSpPr>
-          <p:nvPr/>
-        </p:nvCxnSpPr>
-        <p:spPr>
-          <a:xfrm rot="16200000" flipH="1">
-            <a:off x="3600874" y="1605745"/>
-            <a:ext cx="224125" cy="1406159"/>
-          </a:xfrm>
-          <a:prstGeom prst="bentConnector3">
-            <a:avLst/>
-          </a:prstGeom>
-          <a:ln>
-            <a:solidFill>
-              <a:schemeClr val="tx1"/>
-            </a:solidFill>
-            <a:headEnd type="none" w="med" len="med"/>
-            <a:tailEnd type="none" w="med" len="med"/>
-          </a:ln>
-        </p:spPr>
-        <p:style>
-          <a:lnRef idx="1">
-            <a:schemeClr val="accent1"/>
-          </a:lnRef>
-          <a:fillRef idx="0">
-            <a:schemeClr val="accent1"/>
-          </a:fillRef>
-          <a:effectRef idx="0">
-            <a:schemeClr val="accent1"/>
-          </a:effectRef>
-          <a:fontRef idx="minor">
-            <a:schemeClr val="tx1"/>
-          </a:fontRef>
-        </p:style>
-      </p:cxnSp>
-      <p:cxnSp>
-        <p:nvCxnSpPr>
-          <p:cNvPr id="27" name="カギ線コネクタ 26">
-            <a:extLst>
-              <a:ext uri="{FF2B5EF4-FFF2-40B4-BE49-F238E27FC236}">
-                <a16:creationId xmlns:a16="http://schemas.microsoft.com/office/drawing/2014/main" id="{51C35BCD-E1EF-7646-9D74-F7510E72B96E}"/>
-              </a:ext>
-            </a:extLst>
-          </p:cNvPr>
-          <p:cNvCxnSpPr>
-            <a:stCxn id="16" idx="2"/>
-            <a:endCxn id="17" idx="0"/>
-          </p:cNvCxnSpPr>
-          <p:nvPr/>
-        </p:nvCxnSpPr>
-        <p:spPr>
-          <a:xfrm rot="16200000" flipH="1">
-            <a:off x="3924910" y="1281709"/>
-            <a:ext cx="224125" cy="2054231"/>
-          </a:xfrm>
-          <a:prstGeom prst="bentConnector3">
-            <a:avLst/>
-          </a:prstGeom>
-          <a:ln>
-            <a:solidFill>
-              <a:schemeClr val="tx1"/>
-            </a:solidFill>
-            <a:headEnd type="none" w="med" len="med"/>
-            <a:tailEnd type="none" w="med" len="med"/>
-          </a:ln>
-        </p:spPr>
-        <p:style>
-          <a:lnRef idx="1">
-            <a:schemeClr val="accent1"/>
-          </a:lnRef>
-          <a:fillRef idx="0">
-            <a:schemeClr val="accent1"/>
-          </a:fillRef>
-          <a:effectRef idx="0">
-            <a:schemeClr val="accent1"/>
-          </a:effectRef>
-          <a:fontRef idx="minor">
-            <a:schemeClr val="tx1"/>
-          </a:fontRef>
-        </p:style>
-      </p:cxnSp>
-      <p:sp>
-        <p:nvSpPr>
-          <p:cNvPr id="28" name="左中かっこ 27">
-            <a:extLst>
-              <a:ext uri="{FF2B5EF4-FFF2-40B4-BE49-F238E27FC236}">
-                <a16:creationId xmlns:a16="http://schemas.microsoft.com/office/drawing/2014/main" id="{F95002D7-360B-B746-BF14-83A2F9DCA7CD}"/>
-              </a:ext>
-            </a:extLst>
-          </p:cNvPr>
-          <p:cNvSpPr/>
-          <p:nvPr/>
-        </p:nvSpPr>
-        <p:spPr>
-          <a:xfrm rot="16200000">
-            <a:off x="4555063" y="2005777"/>
-            <a:ext cx="288032" cy="2270382"/>
-          </a:xfrm>
-          <a:prstGeom prst="leftBrace">
-            <a:avLst/>
-          </a:prstGeom>
-          <a:ln>
-            <a:solidFill>
-              <a:schemeClr val="tx1"/>
-            </a:solidFill>
-            <a:headEnd type="none" w="med" len="med"/>
-            <a:tailEnd type="none" w="med" len="med"/>
-          </a:ln>
-        </p:spPr>
-        <p:style>
-          <a:lnRef idx="1">
-            <a:schemeClr val="accent1"/>
-          </a:lnRef>
-          <a:fillRef idx="0">
-            <a:schemeClr val="accent1"/>
-          </a:fillRef>
-          <a:effectRef idx="0">
-            <a:schemeClr val="accent1"/>
-          </a:effectRef>
-          <a:fontRef idx="minor">
-            <a:schemeClr val="tx1"/>
-          </a:fontRef>
-        </p:style>
-        <p:txBody>
-          <a:bodyPr rtlCol="0" anchor="ctr"/>
-          <a:lstStyle/>
-          <a:p>
-            <a:pPr algn="ctr"/>
-            <a:endParaRPr kumimoji="1" lang="ja-JP" altLang="en-US"/>
-          </a:p>
-        </p:txBody>
-      </p:sp>
-      <p:sp>
-        <p:nvSpPr>
-          <p:cNvPr id="29" name="テキスト ボックス 28">
-            <a:extLst>
-              <a:ext uri="{FF2B5EF4-FFF2-40B4-BE49-F238E27FC236}">
-                <a16:creationId xmlns:a16="http://schemas.microsoft.com/office/drawing/2014/main" id="{A5145B83-FEFF-3D44-9930-D94B6AF3FCE9}"/>
-              </a:ext>
-            </a:extLst>
-          </p:cNvPr>
-          <p:cNvSpPr txBox="1"/>
-          <p:nvPr/>
-        </p:nvSpPr>
-        <p:spPr>
-          <a:xfrm>
-            <a:off x="3683160" y="3338854"/>
-            <a:ext cx="2031325" cy="369332"/>
-          </a:xfrm>
-          <a:prstGeom prst="rect">
-            <a:avLst/>
-          </a:prstGeom>
-          <a:noFill/>
-        </p:spPr>
-        <p:txBody>
-          <a:bodyPr wrap="none" rtlCol="0">
-            <a:spAutoFit/>
-          </a:bodyPr>
-          <a:lstStyle/>
-          <a:p>
-            <a:r>
-              <a:rPr kumimoji="1" lang="ja-JP" altLang="en-US" dirty="0"/>
-              <a:t>ワーキングツリー</a:t>
-            </a:r>
-          </a:p>
-        </p:txBody>
-      </p:sp>
-      <p:sp>
-        <p:nvSpPr>
-          <p:cNvPr id="30" name="テキスト ボックス 29">
-            <a:extLst>
-              <a:ext uri="{FF2B5EF4-FFF2-40B4-BE49-F238E27FC236}">
-                <a16:creationId xmlns:a16="http://schemas.microsoft.com/office/drawing/2014/main" id="{273B75AC-2DCF-0D41-81D8-087388B81C8B}"/>
-              </a:ext>
-            </a:extLst>
-          </p:cNvPr>
-          <p:cNvSpPr txBox="1"/>
-          <p:nvPr/>
-        </p:nvSpPr>
-        <p:spPr>
-          <a:xfrm>
-            <a:off x="2655234" y="2614058"/>
-            <a:ext cx="633507" cy="338554"/>
-          </a:xfrm>
-          <a:prstGeom prst="rect">
-            <a:avLst/>
-          </a:prstGeom>
-          <a:noFill/>
-        </p:spPr>
-        <p:txBody>
-          <a:bodyPr wrap="none" rtlCol="0">
-            <a:spAutoFit/>
-          </a:bodyPr>
-          <a:lstStyle/>
-          <a:p>
-            <a:r>
-              <a:rPr lang="en-US" altLang="ja-JP" sz="1600" dirty="0">
-                <a:latin typeface="Consolas" panose="020B0609020204030204" pitchFamily="49" charset="0"/>
-                <a:cs typeface="Consolas" panose="020B0609020204030204" pitchFamily="49" charset="0"/>
-              </a:rPr>
-              <a:t>.git</a:t>
-            </a:r>
-            <a:endParaRPr kumimoji="1" lang="ja-JP" altLang="en-US" sz="1600" dirty="0">
-              <a:latin typeface="Consolas" panose="020B0609020204030204" pitchFamily="49" charset="0"/>
-              <a:cs typeface="Consolas" panose="020B0609020204030204" pitchFamily="49" charset="0"/>
-            </a:endParaRPr>
-          </a:p>
-        </p:txBody>
-      </p:sp>
       <p:pic>
         <p:nvPicPr>
-          <p:cNvPr id="31" name="Picture 2" descr="ファイルアイコン（ブランク）">
-            <a:extLst>
-              <a:ext uri="{FF2B5EF4-FFF2-40B4-BE49-F238E27FC236}">
-                <a16:creationId xmlns:a16="http://schemas.microsoft.com/office/drawing/2014/main" id="{CE8E678B-847C-D447-9372-5EBCBEDEB6EB}"/>
+          <p:cNvPr id="12" name="Picture 2" descr="フォルダのイラスト">
+            <a:extLst>
+              <a:ext uri="{FF2B5EF4-FFF2-40B4-BE49-F238E27FC236}">
+                <a16:creationId xmlns:a16="http://schemas.microsoft.com/office/drawing/2014/main" id="{A3AA17A4-DC05-4B0A-A1AC-2801D9E11EBF}"/>
               </a:ext>
             </a:extLst>
           </p:cNvPr>
@@ -1149,7 +640,7 @@
           <p:nvPr/>
         </p:nvPicPr>
         <p:blipFill>
-          <a:blip r:embed="rId3" cstate="print">
+          <a:blip r:embed="rId2" cstate="print">
             <a:extLst>
               <a:ext uri="{28A0092B-C50C-407E-A947-70E740481C1C}">
                 <a14:useLocalDpi xmlns:a14="http://schemas.microsoft.com/office/drawing/2010/main" val="0"/>
@@ -1163,8 +654,8 @@
         </p:blipFill>
         <p:spPr bwMode="auto">
           <a:xfrm>
-            <a:off x="5445695" y="2424201"/>
-            <a:ext cx="455985" cy="529531"/>
+            <a:off x="2411760" y="3140968"/>
+            <a:ext cx="764145" cy="639971"/>
           </a:xfrm>
           <a:prstGeom prst="rect">
             <a:avLst/>
@@ -1181,38 +672,929 @@
           </a:extLst>
         </p:spPr>
       </p:pic>
+      <p:pic>
+        <p:nvPicPr>
+          <p:cNvPr id="13" name="Picture 2" descr="フォルダのイラスト">
+            <a:extLst>
+              <a:ext uri="{FF2B5EF4-FFF2-40B4-BE49-F238E27FC236}">
+                <a16:creationId xmlns:a16="http://schemas.microsoft.com/office/drawing/2014/main" id="{6E402F7D-D6D6-44A5-AC74-F2880AF11C8B}"/>
+              </a:ext>
+            </a:extLst>
+          </p:cNvPr>
+          <p:cNvPicPr>
+            <a:picLocks noChangeAspect="1" noChangeArrowheads="1"/>
+          </p:cNvPicPr>
+          <p:nvPr/>
+        </p:nvPicPr>
+        <p:blipFill>
+          <a:blip r:embed="rId2" cstate="print">
+            <a:extLst>
+              <a:ext uri="{28A0092B-C50C-407E-A947-70E740481C1C}">
+                <a14:useLocalDpi xmlns:a14="http://schemas.microsoft.com/office/drawing/2010/main" val="0"/>
+              </a:ext>
+            </a:extLst>
+          </a:blip>
+          <a:srcRect/>
+          <a:stretch>
+            <a:fillRect/>
+          </a:stretch>
+        </p:blipFill>
+        <p:spPr bwMode="auto">
+          <a:xfrm>
+            <a:off x="3995936" y="3140968"/>
+            <a:ext cx="764145" cy="639971"/>
+          </a:xfrm>
+          <a:prstGeom prst="rect">
+            <a:avLst/>
+          </a:prstGeom>
+          <a:noFill/>
+          <a:extLst>
+            <a:ext uri="{909E8E84-426E-40DD-AFC4-6F175D3DCCD1}">
+              <a14:hiddenFill xmlns:a14="http://schemas.microsoft.com/office/drawing/2010/main">
+                <a:solidFill>
+                  <a:srgbClr val="FFFFFF"/>
+                </a:solidFill>
+              </a14:hiddenFill>
+            </a:ext>
+          </a:extLst>
+        </p:spPr>
+      </p:pic>
+      <p:sp>
+        <p:nvSpPr>
+          <p:cNvPr id="8" name="テキスト ボックス 7">
+            <a:extLst>
+              <a:ext uri="{FF2B5EF4-FFF2-40B4-BE49-F238E27FC236}">
+                <a16:creationId xmlns:a16="http://schemas.microsoft.com/office/drawing/2014/main" id="{CD590056-4C60-4ED4-9825-6AE800E01604}"/>
+              </a:ext>
+            </a:extLst>
+          </p:cNvPr>
+          <p:cNvSpPr txBox="1"/>
+          <p:nvPr/>
+        </p:nvSpPr>
+        <p:spPr>
+          <a:xfrm>
+            <a:off x="1360505" y="2420888"/>
+            <a:ext cx="691215" cy="369332"/>
+          </a:xfrm>
+          <a:prstGeom prst="rect">
+            <a:avLst/>
+          </a:prstGeom>
+          <a:noFill/>
+        </p:spPr>
+        <p:txBody>
+          <a:bodyPr wrap="none" rtlCol="0">
+            <a:spAutoFit/>
+          </a:bodyPr>
+          <a:lstStyle/>
+          <a:p>
+            <a:r>
+              <a:rPr kumimoji="1" lang="en-US" altLang="ja-JP" dirty="0">
+                <a:solidFill>
+                  <a:schemeClr val="bg1"/>
+                </a:solidFill>
+                <a:latin typeface="Consolas" panose="020B0609020204030204" pitchFamily="49" charset="0"/>
+              </a:rPr>
+              <a:t>grad</a:t>
+            </a:r>
+            <a:endParaRPr kumimoji="1" lang="ja-JP" altLang="en-US" dirty="0">
+              <a:solidFill>
+                <a:schemeClr val="bg1"/>
+              </a:solidFill>
+              <a:latin typeface="Consolas" panose="020B0609020204030204" pitchFamily="49" charset="0"/>
+            </a:endParaRPr>
+          </a:p>
+        </p:txBody>
+      </p:sp>
+      <p:sp>
+        <p:nvSpPr>
+          <p:cNvPr id="17" name="テキスト ボックス 16">
+            <a:extLst>
+              <a:ext uri="{FF2B5EF4-FFF2-40B4-BE49-F238E27FC236}">
+                <a16:creationId xmlns:a16="http://schemas.microsoft.com/office/drawing/2014/main" id="{BBA349D2-91AD-4E54-8BD7-608F53C7ED1C}"/>
+              </a:ext>
+            </a:extLst>
+          </p:cNvPr>
+          <p:cNvSpPr txBox="1"/>
+          <p:nvPr/>
+        </p:nvSpPr>
+        <p:spPr>
+          <a:xfrm>
+            <a:off x="2495254" y="3284984"/>
+            <a:ext cx="564578" cy="369332"/>
+          </a:xfrm>
+          <a:prstGeom prst="rect">
+            <a:avLst/>
+          </a:prstGeom>
+          <a:noFill/>
+        </p:spPr>
+        <p:txBody>
+          <a:bodyPr wrap="none" rtlCol="0">
+            <a:spAutoFit/>
+          </a:bodyPr>
+          <a:lstStyle/>
+          <a:p>
+            <a:r>
+              <a:rPr kumimoji="1" lang="en-US" altLang="ja-JP" dirty="0">
+                <a:solidFill>
+                  <a:schemeClr val="bg1"/>
+                </a:solidFill>
+                <a:latin typeface="Consolas" panose="020B0609020204030204" pitchFamily="49" charset="0"/>
+              </a:rPr>
+              <a:t>fig</a:t>
+            </a:r>
+            <a:endParaRPr kumimoji="1" lang="ja-JP" altLang="en-US" dirty="0">
+              <a:solidFill>
+                <a:schemeClr val="bg1"/>
+              </a:solidFill>
+              <a:latin typeface="Consolas" panose="020B0609020204030204" pitchFamily="49" charset="0"/>
+            </a:endParaRPr>
+          </a:p>
+        </p:txBody>
+      </p:sp>
+      <p:sp>
+        <p:nvSpPr>
+          <p:cNvPr id="18" name="テキスト ボックス 17">
+            <a:extLst>
+              <a:ext uri="{FF2B5EF4-FFF2-40B4-BE49-F238E27FC236}">
+                <a16:creationId xmlns:a16="http://schemas.microsoft.com/office/drawing/2014/main" id="{964F04A2-6455-42F8-AEAE-5B0542AAF81E}"/>
+              </a:ext>
+            </a:extLst>
+          </p:cNvPr>
+          <p:cNvSpPr txBox="1"/>
+          <p:nvPr/>
+        </p:nvSpPr>
+        <p:spPr>
+          <a:xfrm>
+            <a:off x="4079430" y="3284984"/>
+            <a:ext cx="564578" cy="369332"/>
+          </a:xfrm>
+          <a:prstGeom prst="rect">
+            <a:avLst/>
+          </a:prstGeom>
+          <a:noFill/>
+        </p:spPr>
+        <p:txBody>
+          <a:bodyPr wrap="none" rtlCol="0">
+            <a:spAutoFit/>
+          </a:bodyPr>
+          <a:lstStyle/>
+          <a:p>
+            <a:r>
+              <a:rPr kumimoji="1" lang="en-US" altLang="ja-JP" dirty="0">
+                <a:solidFill>
+                  <a:schemeClr val="bg1"/>
+                </a:solidFill>
+                <a:latin typeface="Consolas" panose="020B0609020204030204" pitchFamily="49" charset="0"/>
+              </a:rPr>
+              <a:t>ref</a:t>
+            </a:r>
+            <a:endParaRPr kumimoji="1" lang="ja-JP" altLang="en-US" dirty="0">
+              <a:solidFill>
+                <a:schemeClr val="bg1"/>
+              </a:solidFill>
+              <a:latin typeface="Consolas" panose="020B0609020204030204" pitchFamily="49" charset="0"/>
+            </a:endParaRPr>
+          </a:p>
+        </p:txBody>
+      </p:sp>
+      <p:pic>
+        <p:nvPicPr>
+          <p:cNvPr id="1034" name="Picture 10">
+            <a:extLst>
+              <a:ext uri="{FF2B5EF4-FFF2-40B4-BE49-F238E27FC236}">
+                <a16:creationId xmlns:a16="http://schemas.microsoft.com/office/drawing/2014/main" id="{99A3EB5D-6605-479D-A48D-653641981003}"/>
+              </a:ext>
+            </a:extLst>
+          </p:cNvPr>
+          <p:cNvPicPr>
+            <a:picLocks noChangeAspect="1" noChangeArrowheads="1"/>
+          </p:cNvPicPr>
+          <p:nvPr/>
+        </p:nvPicPr>
+        <p:blipFill>
+          <a:blip r:embed="rId3">
+            <a:extLst>
+              <a:ext uri="{28A0092B-C50C-407E-A947-70E740481C1C}">
+                <a14:useLocalDpi xmlns:a14="http://schemas.microsoft.com/office/drawing/2010/main" val="0"/>
+              </a:ext>
+            </a:extLst>
+          </a:blip>
+          <a:srcRect/>
+          <a:stretch>
+            <a:fillRect/>
+          </a:stretch>
+        </p:blipFill>
+        <p:spPr bwMode="auto">
+          <a:xfrm>
+            <a:off x="3995936" y="4005064"/>
+            <a:ext cx="744083" cy="864096"/>
+          </a:xfrm>
+          <a:prstGeom prst="rect">
+            <a:avLst/>
+          </a:prstGeom>
+          <a:noFill/>
+          <a:extLst>
+            <a:ext uri="{909E8E84-426E-40DD-AFC4-6F175D3DCCD1}">
+              <a14:hiddenFill xmlns:a14="http://schemas.microsoft.com/office/drawing/2010/main">
+                <a:solidFill>
+                  <a:srgbClr val="FFFFFF"/>
+                </a:solidFill>
+              </a14:hiddenFill>
+            </a:ext>
+          </a:extLst>
+        </p:spPr>
+      </p:pic>
+      <p:pic>
+        <p:nvPicPr>
+          <p:cNvPr id="20" name="Picture 10">
+            <a:extLst>
+              <a:ext uri="{FF2B5EF4-FFF2-40B4-BE49-F238E27FC236}">
+                <a16:creationId xmlns:a16="http://schemas.microsoft.com/office/drawing/2014/main" id="{5F3DBF54-CED0-4AE0-A46C-0711D7E83D48}"/>
+              </a:ext>
+            </a:extLst>
+          </p:cNvPr>
+          <p:cNvPicPr>
+            <a:picLocks noChangeAspect="1" noChangeArrowheads="1"/>
+          </p:cNvPicPr>
+          <p:nvPr/>
+        </p:nvPicPr>
+        <p:blipFill>
+          <a:blip r:embed="rId3">
+            <a:extLst>
+              <a:ext uri="{28A0092B-C50C-407E-A947-70E740481C1C}">
+                <a14:useLocalDpi xmlns:a14="http://schemas.microsoft.com/office/drawing/2010/main" val="0"/>
+              </a:ext>
+            </a:extLst>
+          </a:blip>
+          <a:srcRect/>
+          <a:stretch>
+            <a:fillRect/>
+          </a:stretch>
+        </p:blipFill>
+        <p:spPr bwMode="auto">
+          <a:xfrm>
+            <a:off x="4788024" y="4005064"/>
+            <a:ext cx="744083" cy="864096"/>
+          </a:xfrm>
+          <a:prstGeom prst="rect">
+            <a:avLst/>
+          </a:prstGeom>
+          <a:noFill/>
+          <a:extLst>
+            <a:ext uri="{909E8E84-426E-40DD-AFC4-6F175D3DCCD1}">
+              <a14:hiddenFill xmlns:a14="http://schemas.microsoft.com/office/drawing/2010/main">
+                <a:solidFill>
+                  <a:srgbClr val="FFFFFF"/>
+                </a:solidFill>
+              </a14:hiddenFill>
+            </a:ext>
+          </a:extLst>
+        </p:spPr>
+      </p:pic>
+      <p:pic>
+        <p:nvPicPr>
+          <p:cNvPr id="22" name="Picture 2" descr="ファイルアイコン（画像）">
+            <a:extLst>
+              <a:ext uri="{FF2B5EF4-FFF2-40B4-BE49-F238E27FC236}">
+                <a16:creationId xmlns:a16="http://schemas.microsoft.com/office/drawing/2014/main" id="{AD014E62-37B9-45E8-91DC-20F1022F98BE}"/>
+              </a:ext>
+            </a:extLst>
+          </p:cNvPr>
+          <p:cNvPicPr>
+            <a:picLocks noChangeAspect="1" noChangeArrowheads="1"/>
+          </p:cNvPicPr>
+          <p:nvPr/>
+        </p:nvPicPr>
+        <p:blipFill>
+          <a:blip r:embed="rId4">
+            <a:extLst>
+              <a:ext uri="{28A0092B-C50C-407E-A947-70E740481C1C}">
+                <a14:useLocalDpi xmlns:a14="http://schemas.microsoft.com/office/drawing/2010/main" val="0"/>
+              </a:ext>
+            </a:extLst>
+          </a:blip>
+          <a:srcRect/>
+          <a:stretch>
+            <a:fillRect/>
+          </a:stretch>
+        </p:blipFill>
+        <p:spPr bwMode="auto">
+          <a:xfrm>
+            <a:off x="2411760" y="4005064"/>
+            <a:ext cx="744083" cy="864096"/>
+          </a:xfrm>
+          <a:prstGeom prst="rect">
+            <a:avLst/>
+          </a:prstGeom>
+          <a:noFill/>
+          <a:extLst>
+            <a:ext uri="{909E8E84-426E-40DD-AFC4-6F175D3DCCD1}">
+              <a14:hiddenFill xmlns:a14="http://schemas.microsoft.com/office/drawing/2010/main">
+                <a:solidFill>
+                  <a:srgbClr val="FFFFFF"/>
+                </a:solidFill>
+              </a14:hiddenFill>
+            </a:ext>
+          </a:extLst>
+        </p:spPr>
+      </p:pic>
+      <p:pic>
+        <p:nvPicPr>
+          <p:cNvPr id="23" name="Picture 2" descr="ファイルアイコン（画像）">
+            <a:extLst>
+              <a:ext uri="{FF2B5EF4-FFF2-40B4-BE49-F238E27FC236}">
+                <a16:creationId xmlns:a16="http://schemas.microsoft.com/office/drawing/2014/main" id="{44538CF2-3215-456D-9D80-AF1D41FF040E}"/>
+              </a:ext>
+            </a:extLst>
+          </p:cNvPr>
+          <p:cNvPicPr>
+            <a:picLocks noChangeAspect="1" noChangeArrowheads="1"/>
+          </p:cNvPicPr>
+          <p:nvPr/>
+        </p:nvPicPr>
+        <p:blipFill>
+          <a:blip r:embed="rId4">
+            <a:extLst>
+              <a:ext uri="{28A0092B-C50C-407E-A947-70E740481C1C}">
+                <a14:useLocalDpi xmlns:a14="http://schemas.microsoft.com/office/drawing/2010/main" val="0"/>
+              </a:ext>
+            </a:extLst>
+          </a:blip>
+          <a:srcRect/>
+          <a:stretch>
+            <a:fillRect/>
+          </a:stretch>
+        </p:blipFill>
+        <p:spPr bwMode="auto">
+          <a:xfrm>
+            <a:off x="3131840" y="4005064"/>
+            <a:ext cx="744083" cy="864096"/>
+          </a:xfrm>
+          <a:prstGeom prst="rect">
+            <a:avLst/>
+          </a:prstGeom>
+          <a:noFill/>
+          <a:extLst>
+            <a:ext uri="{909E8E84-426E-40DD-AFC4-6F175D3DCCD1}">
+              <a14:hiddenFill xmlns:a14="http://schemas.microsoft.com/office/drawing/2010/main">
+                <a:solidFill>
+                  <a:srgbClr val="FFFFFF"/>
+                </a:solidFill>
+              </a14:hiddenFill>
+            </a:ext>
+          </a:extLst>
+        </p:spPr>
+      </p:pic>
+      <p:pic>
+        <p:nvPicPr>
+          <p:cNvPr id="24" name="Picture 4" descr="ファイルアイコン（テキスト）">
+            <a:extLst>
+              <a:ext uri="{FF2B5EF4-FFF2-40B4-BE49-F238E27FC236}">
+                <a16:creationId xmlns:a16="http://schemas.microsoft.com/office/drawing/2014/main" id="{3A57A4BD-2E62-4D04-B752-97897AE1D606}"/>
+              </a:ext>
+            </a:extLst>
+          </p:cNvPr>
+          <p:cNvPicPr>
+            <a:picLocks noChangeAspect="1" noChangeArrowheads="1"/>
+          </p:cNvPicPr>
+          <p:nvPr/>
+        </p:nvPicPr>
+        <p:blipFill>
+          <a:blip r:embed="rId5">
+            <a:extLst>
+              <a:ext uri="{28A0092B-C50C-407E-A947-70E740481C1C}">
+                <a14:useLocalDpi xmlns:a14="http://schemas.microsoft.com/office/drawing/2010/main" val="0"/>
+              </a:ext>
+            </a:extLst>
+          </a:blip>
+          <a:srcRect/>
+          <a:stretch>
+            <a:fillRect/>
+          </a:stretch>
+        </p:blipFill>
+        <p:spPr bwMode="auto">
+          <a:xfrm>
+            <a:off x="1331640" y="4005064"/>
+            <a:ext cx="744083" cy="864096"/>
+          </a:xfrm>
+          <a:prstGeom prst="rect">
+            <a:avLst/>
+          </a:prstGeom>
+          <a:noFill/>
+          <a:extLst>
+            <a:ext uri="{909E8E84-426E-40DD-AFC4-6F175D3DCCD1}">
+              <a14:hiddenFill xmlns:a14="http://schemas.microsoft.com/office/drawing/2010/main">
+                <a:solidFill>
+                  <a:srgbClr val="FFFFFF"/>
+                </a:solidFill>
+              </a14:hiddenFill>
+            </a:ext>
+          </a:extLst>
+        </p:spPr>
+      </p:pic>
+      <p:pic>
+        <p:nvPicPr>
+          <p:cNvPr id="27" name="Picture 2" descr="フォルダのイラスト">
+            <a:extLst>
+              <a:ext uri="{FF2B5EF4-FFF2-40B4-BE49-F238E27FC236}">
+                <a16:creationId xmlns:a16="http://schemas.microsoft.com/office/drawing/2014/main" id="{9A8E83F8-968C-4A70-B8B1-1D93CEFC9FAA}"/>
+              </a:ext>
+            </a:extLst>
+          </p:cNvPr>
+          <p:cNvPicPr>
+            <a:picLocks noChangeAspect="1" noChangeArrowheads="1"/>
+          </p:cNvPicPr>
+          <p:nvPr/>
+        </p:nvPicPr>
+        <p:blipFill>
+          <a:blip r:embed="rId2" cstate="print">
+            <a:extLst>
+              <a:ext uri="{28A0092B-C50C-407E-A947-70E740481C1C}">
+                <a14:useLocalDpi xmlns:a14="http://schemas.microsoft.com/office/drawing/2010/main" val="0"/>
+              </a:ext>
+            </a:extLst>
+          </a:blip>
+          <a:srcRect/>
+          <a:stretch>
+            <a:fillRect/>
+          </a:stretch>
+        </p:blipFill>
+        <p:spPr bwMode="auto">
+          <a:xfrm>
+            <a:off x="1331640" y="3140968"/>
+            <a:ext cx="764145" cy="639971"/>
+          </a:xfrm>
+          <a:prstGeom prst="rect">
+            <a:avLst/>
+          </a:prstGeom>
+          <a:noFill/>
+          <a:extLst>
+            <a:ext uri="{909E8E84-426E-40DD-AFC4-6F175D3DCCD1}">
+              <a14:hiddenFill xmlns:a14="http://schemas.microsoft.com/office/drawing/2010/main">
+                <a:solidFill>
+                  <a:srgbClr val="FFFFFF"/>
+                </a:solidFill>
+              </a14:hiddenFill>
+            </a:ext>
+          </a:extLst>
+        </p:spPr>
+      </p:pic>
+      <p:sp>
+        <p:nvSpPr>
+          <p:cNvPr id="28" name="テキスト ボックス 27">
+            <a:extLst>
+              <a:ext uri="{FF2B5EF4-FFF2-40B4-BE49-F238E27FC236}">
+                <a16:creationId xmlns:a16="http://schemas.microsoft.com/office/drawing/2014/main" id="{7DA20C6A-A733-44BD-B380-FC52042762F9}"/>
+              </a:ext>
+            </a:extLst>
+          </p:cNvPr>
+          <p:cNvSpPr txBox="1"/>
+          <p:nvPr/>
+        </p:nvSpPr>
+        <p:spPr>
+          <a:xfrm>
+            <a:off x="1415134" y="3284984"/>
+            <a:ext cx="564578" cy="369332"/>
+          </a:xfrm>
+          <a:prstGeom prst="rect">
+            <a:avLst/>
+          </a:prstGeom>
+          <a:noFill/>
+        </p:spPr>
+        <p:txBody>
+          <a:bodyPr wrap="none" rtlCol="0">
+            <a:spAutoFit/>
+          </a:bodyPr>
+          <a:lstStyle/>
+          <a:p>
+            <a:r>
+              <a:rPr kumimoji="1" lang="en-US" altLang="ja-JP" dirty="0">
+                <a:solidFill>
+                  <a:schemeClr val="bg1"/>
+                </a:solidFill>
+                <a:latin typeface="Consolas" panose="020B0609020204030204" pitchFamily="49" charset="0"/>
+              </a:rPr>
+              <a:t>doc</a:t>
+            </a:r>
+            <a:endParaRPr kumimoji="1" lang="ja-JP" altLang="en-US" dirty="0">
+              <a:solidFill>
+                <a:schemeClr val="bg1"/>
+              </a:solidFill>
+              <a:latin typeface="Consolas" panose="020B0609020204030204" pitchFamily="49" charset="0"/>
+            </a:endParaRPr>
+          </a:p>
+        </p:txBody>
+      </p:sp>
       <p:cxnSp>
         <p:nvCxnSpPr>
-          <p:cNvPr id="32" name="カギ線コネクタ 31">
-            <a:extLst>
-              <a:ext uri="{FF2B5EF4-FFF2-40B4-BE49-F238E27FC236}">
-                <a16:creationId xmlns:a16="http://schemas.microsoft.com/office/drawing/2014/main" id="{A12D8C17-9443-D142-B401-A6BF374ADE95}"/>
-              </a:ext>
-            </a:extLst>
-          </p:cNvPr>
-          <p:cNvCxnSpPr>
-            <a:cxnSpLocks/>
-            <a:stCxn id="16" idx="2"/>
-            <a:endCxn id="31" idx="0"/>
-          </p:cNvCxnSpPr>
+          <p:cNvPr id="16" name="直線コネクタ 15">
+            <a:extLst>
+              <a:ext uri="{FF2B5EF4-FFF2-40B4-BE49-F238E27FC236}">
+                <a16:creationId xmlns:a16="http://schemas.microsoft.com/office/drawing/2014/main" id="{2B9073AA-6A96-4D53-8AC5-B189BA4B90E6}"/>
+              </a:ext>
+            </a:extLst>
+          </p:cNvPr>
+          <p:cNvCxnSpPr/>
           <p:nvPr/>
         </p:nvCxnSpPr>
         <p:spPr>
-          <a:xfrm rot="16200000" flipH="1">
-            <a:off x="4228053" y="978566"/>
-            <a:ext cx="227438" cy="2663831"/>
-          </a:xfrm>
-          <a:prstGeom prst="bentConnector3">
-            <a:avLst>
-              <a:gd name="adj1" fmla="val 50000"/>
-            </a:avLst>
-          </a:prstGeom>
-          <a:ln>
+          <a:xfrm>
+            <a:off x="1714830" y="2917570"/>
+            <a:ext cx="0" cy="216024"/>
+          </a:xfrm>
+          <a:prstGeom prst="line">
+            <a:avLst/>
+          </a:prstGeom>
+          <a:ln w="12700">
             <a:solidFill>
               <a:schemeClr val="tx1"/>
             </a:solidFill>
-            <a:headEnd type="none" w="med" len="med"/>
-            <a:tailEnd type="none" w="med" len="med"/>
+          </a:ln>
+        </p:spPr>
+        <p:style>
+          <a:lnRef idx="1">
+            <a:schemeClr val="accent1"/>
+          </a:lnRef>
+          <a:fillRef idx="0">
+            <a:schemeClr val="accent1"/>
+          </a:fillRef>
+          <a:effectRef idx="0">
+            <a:schemeClr val="accent1"/>
+          </a:effectRef>
+          <a:fontRef idx="minor">
+            <a:schemeClr val="tx1"/>
+          </a:fontRef>
+        </p:style>
+      </p:cxnSp>
+      <p:cxnSp>
+        <p:nvCxnSpPr>
+          <p:cNvPr id="33" name="コネクタ: カギ線 32">
+            <a:extLst>
+              <a:ext uri="{FF2B5EF4-FFF2-40B4-BE49-F238E27FC236}">
+                <a16:creationId xmlns:a16="http://schemas.microsoft.com/office/drawing/2014/main" id="{E1796AC2-73DA-430B-8674-5AB59CDF1187}"/>
+              </a:ext>
+            </a:extLst>
+          </p:cNvPr>
+          <p:cNvCxnSpPr>
+            <a:stCxn id="12" idx="2"/>
+            <a:endCxn id="23" idx="0"/>
+          </p:cNvCxnSpPr>
+          <p:nvPr/>
+        </p:nvCxnSpPr>
+        <p:spPr>
+          <a:xfrm rot="16200000" flipH="1">
+            <a:off x="3036795" y="3537976"/>
+            <a:ext cx="224125" cy="710049"/>
+          </a:xfrm>
+          <a:prstGeom prst="bentConnector3">
+            <a:avLst/>
+          </a:prstGeom>
+          <a:ln w="12700">
+            <a:solidFill>
+              <a:schemeClr val="tx1"/>
+            </a:solidFill>
+          </a:ln>
+        </p:spPr>
+        <p:style>
+          <a:lnRef idx="1">
+            <a:schemeClr val="accent1"/>
+          </a:lnRef>
+          <a:fillRef idx="0">
+            <a:schemeClr val="accent1"/>
+          </a:fillRef>
+          <a:effectRef idx="0">
+            <a:schemeClr val="accent1"/>
+          </a:effectRef>
+          <a:fontRef idx="minor">
+            <a:schemeClr val="tx1"/>
+          </a:fontRef>
+        </p:style>
+      </p:cxnSp>
+      <p:cxnSp>
+        <p:nvCxnSpPr>
+          <p:cNvPr id="38" name="直線コネクタ 37">
+            <a:extLst>
+              <a:ext uri="{FF2B5EF4-FFF2-40B4-BE49-F238E27FC236}">
+                <a16:creationId xmlns:a16="http://schemas.microsoft.com/office/drawing/2014/main" id="{70B04F61-FF0C-48A2-B9D3-78D69FDA82DD}"/>
+              </a:ext>
+            </a:extLst>
+          </p:cNvPr>
+          <p:cNvCxnSpPr>
+            <a:cxnSpLocks/>
+          </p:cNvCxnSpPr>
+          <p:nvPr/>
+        </p:nvCxnSpPr>
+        <p:spPr>
+          <a:xfrm flipH="1">
+            <a:off x="4374363" y="3779515"/>
+            <a:ext cx="1" cy="216024"/>
+          </a:xfrm>
+          <a:prstGeom prst="line">
+            <a:avLst/>
+          </a:prstGeom>
+          <a:ln w="12700">
+            <a:solidFill>
+              <a:schemeClr val="tx1"/>
+            </a:solidFill>
+          </a:ln>
+        </p:spPr>
+        <p:style>
+          <a:lnRef idx="1">
+            <a:schemeClr val="accent1"/>
+          </a:lnRef>
+          <a:fillRef idx="0">
+            <a:schemeClr val="accent1"/>
+          </a:fillRef>
+          <a:effectRef idx="0">
+            <a:schemeClr val="accent1"/>
+          </a:effectRef>
+          <a:fontRef idx="minor">
+            <a:schemeClr val="tx1"/>
+          </a:fontRef>
+        </p:style>
+      </p:cxnSp>
+      <p:cxnSp>
+        <p:nvCxnSpPr>
+          <p:cNvPr id="46" name="直線コネクタ 45">
+            <a:extLst>
+              <a:ext uri="{FF2B5EF4-FFF2-40B4-BE49-F238E27FC236}">
+                <a16:creationId xmlns:a16="http://schemas.microsoft.com/office/drawing/2014/main" id="{A0397D8E-6B6F-43A4-9A80-C33A70D4586F}"/>
+              </a:ext>
+            </a:extLst>
+          </p:cNvPr>
+          <p:cNvCxnSpPr>
+            <a:cxnSpLocks/>
+          </p:cNvCxnSpPr>
+          <p:nvPr/>
+        </p:nvCxnSpPr>
+        <p:spPr>
+          <a:xfrm flipH="1">
+            <a:off x="1691680" y="3789040"/>
+            <a:ext cx="1" cy="216024"/>
+          </a:xfrm>
+          <a:prstGeom prst="line">
+            <a:avLst/>
+          </a:prstGeom>
+          <a:ln w="12700">
+            <a:solidFill>
+              <a:schemeClr val="tx1"/>
+            </a:solidFill>
+          </a:ln>
+        </p:spPr>
+        <p:style>
+          <a:lnRef idx="1">
+            <a:schemeClr val="accent1"/>
+          </a:lnRef>
+          <a:fillRef idx="0">
+            <a:schemeClr val="accent1"/>
+          </a:fillRef>
+          <a:effectRef idx="0">
+            <a:schemeClr val="accent1"/>
+          </a:effectRef>
+          <a:fontRef idx="minor">
+            <a:schemeClr val="tx1"/>
+          </a:fontRef>
+        </p:style>
+      </p:cxnSp>
+      <p:cxnSp>
+        <p:nvCxnSpPr>
+          <p:cNvPr id="47" name="直線コネクタ 46">
+            <a:extLst>
+              <a:ext uri="{FF2B5EF4-FFF2-40B4-BE49-F238E27FC236}">
+                <a16:creationId xmlns:a16="http://schemas.microsoft.com/office/drawing/2014/main" id="{73895289-DFE6-4831-B929-9CFBF08022AD}"/>
+              </a:ext>
+            </a:extLst>
+          </p:cNvPr>
+          <p:cNvCxnSpPr>
+            <a:cxnSpLocks/>
+          </p:cNvCxnSpPr>
+          <p:nvPr/>
+        </p:nvCxnSpPr>
+        <p:spPr>
+          <a:xfrm flipH="1">
+            <a:off x="2796183" y="3784277"/>
+            <a:ext cx="1" cy="216024"/>
+          </a:xfrm>
+          <a:prstGeom prst="line">
+            <a:avLst/>
+          </a:prstGeom>
+          <a:ln w="12700">
+            <a:solidFill>
+              <a:schemeClr val="tx1"/>
+            </a:solidFill>
+          </a:ln>
+        </p:spPr>
+        <p:style>
+          <a:lnRef idx="1">
+            <a:schemeClr val="accent1"/>
+          </a:lnRef>
+          <a:fillRef idx="0">
+            <a:schemeClr val="accent1"/>
+          </a:fillRef>
+          <a:effectRef idx="0">
+            <a:schemeClr val="accent1"/>
+          </a:effectRef>
+          <a:fontRef idx="minor">
+            <a:schemeClr val="tx1"/>
+          </a:fontRef>
+        </p:style>
+      </p:cxnSp>
+      <p:cxnSp>
+        <p:nvCxnSpPr>
+          <p:cNvPr id="42" name="直線コネクタ 41">
+            <a:extLst>
+              <a:ext uri="{FF2B5EF4-FFF2-40B4-BE49-F238E27FC236}">
+                <a16:creationId xmlns:a16="http://schemas.microsoft.com/office/drawing/2014/main" id="{37492AB0-5139-4578-B8CF-F9A59B1A3824}"/>
+              </a:ext>
+            </a:extLst>
+          </p:cNvPr>
+          <p:cNvCxnSpPr/>
+          <p:nvPr/>
+        </p:nvCxnSpPr>
+        <p:spPr>
+          <a:xfrm>
+            <a:off x="1709736" y="3019428"/>
+            <a:ext cx="2662238" cy="0"/>
+          </a:xfrm>
+          <a:prstGeom prst="line">
+            <a:avLst/>
+          </a:prstGeom>
+          <a:ln w="12700">
+            <a:solidFill>
+              <a:schemeClr val="tx1"/>
+            </a:solidFill>
+          </a:ln>
+        </p:spPr>
+        <p:style>
+          <a:lnRef idx="1">
+            <a:schemeClr val="accent1"/>
+          </a:lnRef>
+          <a:fillRef idx="0">
+            <a:schemeClr val="accent1"/>
+          </a:fillRef>
+          <a:effectRef idx="0">
+            <a:schemeClr val="accent1"/>
+          </a:effectRef>
+          <a:fontRef idx="minor">
+            <a:schemeClr val="tx1"/>
+          </a:fontRef>
+        </p:style>
+      </p:cxnSp>
+      <p:cxnSp>
+        <p:nvCxnSpPr>
+          <p:cNvPr id="50" name="直線コネクタ 49">
+            <a:extLst>
+              <a:ext uri="{FF2B5EF4-FFF2-40B4-BE49-F238E27FC236}">
+                <a16:creationId xmlns:a16="http://schemas.microsoft.com/office/drawing/2014/main" id="{0133EBE2-F129-4D37-9E4F-D315B6F01435}"/>
+              </a:ext>
+            </a:extLst>
+          </p:cNvPr>
+          <p:cNvCxnSpPr>
+            <a:cxnSpLocks/>
+          </p:cNvCxnSpPr>
+          <p:nvPr/>
+        </p:nvCxnSpPr>
+        <p:spPr>
+          <a:xfrm flipH="1">
+            <a:off x="2790038" y="3024957"/>
+            <a:ext cx="1118" cy="120774"/>
+          </a:xfrm>
+          <a:prstGeom prst="line">
+            <a:avLst/>
+          </a:prstGeom>
+          <a:ln w="12700">
+            <a:solidFill>
+              <a:schemeClr val="tx1"/>
+            </a:solidFill>
+          </a:ln>
+        </p:spPr>
+        <p:style>
+          <a:lnRef idx="1">
+            <a:schemeClr val="accent1"/>
+          </a:lnRef>
+          <a:fillRef idx="0">
+            <a:schemeClr val="accent1"/>
+          </a:fillRef>
+          <a:effectRef idx="0">
+            <a:schemeClr val="accent1"/>
+          </a:effectRef>
+          <a:fontRef idx="minor">
+            <a:schemeClr val="tx1"/>
+          </a:fontRef>
+        </p:style>
+      </p:cxnSp>
+      <p:cxnSp>
+        <p:nvCxnSpPr>
+          <p:cNvPr id="52" name="直線コネクタ 51">
+            <a:extLst>
+              <a:ext uri="{FF2B5EF4-FFF2-40B4-BE49-F238E27FC236}">
+                <a16:creationId xmlns:a16="http://schemas.microsoft.com/office/drawing/2014/main" id="{1939FFD2-47C0-43B3-BA73-92F5CC7A2590}"/>
+              </a:ext>
+            </a:extLst>
+          </p:cNvPr>
+          <p:cNvCxnSpPr>
+            <a:cxnSpLocks/>
+          </p:cNvCxnSpPr>
+          <p:nvPr/>
+        </p:nvCxnSpPr>
+        <p:spPr>
+          <a:xfrm flipH="1">
+            <a:off x="4375950" y="3020194"/>
+            <a:ext cx="1118" cy="120774"/>
+          </a:xfrm>
+          <a:prstGeom prst="line">
+            <a:avLst/>
+          </a:prstGeom>
+          <a:ln w="12700">
+            <a:solidFill>
+              <a:schemeClr val="tx1"/>
+            </a:solidFill>
+          </a:ln>
+        </p:spPr>
+        <p:style>
+          <a:lnRef idx="1">
+            <a:schemeClr val="accent1"/>
+          </a:lnRef>
+          <a:fillRef idx="0">
+            <a:schemeClr val="accent1"/>
+          </a:fillRef>
+          <a:effectRef idx="0">
+            <a:schemeClr val="accent1"/>
+          </a:effectRef>
+          <a:fontRef idx="minor">
+            <a:schemeClr val="tx1"/>
+          </a:fontRef>
+        </p:style>
+      </p:cxnSp>
+      <p:cxnSp>
+        <p:nvCxnSpPr>
+          <p:cNvPr id="53" name="直線コネクタ 52">
+            <a:extLst>
+              <a:ext uri="{FF2B5EF4-FFF2-40B4-BE49-F238E27FC236}">
+                <a16:creationId xmlns:a16="http://schemas.microsoft.com/office/drawing/2014/main" id="{787833A2-89B3-410E-BE64-7694959E0BA9}"/>
+              </a:ext>
+            </a:extLst>
+          </p:cNvPr>
+          <p:cNvCxnSpPr>
+            <a:cxnSpLocks/>
+          </p:cNvCxnSpPr>
+          <p:nvPr/>
+        </p:nvCxnSpPr>
+        <p:spPr>
+          <a:xfrm>
+            <a:off x="4376736" y="3886203"/>
+            <a:ext cx="781052" cy="0"/>
+          </a:xfrm>
+          <a:prstGeom prst="line">
+            <a:avLst/>
+          </a:prstGeom>
+          <a:ln w="12700">
+            <a:solidFill>
+              <a:schemeClr val="tx1"/>
+            </a:solidFill>
+          </a:ln>
+        </p:spPr>
+        <p:style>
+          <a:lnRef idx="1">
+            <a:schemeClr val="accent1"/>
+          </a:lnRef>
+          <a:fillRef idx="0">
+            <a:schemeClr val="accent1"/>
+          </a:fillRef>
+          <a:effectRef idx="0">
+            <a:schemeClr val="accent1"/>
+          </a:effectRef>
+          <a:fontRef idx="minor">
+            <a:schemeClr val="tx1"/>
+          </a:fontRef>
+        </p:style>
+      </p:cxnSp>
+      <p:cxnSp>
+        <p:nvCxnSpPr>
+          <p:cNvPr id="55" name="直線コネクタ 54">
+            <a:extLst>
+              <a:ext uri="{FF2B5EF4-FFF2-40B4-BE49-F238E27FC236}">
+                <a16:creationId xmlns:a16="http://schemas.microsoft.com/office/drawing/2014/main" id="{85827AA3-7EA4-4618-9B79-2D5EDE0A226D}"/>
+              </a:ext>
+            </a:extLst>
+          </p:cNvPr>
+          <p:cNvCxnSpPr>
+            <a:cxnSpLocks/>
+          </p:cNvCxnSpPr>
+          <p:nvPr/>
+        </p:nvCxnSpPr>
+        <p:spPr>
+          <a:xfrm flipH="1">
+            <a:off x="5152238" y="3882207"/>
+            <a:ext cx="1118" cy="120774"/>
+          </a:xfrm>
+          <a:prstGeom prst="line">
+            <a:avLst/>
+          </a:prstGeom>
+          <a:ln w="12700">
+            <a:solidFill>
+              <a:schemeClr val="tx1"/>
+            </a:solidFill>
           </a:ln>
         </p:spPr>
         <p:style>
@@ -1233,7 +1615,7 @@
     </p:spTree>
     <p:extLst>
       <p:ext uri="{BB962C8B-B14F-4D97-AF65-F5344CB8AC3E}">
-        <p14:creationId xmlns:p14="http://schemas.microsoft.com/office/powerpoint/2010/main" val="833368575"/>
+        <p14:creationId xmlns:p14="http://schemas.microsoft.com/office/powerpoint/2010/main" val="4081038314"/>
       </p:ext>
     </p:extLst>
   </p:cSld>
@@ -1262,10 +1644,10 @@
       </p:grpSpPr>
       <p:pic>
         <p:nvPicPr>
-          <p:cNvPr id="1026" name="Picture 2" descr="パソコンを使う男性のイラスト">
-            <a:extLst>
-              <a:ext uri="{FF2B5EF4-FFF2-40B4-BE49-F238E27FC236}">
-                <a16:creationId xmlns:a16="http://schemas.microsoft.com/office/drawing/2014/main" id="{0E1772E2-F50D-BA41-B934-888F9D6C0FA3}"/>
+          <p:cNvPr id="16" name="Picture 2" descr="フォルダのイラスト">
+            <a:extLst>
+              <a:ext uri="{FF2B5EF4-FFF2-40B4-BE49-F238E27FC236}">
+                <a16:creationId xmlns:a16="http://schemas.microsoft.com/office/drawing/2014/main" id="{4716B7A6-EA34-3F4F-8E45-49861D78F92D}"/>
               </a:ext>
             </a:extLst>
           </p:cNvPr>
@@ -1275,7 +1657,819 @@
           <p:nvPr/>
         </p:nvPicPr>
         <p:blipFill>
-          <a:blip r:embed="rId2">
+          <a:blip r:embed="rId2" cstate="print">
+            <a:extLst>
+              <a:ext uri="{28A0092B-C50C-407E-A947-70E740481C1C}">
+                <a14:useLocalDpi xmlns:a14="http://schemas.microsoft.com/office/drawing/2010/main" val="0"/>
+              </a:ext>
+            </a:extLst>
+          </a:blip>
+          <a:srcRect/>
+          <a:stretch>
+            <a:fillRect/>
+          </a:stretch>
+        </p:blipFill>
+        <p:spPr bwMode="auto">
+          <a:xfrm>
+            <a:off x="2627784" y="1556792"/>
+            <a:ext cx="764145" cy="639971"/>
+          </a:xfrm>
+          <a:prstGeom prst="rect">
+            <a:avLst/>
+          </a:prstGeom>
+          <a:noFill/>
+          <a:extLst>
+            <a:ext uri="{909E8E84-426E-40DD-AFC4-6F175D3DCCD1}">
+              <a14:hiddenFill xmlns:a14="http://schemas.microsoft.com/office/drawing/2010/main">
+                <a:solidFill>
+                  <a:srgbClr val="FFFFFF"/>
+                </a:solidFill>
+              </a14:hiddenFill>
+            </a:ext>
+          </a:extLst>
+        </p:spPr>
+      </p:pic>
+      <p:pic>
+        <p:nvPicPr>
+          <p:cNvPr id="17" name="Picture 2" descr="ファイルアイコン（ブランク）">
+            <a:extLst>
+              <a:ext uri="{FF2B5EF4-FFF2-40B4-BE49-F238E27FC236}">
+                <a16:creationId xmlns:a16="http://schemas.microsoft.com/office/drawing/2014/main" id="{EB6ACC0C-46B4-4045-B590-058860FE6CEA}"/>
+              </a:ext>
+            </a:extLst>
+          </p:cNvPr>
+          <p:cNvPicPr>
+            <a:picLocks noChangeAspect="1" noChangeArrowheads="1"/>
+          </p:cNvPicPr>
+          <p:nvPr/>
+        </p:nvPicPr>
+        <p:blipFill>
+          <a:blip r:embed="rId3" cstate="print">
+            <a:extLst>
+              <a:ext uri="{28A0092B-C50C-407E-A947-70E740481C1C}">
+                <a14:useLocalDpi xmlns:a14="http://schemas.microsoft.com/office/drawing/2010/main" val="0"/>
+              </a:ext>
+            </a:extLst>
+          </a:blip>
+          <a:srcRect/>
+          <a:stretch>
+            <a:fillRect/>
+          </a:stretch>
+        </p:blipFill>
+        <p:spPr bwMode="auto">
+          <a:xfrm>
+            <a:off x="4836095" y="2420888"/>
+            <a:ext cx="455985" cy="529531"/>
+          </a:xfrm>
+          <a:prstGeom prst="rect">
+            <a:avLst/>
+          </a:prstGeom>
+          <a:noFill/>
+          <a:extLst>
+            <a:ext uri="{909E8E84-426E-40DD-AFC4-6F175D3DCCD1}">
+              <a14:hiddenFill xmlns:a14="http://schemas.microsoft.com/office/drawing/2010/main">
+                <a:solidFill>
+                  <a:srgbClr val="FFFFFF"/>
+                </a:solidFill>
+              </a14:hiddenFill>
+            </a:ext>
+          </a:extLst>
+        </p:spPr>
+      </p:pic>
+      <p:pic>
+        <p:nvPicPr>
+          <p:cNvPr id="18" name="Picture 2" descr="ファイルアイコン（ブランク）">
+            <a:extLst>
+              <a:ext uri="{FF2B5EF4-FFF2-40B4-BE49-F238E27FC236}">
+                <a16:creationId xmlns:a16="http://schemas.microsoft.com/office/drawing/2014/main" id="{5AE946EC-83CF-2842-ADA6-E21FAAB08730}"/>
+              </a:ext>
+            </a:extLst>
+          </p:cNvPr>
+          <p:cNvPicPr>
+            <a:picLocks noChangeAspect="1" noChangeArrowheads="1"/>
+          </p:cNvPicPr>
+          <p:nvPr/>
+        </p:nvPicPr>
+        <p:blipFill>
+          <a:blip r:embed="rId3" cstate="print">
+            <a:extLst>
+              <a:ext uri="{28A0092B-C50C-407E-A947-70E740481C1C}">
+                <a14:useLocalDpi xmlns:a14="http://schemas.microsoft.com/office/drawing/2010/main" val="0"/>
+              </a:ext>
+            </a:extLst>
+          </a:blip>
+          <a:srcRect/>
+          <a:stretch>
+            <a:fillRect/>
+          </a:stretch>
+        </p:blipFill>
+        <p:spPr bwMode="auto">
+          <a:xfrm>
+            <a:off x="4188023" y="2420888"/>
+            <a:ext cx="455985" cy="529531"/>
+          </a:xfrm>
+          <a:prstGeom prst="rect">
+            <a:avLst/>
+          </a:prstGeom>
+          <a:noFill/>
+          <a:extLst>
+            <a:ext uri="{909E8E84-426E-40DD-AFC4-6F175D3DCCD1}">
+              <a14:hiddenFill xmlns:a14="http://schemas.microsoft.com/office/drawing/2010/main">
+                <a:solidFill>
+                  <a:srgbClr val="FFFFFF"/>
+                </a:solidFill>
+              </a14:hiddenFill>
+            </a:ext>
+          </a:extLst>
+        </p:spPr>
+      </p:pic>
+      <p:sp>
+        <p:nvSpPr>
+          <p:cNvPr id="19" name="角丸四角形 18">
+            <a:extLst>
+              <a:ext uri="{FF2B5EF4-FFF2-40B4-BE49-F238E27FC236}">
+                <a16:creationId xmlns:a16="http://schemas.microsoft.com/office/drawing/2014/main" id="{101BC1A3-9500-BE46-9666-849B0184F508}"/>
+              </a:ext>
+            </a:extLst>
+          </p:cNvPr>
+          <p:cNvSpPr/>
+          <p:nvPr/>
+        </p:nvSpPr>
+        <p:spPr>
+          <a:xfrm>
+            <a:off x="2272612" y="1405271"/>
+            <a:ext cx="3959223" cy="2530625"/>
+          </a:xfrm>
+          <a:prstGeom prst="roundRect">
+            <a:avLst/>
+          </a:prstGeom>
+          <a:noFill/>
+          <a:ln w="28575">
+            <a:solidFill>
+              <a:schemeClr val="tx1"/>
+            </a:solidFill>
+            <a:prstDash val="dash"/>
+          </a:ln>
+        </p:spPr>
+        <p:style>
+          <a:lnRef idx="2">
+            <a:schemeClr val="accent1">
+              <a:shade val="50000"/>
+            </a:schemeClr>
+          </a:lnRef>
+          <a:fillRef idx="1">
+            <a:schemeClr val="accent1"/>
+          </a:fillRef>
+          <a:effectRef idx="0">
+            <a:schemeClr val="accent1"/>
+          </a:effectRef>
+          <a:fontRef idx="minor">
+            <a:schemeClr val="lt1"/>
+          </a:fontRef>
+        </p:style>
+        <p:txBody>
+          <a:bodyPr rtlCol="0" anchor="ctr"/>
+          <a:lstStyle/>
+          <a:p>
+            <a:pPr algn="ctr"/>
+            <a:endParaRPr kumimoji="1" lang="ja-JP" altLang="en-US"/>
+          </a:p>
+        </p:txBody>
+      </p:sp>
+      <p:sp>
+        <p:nvSpPr>
+          <p:cNvPr id="20" name="円柱 19">
+            <a:extLst>
+              <a:ext uri="{FF2B5EF4-FFF2-40B4-BE49-F238E27FC236}">
+                <a16:creationId xmlns:a16="http://schemas.microsoft.com/office/drawing/2014/main" id="{E61169A5-8C44-C148-B62A-535A04758B8B}"/>
+              </a:ext>
+            </a:extLst>
+          </p:cNvPr>
+          <p:cNvSpPr/>
+          <p:nvPr/>
+        </p:nvSpPr>
+        <p:spPr>
+          <a:xfrm>
+            <a:off x="2678184" y="2492896"/>
+            <a:ext cx="669680" cy="496072"/>
+          </a:xfrm>
+          <a:prstGeom prst="can">
+            <a:avLst/>
+          </a:prstGeom>
+          <a:solidFill>
+            <a:schemeClr val="accent2">
+              <a:lumMod val="40000"/>
+              <a:lumOff val="60000"/>
+            </a:schemeClr>
+          </a:solidFill>
+          <a:ln>
+            <a:solidFill>
+              <a:schemeClr val="tx1"/>
+            </a:solidFill>
+          </a:ln>
+        </p:spPr>
+        <p:style>
+          <a:lnRef idx="2">
+            <a:schemeClr val="accent1">
+              <a:shade val="50000"/>
+            </a:schemeClr>
+          </a:lnRef>
+          <a:fillRef idx="1">
+            <a:schemeClr val="accent1"/>
+          </a:fillRef>
+          <a:effectRef idx="0">
+            <a:schemeClr val="accent1"/>
+          </a:effectRef>
+          <a:fontRef idx="minor">
+            <a:schemeClr val="lt1"/>
+          </a:fontRef>
+        </p:style>
+        <p:txBody>
+          <a:bodyPr rtlCol="0" anchor="ctr"/>
+          <a:lstStyle/>
+          <a:p>
+            <a:pPr algn="ctr"/>
+            <a:endParaRPr kumimoji="1" lang="ja-JP" altLang="en-US"/>
+          </a:p>
+        </p:txBody>
+      </p:sp>
+      <p:sp>
+        <p:nvSpPr>
+          <p:cNvPr id="21" name="テキスト ボックス 20">
+            <a:extLst>
+              <a:ext uri="{FF2B5EF4-FFF2-40B4-BE49-F238E27FC236}">
+                <a16:creationId xmlns:a16="http://schemas.microsoft.com/office/drawing/2014/main" id="{CD042290-20B8-B94F-81E0-7D22ADEA1F2B}"/>
+              </a:ext>
+            </a:extLst>
+          </p:cNvPr>
+          <p:cNvSpPr txBox="1"/>
+          <p:nvPr/>
+        </p:nvSpPr>
+        <p:spPr>
+          <a:xfrm>
+            <a:off x="2413383" y="3127579"/>
+            <a:ext cx="1210588" cy="338554"/>
+          </a:xfrm>
+          <a:prstGeom prst="rect">
+            <a:avLst/>
+          </a:prstGeom>
+          <a:noFill/>
+        </p:spPr>
+        <p:txBody>
+          <a:bodyPr wrap="none" rtlCol="0">
+            <a:spAutoFit/>
+          </a:bodyPr>
+          <a:lstStyle/>
+          <a:p>
+            <a:r>
+              <a:rPr lang="ja-JP" altLang="en-US" sz="1600" dirty="0"/>
+              <a:t>リポジトリ</a:t>
+            </a:r>
+            <a:endParaRPr kumimoji="1" lang="ja-JP" altLang="en-US" sz="1600" dirty="0"/>
+          </a:p>
+        </p:txBody>
+      </p:sp>
+      <p:cxnSp>
+        <p:nvCxnSpPr>
+          <p:cNvPr id="23" name="直線コネクタ 22">
+            <a:extLst>
+              <a:ext uri="{FF2B5EF4-FFF2-40B4-BE49-F238E27FC236}">
+                <a16:creationId xmlns:a16="http://schemas.microsoft.com/office/drawing/2014/main" id="{C12578BD-4CA2-9744-96C2-01830F167B2E}"/>
+              </a:ext>
+            </a:extLst>
+          </p:cNvPr>
+          <p:cNvCxnSpPr>
+            <a:stCxn id="16" idx="2"/>
+            <a:endCxn id="20" idx="1"/>
+          </p:cNvCxnSpPr>
+          <p:nvPr/>
+        </p:nvCxnSpPr>
+        <p:spPr>
+          <a:xfrm>
+            <a:off x="3009857" y="2196763"/>
+            <a:ext cx="3167" cy="296133"/>
+          </a:xfrm>
+          <a:prstGeom prst="line">
+            <a:avLst/>
+          </a:prstGeom>
+          <a:ln>
+            <a:solidFill>
+              <a:schemeClr val="tx1"/>
+            </a:solidFill>
+            <a:headEnd type="none" w="med" len="med"/>
+            <a:tailEnd type="none" w="med" len="med"/>
+          </a:ln>
+        </p:spPr>
+        <p:style>
+          <a:lnRef idx="1">
+            <a:schemeClr val="accent1"/>
+          </a:lnRef>
+          <a:fillRef idx="0">
+            <a:schemeClr val="accent1"/>
+          </a:fillRef>
+          <a:effectRef idx="0">
+            <a:schemeClr val="accent1"/>
+          </a:effectRef>
+          <a:fontRef idx="minor">
+            <a:schemeClr val="tx1"/>
+          </a:fontRef>
+        </p:style>
+      </p:cxnSp>
+      <p:pic>
+        <p:nvPicPr>
+          <p:cNvPr id="24" name="Picture 2" descr="フォルダのイラスト">
+            <a:extLst>
+              <a:ext uri="{FF2B5EF4-FFF2-40B4-BE49-F238E27FC236}">
+                <a16:creationId xmlns:a16="http://schemas.microsoft.com/office/drawing/2014/main" id="{08F1C4A9-56BB-C543-A4FE-D14FBE44EC69}"/>
+              </a:ext>
+            </a:extLst>
+          </p:cNvPr>
+          <p:cNvPicPr>
+            <a:picLocks noChangeAspect="1" noChangeArrowheads="1"/>
+          </p:cNvPicPr>
+          <p:nvPr/>
+        </p:nvPicPr>
+        <p:blipFill>
+          <a:blip r:embed="rId4" cstate="print">
+            <a:extLst>
+              <a:ext uri="{28A0092B-C50C-407E-A947-70E740481C1C}">
+                <a14:useLocalDpi xmlns:a14="http://schemas.microsoft.com/office/drawing/2010/main" val="0"/>
+              </a:ext>
+            </a:extLst>
+          </a:blip>
+          <a:srcRect/>
+          <a:stretch>
+            <a:fillRect/>
+          </a:stretch>
+        </p:blipFill>
+        <p:spPr bwMode="auto">
+          <a:xfrm>
+            <a:off x="3419872" y="2420888"/>
+            <a:ext cx="687838" cy="576064"/>
+          </a:xfrm>
+          <a:prstGeom prst="rect">
+            <a:avLst/>
+          </a:prstGeom>
+          <a:noFill/>
+          <a:extLst>
+            <a:ext uri="{909E8E84-426E-40DD-AFC4-6F175D3DCCD1}">
+              <a14:hiddenFill xmlns:a14="http://schemas.microsoft.com/office/drawing/2010/main">
+                <a:solidFill>
+                  <a:srgbClr val="FFFFFF"/>
+                </a:solidFill>
+              </a14:hiddenFill>
+            </a:ext>
+          </a:extLst>
+        </p:spPr>
+      </p:pic>
+      <p:cxnSp>
+        <p:nvCxnSpPr>
+          <p:cNvPr id="25" name="カギ線コネクタ 24">
+            <a:extLst>
+              <a:ext uri="{FF2B5EF4-FFF2-40B4-BE49-F238E27FC236}">
+                <a16:creationId xmlns:a16="http://schemas.microsoft.com/office/drawing/2014/main" id="{CC874798-4855-B249-A08E-6C2A7C8F875A}"/>
+              </a:ext>
+            </a:extLst>
+          </p:cNvPr>
+          <p:cNvCxnSpPr>
+            <a:stCxn id="16" idx="2"/>
+            <a:endCxn id="24" idx="0"/>
+          </p:cNvCxnSpPr>
+          <p:nvPr/>
+        </p:nvCxnSpPr>
+        <p:spPr>
+          <a:xfrm rot="16200000" flipH="1">
+            <a:off x="3274762" y="1931858"/>
+            <a:ext cx="224125" cy="753934"/>
+          </a:xfrm>
+          <a:prstGeom prst="bentConnector3">
+            <a:avLst/>
+          </a:prstGeom>
+          <a:ln>
+            <a:solidFill>
+              <a:schemeClr val="tx1"/>
+            </a:solidFill>
+            <a:headEnd type="none" w="med" len="med"/>
+            <a:tailEnd type="none" w="med" len="med"/>
+          </a:ln>
+        </p:spPr>
+        <p:style>
+          <a:lnRef idx="1">
+            <a:schemeClr val="accent1"/>
+          </a:lnRef>
+          <a:fillRef idx="0">
+            <a:schemeClr val="accent1"/>
+          </a:fillRef>
+          <a:effectRef idx="0">
+            <a:schemeClr val="accent1"/>
+          </a:effectRef>
+          <a:fontRef idx="minor">
+            <a:schemeClr val="tx1"/>
+          </a:fontRef>
+        </p:style>
+      </p:cxnSp>
+      <p:cxnSp>
+        <p:nvCxnSpPr>
+          <p:cNvPr id="26" name="カギ線コネクタ 25">
+            <a:extLst>
+              <a:ext uri="{FF2B5EF4-FFF2-40B4-BE49-F238E27FC236}">
+                <a16:creationId xmlns:a16="http://schemas.microsoft.com/office/drawing/2014/main" id="{D6CB5B32-D42C-0F4F-AC0C-3D2C9F4214C1}"/>
+              </a:ext>
+            </a:extLst>
+          </p:cNvPr>
+          <p:cNvCxnSpPr>
+            <a:stCxn id="16" idx="2"/>
+            <a:endCxn id="18" idx="0"/>
+          </p:cNvCxnSpPr>
+          <p:nvPr/>
+        </p:nvCxnSpPr>
+        <p:spPr>
+          <a:xfrm rot="16200000" flipH="1">
+            <a:off x="3600874" y="1605745"/>
+            <a:ext cx="224125" cy="1406159"/>
+          </a:xfrm>
+          <a:prstGeom prst="bentConnector3">
+            <a:avLst/>
+          </a:prstGeom>
+          <a:ln>
+            <a:solidFill>
+              <a:schemeClr val="tx1"/>
+            </a:solidFill>
+            <a:headEnd type="none" w="med" len="med"/>
+            <a:tailEnd type="none" w="med" len="med"/>
+          </a:ln>
+        </p:spPr>
+        <p:style>
+          <a:lnRef idx="1">
+            <a:schemeClr val="accent1"/>
+          </a:lnRef>
+          <a:fillRef idx="0">
+            <a:schemeClr val="accent1"/>
+          </a:fillRef>
+          <a:effectRef idx="0">
+            <a:schemeClr val="accent1"/>
+          </a:effectRef>
+          <a:fontRef idx="minor">
+            <a:schemeClr val="tx1"/>
+          </a:fontRef>
+        </p:style>
+      </p:cxnSp>
+      <p:cxnSp>
+        <p:nvCxnSpPr>
+          <p:cNvPr id="27" name="カギ線コネクタ 26">
+            <a:extLst>
+              <a:ext uri="{FF2B5EF4-FFF2-40B4-BE49-F238E27FC236}">
+                <a16:creationId xmlns:a16="http://schemas.microsoft.com/office/drawing/2014/main" id="{51C35BCD-E1EF-7646-9D74-F7510E72B96E}"/>
+              </a:ext>
+            </a:extLst>
+          </p:cNvPr>
+          <p:cNvCxnSpPr>
+            <a:stCxn id="16" idx="2"/>
+            <a:endCxn id="17" idx="0"/>
+          </p:cNvCxnSpPr>
+          <p:nvPr/>
+        </p:nvCxnSpPr>
+        <p:spPr>
+          <a:xfrm rot="16200000" flipH="1">
+            <a:off x="3924910" y="1281709"/>
+            <a:ext cx="224125" cy="2054231"/>
+          </a:xfrm>
+          <a:prstGeom prst="bentConnector3">
+            <a:avLst/>
+          </a:prstGeom>
+          <a:ln>
+            <a:solidFill>
+              <a:schemeClr val="tx1"/>
+            </a:solidFill>
+            <a:headEnd type="none" w="med" len="med"/>
+            <a:tailEnd type="none" w="med" len="med"/>
+          </a:ln>
+        </p:spPr>
+        <p:style>
+          <a:lnRef idx="1">
+            <a:schemeClr val="accent1"/>
+          </a:lnRef>
+          <a:fillRef idx="0">
+            <a:schemeClr val="accent1"/>
+          </a:fillRef>
+          <a:effectRef idx="0">
+            <a:schemeClr val="accent1"/>
+          </a:effectRef>
+          <a:fontRef idx="minor">
+            <a:schemeClr val="tx1"/>
+          </a:fontRef>
+        </p:style>
+      </p:cxnSp>
+      <p:sp>
+        <p:nvSpPr>
+          <p:cNvPr id="28" name="左中かっこ 27">
+            <a:extLst>
+              <a:ext uri="{FF2B5EF4-FFF2-40B4-BE49-F238E27FC236}">
+                <a16:creationId xmlns:a16="http://schemas.microsoft.com/office/drawing/2014/main" id="{F95002D7-360B-B746-BF14-83A2F9DCA7CD}"/>
+              </a:ext>
+            </a:extLst>
+          </p:cNvPr>
+          <p:cNvSpPr/>
+          <p:nvPr/>
+        </p:nvSpPr>
+        <p:spPr>
+          <a:xfrm rot="16200000">
+            <a:off x="4555063" y="2005777"/>
+            <a:ext cx="288032" cy="2270382"/>
+          </a:xfrm>
+          <a:prstGeom prst="leftBrace">
+            <a:avLst/>
+          </a:prstGeom>
+          <a:ln>
+            <a:solidFill>
+              <a:schemeClr val="tx1"/>
+            </a:solidFill>
+            <a:headEnd type="none" w="med" len="med"/>
+            <a:tailEnd type="none" w="med" len="med"/>
+          </a:ln>
+        </p:spPr>
+        <p:style>
+          <a:lnRef idx="1">
+            <a:schemeClr val="accent1"/>
+          </a:lnRef>
+          <a:fillRef idx="0">
+            <a:schemeClr val="accent1"/>
+          </a:fillRef>
+          <a:effectRef idx="0">
+            <a:schemeClr val="accent1"/>
+          </a:effectRef>
+          <a:fontRef idx="minor">
+            <a:schemeClr val="tx1"/>
+          </a:fontRef>
+        </p:style>
+        <p:txBody>
+          <a:bodyPr rtlCol="0" anchor="ctr"/>
+          <a:lstStyle/>
+          <a:p>
+            <a:pPr algn="ctr"/>
+            <a:endParaRPr kumimoji="1" lang="ja-JP" altLang="en-US"/>
+          </a:p>
+        </p:txBody>
+      </p:sp>
+      <p:sp>
+        <p:nvSpPr>
+          <p:cNvPr id="29" name="テキスト ボックス 28">
+            <a:extLst>
+              <a:ext uri="{FF2B5EF4-FFF2-40B4-BE49-F238E27FC236}">
+                <a16:creationId xmlns:a16="http://schemas.microsoft.com/office/drawing/2014/main" id="{A5145B83-FEFF-3D44-9930-D94B6AF3FCE9}"/>
+              </a:ext>
+            </a:extLst>
+          </p:cNvPr>
+          <p:cNvSpPr txBox="1"/>
+          <p:nvPr/>
+        </p:nvSpPr>
+        <p:spPr>
+          <a:xfrm>
+            <a:off x="3683160" y="3338854"/>
+            <a:ext cx="2031325" cy="369332"/>
+          </a:xfrm>
+          <a:prstGeom prst="rect">
+            <a:avLst/>
+          </a:prstGeom>
+          <a:noFill/>
+        </p:spPr>
+        <p:txBody>
+          <a:bodyPr wrap="none" rtlCol="0">
+            <a:spAutoFit/>
+          </a:bodyPr>
+          <a:lstStyle/>
+          <a:p>
+            <a:r>
+              <a:rPr kumimoji="1" lang="ja-JP" altLang="en-US" dirty="0"/>
+              <a:t>ワーキングツリー</a:t>
+            </a:r>
+          </a:p>
+        </p:txBody>
+      </p:sp>
+      <p:sp>
+        <p:nvSpPr>
+          <p:cNvPr id="30" name="テキスト ボックス 29">
+            <a:extLst>
+              <a:ext uri="{FF2B5EF4-FFF2-40B4-BE49-F238E27FC236}">
+                <a16:creationId xmlns:a16="http://schemas.microsoft.com/office/drawing/2014/main" id="{273B75AC-2DCF-0D41-81D8-087388B81C8B}"/>
+              </a:ext>
+            </a:extLst>
+          </p:cNvPr>
+          <p:cNvSpPr txBox="1"/>
+          <p:nvPr/>
+        </p:nvSpPr>
+        <p:spPr>
+          <a:xfrm>
+            <a:off x="2655234" y="2614058"/>
+            <a:ext cx="633507" cy="338554"/>
+          </a:xfrm>
+          <a:prstGeom prst="rect">
+            <a:avLst/>
+          </a:prstGeom>
+          <a:noFill/>
+        </p:spPr>
+        <p:txBody>
+          <a:bodyPr wrap="none" rtlCol="0">
+            <a:spAutoFit/>
+          </a:bodyPr>
+          <a:lstStyle/>
+          <a:p>
+            <a:r>
+              <a:rPr lang="en-US" altLang="ja-JP" sz="1600" dirty="0">
+                <a:latin typeface="Consolas" panose="020B0609020204030204" pitchFamily="49" charset="0"/>
+                <a:cs typeface="Consolas" panose="020B0609020204030204" pitchFamily="49" charset="0"/>
+              </a:rPr>
+              <a:t>.git</a:t>
+            </a:r>
+            <a:endParaRPr kumimoji="1" lang="ja-JP" altLang="en-US" sz="1600" dirty="0">
+              <a:latin typeface="Consolas" panose="020B0609020204030204" pitchFamily="49" charset="0"/>
+              <a:cs typeface="Consolas" panose="020B0609020204030204" pitchFamily="49" charset="0"/>
+            </a:endParaRPr>
+          </a:p>
+        </p:txBody>
+      </p:sp>
+      <p:pic>
+        <p:nvPicPr>
+          <p:cNvPr id="31" name="Picture 2" descr="ファイルアイコン（ブランク）">
+            <a:extLst>
+              <a:ext uri="{FF2B5EF4-FFF2-40B4-BE49-F238E27FC236}">
+                <a16:creationId xmlns:a16="http://schemas.microsoft.com/office/drawing/2014/main" id="{CE8E678B-847C-D447-9372-5EBCBEDEB6EB}"/>
+              </a:ext>
+            </a:extLst>
+          </p:cNvPr>
+          <p:cNvPicPr>
+            <a:picLocks noChangeAspect="1" noChangeArrowheads="1"/>
+          </p:cNvPicPr>
+          <p:nvPr/>
+        </p:nvPicPr>
+        <p:blipFill>
+          <a:blip r:embed="rId3" cstate="print">
+            <a:extLst>
+              <a:ext uri="{28A0092B-C50C-407E-A947-70E740481C1C}">
+                <a14:useLocalDpi xmlns:a14="http://schemas.microsoft.com/office/drawing/2010/main" val="0"/>
+              </a:ext>
+            </a:extLst>
+          </a:blip>
+          <a:srcRect/>
+          <a:stretch>
+            <a:fillRect/>
+          </a:stretch>
+        </p:blipFill>
+        <p:spPr bwMode="auto">
+          <a:xfrm>
+            <a:off x="5445695" y="2424201"/>
+            <a:ext cx="455985" cy="529531"/>
+          </a:xfrm>
+          <a:prstGeom prst="rect">
+            <a:avLst/>
+          </a:prstGeom>
+          <a:noFill/>
+          <a:extLst>
+            <a:ext uri="{909E8E84-426E-40DD-AFC4-6F175D3DCCD1}">
+              <a14:hiddenFill xmlns:a14="http://schemas.microsoft.com/office/drawing/2010/main">
+                <a:solidFill>
+                  <a:srgbClr val="FFFFFF"/>
+                </a:solidFill>
+              </a14:hiddenFill>
+            </a:ext>
+          </a:extLst>
+        </p:spPr>
+      </p:pic>
+      <p:cxnSp>
+        <p:nvCxnSpPr>
+          <p:cNvPr id="32" name="カギ線コネクタ 31">
+            <a:extLst>
+              <a:ext uri="{FF2B5EF4-FFF2-40B4-BE49-F238E27FC236}">
+                <a16:creationId xmlns:a16="http://schemas.microsoft.com/office/drawing/2014/main" id="{A12D8C17-9443-D142-B401-A6BF374ADE95}"/>
+              </a:ext>
+            </a:extLst>
+          </p:cNvPr>
+          <p:cNvCxnSpPr>
+            <a:cxnSpLocks/>
+            <a:stCxn id="16" idx="2"/>
+            <a:endCxn id="31" idx="0"/>
+          </p:cNvCxnSpPr>
+          <p:nvPr/>
+        </p:nvCxnSpPr>
+        <p:spPr>
+          <a:xfrm rot="16200000" flipH="1">
+            <a:off x="4228053" y="978566"/>
+            <a:ext cx="227438" cy="2663831"/>
+          </a:xfrm>
+          <a:prstGeom prst="bentConnector3">
+            <a:avLst>
+              <a:gd name="adj1" fmla="val 50000"/>
+            </a:avLst>
+          </a:prstGeom>
+          <a:ln>
+            <a:solidFill>
+              <a:schemeClr val="tx1"/>
+            </a:solidFill>
+            <a:headEnd type="none" w="med" len="med"/>
+            <a:tailEnd type="none" w="med" len="med"/>
+          </a:ln>
+        </p:spPr>
+        <p:style>
+          <a:lnRef idx="1">
+            <a:schemeClr val="accent1"/>
+          </a:lnRef>
+          <a:fillRef idx="0">
+            <a:schemeClr val="accent1"/>
+          </a:fillRef>
+          <a:effectRef idx="0">
+            <a:schemeClr val="accent1"/>
+          </a:effectRef>
+          <a:fontRef idx="minor">
+            <a:schemeClr val="tx1"/>
+          </a:fontRef>
+        </p:style>
+      </p:cxnSp>
+      <p:sp>
+        <p:nvSpPr>
+          <p:cNvPr id="22" name="テキスト ボックス 21">
+            <a:extLst>
+              <a:ext uri="{FF2B5EF4-FFF2-40B4-BE49-F238E27FC236}">
+                <a16:creationId xmlns:a16="http://schemas.microsoft.com/office/drawing/2014/main" id="{F70477CA-0BF9-4099-8E17-E882DB46FF86}"/>
+              </a:ext>
+            </a:extLst>
+          </p:cNvPr>
+          <p:cNvSpPr txBox="1"/>
+          <p:nvPr/>
+        </p:nvSpPr>
+        <p:spPr>
+          <a:xfrm>
+            <a:off x="2633567" y="976654"/>
+            <a:ext cx="3254417" cy="369332"/>
+          </a:xfrm>
+          <a:prstGeom prst="rect">
+            <a:avLst/>
+          </a:prstGeom>
+          <a:noFill/>
+        </p:spPr>
+        <p:txBody>
+          <a:bodyPr wrap="none" rtlCol="0">
+            <a:spAutoFit/>
+          </a:bodyPr>
+          <a:lstStyle/>
+          <a:p>
+            <a:r>
+              <a:rPr lang="en-US" altLang="ja-JP" dirty="0"/>
+              <a:t>Git</a:t>
+            </a:r>
+            <a:r>
+              <a:rPr lang="ja-JP" altLang="en-US" dirty="0"/>
+              <a:t>管理下にあるプロジェクト</a:t>
+            </a:r>
+            <a:endParaRPr kumimoji="1" lang="ja-JP" altLang="en-US" dirty="0"/>
+          </a:p>
+        </p:txBody>
+      </p:sp>
+    </p:spTree>
+    <p:extLst>
+      <p:ext uri="{BB962C8B-B14F-4D97-AF65-F5344CB8AC3E}">
+        <p14:creationId xmlns:p14="http://schemas.microsoft.com/office/powerpoint/2010/main" val="833368575"/>
+      </p:ext>
+    </p:extLst>
+  </p:cSld>
+  <p:clrMapOvr>
+    <a:masterClrMapping/>
+  </p:clrMapOvr>
+</p:sld>
+</file>
+
+<file path=ppt/slides/slide3.xml><?xml version="1.0" encoding="utf-8"?>
+<p:sld xmlns:a="http://schemas.openxmlformats.org/drawingml/2006/main" xmlns:r="http://schemas.openxmlformats.org/officeDocument/2006/relationships" xmlns:p="http://schemas.openxmlformats.org/presentationml/2006/main">
+  <p:cSld>
+    <p:spTree>
+      <p:nvGrpSpPr>
+        <p:cNvPr id="1" name=""/>
+        <p:cNvGrpSpPr/>
+        <p:nvPr/>
+      </p:nvGrpSpPr>
+      <p:grpSpPr>
+        <a:xfrm>
+          <a:off x="0" y="0"/>
+          <a:ext cx="0" cy="0"/>
+          <a:chOff x="0" y="0"/>
+          <a:chExt cx="0" cy="0"/>
+        </a:xfrm>
+      </p:grpSpPr>
+      <p:pic>
+        <p:nvPicPr>
+          <p:cNvPr id="1026" name="Picture 2" descr="パソコンを使う男性のイラスト">
+            <a:extLst>
+              <a:ext uri="{FF2B5EF4-FFF2-40B4-BE49-F238E27FC236}">
+                <a16:creationId xmlns:a16="http://schemas.microsoft.com/office/drawing/2014/main" id="{0E1772E2-F50D-BA41-B934-888F9D6C0FA3}"/>
+              </a:ext>
+            </a:extLst>
+          </p:cNvPr>
+          <p:cNvPicPr>
+            <a:picLocks noChangeAspect="1" noChangeArrowheads="1"/>
+          </p:cNvPicPr>
+          <p:nvPr/>
+        </p:nvPicPr>
+        <p:blipFill>
+          <a:blip r:embed="rId2" cstate="print">
             <a:extLst>
               <a:ext uri="{28A0092B-C50C-407E-A947-70E740481C1C}">
                 <a14:useLocalDpi xmlns:a14="http://schemas.microsoft.com/office/drawing/2010/main" val="0"/>
@@ -2379,7 +3573,7 @@
           <p:nvPr/>
         </p:nvPicPr>
         <p:blipFill>
-          <a:blip r:embed="rId7">
+          <a:blip r:embed="rId7" cstate="print">
             <a:extLst>
               <a:ext uri="{28A0092B-C50C-407E-A947-70E740481C1C}">
                 <a14:useLocalDpi xmlns:a14="http://schemas.microsoft.com/office/drawing/2010/main" val="0"/>
@@ -2606,7 +3800,7 @@
 </p:sld>
 </file>
 
-<file path=ppt/slides/slide3.xml><?xml version="1.0" encoding="utf-8"?>
+<file path=ppt/slides/slide4.xml><?xml version="1.0" encoding="utf-8"?>
 <p:sld xmlns:a="http://schemas.openxmlformats.org/drawingml/2006/main" xmlns:r="http://schemas.openxmlformats.org/officeDocument/2006/relationships" xmlns:p="http://schemas.openxmlformats.org/presentationml/2006/main">
   <p:cSld>
     <p:spTree>

--- a/term/fig/fig.pptx
+++ b/term/fig/fig.pptx
@@ -9,6 +9,7 @@
     <p:sldId id="256" r:id="rId3"/>
     <p:sldId id="257" r:id="rId4"/>
     <p:sldId id="258" r:id="rId5"/>
+    <p:sldId id="260" r:id="rId6"/>
   </p:sldIdLst>
   <p:sldSz cx="9144000" cy="6858000" type="screen4x3"/>
   <p:notesSz cx="6858000" cy="9144000"/>
@@ -4476,7 +4477,7 @@
         </p:blipFill>
         <p:spPr bwMode="auto">
           <a:xfrm>
-            <a:off x="6776305" y="2035373"/>
+            <a:off x="5738876" y="2996952"/>
             <a:ext cx="455985" cy="529531"/>
           </a:xfrm>
           <a:prstGeom prst="rect">
@@ -4523,7 +4524,7 @@
         </p:blipFill>
         <p:spPr bwMode="auto">
           <a:xfrm>
-            <a:off x="6776305" y="2852936"/>
+            <a:off x="6804248" y="2996952"/>
             <a:ext cx="455985" cy="529531"/>
           </a:xfrm>
           <a:prstGeom prst="rect">
@@ -4551,15 +4552,16 @@
             </a:extLst>
           </p:cNvPr>
           <p:cNvCxnSpPr>
-            <a:stCxn id="30" idx="3"/>
-            <a:endCxn id="31" idx="1"/>
+            <a:cxnSpLocks/>
+            <a:stCxn id="30" idx="2"/>
+            <a:endCxn id="31" idx="0"/>
           </p:cNvCxnSpPr>
           <p:nvPr/>
         </p:nvCxnSpPr>
         <p:spPr>
-          <a:xfrm flipV="1">
-            <a:off x="6344257" y="2300139"/>
-            <a:ext cx="432048" cy="8687"/>
+          <a:xfrm>
+            <a:off x="5962185" y="2628811"/>
+            <a:ext cx="4684" cy="368141"/>
           </a:xfrm>
           <a:prstGeom prst="line">
             <a:avLst/>
@@ -4597,15 +4599,16 @@
             </a:extLst>
           </p:cNvPr>
           <p:cNvCxnSpPr>
-            <a:stCxn id="30" idx="3"/>
-            <a:endCxn id="32" idx="1"/>
+            <a:cxnSpLocks/>
+            <a:stCxn id="30" idx="2"/>
+            <a:endCxn id="32" idx="0"/>
           </p:cNvCxnSpPr>
           <p:nvPr/>
         </p:nvCxnSpPr>
         <p:spPr>
-          <a:xfrm>
-            <a:off x="6344257" y="2308826"/>
-            <a:ext cx="432048" cy="808876"/>
+          <a:xfrm rot="16200000" flipH="1">
+            <a:off x="6313143" y="2277853"/>
+            <a:ext cx="368141" cy="1070056"/>
           </a:xfrm>
           <a:prstGeom prst="bentConnector3">
             <a:avLst/>
@@ -4726,6 +4729,3468 @@
     <p:extLst>
       <p:ext uri="{BB962C8B-B14F-4D97-AF65-F5344CB8AC3E}">
         <p14:creationId xmlns:p14="http://schemas.microsoft.com/office/powerpoint/2010/main" val="1324392168"/>
+      </p:ext>
+    </p:extLst>
+  </p:cSld>
+  <p:clrMapOvr>
+    <a:masterClrMapping/>
+  </p:clrMapOvr>
+</p:sld>
+</file>
+
+<file path=ppt/slides/slide5.xml><?xml version="1.0" encoding="utf-8"?>
+<p:sld xmlns:a="http://schemas.openxmlformats.org/drawingml/2006/main" xmlns:r="http://schemas.openxmlformats.org/officeDocument/2006/relationships" xmlns:p="http://schemas.openxmlformats.org/presentationml/2006/main">
+  <p:cSld>
+    <p:spTree>
+      <p:nvGrpSpPr>
+        <p:cNvPr id="1" name=""/>
+        <p:cNvGrpSpPr/>
+        <p:nvPr/>
+      </p:nvGrpSpPr>
+      <p:grpSpPr>
+        <a:xfrm>
+          <a:off x="0" y="0"/>
+          <a:ext cx="0" cy="0"/>
+          <a:chOff x="0" y="0"/>
+          <a:chExt cx="0" cy="0"/>
+        </a:xfrm>
+      </p:grpSpPr>
+      <p:sp>
+        <p:nvSpPr>
+          <p:cNvPr id="2" name="テキスト ボックス 1">
+            <a:extLst>
+              <a:ext uri="{FF2B5EF4-FFF2-40B4-BE49-F238E27FC236}">
+                <a16:creationId xmlns:a16="http://schemas.microsoft.com/office/drawing/2014/main" id="{B50528C2-CB90-43DA-B047-94879EB7A50F}"/>
+              </a:ext>
+            </a:extLst>
+          </p:cNvPr>
+          <p:cNvSpPr txBox="1"/>
+          <p:nvPr/>
+        </p:nvSpPr>
+        <p:spPr>
+          <a:xfrm>
+            <a:off x="2195736" y="404664"/>
+            <a:ext cx="4801314" cy="400110"/>
+          </a:xfrm>
+          <a:prstGeom prst="rect">
+            <a:avLst/>
+          </a:prstGeom>
+          <a:noFill/>
+        </p:spPr>
+        <p:txBody>
+          <a:bodyPr wrap="none" rtlCol="0">
+            <a:spAutoFit/>
+          </a:bodyPr>
+          <a:lstStyle/>
+          <a:p>
+            <a:r>
+              <a:rPr lang="ja-JP" altLang="en-US" sz="2000" dirty="0"/>
+              <a:t>歴史上の任意の地点に戻ることができる</a:t>
+            </a:r>
+            <a:endParaRPr kumimoji="1" lang="ja-JP" altLang="en-US" sz="2000" dirty="0"/>
+          </a:p>
+        </p:txBody>
+      </p:sp>
+      <p:sp>
+        <p:nvSpPr>
+          <p:cNvPr id="3" name="楕円 4">
+            <a:extLst>
+              <a:ext uri="{FF2B5EF4-FFF2-40B4-BE49-F238E27FC236}">
+                <a16:creationId xmlns:a16="http://schemas.microsoft.com/office/drawing/2014/main" id="{4F1846FD-2FA6-4AA7-9A92-5441E651D102}"/>
+              </a:ext>
+            </a:extLst>
+          </p:cNvPr>
+          <p:cNvSpPr/>
+          <p:nvPr/>
+        </p:nvSpPr>
+        <p:spPr>
+          <a:xfrm>
+            <a:off x="1547664" y="1340768"/>
+            <a:ext cx="288032" cy="288032"/>
+          </a:xfrm>
+          <a:prstGeom prst="ellipse">
+            <a:avLst/>
+          </a:prstGeom>
+          <a:solidFill>
+            <a:srgbClr val="011893"/>
+          </a:solidFill>
+          <a:ln>
+            <a:solidFill>
+              <a:schemeClr val="tx1"/>
+            </a:solidFill>
+          </a:ln>
+        </p:spPr>
+        <p:style>
+          <a:lnRef idx="2">
+            <a:schemeClr val="accent1">
+              <a:shade val="50000"/>
+            </a:schemeClr>
+          </a:lnRef>
+          <a:fillRef idx="1">
+            <a:schemeClr val="accent1"/>
+          </a:fillRef>
+          <a:effectRef idx="0">
+            <a:schemeClr val="accent1"/>
+          </a:effectRef>
+          <a:fontRef idx="minor">
+            <a:schemeClr val="lt1"/>
+          </a:fontRef>
+        </p:style>
+        <p:txBody>
+          <a:bodyPr rtlCol="0" anchor="ctr"/>
+          <a:lstStyle/>
+          <a:p>
+            <a:pPr algn="ctr"/>
+            <a:endParaRPr kumimoji="1" lang="ja-JP" altLang="en-US"/>
+          </a:p>
+        </p:txBody>
+      </p:sp>
+      <p:cxnSp>
+        <p:nvCxnSpPr>
+          <p:cNvPr id="6" name="直線コネクタ 5">
+            <a:extLst>
+              <a:ext uri="{FF2B5EF4-FFF2-40B4-BE49-F238E27FC236}">
+                <a16:creationId xmlns:a16="http://schemas.microsoft.com/office/drawing/2014/main" id="{C6479D25-804F-43A2-BDBB-42320BDF847A}"/>
+              </a:ext>
+            </a:extLst>
+          </p:cNvPr>
+          <p:cNvCxnSpPr>
+            <a:cxnSpLocks/>
+            <a:stCxn id="3" idx="6"/>
+            <a:endCxn id="12" idx="2"/>
+          </p:cNvCxnSpPr>
+          <p:nvPr/>
+        </p:nvCxnSpPr>
+        <p:spPr>
+          <a:xfrm>
+            <a:off x="1835696" y="1484784"/>
+            <a:ext cx="432048" cy="0"/>
+          </a:xfrm>
+          <a:prstGeom prst="line">
+            <a:avLst/>
+          </a:prstGeom>
+          <a:ln w="57150">
+            <a:solidFill>
+              <a:schemeClr val="tx1"/>
+            </a:solidFill>
+            <a:headEnd type="none" w="med" len="med"/>
+            <a:tailEnd type="none" w="med" len="med"/>
+          </a:ln>
+        </p:spPr>
+        <p:style>
+          <a:lnRef idx="1">
+            <a:schemeClr val="accent1"/>
+          </a:lnRef>
+          <a:fillRef idx="0">
+            <a:schemeClr val="accent1"/>
+          </a:fillRef>
+          <a:effectRef idx="0">
+            <a:schemeClr val="accent1"/>
+          </a:effectRef>
+          <a:fontRef idx="minor">
+            <a:schemeClr val="tx1"/>
+          </a:fontRef>
+        </p:style>
+      </p:cxnSp>
+      <p:sp>
+        <p:nvSpPr>
+          <p:cNvPr id="12" name="楕円 4">
+            <a:extLst>
+              <a:ext uri="{FF2B5EF4-FFF2-40B4-BE49-F238E27FC236}">
+                <a16:creationId xmlns:a16="http://schemas.microsoft.com/office/drawing/2014/main" id="{38FB7F27-501A-4682-89E1-2C6950462FB0}"/>
+              </a:ext>
+            </a:extLst>
+          </p:cNvPr>
+          <p:cNvSpPr/>
+          <p:nvPr/>
+        </p:nvSpPr>
+        <p:spPr>
+          <a:xfrm>
+            <a:off x="2267744" y="1340768"/>
+            <a:ext cx="288032" cy="288032"/>
+          </a:xfrm>
+          <a:prstGeom prst="ellipse">
+            <a:avLst/>
+          </a:prstGeom>
+          <a:solidFill>
+            <a:srgbClr val="011893"/>
+          </a:solidFill>
+          <a:ln>
+            <a:solidFill>
+              <a:schemeClr val="tx1"/>
+            </a:solidFill>
+          </a:ln>
+        </p:spPr>
+        <p:style>
+          <a:lnRef idx="2">
+            <a:schemeClr val="accent1">
+              <a:shade val="50000"/>
+            </a:schemeClr>
+          </a:lnRef>
+          <a:fillRef idx="1">
+            <a:schemeClr val="accent1"/>
+          </a:fillRef>
+          <a:effectRef idx="0">
+            <a:schemeClr val="accent1"/>
+          </a:effectRef>
+          <a:fontRef idx="minor">
+            <a:schemeClr val="lt1"/>
+          </a:fontRef>
+        </p:style>
+        <p:txBody>
+          <a:bodyPr rtlCol="0" anchor="ctr"/>
+          <a:lstStyle/>
+          <a:p>
+            <a:pPr algn="ctr"/>
+            <a:endParaRPr kumimoji="1" lang="ja-JP" altLang="en-US"/>
+          </a:p>
+        </p:txBody>
+      </p:sp>
+      <p:sp>
+        <p:nvSpPr>
+          <p:cNvPr id="19" name="楕円 4">
+            <a:extLst>
+              <a:ext uri="{FF2B5EF4-FFF2-40B4-BE49-F238E27FC236}">
+                <a16:creationId xmlns:a16="http://schemas.microsoft.com/office/drawing/2014/main" id="{6FA8B84E-51A2-4F38-8022-52B080739D95}"/>
+              </a:ext>
+            </a:extLst>
+          </p:cNvPr>
+          <p:cNvSpPr/>
+          <p:nvPr/>
+        </p:nvSpPr>
+        <p:spPr>
+          <a:xfrm>
+            <a:off x="2987824" y="1340768"/>
+            <a:ext cx="288032" cy="288032"/>
+          </a:xfrm>
+          <a:prstGeom prst="ellipse">
+            <a:avLst/>
+          </a:prstGeom>
+          <a:solidFill>
+            <a:srgbClr val="011893"/>
+          </a:solidFill>
+          <a:ln>
+            <a:solidFill>
+              <a:schemeClr val="tx1"/>
+            </a:solidFill>
+          </a:ln>
+        </p:spPr>
+        <p:style>
+          <a:lnRef idx="2">
+            <a:schemeClr val="accent1">
+              <a:shade val="50000"/>
+            </a:schemeClr>
+          </a:lnRef>
+          <a:fillRef idx="1">
+            <a:schemeClr val="accent1"/>
+          </a:fillRef>
+          <a:effectRef idx="0">
+            <a:schemeClr val="accent1"/>
+          </a:effectRef>
+          <a:fontRef idx="minor">
+            <a:schemeClr val="lt1"/>
+          </a:fontRef>
+        </p:style>
+        <p:txBody>
+          <a:bodyPr rtlCol="0" anchor="ctr"/>
+          <a:lstStyle/>
+          <a:p>
+            <a:pPr algn="ctr"/>
+            <a:endParaRPr kumimoji="1" lang="ja-JP" altLang="en-US"/>
+          </a:p>
+        </p:txBody>
+      </p:sp>
+      <p:cxnSp>
+        <p:nvCxnSpPr>
+          <p:cNvPr id="20" name="直線コネクタ 19">
+            <a:extLst>
+              <a:ext uri="{FF2B5EF4-FFF2-40B4-BE49-F238E27FC236}">
+                <a16:creationId xmlns:a16="http://schemas.microsoft.com/office/drawing/2014/main" id="{C58F963A-C8C3-4D22-B4FA-C4A538D2834F}"/>
+              </a:ext>
+            </a:extLst>
+          </p:cNvPr>
+          <p:cNvCxnSpPr>
+            <a:cxnSpLocks/>
+            <a:stCxn id="12" idx="6"/>
+            <a:endCxn id="19" idx="2"/>
+          </p:cNvCxnSpPr>
+          <p:nvPr/>
+        </p:nvCxnSpPr>
+        <p:spPr>
+          <a:xfrm>
+            <a:off x="2555776" y="1484784"/>
+            <a:ext cx="432048" cy="0"/>
+          </a:xfrm>
+          <a:prstGeom prst="line">
+            <a:avLst/>
+          </a:prstGeom>
+          <a:ln w="57150">
+            <a:solidFill>
+              <a:schemeClr val="tx1"/>
+            </a:solidFill>
+            <a:headEnd type="none" w="med" len="med"/>
+            <a:tailEnd type="none" w="med" len="med"/>
+          </a:ln>
+        </p:spPr>
+        <p:style>
+          <a:lnRef idx="1">
+            <a:schemeClr val="accent1"/>
+          </a:lnRef>
+          <a:fillRef idx="0">
+            <a:schemeClr val="accent1"/>
+          </a:fillRef>
+          <a:effectRef idx="0">
+            <a:schemeClr val="accent1"/>
+          </a:effectRef>
+          <a:fontRef idx="minor">
+            <a:schemeClr val="tx1"/>
+          </a:fontRef>
+        </p:style>
+      </p:cxnSp>
+      <p:sp>
+        <p:nvSpPr>
+          <p:cNvPr id="23" name="楕円 4">
+            <a:extLst>
+              <a:ext uri="{FF2B5EF4-FFF2-40B4-BE49-F238E27FC236}">
+                <a16:creationId xmlns:a16="http://schemas.microsoft.com/office/drawing/2014/main" id="{D3A0AD53-9562-4100-913C-B5F6F3F76EAD}"/>
+              </a:ext>
+            </a:extLst>
+          </p:cNvPr>
+          <p:cNvSpPr/>
+          <p:nvPr/>
+        </p:nvSpPr>
+        <p:spPr>
+          <a:xfrm>
+            <a:off x="3707904" y="1340768"/>
+            <a:ext cx="288032" cy="288032"/>
+          </a:xfrm>
+          <a:prstGeom prst="ellipse">
+            <a:avLst/>
+          </a:prstGeom>
+          <a:solidFill>
+            <a:srgbClr val="FF0000"/>
+          </a:solidFill>
+          <a:ln>
+            <a:solidFill>
+              <a:schemeClr val="tx1"/>
+            </a:solidFill>
+          </a:ln>
+        </p:spPr>
+        <p:style>
+          <a:lnRef idx="2">
+            <a:schemeClr val="accent1">
+              <a:shade val="50000"/>
+            </a:schemeClr>
+          </a:lnRef>
+          <a:fillRef idx="1">
+            <a:schemeClr val="accent1"/>
+          </a:fillRef>
+          <a:effectRef idx="0">
+            <a:schemeClr val="accent1"/>
+          </a:effectRef>
+          <a:fontRef idx="minor">
+            <a:schemeClr val="lt1"/>
+          </a:fontRef>
+        </p:style>
+        <p:txBody>
+          <a:bodyPr rtlCol="0" anchor="ctr"/>
+          <a:lstStyle/>
+          <a:p>
+            <a:pPr algn="ctr"/>
+            <a:endParaRPr kumimoji="1" lang="ja-JP" altLang="en-US"/>
+          </a:p>
+        </p:txBody>
+      </p:sp>
+      <p:cxnSp>
+        <p:nvCxnSpPr>
+          <p:cNvPr id="24" name="直線コネクタ 23">
+            <a:extLst>
+              <a:ext uri="{FF2B5EF4-FFF2-40B4-BE49-F238E27FC236}">
+                <a16:creationId xmlns:a16="http://schemas.microsoft.com/office/drawing/2014/main" id="{24AF687E-BC62-4E0D-AEF3-F18EB6D9043E}"/>
+              </a:ext>
+            </a:extLst>
+          </p:cNvPr>
+          <p:cNvCxnSpPr>
+            <a:cxnSpLocks/>
+            <a:stCxn id="19" idx="6"/>
+            <a:endCxn id="23" idx="2"/>
+          </p:cNvCxnSpPr>
+          <p:nvPr/>
+        </p:nvCxnSpPr>
+        <p:spPr>
+          <a:xfrm>
+            <a:off x="3275856" y="1484784"/>
+            <a:ext cx="432048" cy="0"/>
+          </a:xfrm>
+          <a:prstGeom prst="line">
+            <a:avLst/>
+          </a:prstGeom>
+          <a:ln w="57150">
+            <a:solidFill>
+              <a:schemeClr val="tx1"/>
+            </a:solidFill>
+            <a:headEnd type="none" w="med" len="med"/>
+            <a:tailEnd type="none" w="med" len="med"/>
+          </a:ln>
+        </p:spPr>
+        <p:style>
+          <a:lnRef idx="1">
+            <a:schemeClr val="accent1"/>
+          </a:lnRef>
+          <a:fillRef idx="0">
+            <a:schemeClr val="accent1"/>
+          </a:fillRef>
+          <a:effectRef idx="0">
+            <a:schemeClr val="accent1"/>
+          </a:effectRef>
+          <a:fontRef idx="minor">
+            <a:schemeClr val="tx1"/>
+          </a:fontRef>
+        </p:style>
+      </p:cxnSp>
+      <p:grpSp>
+        <p:nvGrpSpPr>
+          <p:cNvPr id="45" name="グループ化 44">
+            <a:extLst>
+              <a:ext uri="{FF2B5EF4-FFF2-40B4-BE49-F238E27FC236}">
+                <a16:creationId xmlns:a16="http://schemas.microsoft.com/office/drawing/2014/main" id="{BA8E565B-02FE-4A6C-A8E2-5915495B56C0}"/>
+              </a:ext>
+            </a:extLst>
+          </p:cNvPr>
+          <p:cNvGrpSpPr/>
+          <p:nvPr/>
+        </p:nvGrpSpPr>
+        <p:grpSpPr>
+          <a:xfrm>
+            <a:off x="2167972" y="2035262"/>
+            <a:ext cx="1344149" cy="1008112"/>
+            <a:chOff x="5292080" y="1916832"/>
+            <a:chExt cx="2304256" cy="1728192"/>
+          </a:xfrm>
+        </p:grpSpPr>
+        <p:sp>
+          <p:nvSpPr>
+            <p:cNvPr id="27" name="角丸四角形 34">
+              <a:extLst>
+                <a:ext uri="{FF2B5EF4-FFF2-40B4-BE49-F238E27FC236}">
+                  <a16:creationId xmlns:a16="http://schemas.microsoft.com/office/drawing/2014/main" id="{393167DE-85B8-4DFF-AA17-9662638CE536}"/>
+                </a:ext>
+              </a:extLst>
+            </p:cNvPr>
+            <p:cNvSpPr/>
+            <p:nvPr/>
+          </p:nvSpPr>
+          <p:spPr>
+            <a:xfrm>
+              <a:off x="5292080" y="1916832"/>
+              <a:ext cx="2304256" cy="1728192"/>
+            </a:xfrm>
+            <a:prstGeom prst="roundRect">
+              <a:avLst/>
+            </a:prstGeom>
+            <a:noFill/>
+            <a:ln w="28575">
+              <a:solidFill>
+                <a:schemeClr val="tx1"/>
+              </a:solidFill>
+              <a:prstDash val="dash"/>
+            </a:ln>
+          </p:spPr>
+          <p:style>
+            <a:lnRef idx="2">
+              <a:schemeClr val="accent1">
+                <a:shade val="50000"/>
+              </a:schemeClr>
+            </a:lnRef>
+            <a:fillRef idx="1">
+              <a:schemeClr val="accent1"/>
+            </a:fillRef>
+            <a:effectRef idx="0">
+              <a:schemeClr val="accent1"/>
+            </a:effectRef>
+            <a:fontRef idx="minor">
+              <a:schemeClr val="lt1"/>
+            </a:fontRef>
+          </p:style>
+          <p:txBody>
+            <a:bodyPr rtlCol="0" anchor="ctr"/>
+            <a:lstStyle/>
+            <a:p>
+              <a:pPr algn="ctr"/>
+              <a:endParaRPr kumimoji="1" lang="ja-JP" altLang="en-US"/>
+            </a:p>
+          </p:txBody>
+        </p:sp>
+        <p:pic>
+          <p:nvPicPr>
+            <p:cNvPr id="28" name="Picture 2" descr="フォルダのイラスト">
+              <a:extLst>
+                <a:ext uri="{FF2B5EF4-FFF2-40B4-BE49-F238E27FC236}">
+                  <a16:creationId xmlns:a16="http://schemas.microsoft.com/office/drawing/2014/main" id="{A8505B33-6AE9-4AD3-A7D2-7AC8531744D0}"/>
+                </a:ext>
+              </a:extLst>
+            </p:cNvPr>
+            <p:cNvPicPr>
+              <a:picLocks noChangeAspect="1" noChangeArrowheads="1"/>
+            </p:cNvPicPr>
+            <p:nvPr/>
+          </p:nvPicPr>
+          <p:blipFill>
+            <a:blip r:embed="rId2" cstate="print">
+              <a:extLst>
+                <a:ext uri="{28A0092B-C50C-407E-A947-70E740481C1C}">
+                  <a14:useLocalDpi xmlns:a14="http://schemas.microsoft.com/office/drawing/2010/main" val="0"/>
+                </a:ext>
+              </a:extLst>
+            </a:blip>
+            <a:srcRect/>
+            <a:stretch>
+              <a:fillRect/>
+            </a:stretch>
+          </p:blipFill>
+          <p:spPr bwMode="auto">
+            <a:xfrm>
+              <a:off x="5580112" y="1988840"/>
+              <a:ext cx="764145" cy="639971"/>
+            </a:xfrm>
+            <a:prstGeom prst="rect">
+              <a:avLst/>
+            </a:prstGeom>
+            <a:noFill/>
+            <a:extLst>
+              <a:ext uri="{909E8E84-426E-40DD-AFC4-6F175D3DCCD1}">
+                <a14:hiddenFill xmlns:a14="http://schemas.microsoft.com/office/drawing/2010/main">
+                  <a:solidFill>
+                    <a:srgbClr val="FFFFFF"/>
+                  </a:solidFill>
+                </a14:hiddenFill>
+              </a:ext>
+            </a:extLst>
+          </p:spPr>
+        </p:pic>
+        <p:pic>
+          <p:nvPicPr>
+            <p:cNvPr id="29" name="Picture 2" descr="ファイルアイコン（ブランク）">
+              <a:extLst>
+                <a:ext uri="{FF2B5EF4-FFF2-40B4-BE49-F238E27FC236}">
+                  <a16:creationId xmlns:a16="http://schemas.microsoft.com/office/drawing/2014/main" id="{CC2DB621-37BC-45D6-A293-EB47D6833D36}"/>
+                </a:ext>
+              </a:extLst>
+            </p:cNvPr>
+            <p:cNvPicPr>
+              <a:picLocks noChangeAspect="1" noChangeArrowheads="1"/>
+            </p:cNvPicPr>
+            <p:nvPr/>
+          </p:nvPicPr>
+          <p:blipFill>
+            <a:blip r:embed="rId3" cstate="print">
+              <a:extLst>
+                <a:ext uri="{28A0092B-C50C-407E-A947-70E740481C1C}">
+                  <a14:useLocalDpi xmlns:a14="http://schemas.microsoft.com/office/drawing/2010/main" val="0"/>
+                </a:ext>
+              </a:extLst>
+            </a:blip>
+            <a:srcRect/>
+            <a:stretch>
+              <a:fillRect/>
+            </a:stretch>
+          </p:blipFill>
+          <p:spPr bwMode="auto">
+            <a:xfrm>
+              <a:off x="5738876" y="2935194"/>
+              <a:ext cx="455985" cy="529531"/>
+            </a:xfrm>
+            <a:prstGeom prst="rect">
+              <a:avLst/>
+            </a:prstGeom>
+            <a:noFill/>
+            <a:extLst>
+              <a:ext uri="{909E8E84-426E-40DD-AFC4-6F175D3DCCD1}">
+                <a14:hiddenFill xmlns:a14="http://schemas.microsoft.com/office/drawing/2010/main">
+                  <a:solidFill>
+                    <a:srgbClr val="FFFFFF"/>
+                  </a:solidFill>
+                </a14:hiddenFill>
+              </a:ext>
+            </a:extLst>
+          </p:spPr>
+        </p:pic>
+        <p:pic>
+          <p:nvPicPr>
+            <p:cNvPr id="30" name="Picture 2" descr="ファイルアイコン（ブランク）">
+              <a:extLst>
+                <a:ext uri="{FF2B5EF4-FFF2-40B4-BE49-F238E27FC236}">
+                  <a16:creationId xmlns:a16="http://schemas.microsoft.com/office/drawing/2014/main" id="{AD290785-7FF0-4E3C-9765-6287DEE0859B}"/>
+                </a:ext>
+              </a:extLst>
+            </p:cNvPr>
+            <p:cNvPicPr>
+              <a:picLocks noChangeAspect="1" noChangeArrowheads="1"/>
+            </p:cNvPicPr>
+            <p:nvPr/>
+          </p:nvPicPr>
+          <p:blipFill>
+            <a:blip r:embed="rId3" cstate="print">
+              <a:extLst>
+                <a:ext uri="{28A0092B-C50C-407E-A947-70E740481C1C}">
+                  <a14:useLocalDpi xmlns:a14="http://schemas.microsoft.com/office/drawing/2010/main" val="0"/>
+                </a:ext>
+              </a:extLst>
+            </a:blip>
+            <a:srcRect/>
+            <a:stretch>
+              <a:fillRect/>
+            </a:stretch>
+          </p:blipFill>
+          <p:spPr bwMode="auto">
+            <a:xfrm>
+              <a:off x="6372200" y="2924944"/>
+              <a:ext cx="455985" cy="529531"/>
+            </a:xfrm>
+            <a:prstGeom prst="rect">
+              <a:avLst/>
+            </a:prstGeom>
+            <a:noFill/>
+            <a:extLst>
+              <a:ext uri="{909E8E84-426E-40DD-AFC4-6F175D3DCCD1}">
+                <a14:hiddenFill xmlns:a14="http://schemas.microsoft.com/office/drawing/2010/main">
+                  <a:solidFill>
+                    <a:srgbClr val="FFFFFF"/>
+                  </a:solidFill>
+                </a14:hiddenFill>
+              </a:ext>
+            </a:extLst>
+          </p:spPr>
+        </p:pic>
+        <p:cxnSp>
+          <p:nvCxnSpPr>
+            <p:cNvPr id="33" name="直線コネクタ 32">
+              <a:extLst>
+                <a:ext uri="{FF2B5EF4-FFF2-40B4-BE49-F238E27FC236}">
+                  <a16:creationId xmlns:a16="http://schemas.microsoft.com/office/drawing/2014/main" id="{DD51BB88-6565-488D-9957-500A5CCED8A6}"/>
+                </a:ext>
+              </a:extLst>
+            </p:cNvPr>
+            <p:cNvCxnSpPr>
+              <a:cxnSpLocks/>
+              <a:stCxn id="28" idx="2"/>
+              <a:endCxn id="29" idx="0"/>
+            </p:cNvCxnSpPr>
+            <p:nvPr/>
+          </p:nvCxnSpPr>
+          <p:spPr>
+            <a:xfrm>
+              <a:off x="5962185" y="2628811"/>
+              <a:ext cx="4684" cy="306383"/>
+            </a:xfrm>
+            <a:prstGeom prst="line">
+              <a:avLst/>
+            </a:prstGeom>
+            <a:ln w="12700">
+              <a:solidFill>
+                <a:schemeClr val="tx1"/>
+              </a:solidFill>
+            </a:ln>
+          </p:spPr>
+          <p:style>
+            <a:lnRef idx="1">
+              <a:schemeClr val="accent1"/>
+            </a:lnRef>
+            <a:fillRef idx="0">
+              <a:schemeClr val="accent1"/>
+            </a:fillRef>
+            <a:effectRef idx="0">
+              <a:schemeClr val="accent1"/>
+            </a:effectRef>
+            <a:fontRef idx="minor">
+              <a:schemeClr val="tx1"/>
+            </a:fontRef>
+          </p:style>
+        </p:cxnSp>
+        <p:cxnSp>
+          <p:nvCxnSpPr>
+            <p:cNvPr id="36" name="コネクタ: カギ線 35">
+              <a:extLst>
+                <a:ext uri="{FF2B5EF4-FFF2-40B4-BE49-F238E27FC236}">
+                  <a16:creationId xmlns:a16="http://schemas.microsoft.com/office/drawing/2014/main" id="{3BA27013-E66B-4E21-92DE-CE9A9CC35914}"/>
+                </a:ext>
+              </a:extLst>
+            </p:cNvPr>
+            <p:cNvCxnSpPr>
+              <a:stCxn id="28" idx="2"/>
+              <a:endCxn id="30" idx="0"/>
+            </p:cNvCxnSpPr>
+            <p:nvPr/>
+          </p:nvCxnSpPr>
+          <p:spPr>
+            <a:xfrm rot="16200000" flipH="1">
+              <a:off x="6133123" y="2457873"/>
+              <a:ext cx="296133" cy="638008"/>
+            </a:xfrm>
+            <a:prstGeom prst="bentConnector3">
+              <a:avLst/>
+            </a:prstGeom>
+            <a:ln w="12700">
+              <a:solidFill>
+                <a:schemeClr val="tx1"/>
+              </a:solidFill>
+            </a:ln>
+          </p:spPr>
+          <p:style>
+            <a:lnRef idx="1">
+              <a:schemeClr val="accent1"/>
+            </a:lnRef>
+            <a:fillRef idx="0">
+              <a:schemeClr val="accent1"/>
+            </a:fillRef>
+            <a:effectRef idx="0">
+              <a:schemeClr val="accent1"/>
+            </a:effectRef>
+            <a:fontRef idx="minor">
+              <a:schemeClr val="tx1"/>
+            </a:fontRef>
+          </p:style>
+        </p:cxnSp>
+        <p:pic>
+          <p:nvPicPr>
+            <p:cNvPr id="41" name="Picture 2" descr="ファイルアイコン（ブランク）">
+              <a:extLst>
+                <a:ext uri="{FF2B5EF4-FFF2-40B4-BE49-F238E27FC236}">
+                  <a16:creationId xmlns:a16="http://schemas.microsoft.com/office/drawing/2014/main" id="{71E74D28-2A0E-4566-A515-93905EFDE6F2}"/>
+                </a:ext>
+              </a:extLst>
+            </p:cNvPr>
+            <p:cNvPicPr>
+              <a:picLocks noChangeAspect="1" noChangeArrowheads="1"/>
+            </p:cNvPicPr>
+            <p:nvPr/>
+          </p:nvPicPr>
+          <p:blipFill>
+            <a:blip r:embed="rId3" cstate="print">
+              <a:extLst>
+                <a:ext uri="{28A0092B-C50C-407E-A947-70E740481C1C}">
+                  <a14:useLocalDpi xmlns:a14="http://schemas.microsoft.com/office/drawing/2010/main" val="0"/>
+                </a:ext>
+              </a:extLst>
+            </a:blip>
+            <a:srcRect/>
+            <a:stretch>
+              <a:fillRect/>
+            </a:stretch>
+          </p:blipFill>
+          <p:spPr bwMode="auto">
+            <a:xfrm>
+              <a:off x="6948264" y="2924944"/>
+              <a:ext cx="455985" cy="529531"/>
+            </a:xfrm>
+            <a:prstGeom prst="rect">
+              <a:avLst/>
+            </a:prstGeom>
+            <a:noFill/>
+            <a:extLst>
+              <a:ext uri="{909E8E84-426E-40DD-AFC4-6F175D3DCCD1}">
+                <a14:hiddenFill xmlns:a14="http://schemas.microsoft.com/office/drawing/2010/main">
+                  <a:solidFill>
+                    <a:srgbClr val="FFFFFF"/>
+                  </a:solidFill>
+                </a14:hiddenFill>
+              </a:ext>
+            </a:extLst>
+          </p:spPr>
+        </p:pic>
+        <p:cxnSp>
+          <p:nvCxnSpPr>
+            <p:cNvPr id="42" name="コネクタ: カギ線 41">
+              <a:extLst>
+                <a:ext uri="{FF2B5EF4-FFF2-40B4-BE49-F238E27FC236}">
+                  <a16:creationId xmlns:a16="http://schemas.microsoft.com/office/drawing/2014/main" id="{D3DF5D8A-E778-4D20-9576-8607A02279D5}"/>
+                </a:ext>
+              </a:extLst>
+            </p:cNvPr>
+            <p:cNvCxnSpPr>
+              <a:cxnSpLocks/>
+              <a:stCxn id="28" idx="2"/>
+              <a:endCxn id="41" idx="0"/>
+            </p:cNvCxnSpPr>
+            <p:nvPr/>
+          </p:nvCxnSpPr>
+          <p:spPr>
+            <a:xfrm rot="16200000" flipH="1">
+              <a:off x="6421155" y="2169841"/>
+              <a:ext cx="296133" cy="1214072"/>
+            </a:xfrm>
+            <a:prstGeom prst="bentConnector3">
+              <a:avLst>
+                <a:gd name="adj1" fmla="val 50000"/>
+              </a:avLst>
+            </a:prstGeom>
+            <a:ln w="12700">
+              <a:solidFill>
+                <a:schemeClr val="tx1"/>
+              </a:solidFill>
+            </a:ln>
+          </p:spPr>
+          <p:style>
+            <a:lnRef idx="1">
+              <a:schemeClr val="accent1"/>
+            </a:lnRef>
+            <a:fillRef idx="0">
+              <a:schemeClr val="accent1"/>
+            </a:fillRef>
+            <a:effectRef idx="0">
+              <a:schemeClr val="accent1"/>
+            </a:effectRef>
+            <a:fontRef idx="minor">
+              <a:schemeClr val="tx1"/>
+            </a:fontRef>
+          </p:style>
+        </p:cxnSp>
+      </p:grpSp>
+      <p:sp>
+        <p:nvSpPr>
+          <p:cNvPr id="48" name="テキスト ボックス 47">
+            <a:extLst>
+              <a:ext uri="{FF2B5EF4-FFF2-40B4-BE49-F238E27FC236}">
+                <a16:creationId xmlns:a16="http://schemas.microsoft.com/office/drawing/2014/main" id="{163E3C67-D868-489F-98D7-07E9311C6284}"/>
+              </a:ext>
+            </a:extLst>
+          </p:cNvPr>
+          <p:cNvSpPr txBox="1"/>
+          <p:nvPr/>
+        </p:nvSpPr>
+        <p:spPr>
+          <a:xfrm>
+            <a:off x="2195736" y="3068960"/>
+            <a:ext cx="1338828" cy="369332"/>
+          </a:xfrm>
+          <a:prstGeom prst="rect">
+            <a:avLst/>
+          </a:prstGeom>
+          <a:noFill/>
+        </p:spPr>
+        <p:txBody>
+          <a:bodyPr wrap="none" rtlCol="0">
+            <a:spAutoFit/>
+          </a:bodyPr>
+          <a:lstStyle/>
+          <a:p>
+            <a:r>
+              <a:rPr lang="ja-JP" altLang="en-US" dirty="0"/>
+              <a:t>今日の状態</a:t>
+            </a:r>
+            <a:endParaRPr kumimoji="1" lang="ja-JP" altLang="en-US" dirty="0"/>
+          </a:p>
+        </p:txBody>
+      </p:sp>
+      <p:sp>
+        <p:nvSpPr>
+          <p:cNvPr id="49" name="矢印: 右 48">
+            <a:extLst>
+              <a:ext uri="{FF2B5EF4-FFF2-40B4-BE49-F238E27FC236}">
+                <a16:creationId xmlns:a16="http://schemas.microsoft.com/office/drawing/2014/main" id="{F37F6F32-330C-45B3-BF52-B4C2971EC880}"/>
+              </a:ext>
+            </a:extLst>
+          </p:cNvPr>
+          <p:cNvSpPr/>
+          <p:nvPr/>
+        </p:nvSpPr>
+        <p:spPr>
+          <a:xfrm>
+            <a:off x="4355976" y="2060848"/>
+            <a:ext cx="360040" cy="412624"/>
+          </a:xfrm>
+          <a:prstGeom prst="rightArrow">
+            <a:avLst/>
+          </a:prstGeom>
+          <a:solidFill>
+            <a:srgbClr val="FF0000"/>
+          </a:solidFill>
+          <a:ln>
+            <a:solidFill>
+              <a:schemeClr val="tx1"/>
+            </a:solidFill>
+          </a:ln>
+        </p:spPr>
+        <p:style>
+          <a:lnRef idx="2">
+            <a:schemeClr val="accent1">
+              <a:shade val="50000"/>
+            </a:schemeClr>
+          </a:lnRef>
+          <a:fillRef idx="1">
+            <a:schemeClr val="accent1"/>
+          </a:fillRef>
+          <a:effectRef idx="0">
+            <a:schemeClr val="accent1"/>
+          </a:effectRef>
+          <a:fontRef idx="minor">
+            <a:schemeClr val="lt1"/>
+          </a:fontRef>
+        </p:style>
+        <p:txBody>
+          <a:bodyPr rtlCol="0" anchor="ctr"/>
+          <a:lstStyle/>
+          <a:p>
+            <a:pPr algn="ctr"/>
+            <a:endParaRPr kumimoji="1" lang="ja-JP" altLang="en-US"/>
+          </a:p>
+        </p:txBody>
+      </p:sp>
+      <p:sp>
+        <p:nvSpPr>
+          <p:cNvPr id="50" name="楕円 4">
+            <a:extLst>
+              <a:ext uri="{FF2B5EF4-FFF2-40B4-BE49-F238E27FC236}">
+                <a16:creationId xmlns:a16="http://schemas.microsoft.com/office/drawing/2014/main" id="{60B19A86-6CDB-44A1-8AA4-F17F057A28C5}"/>
+              </a:ext>
+            </a:extLst>
+          </p:cNvPr>
+          <p:cNvSpPr/>
+          <p:nvPr/>
+        </p:nvSpPr>
+        <p:spPr>
+          <a:xfrm>
+            <a:off x="5148064" y="1340768"/>
+            <a:ext cx="288032" cy="288032"/>
+          </a:xfrm>
+          <a:prstGeom prst="ellipse">
+            <a:avLst/>
+          </a:prstGeom>
+          <a:solidFill>
+            <a:srgbClr val="011893"/>
+          </a:solidFill>
+          <a:ln>
+            <a:solidFill>
+              <a:schemeClr val="tx1"/>
+            </a:solidFill>
+          </a:ln>
+        </p:spPr>
+        <p:style>
+          <a:lnRef idx="2">
+            <a:schemeClr val="accent1">
+              <a:shade val="50000"/>
+            </a:schemeClr>
+          </a:lnRef>
+          <a:fillRef idx="1">
+            <a:schemeClr val="accent1"/>
+          </a:fillRef>
+          <a:effectRef idx="0">
+            <a:schemeClr val="accent1"/>
+          </a:effectRef>
+          <a:fontRef idx="minor">
+            <a:schemeClr val="lt1"/>
+          </a:fontRef>
+        </p:style>
+        <p:txBody>
+          <a:bodyPr rtlCol="0" anchor="ctr"/>
+          <a:lstStyle/>
+          <a:p>
+            <a:pPr algn="ctr"/>
+            <a:endParaRPr kumimoji="1" lang="ja-JP" altLang="en-US"/>
+          </a:p>
+        </p:txBody>
+      </p:sp>
+      <p:cxnSp>
+        <p:nvCxnSpPr>
+          <p:cNvPr id="51" name="直線コネクタ 50">
+            <a:extLst>
+              <a:ext uri="{FF2B5EF4-FFF2-40B4-BE49-F238E27FC236}">
+                <a16:creationId xmlns:a16="http://schemas.microsoft.com/office/drawing/2014/main" id="{7A42EE4C-2C0F-46BC-9753-064A4309045B}"/>
+              </a:ext>
+            </a:extLst>
+          </p:cNvPr>
+          <p:cNvCxnSpPr>
+            <a:cxnSpLocks/>
+            <a:stCxn id="50" idx="6"/>
+            <a:endCxn id="52" idx="2"/>
+          </p:cNvCxnSpPr>
+          <p:nvPr/>
+        </p:nvCxnSpPr>
+        <p:spPr>
+          <a:xfrm>
+            <a:off x="5436096" y="1484784"/>
+            <a:ext cx="432048" cy="0"/>
+          </a:xfrm>
+          <a:prstGeom prst="line">
+            <a:avLst/>
+          </a:prstGeom>
+          <a:ln w="57150">
+            <a:solidFill>
+              <a:schemeClr val="tx1"/>
+            </a:solidFill>
+            <a:headEnd type="none" w="med" len="med"/>
+            <a:tailEnd type="none" w="med" len="med"/>
+          </a:ln>
+        </p:spPr>
+        <p:style>
+          <a:lnRef idx="1">
+            <a:schemeClr val="accent1"/>
+          </a:lnRef>
+          <a:fillRef idx="0">
+            <a:schemeClr val="accent1"/>
+          </a:fillRef>
+          <a:effectRef idx="0">
+            <a:schemeClr val="accent1"/>
+          </a:effectRef>
+          <a:fontRef idx="minor">
+            <a:schemeClr val="tx1"/>
+          </a:fontRef>
+        </p:style>
+      </p:cxnSp>
+      <p:sp>
+        <p:nvSpPr>
+          <p:cNvPr id="52" name="楕円 4">
+            <a:extLst>
+              <a:ext uri="{FF2B5EF4-FFF2-40B4-BE49-F238E27FC236}">
+                <a16:creationId xmlns:a16="http://schemas.microsoft.com/office/drawing/2014/main" id="{DF4E08F8-0960-464C-90B7-E89939D59AF4}"/>
+              </a:ext>
+            </a:extLst>
+          </p:cNvPr>
+          <p:cNvSpPr/>
+          <p:nvPr/>
+        </p:nvSpPr>
+        <p:spPr>
+          <a:xfrm>
+            <a:off x="5868144" y="1340768"/>
+            <a:ext cx="288032" cy="288032"/>
+          </a:xfrm>
+          <a:prstGeom prst="ellipse">
+            <a:avLst/>
+          </a:prstGeom>
+          <a:solidFill>
+            <a:srgbClr val="FF0000"/>
+          </a:solidFill>
+          <a:ln>
+            <a:solidFill>
+              <a:schemeClr val="tx1"/>
+            </a:solidFill>
+          </a:ln>
+        </p:spPr>
+        <p:style>
+          <a:lnRef idx="2">
+            <a:schemeClr val="accent1">
+              <a:shade val="50000"/>
+            </a:schemeClr>
+          </a:lnRef>
+          <a:fillRef idx="1">
+            <a:schemeClr val="accent1"/>
+          </a:fillRef>
+          <a:effectRef idx="0">
+            <a:schemeClr val="accent1"/>
+          </a:effectRef>
+          <a:fontRef idx="minor">
+            <a:schemeClr val="lt1"/>
+          </a:fontRef>
+        </p:style>
+        <p:txBody>
+          <a:bodyPr rtlCol="0" anchor="ctr"/>
+          <a:lstStyle/>
+          <a:p>
+            <a:pPr algn="ctr"/>
+            <a:endParaRPr kumimoji="1" lang="ja-JP" altLang="en-US"/>
+          </a:p>
+        </p:txBody>
+      </p:sp>
+      <p:sp>
+        <p:nvSpPr>
+          <p:cNvPr id="53" name="楕円 4">
+            <a:extLst>
+              <a:ext uri="{FF2B5EF4-FFF2-40B4-BE49-F238E27FC236}">
+                <a16:creationId xmlns:a16="http://schemas.microsoft.com/office/drawing/2014/main" id="{AD365023-60B1-4552-8EE4-69D0CB40F48D}"/>
+              </a:ext>
+            </a:extLst>
+          </p:cNvPr>
+          <p:cNvSpPr/>
+          <p:nvPr/>
+        </p:nvSpPr>
+        <p:spPr>
+          <a:xfrm>
+            <a:off x="6588224" y="1340768"/>
+            <a:ext cx="288032" cy="288032"/>
+          </a:xfrm>
+          <a:prstGeom prst="ellipse">
+            <a:avLst/>
+          </a:prstGeom>
+          <a:solidFill>
+            <a:srgbClr val="011893"/>
+          </a:solidFill>
+          <a:ln>
+            <a:solidFill>
+              <a:schemeClr val="tx1"/>
+            </a:solidFill>
+          </a:ln>
+        </p:spPr>
+        <p:style>
+          <a:lnRef idx="2">
+            <a:schemeClr val="accent1">
+              <a:shade val="50000"/>
+            </a:schemeClr>
+          </a:lnRef>
+          <a:fillRef idx="1">
+            <a:schemeClr val="accent1"/>
+          </a:fillRef>
+          <a:effectRef idx="0">
+            <a:schemeClr val="accent1"/>
+          </a:effectRef>
+          <a:fontRef idx="minor">
+            <a:schemeClr val="lt1"/>
+          </a:fontRef>
+        </p:style>
+        <p:txBody>
+          <a:bodyPr rtlCol="0" anchor="ctr"/>
+          <a:lstStyle/>
+          <a:p>
+            <a:pPr algn="ctr"/>
+            <a:endParaRPr kumimoji="1" lang="ja-JP" altLang="en-US"/>
+          </a:p>
+        </p:txBody>
+      </p:sp>
+      <p:cxnSp>
+        <p:nvCxnSpPr>
+          <p:cNvPr id="54" name="直線コネクタ 53">
+            <a:extLst>
+              <a:ext uri="{FF2B5EF4-FFF2-40B4-BE49-F238E27FC236}">
+                <a16:creationId xmlns:a16="http://schemas.microsoft.com/office/drawing/2014/main" id="{D0A99D90-400C-4B67-860F-BE3F5F1F8666}"/>
+              </a:ext>
+            </a:extLst>
+          </p:cNvPr>
+          <p:cNvCxnSpPr>
+            <a:cxnSpLocks/>
+            <a:stCxn id="52" idx="6"/>
+            <a:endCxn id="53" idx="2"/>
+          </p:cNvCxnSpPr>
+          <p:nvPr/>
+        </p:nvCxnSpPr>
+        <p:spPr>
+          <a:xfrm>
+            <a:off x="6156176" y="1484784"/>
+            <a:ext cx="432048" cy="0"/>
+          </a:xfrm>
+          <a:prstGeom prst="line">
+            <a:avLst/>
+          </a:prstGeom>
+          <a:ln w="57150">
+            <a:solidFill>
+              <a:schemeClr val="tx1"/>
+            </a:solidFill>
+            <a:headEnd type="none" w="med" len="med"/>
+            <a:tailEnd type="none" w="med" len="med"/>
+          </a:ln>
+        </p:spPr>
+        <p:style>
+          <a:lnRef idx="1">
+            <a:schemeClr val="accent1"/>
+          </a:lnRef>
+          <a:fillRef idx="0">
+            <a:schemeClr val="accent1"/>
+          </a:fillRef>
+          <a:effectRef idx="0">
+            <a:schemeClr val="accent1"/>
+          </a:effectRef>
+          <a:fontRef idx="minor">
+            <a:schemeClr val="tx1"/>
+          </a:fontRef>
+        </p:style>
+      </p:cxnSp>
+      <p:cxnSp>
+        <p:nvCxnSpPr>
+          <p:cNvPr id="56" name="直線コネクタ 55">
+            <a:extLst>
+              <a:ext uri="{FF2B5EF4-FFF2-40B4-BE49-F238E27FC236}">
+                <a16:creationId xmlns:a16="http://schemas.microsoft.com/office/drawing/2014/main" id="{651268D2-A765-4FAA-AC75-F4E350ECE641}"/>
+              </a:ext>
+            </a:extLst>
+          </p:cNvPr>
+          <p:cNvCxnSpPr>
+            <a:cxnSpLocks/>
+            <a:stCxn id="53" idx="6"/>
+          </p:cNvCxnSpPr>
+          <p:nvPr/>
+        </p:nvCxnSpPr>
+        <p:spPr>
+          <a:xfrm>
+            <a:off x="6876256" y="1484784"/>
+            <a:ext cx="432048" cy="0"/>
+          </a:xfrm>
+          <a:prstGeom prst="line">
+            <a:avLst/>
+          </a:prstGeom>
+          <a:ln w="57150">
+            <a:solidFill>
+              <a:schemeClr val="tx1"/>
+            </a:solidFill>
+            <a:headEnd type="none" w="med" len="med"/>
+            <a:tailEnd type="none" w="med" len="med"/>
+          </a:ln>
+        </p:spPr>
+        <p:style>
+          <a:lnRef idx="1">
+            <a:schemeClr val="accent1"/>
+          </a:lnRef>
+          <a:fillRef idx="0">
+            <a:schemeClr val="accent1"/>
+          </a:fillRef>
+          <a:effectRef idx="0">
+            <a:schemeClr val="accent1"/>
+          </a:effectRef>
+          <a:fontRef idx="minor">
+            <a:schemeClr val="tx1"/>
+          </a:fontRef>
+        </p:style>
+      </p:cxnSp>
+      <p:grpSp>
+        <p:nvGrpSpPr>
+          <p:cNvPr id="57" name="グループ化 56">
+            <a:extLst>
+              <a:ext uri="{FF2B5EF4-FFF2-40B4-BE49-F238E27FC236}">
+                <a16:creationId xmlns:a16="http://schemas.microsoft.com/office/drawing/2014/main" id="{A0D1D47C-3BC0-4479-A434-14421BCDBB25}"/>
+              </a:ext>
+            </a:extLst>
+          </p:cNvPr>
+          <p:cNvGrpSpPr/>
+          <p:nvPr/>
+        </p:nvGrpSpPr>
+        <p:grpSpPr>
+          <a:xfrm>
+            <a:off x="5768372" y="2035262"/>
+            <a:ext cx="1344149" cy="1008112"/>
+            <a:chOff x="5292080" y="1916832"/>
+            <a:chExt cx="2304256" cy="1728192"/>
+          </a:xfrm>
+        </p:grpSpPr>
+        <p:sp>
+          <p:nvSpPr>
+            <p:cNvPr id="58" name="角丸四角形 34">
+              <a:extLst>
+                <a:ext uri="{FF2B5EF4-FFF2-40B4-BE49-F238E27FC236}">
+                  <a16:creationId xmlns:a16="http://schemas.microsoft.com/office/drawing/2014/main" id="{A06C186C-992F-41DC-A3DE-C18F0D0900E8}"/>
+                </a:ext>
+              </a:extLst>
+            </p:cNvPr>
+            <p:cNvSpPr/>
+            <p:nvPr/>
+          </p:nvSpPr>
+          <p:spPr>
+            <a:xfrm>
+              <a:off x="5292080" y="1916832"/>
+              <a:ext cx="2304256" cy="1728192"/>
+            </a:xfrm>
+            <a:prstGeom prst="roundRect">
+              <a:avLst/>
+            </a:prstGeom>
+            <a:noFill/>
+            <a:ln w="28575">
+              <a:solidFill>
+                <a:schemeClr val="tx1"/>
+              </a:solidFill>
+              <a:prstDash val="dash"/>
+            </a:ln>
+          </p:spPr>
+          <p:style>
+            <a:lnRef idx="2">
+              <a:schemeClr val="accent1">
+                <a:shade val="50000"/>
+              </a:schemeClr>
+            </a:lnRef>
+            <a:fillRef idx="1">
+              <a:schemeClr val="accent1"/>
+            </a:fillRef>
+            <a:effectRef idx="0">
+              <a:schemeClr val="accent1"/>
+            </a:effectRef>
+            <a:fontRef idx="minor">
+              <a:schemeClr val="lt1"/>
+            </a:fontRef>
+          </p:style>
+          <p:txBody>
+            <a:bodyPr rtlCol="0" anchor="ctr"/>
+            <a:lstStyle/>
+            <a:p>
+              <a:pPr algn="ctr"/>
+              <a:endParaRPr kumimoji="1" lang="ja-JP" altLang="en-US"/>
+            </a:p>
+          </p:txBody>
+        </p:sp>
+        <p:pic>
+          <p:nvPicPr>
+            <p:cNvPr id="59" name="Picture 2" descr="フォルダのイラスト">
+              <a:extLst>
+                <a:ext uri="{FF2B5EF4-FFF2-40B4-BE49-F238E27FC236}">
+                  <a16:creationId xmlns:a16="http://schemas.microsoft.com/office/drawing/2014/main" id="{E8F79F80-C881-4FE9-B65D-2B65C3527EB0}"/>
+                </a:ext>
+              </a:extLst>
+            </p:cNvPr>
+            <p:cNvPicPr>
+              <a:picLocks noChangeAspect="1" noChangeArrowheads="1"/>
+            </p:cNvPicPr>
+            <p:nvPr/>
+          </p:nvPicPr>
+          <p:blipFill>
+            <a:blip r:embed="rId2" cstate="print">
+              <a:extLst>
+                <a:ext uri="{28A0092B-C50C-407E-A947-70E740481C1C}">
+                  <a14:useLocalDpi xmlns:a14="http://schemas.microsoft.com/office/drawing/2010/main" val="0"/>
+                </a:ext>
+              </a:extLst>
+            </a:blip>
+            <a:srcRect/>
+            <a:stretch>
+              <a:fillRect/>
+            </a:stretch>
+          </p:blipFill>
+          <p:spPr bwMode="auto">
+            <a:xfrm>
+              <a:off x="5580112" y="1988840"/>
+              <a:ext cx="764145" cy="639971"/>
+            </a:xfrm>
+            <a:prstGeom prst="rect">
+              <a:avLst/>
+            </a:prstGeom>
+            <a:noFill/>
+            <a:extLst>
+              <a:ext uri="{909E8E84-426E-40DD-AFC4-6F175D3DCCD1}">
+                <a14:hiddenFill xmlns:a14="http://schemas.microsoft.com/office/drawing/2010/main">
+                  <a:solidFill>
+                    <a:srgbClr val="FFFFFF"/>
+                  </a:solidFill>
+                </a14:hiddenFill>
+              </a:ext>
+            </a:extLst>
+          </p:spPr>
+        </p:pic>
+        <p:pic>
+          <p:nvPicPr>
+            <p:cNvPr id="60" name="Picture 2" descr="ファイルアイコン（ブランク）">
+              <a:extLst>
+                <a:ext uri="{FF2B5EF4-FFF2-40B4-BE49-F238E27FC236}">
+                  <a16:creationId xmlns:a16="http://schemas.microsoft.com/office/drawing/2014/main" id="{F0258C2C-B033-450E-AD37-A88F15DDE0FC}"/>
+                </a:ext>
+              </a:extLst>
+            </p:cNvPr>
+            <p:cNvPicPr>
+              <a:picLocks noChangeAspect="1" noChangeArrowheads="1"/>
+            </p:cNvPicPr>
+            <p:nvPr/>
+          </p:nvPicPr>
+          <p:blipFill>
+            <a:blip r:embed="rId3" cstate="print">
+              <a:extLst>
+                <a:ext uri="{28A0092B-C50C-407E-A947-70E740481C1C}">
+                  <a14:useLocalDpi xmlns:a14="http://schemas.microsoft.com/office/drawing/2010/main" val="0"/>
+                </a:ext>
+              </a:extLst>
+            </a:blip>
+            <a:srcRect/>
+            <a:stretch>
+              <a:fillRect/>
+            </a:stretch>
+          </p:blipFill>
+          <p:spPr bwMode="auto">
+            <a:xfrm>
+              <a:off x="5738876" y="2935194"/>
+              <a:ext cx="455985" cy="529531"/>
+            </a:xfrm>
+            <a:prstGeom prst="rect">
+              <a:avLst/>
+            </a:prstGeom>
+            <a:noFill/>
+            <a:extLst>
+              <a:ext uri="{909E8E84-426E-40DD-AFC4-6F175D3DCCD1}">
+                <a14:hiddenFill xmlns:a14="http://schemas.microsoft.com/office/drawing/2010/main">
+                  <a:solidFill>
+                    <a:srgbClr val="FFFFFF"/>
+                  </a:solidFill>
+                </a14:hiddenFill>
+              </a:ext>
+            </a:extLst>
+          </p:spPr>
+        </p:pic>
+        <p:pic>
+          <p:nvPicPr>
+            <p:cNvPr id="61" name="Picture 2" descr="ファイルアイコン（ブランク）">
+              <a:extLst>
+                <a:ext uri="{FF2B5EF4-FFF2-40B4-BE49-F238E27FC236}">
+                  <a16:creationId xmlns:a16="http://schemas.microsoft.com/office/drawing/2014/main" id="{0343D29B-6A4E-4BBE-80F6-7AB74FD5D558}"/>
+                </a:ext>
+              </a:extLst>
+            </p:cNvPr>
+            <p:cNvPicPr>
+              <a:picLocks noChangeAspect="1" noChangeArrowheads="1"/>
+            </p:cNvPicPr>
+            <p:nvPr/>
+          </p:nvPicPr>
+          <p:blipFill>
+            <a:blip r:embed="rId3" cstate="print">
+              <a:extLst>
+                <a:ext uri="{28A0092B-C50C-407E-A947-70E740481C1C}">
+                  <a14:useLocalDpi xmlns:a14="http://schemas.microsoft.com/office/drawing/2010/main" val="0"/>
+                </a:ext>
+              </a:extLst>
+            </a:blip>
+            <a:srcRect/>
+            <a:stretch>
+              <a:fillRect/>
+            </a:stretch>
+          </p:blipFill>
+          <p:spPr bwMode="auto">
+            <a:xfrm>
+              <a:off x="6372200" y="2924944"/>
+              <a:ext cx="455985" cy="529531"/>
+            </a:xfrm>
+            <a:prstGeom prst="rect">
+              <a:avLst/>
+            </a:prstGeom>
+            <a:noFill/>
+            <a:extLst>
+              <a:ext uri="{909E8E84-426E-40DD-AFC4-6F175D3DCCD1}">
+                <a14:hiddenFill xmlns:a14="http://schemas.microsoft.com/office/drawing/2010/main">
+                  <a:solidFill>
+                    <a:srgbClr val="FFFFFF"/>
+                  </a:solidFill>
+                </a14:hiddenFill>
+              </a:ext>
+            </a:extLst>
+          </p:spPr>
+        </p:pic>
+        <p:cxnSp>
+          <p:nvCxnSpPr>
+            <p:cNvPr id="62" name="直線コネクタ 61">
+              <a:extLst>
+                <a:ext uri="{FF2B5EF4-FFF2-40B4-BE49-F238E27FC236}">
+                  <a16:creationId xmlns:a16="http://schemas.microsoft.com/office/drawing/2014/main" id="{5881740B-00FA-4EBE-9AF9-2984D52A5FE9}"/>
+                </a:ext>
+              </a:extLst>
+            </p:cNvPr>
+            <p:cNvCxnSpPr>
+              <a:cxnSpLocks/>
+              <a:stCxn id="59" idx="2"/>
+              <a:endCxn id="60" idx="0"/>
+            </p:cNvCxnSpPr>
+            <p:nvPr/>
+          </p:nvCxnSpPr>
+          <p:spPr>
+            <a:xfrm>
+              <a:off x="5962185" y="2628811"/>
+              <a:ext cx="4684" cy="306383"/>
+            </a:xfrm>
+            <a:prstGeom prst="line">
+              <a:avLst/>
+            </a:prstGeom>
+            <a:ln w="12700">
+              <a:solidFill>
+                <a:schemeClr val="tx1"/>
+              </a:solidFill>
+            </a:ln>
+          </p:spPr>
+          <p:style>
+            <a:lnRef idx="1">
+              <a:schemeClr val="accent1"/>
+            </a:lnRef>
+            <a:fillRef idx="0">
+              <a:schemeClr val="accent1"/>
+            </a:fillRef>
+            <a:effectRef idx="0">
+              <a:schemeClr val="accent1"/>
+            </a:effectRef>
+            <a:fontRef idx="minor">
+              <a:schemeClr val="tx1"/>
+            </a:fontRef>
+          </p:style>
+        </p:cxnSp>
+        <p:cxnSp>
+          <p:nvCxnSpPr>
+            <p:cNvPr id="63" name="コネクタ: カギ線 62">
+              <a:extLst>
+                <a:ext uri="{FF2B5EF4-FFF2-40B4-BE49-F238E27FC236}">
+                  <a16:creationId xmlns:a16="http://schemas.microsoft.com/office/drawing/2014/main" id="{B19134FA-9508-431D-AB24-25CC188D2AF1}"/>
+                </a:ext>
+              </a:extLst>
+            </p:cNvPr>
+            <p:cNvCxnSpPr>
+              <a:stCxn id="59" idx="2"/>
+              <a:endCxn id="61" idx="0"/>
+            </p:cNvCxnSpPr>
+            <p:nvPr/>
+          </p:nvCxnSpPr>
+          <p:spPr>
+            <a:xfrm rot="16200000" flipH="1">
+              <a:off x="6133123" y="2457873"/>
+              <a:ext cx="296133" cy="638008"/>
+            </a:xfrm>
+            <a:prstGeom prst="bentConnector3">
+              <a:avLst/>
+            </a:prstGeom>
+            <a:ln w="12700">
+              <a:solidFill>
+                <a:schemeClr val="tx1"/>
+              </a:solidFill>
+            </a:ln>
+          </p:spPr>
+          <p:style>
+            <a:lnRef idx="1">
+              <a:schemeClr val="accent1"/>
+            </a:lnRef>
+            <a:fillRef idx="0">
+              <a:schemeClr val="accent1"/>
+            </a:fillRef>
+            <a:effectRef idx="0">
+              <a:schemeClr val="accent1"/>
+            </a:effectRef>
+            <a:fontRef idx="minor">
+              <a:schemeClr val="tx1"/>
+            </a:fontRef>
+          </p:style>
+        </p:cxnSp>
+      </p:grpSp>
+      <p:sp>
+        <p:nvSpPr>
+          <p:cNvPr id="67" name="テキスト ボックス 66">
+            <a:extLst>
+              <a:ext uri="{FF2B5EF4-FFF2-40B4-BE49-F238E27FC236}">
+                <a16:creationId xmlns:a16="http://schemas.microsoft.com/office/drawing/2014/main" id="{71A6FF17-BC39-4C2C-8CB9-48927E35F946}"/>
+              </a:ext>
+            </a:extLst>
+          </p:cNvPr>
+          <p:cNvSpPr txBox="1"/>
+          <p:nvPr/>
+        </p:nvSpPr>
+        <p:spPr>
+          <a:xfrm>
+            <a:off x="5796136" y="3068960"/>
+            <a:ext cx="1569660" cy="369332"/>
+          </a:xfrm>
+          <a:prstGeom prst="rect">
+            <a:avLst/>
+          </a:prstGeom>
+          <a:noFill/>
+        </p:spPr>
+        <p:txBody>
+          <a:bodyPr wrap="none" rtlCol="0">
+            <a:spAutoFit/>
+          </a:bodyPr>
+          <a:lstStyle/>
+          <a:p>
+            <a:r>
+              <a:rPr lang="ja-JP" altLang="en-US" dirty="0"/>
+              <a:t>二日前の状態</a:t>
+            </a:r>
+            <a:endParaRPr kumimoji="1" lang="ja-JP" altLang="en-US" dirty="0"/>
+          </a:p>
+        </p:txBody>
+      </p:sp>
+      <p:cxnSp>
+        <p:nvCxnSpPr>
+          <p:cNvPr id="69" name="コネクタ: カギ線 68">
+            <a:extLst>
+              <a:ext uri="{FF2B5EF4-FFF2-40B4-BE49-F238E27FC236}">
+                <a16:creationId xmlns:a16="http://schemas.microsoft.com/office/drawing/2014/main" id="{91A46CDE-83A0-4779-A071-B25DABC5A19D}"/>
+              </a:ext>
+            </a:extLst>
+          </p:cNvPr>
+          <p:cNvCxnSpPr>
+            <a:stCxn id="23" idx="4"/>
+            <a:endCxn id="27" idx="0"/>
+          </p:cNvCxnSpPr>
+          <p:nvPr/>
+        </p:nvCxnSpPr>
+        <p:spPr>
+          <a:xfrm rot="5400000">
+            <a:off x="3142753" y="1326095"/>
+            <a:ext cx="406462" cy="1011873"/>
+          </a:xfrm>
+          <a:prstGeom prst="bentConnector3">
+            <a:avLst/>
+          </a:prstGeom>
+          <a:ln w="12700">
+            <a:solidFill>
+              <a:schemeClr val="tx1"/>
+            </a:solidFill>
+            <a:tailEnd type="triangle"/>
+          </a:ln>
+        </p:spPr>
+        <p:style>
+          <a:lnRef idx="1">
+            <a:schemeClr val="accent1"/>
+          </a:lnRef>
+          <a:fillRef idx="0">
+            <a:schemeClr val="accent1"/>
+          </a:fillRef>
+          <a:effectRef idx="0">
+            <a:schemeClr val="accent1"/>
+          </a:effectRef>
+          <a:fontRef idx="minor">
+            <a:schemeClr val="tx1"/>
+          </a:fontRef>
+        </p:style>
+      </p:cxnSp>
+      <p:cxnSp>
+        <p:nvCxnSpPr>
+          <p:cNvPr id="71" name="コネクタ: カギ線 70">
+            <a:extLst>
+              <a:ext uri="{FF2B5EF4-FFF2-40B4-BE49-F238E27FC236}">
+                <a16:creationId xmlns:a16="http://schemas.microsoft.com/office/drawing/2014/main" id="{09925854-1016-4EE3-9A80-37263AA32A85}"/>
+              </a:ext>
+            </a:extLst>
+          </p:cNvPr>
+          <p:cNvCxnSpPr>
+            <a:stCxn id="52" idx="4"/>
+            <a:endCxn id="58" idx="0"/>
+          </p:cNvCxnSpPr>
+          <p:nvPr/>
+        </p:nvCxnSpPr>
+        <p:spPr>
+          <a:xfrm rot="16200000" flipH="1">
+            <a:off x="6023072" y="1617887"/>
+            <a:ext cx="406462" cy="428287"/>
+          </a:xfrm>
+          <a:prstGeom prst="bentConnector3">
+            <a:avLst/>
+          </a:prstGeom>
+          <a:ln w="12700">
+            <a:solidFill>
+              <a:schemeClr val="tx1"/>
+            </a:solidFill>
+            <a:tailEnd type="triangle"/>
+          </a:ln>
+        </p:spPr>
+        <p:style>
+          <a:lnRef idx="1">
+            <a:schemeClr val="accent1"/>
+          </a:lnRef>
+          <a:fillRef idx="0">
+            <a:schemeClr val="accent1"/>
+          </a:fillRef>
+          <a:effectRef idx="0">
+            <a:schemeClr val="accent1"/>
+          </a:effectRef>
+          <a:fontRef idx="minor">
+            <a:schemeClr val="tx1"/>
+          </a:fontRef>
+        </p:style>
+      </p:cxnSp>
+      <p:sp>
+        <p:nvSpPr>
+          <p:cNvPr id="72" name="楕円 4">
+            <a:extLst>
+              <a:ext uri="{FF2B5EF4-FFF2-40B4-BE49-F238E27FC236}">
+                <a16:creationId xmlns:a16="http://schemas.microsoft.com/office/drawing/2014/main" id="{DE7709B7-A0C9-44A4-A474-78F1069C082F}"/>
+              </a:ext>
+            </a:extLst>
+          </p:cNvPr>
+          <p:cNvSpPr/>
+          <p:nvPr/>
+        </p:nvSpPr>
+        <p:spPr>
+          <a:xfrm>
+            <a:off x="7308304" y="1340768"/>
+            <a:ext cx="288032" cy="288032"/>
+          </a:xfrm>
+          <a:prstGeom prst="ellipse">
+            <a:avLst/>
+          </a:prstGeom>
+          <a:solidFill>
+            <a:srgbClr val="011893"/>
+          </a:solidFill>
+          <a:ln>
+            <a:solidFill>
+              <a:schemeClr val="tx1"/>
+            </a:solidFill>
+          </a:ln>
+        </p:spPr>
+        <p:style>
+          <a:lnRef idx="2">
+            <a:schemeClr val="accent1">
+              <a:shade val="50000"/>
+            </a:schemeClr>
+          </a:lnRef>
+          <a:fillRef idx="1">
+            <a:schemeClr val="accent1"/>
+          </a:fillRef>
+          <a:effectRef idx="0">
+            <a:schemeClr val="accent1"/>
+          </a:effectRef>
+          <a:fontRef idx="minor">
+            <a:schemeClr val="lt1"/>
+          </a:fontRef>
+        </p:style>
+        <p:txBody>
+          <a:bodyPr rtlCol="0" anchor="ctr"/>
+          <a:lstStyle/>
+          <a:p>
+            <a:pPr algn="ctr"/>
+            <a:endParaRPr kumimoji="1" lang="ja-JP" altLang="en-US"/>
+          </a:p>
+        </p:txBody>
+      </p:sp>
+      <p:sp>
+        <p:nvSpPr>
+          <p:cNvPr id="73" name="テキスト ボックス 72">
+            <a:extLst>
+              <a:ext uri="{FF2B5EF4-FFF2-40B4-BE49-F238E27FC236}">
+                <a16:creationId xmlns:a16="http://schemas.microsoft.com/office/drawing/2014/main" id="{C1A2C210-8E75-40A8-A4F1-7BF6A61B7629}"/>
+              </a:ext>
+            </a:extLst>
+          </p:cNvPr>
+          <p:cNvSpPr txBox="1"/>
+          <p:nvPr/>
+        </p:nvSpPr>
+        <p:spPr>
+          <a:xfrm>
+            <a:off x="3635896" y="1052736"/>
+            <a:ext cx="492443" cy="276999"/>
+          </a:xfrm>
+          <a:prstGeom prst="rect">
+            <a:avLst/>
+          </a:prstGeom>
+          <a:noFill/>
+        </p:spPr>
+        <p:txBody>
+          <a:bodyPr wrap="none" rtlCol="0">
+            <a:spAutoFit/>
+          </a:bodyPr>
+          <a:lstStyle/>
+          <a:p>
+            <a:r>
+              <a:rPr lang="ja-JP" altLang="en-US" sz="1200" dirty="0"/>
+              <a:t>今日</a:t>
+            </a:r>
+            <a:endParaRPr kumimoji="1" lang="ja-JP" altLang="en-US" sz="1200" dirty="0"/>
+          </a:p>
+        </p:txBody>
+      </p:sp>
+      <p:sp>
+        <p:nvSpPr>
+          <p:cNvPr id="74" name="テキスト ボックス 73">
+            <a:extLst>
+              <a:ext uri="{FF2B5EF4-FFF2-40B4-BE49-F238E27FC236}">
+                <a16:creationId xmlns:a16="http://schemas.microsoft.com/office/drawing/2014/main" id="{44B07540-56B4-4BD8-B244-71B0E712A10B}"/>
+              </a:ext>
+            </a:extLst>
+          </p:cNvPr>
+          <p:cNvSpPr txBox="1"/>
+          <p:nvPr/>
+        </p:nvSpPr>
+        <p:spPr>
+          <a:xfrm>
+            <a:off x="2915816" y="1052736"/>
+            <a:ext cx="492443" cy="276999"/>
+          </a:xfrm>
+          <a:prstGeom prst="rect">
+            <a:avLst/>
+          </a:prstGeom>
+          <a:noFill/>
+        </p:spPr>
+        <p:txBody>
+          <a:bodyPr wrap="none" rtlCol="0">
+            <a:spAutoFit/>
+          </a:bodyPr>
+          <a:lstStyle/>
+          <a:p>
+            <a:r>
+              <a:rPr lang="ja-JP" altLang="en-US" sz="1200" dirty="0"/>
+              <a:t>昨日</a:t>
+            </a:r>
+            <a:endParaRPr kumimoji="1" lang="ja-JP" altLang="en-US" sz="1200" dirty="0"/>
+          </a:p>
+        </p:txBody>
+      </p:sp>
+      <p:sp>
+        <p:nvSpPr>
+          <p:cNvPr id="75" name="テキスト ボックス 74">
+            <a:extLst>
+              <a:ext uri="{FF2B5EF4-FFF2-40B4-BE49-F238E27FC236}">
+                <a16:creationId xmlns:a16="http://schemas.microsoft.com/office/drawing/2014/main" id="{C3889D20-F1FE-4F59-9C87-C52AB4B4F39D}"/>
+              </a:ext>
+            </a:extLst>
+          </p:cNvPr>
+          <p:cNvSpPr txBox="1"/>
+          <p:nvPr/>
+        </p:nvSpPr>
+        <p:spPr>
+          <a:xfrm>
+            <a:off x="2123728" y="1052736"/>
+            <a:ext cx="646331" cy="276999"/>
+          </a:xfrm>
+          <a:prstGeom prst="rect">
+            <a:avLst/>
+          </a:prstGeom>
+          <a:noFill/>
+        </p:spPr>
+        <p:txBody>
+          <a:bodyPr wrap="none" rtlCol="0">
+            <a:spAutoFit/>
+          </a:bodyPr>
+          <a:lstStyle/>
+          <a:p>
+            <a:r>
+              <a:rPr lang="ja-JP" altLang="en-US" sz="1200" dirty="0"/>
+              <a:t>二日前</a:t>
+            </a:r>
+            <a:endParaRPr kumimoji="1" lang="ja-JP" altLang="en-US" sz="1200" dirty="0"/>
+          </a:p>
+        </p:txBody>
+      </p:sp>
+      <p:sp>
+        <p:nvSpPr>
+          <p:cNvPr id="76" name="テキスト ボックス 75">
+            <a:extLst>
+              <a:ext uri="{FF2B5EF4-FFF2-40B4-BE49-F238E27FC236}">
+                <a16:creationId xmlns:a16="http://schemas.microsoft.com/office/drawing/2014/main" id="{54B3536E-8970-4442-A31B-BF9F8B1F674E}"/>
+              </a:ext>
+            </a:extLst>
+          </p:cNvPr>
+          <p:cNvSpPr txBox="1"/>
+          <p:nvPr/>
+        </p:nvSpPr>
+        <p:spPr>
+          <a:xfrm>
+            <a:off x="1403648" y="1052736"/>
+            <a:ext cx="646331" cy="276999"/>
+          </a:xfrm>
+          <a:prstGeom prst="rect">
+            <a:avLst/>
+          </a:prstGeom>
+          <a:noFill/>
+        </p:spPr>
+        <p:txBody>
+          <a:bodyPr wrap="none" rtlCol="0">
+            <a:spAutoFit/>
+          </a:bodyPr>
+          <a:lstStyle/>
+          <a:p>
+            <a:r>
+              <a:rPr lang="ja-JP" altLang="en-US" sz="1200" dirty="0"/>
+              <a:t>三日前</a:t>
+            </a:r>
+            <a:endParaRPr kumimoji="1" lang="ja-JP" altLang="en-US" sz="1200" dirty="0"/>
+          </a:p>
+        </p:txBody>
+      </p:sp>
+      <p:sp>
+        <p:nvSpPr>
+          <p:cNvPr id="77" name="テキスト ボックス 76">
+            <a:extLst>
+              <a:ext uri="{FF2B5EF4-FFF2-40B4-BE49-F238E27FC236}">
+                <a16:creationId xmlns:a16="http://schemas.microsoft.com/office/drawing/2014/main" id="{6A2B9359-FE2C-4703-934F-A24EA2D4EF22}"/>
+              </a:ext>
+            </a:extLst>
+          </p:cNvPr>
+          <p:cNvSpPr txBox="1"/>
+          <p:nvPr/>
+        </p:nvSpPr>
+        <p:spPr>
+          <a:xfrm>
+            <a:off x="7164288" y="1052736"/>
+            <a:ext cx="492443" cy="276999"/>
+          </a:xfrm>
+          <a:prstGeom prst="rect">
+            <a:avLst/>
+          </a:prstGeom>
+          <a:noFill/>
+        </p:spPr>
+        <p:txBody>
+          <a:bodyPr wrap="square" rtlCol="0">
+            <a:spAutoFit/>
+          </a:bodyPr>
+          <a:lstStyle/>
+          <a:p>
+            <a:r>
+              <a:rPr lang="ja-JP" altLang="en-US" sz="1200" dirty="0"/>
+              <a:t>今日</a:t>
+            </a:r>
+            <a:endParaRPr kumimoji="1" lang="ja-JP" altLang="en-US" sz="1200" dirty="0"/>
+          </a:p>
+        </p:txBody>
+      </p:sp>
+      <p:sp>
+        <p:nvSpPr>
+          <p:cNvPr id="78" name="テキスト ボックス 77">
+            <a:extLst>
+              <a:ext uri="{FF2B5EF4-FFF2-40B4-BE49-F238E27FC236}">
+                <a16:creationId xmlns:a16="http://schemas.microsoft.com/office/drawing/2014/main" id="{42EC95B8-5799-4A79-A6B9-B1103F59576B}"/>
+              </a:ext>
+            </a:extLst>
+          </p:cNvPr>
+          <p:cNvSpPr txBox="1"/>
+          <p:nvPr/>
+        </p:nvSpPr>
+        <p:spPr>
+          <a:xfrm>
+            <a:off x="6444208" y="1052736"/>
+            <a:ext cx="492443" cy="276999"/>
+          </a:xfrm>
+          <a:prstGeom prst="rect">
+            <a:avLst/>
+          </a:prstGeom>
+          <a:noFill/>
+        </p:spPr>
+        <p:txBody>
+          <a:bodyPr wrap="square" rtlCol="0">
+            <a:spAutoFit/>
+          </a:bodyPr>
+          <a:lstStyle/>
+          <a:p>
+            <a:r>
+              <a:rPr lang="ja-JP" altLang="en-US" sz="1200" dirty="0"/>
+              <a:t>昨日</a:t>
+            </a:r>
+            <a:endParaRPr kumimoji="1" lang="ja-JP" altLang="en-US" sz="1200" dirty="0"/>
+          </a:p>
+        </p:txBody>
+      </p:sp>
+      <p:sp>
+        <p:nvSpPr>
+          <p:cNvPr id="79" name="テキスト ボックス 78">
+            <a:extLst>
+              <a:ext uri="{FF2B5EF4-FFF2-40B4-BE49-F238E27FC236}">
+                <a16:creationId xmlns:a16="http://schemas.microsoft.com/office/drawing/2014/main" id="{C7A7511B-5468-4A9C-8376-E23190A71B2C}"/>
+              </a:ext>
+            </a:extLst>
+          </p:cNvPr>
+          <p:cNvSpPr txBox="1"/>
+          <p:nvPr/>
+        </p:nvSpPr>
+        <p:spPr>
+          <a:xfrm>
+            <a:off x="5652120" y="1052736"/>
+            <a:ext cx="646331" cy="276999"/>
+          </a:xfrm>
+          <a:prstGeom prst="rect">
+            <a:avLst/>
+          </a:prstGeom>
+          <a:noFill/>
+        </p:spPr>
+        <p:txBody>
+          <a:bodyPr wrap="square" rtlCol="0">
+            <a:spAutoFit/>
+          </a:bodyPr>
+          <a:lstStyle/>
+          <a:p>
+            <a:r>
+              <a:rPr lang="ja-JP" altLang="en-US" sz="1200" dirty="0"/>
+              <a:t>二日前</a:t>
+            </a:r>
+            <a:endParaRPr kumimoji="1" lang="ja-JP" altLang="en-US" sz="1200" dirty="0"/>
+          </a:p>
+        </p:txBody>
+      </p:sp>
+      <p:sp>
+        <p:nvSpPr>
+          <p:cNvPr id="80" name="テキスト ボックス 79">
+            <a:extLst>
+              <a:ext uri="{FF2B5EF4-FFF2-40B4-BE49-F238E27FC236}">
+                <a16:creationId xmlns:a16="http://schemas.microsoft.com/office/drawing/2014/main" id="{CAA1595D-F364-43D1-946F-A4326C5D1228}"/>
+              </a:ext>
+            </a:extLst>
+          </p:cNvPr>
+          <p:cNvSpPr txBox="1"/>
+          <p:nvPr/>
+        </p:nvSpPr>
+        <p:spPr>
+          <a:xfrm>
+            <a:off x="4932040" y="1052736"/>
+            <a:ext cx="646331" cy="276999"/>
+          </a:xfrm>
+          <a:prstGeom prst="rect">
+            <a:avLst/>
+          </a:prstGeom>
+          <a:noFill/>
+        </p:spPr>
+        <p:txBody>
+          <a:bodyPr wrap="square" rtlCol="0">
+            <a:spAutoFit/>
+          </a:bodyPr>
+          <a:lstStyle/>
+          <a:p>
+            <a:r>
+              <a:rPr lang="ja-JP" altLang="en-US" sz="1200" dirty="0"/>
+              <a:t>三日前</a:t>
+            </a:r>
+            <a:endParaRPr kumimoji="1" lang="ja-JP" altLang="en-US" sz="1200" dirty="0"/>
+          </a:p>
+        </p:txBody>
+      </p:sp>
+      <p:sp>
+        <p:nvSpPr>
+          <p:cNvPr id="81" name="テキスト ボックス 80">
+            <a:extLst>
+              <a:ext uri="{FF2B5EF4-FFF2-40B4-BE49-F238E27FC236}">
+                <a16:creationId xmlns:a16="http://schemas.microsoft.com/office/drawing/2014/main" id="{A9ACDA57-968B-42E1-A021-AECD3CEFA884}"/>
+              </a:ext>
+            </a:extLst>
+          </p:cNvPr>
+          <p:cNvSpPr txBox="1"/>
+          <p:nvPr/>
+        </p:nvSpPr>
+        <p:spPr>
+          <a:xfrm>
+            <a:off x="1619672" y="1772816"/>
+            <a:ext cx="1313180" cy="261610"/>
+          </a:xfrm>
+          <a:prstGeom prst="rect">
+            <a:avLst/>
+          </a:prstGeom>
+          <a:noFill/>
+        </p:spPr>
+        <p:txBody>
+          <a:bodyPr wrap="none" rtlCol="0">
+            <a:spAutoFit/>
+          </a:bodyPr>
+          <a:lstStyle/>
+          <a:p>
+            <a:r>
+              <a:rPr kumimoji="1" lang="ja-JP" altLang="en-US" sz="1100" dirty="0"/>
+              <a:t>ワーキングツリー</a:t>
+            </a:r>
+          </a:p>
+        </p:txBody>
+      </p:sp>
+      <p:sp>
+        <p:nvSpPr>
+          <p:cNvPr id="82" name="テキスト ボックス 81">
+            <a:extLst>
+              <a:ext uri="{FF2B5EF4-FFF2-40B4-BE49-F238E27FC236}">
+                <a16:creationId xmlns:a16="http://schemas.microsoft.com/office/drawing/2014/main" id="{AA551CAB-F6BF-4801-BB3D-4F4ADC0F4619}"/>
+              </a:ext>
+            </a:extLst>
+          </p:cNvPr>
+          <p:cNvSpPr txBox="1"/>
+          <p:nvPr/>
+        </p:nvSpPr>
+        <p:spPr>
+          <a:xfrm>
+            <a:off x="2483768" y="3789040"/>
+            <a:ext cx="4031873" cy="400110"/>
+          </a:xfrm>
+          <a:prstGeom prst="rect">
+            <a:avLst/>
+          </a:prstGeom>
+          <a:noFill/>
+        </p:spPr>
+        <p:txBody>
+          <a:bodyPr wrap="none" rtlCol="0">
+            <a:spAutoFit/>
+          </a:bodyPr>
+          <a:lstStyle/>
+          <a:p>
+            <a:r>
+              <a:rPr lang="ja-JP" altLang="en-US" sz="2000" dirty="0"/>
+              <a:t>歴史上の任意の地点を比較できる</a:t>
+            </a:r>
+            <a:endParaRPr kumimoji="1" lang="ja-JP" altLang="en-US" sz="2000" dirty="0"/>
+          </a:p>
+        </p:txBody>
+      </p:sp>
+      <p:sp>
+        <p:nvSpPr>
+          <p:cNvPr id="83" name="楕円 4">
+            <a:extLst>
+              <a:ext uri="{FF2B5EF4-FFF2-40B4-BE49-F238E27FC236}">
+                <a16:creationId xmlns:a16="http://schemas.microsoft.com/office/drawing/2014/main" id="{EC11D1CC-FA85-48F3-AAC8-48889D2AFC39}"/>
+              </a:ext>
+            </a:extLst>
+          </p:cNvPr>
+          <p:cNvSpPr/>
+          <p:nvPr/>
+        </p:nvSpPr>
+        <p:spPr>
+          <a:xfrm>
+            <a:off x="3131840" y="4581128"/>
+            <a:ext cx="288032" cy="288032"/>
+          </a:xfrm>
+          <a:prstGeom prst="ellipse">
+            <a:avLst/>
+          </a:prstGeom>
+          <a:solidFill>
+            <a:srgbClr val="011893"/>
+          </a:solidFill>
+          <a:ln>
+            <a:solidFill>
+              <a:schemeClr val="tx1"/>
+            </a:solidFill>
+          </a:ln>
+        </p:spPr>
+        <p:style>
+          <a:lnRef idx="2">
+            <a:schemeClr val="accent1">
+              <a:shade val="50000"/>
+            </a:schemeClr>
+          </a:lnRef>
+          <a:fillRef idx="1">
+            <a:schemeClr val="accent1"/>
+          </a:fillRef>
+          <a:effectRef idx="0">
+            <a:schemeClr val="accent1"/>
+          </a:effectRef>
+          <a:fontRef idx="minor">
+            <a:schemeClr val="lt1"/>
+          </a:fontRef>
+        </p:style>
+        <p:txBody>
+          <a:bodyPr rtlCol="0" anchor="ctr"/>
+          <a:lstStyle/>
+          <a:p>
+            <a:pPr algn="ctr"/>
+            <a:endParaRPr kumimoji="1" lang="ja-JP" altLang="en-US"/>
+          </a:p>
+        </p:txBody>
+      </p:sp>
+      <p:cxnSp>
+        <p:nvCxnSpPr>
+          <p:cNvPr id="84" name="直線コネクタ 83">
+            <a:extLst>
+              <a:ext uri="{FF2B5EF4-FFF2-40B4-BE49-F238E27FC236}">
+                <a16:creationId xmlns:a16="http://schemas.microsoft.com/office/drawing/2014/main" id="{086CDD36-69F7-4B96-B75C-33AFCDC73178}"/>
+              </a:ext>
+            </a:extLst>
+          </p:cNvPr>
+          <p:cNvCxnSpPr>
+            <a:cxnSpLocks/>
+            <a:stCxn id="83" idx="6"/>
+            <a:endCxn id="85" idx="2"/>
+          </p:cNvCxnSpPr>
+          <p:nvPr/>
+        </p:nvCxnSpPr>
+        <p:spPr>
+          <a:xfrm>
+            <a:off x="3419872" y="4725144"/>
+            <a:ext cx="432048" cy="0"/>
+          </a:xfrm>
+          <a:prstGeom prst="line">
+            <a:avLst/>
+          </a:prstGeom>
+          <a:ln w="57150">
+            <a:solidFill>
+              <a:schemeClr val="tx1"/>
+            </a:solidFill>
+            <a:headEnd type="none" w="med" len="med"/>
+            <a:tailEnd type="none" w="med" len="med"/>
+          </a:ln>
+        </p:spPr>
+        <p:style>
+          <a:lnRef idx="1">
+            <a:schemeClr val="accent1"/>
+          </a:lnRef>
+          <a:fillRef idx="0">
+            <a:schemeClr val="accent1"/>
+          </a:fillRef>
+          <a:effectRef idx="0">
+            <a:schemeClr val="accent1"/>
+          </a:effectRef>
+          <a:fontRef idx="minor">
+            <a:schemeClr val="tx1"/>
+          </a:fontRef>
+        </p:style>
+      </p:cxnSp>
+      <p:sp>
+        <p:nvSpPr>
+          <p:cNvPr id="85" name="楕円 4">
+            <a:extLst>
+              <a:ext uri="{FF2B5EF4-FFF2-40B4-BE49-F238E27FC236}">
+                <a16:creationId xmlns:a16="http://schemas.microsoft.com/office/drawing/2014/main" id="{D32959EF-0928-46C0-A49E-0585ACD90F91}"/>
+              </a:ext>
+            </a:extLst>
+          </p:cNvPr>
+          <p:cNvSpPr/>
+          <p:nvPr/>
+        </p:nvSpPr>
+        <p:spPr>
+          <a:xfrm>
+            <a:off x="3851920" y="4581128"/>
+            <a:ext cx="288032" cy="288032"/>
+          </a:xfrm>
+          <a:prstGeom prst="ellipse">
+            <a:avLst/>
+          </a:prstGeom>
+          <a:solidFill>
+            <a:srgbClr val="011893"/>
+          </a:solidFill>
+          <a:ln>
+            <a:solidFill>
+              <a:schemeClr val="tx1"/>
+            </a:solidFill>
+          </a:ln>
+        </p:spPr>
+        <p:style>
+          <a:lnRef idx="2">
+            <a:schemeClr val="accent1">
+              <a:shade val="50000"/>
+            </a:schemeClr>
+          </a:lnRef>
+          <a:fillRef idx="1">
+            <a:schemeClr val="accent1"/>
+          </a:fillRef>
+          <a:effectRef idx="0">
+            <a:schemeClr val="accent1"/>
+          </a:effectRef>
+          <a:fontRef idx="minor">
+            <a:schemeClr val="lt1"/>
+          </a:fontRef>
+        </p:style>
+        <p:txBody>
+          <a:bodyPr rtlCol="0" anchor="ctr"/>
+          <a:lstStyle/>
+          <a:p>
+            <a:pPr algn="ctr"/>
+            <a:endParaRPr kumimoji="1" lang="ja-JP" altLang="en-US"/>
+          </a:p>
+        </p:txBody>
+      </p:sp>
+      <p:sp>
+        <p:nvSpPr>
+          <p:cNvPr id="86" name="楕円 4">
+            <a:extLst>
+              <a:ext uri="{FF2B5EF4-FFF2-40B4-BE49-F238E27FC236}">
+                <a16:creationId xmlns:a16="http://schemas.microsoft.com/office/drawing/2014/main" id="{FEB77A84-C3D9-4D2B-8983-1698A7C98FDF}"/>
+              </a:ext>
+            </a:extLst>
+          </p:cNvPr>
+          <p:cNvSpPr/>
+          <p:nvPr/>
+        </p:nvSpPr>
+        <p:spPr>
+          <a:xfrm>
+            <a:off x="4572000" y="4581128"/>
+            <a:ext cx="288032" cy="288032"/>
+          </a:xfrm>
+          <a:prstGeom prst="ellipse">
+            <a:avLst/>
+          </a:prstGeom>
+          <a:solidFill>
+            <a:srgbClr val="011893"/>
+          </a:solidFill>
+          <a:ln>
+            <a:solidFill>
+              <a:schemeClr val="tx1"/>
+            </a:solidFill>
+          </a:ln>
+        </p:spPr>
+        <p:style>
+          <a:lnRef idx="2">
+            <a:schemeClr val="accent1">
+              <a:shade val="50000"/>
+            </a:schemeClr>
+          </a:lnRef>
+          <a:fillRef idx="1">
+            <a:schemeClr val="accent1"/>
+          </a:fillRef>
+          <a:effectRef idx="0">
+            <a:schemeClr val="accent1"/>
+          </a:effectRef>
+          <a:fontRef idx="minor">
+            <a:schemeClr val="lt1"/>
+          </a:fontRef>
+        </p:style>
+        <p:txBody>
+          <a:bodyPr rtlCol="0" anchor="ctr"/>
+          <a:lstStyle/>
+          <a:p>
+            <a:pPr algn="ctr"/>
+            <a:endParaRPr kumimoji="1" lang="ja-JP" altLang="en-US"/>
+          </a:p>
+        </p:txBody>
+      </p:sp>
+      <p:cxnSp>
+        <p:nvCxnSpPr>
+          <p:cNvPr id="87" name="直線コネクタ 86">
+            <a:extLst>
+              <a:ext uri="{FF2B5EF4-FFF2-40B4-BE49-F238E27FC236}">
+                <a16:creationId xmlns:a16="http://schemas.microsoft.com/office/drawing/2014/main" id="{1F2F5B97-DEED-494B-993A-69D1C19717E1}"/>
+              </a:ext>
+            </a:extLst>
+          </p:cNvPr>
+          <p:cNvCxnSpPr>
+            <a:cxnSpLocks/>
+            <a:stCxn id="85" idx="6"/>
+            <a:endCxn id="86" idx="2"/>
+          </p:cNvCxnSpPr>
+          <p:nvPr/>
+        </p:nvCxnSpPr>
+        <p:spPr>
+          <a:xfrm>
+            <a:off x="4139952" y="4725144"/>
+            <a:ext cx="432048" cy="0"/>
+          </a:xfrm>
+          <a:prstGeom prst="line">
+            <a:avLst/>
+          </a:prstGeom>
+          <a:ln w="57150">
+            <a:solidFill>
+              <a:schemeClr val="tx1"/>
+            </a:solidFill>
+            <a:headEnd type="none" w="med" len="med"/>
+            <a:tailEnd type="none" w="med" len="med"/>
+          </a:ln>
+        </p:spPr>
+        <p:style>
+          <a:lnRef idx="1">
+            <a:schemeClr val="accent1"/>
+          </a:lnRef>
+          <a:fillRef idx="0">
+            <a:schemeClr val="accent1"/>
+          </a:fillRef>
+          <a:effectRef idx="0">
+            <a:schemeClr val="accent1"/>
+          </a:effectRef>
+          <a:fontRef idx="minor">
+            <a:schemeClr val="tx1"/>
+          </a:fontRef>
+        </p:style>
+      </p:cxnSp>
+      <p:cxnSp>
+        <p:nvCxnSpPr>
+          <p:cNvPr id="89" name="直線コネクタ 88">
+            <a:extLst>
+              <a:ext uri="{FF2B5EF4-FFF2-40B4-BE49-F238E27FC236}">
+                <a16:creationId xmlns:a16="http://schemas.microsoft.com/office/drawing/2014/main" id="{45803114-1543-4F6F-9CF9-51ECA745EC49}"/>
+              </a:ext>
+            </a:extLst>
+          </p:cNvPr>
+          <p:cNvCxnSpPr>
+            <a:cxnSpLocks/>
+            <a:stCxn id="86" idx="6"/>
+          </p:cNvCxnSpPr>
+          <p:nvPr/>
+        </p:nvCxnSpPr>
+        <p:spPr>
+          <a:xfrm>
+            <a:off x="4860032" y="4725144"/>
+            <a:ext cx="432048" cy="0"/>
+          </a:xfrm>
+          <a:prstGeom prst="line">
+            <a:avLst/>
+          </a:prstGeom>
+          <a:ln w="57150">
+            <a:solidFill>
+              <a:schemeClr val="tx1"/>
+            </a:solidFill>
+            <a:headEnd type="none" w="med" len="med"/>
+            <a:tailEnd type="none" w="med" len="med"/>
+          </a:ln>
+        </p:spPr>
+        <p:style>
+          <a:lnRef idx="1">
+            <a:schemeClr val="accent1"/>
+          </a:lnRef>
+          <a:fillRef idx="0">
+            <a:schemeClr val="accent1"/>
+          </a:fillRef>
+          <a:effectRef idx="0">
+            <a:schemeClr val="accent1"/>
+          </a:effectRef>
+          <a:fontRef idx="minor">
+            <a:schemeClr val="tx1"/>
+          </a:fontRef>
+        </p:style>
+      </p:cxnSp>
+      <p:sp>
+        <p:nvSpPr>
+          <p:cNvPr id="90" name="テキスト ボックス 89">
+            <a:extLst>
+              <a:ext uri="{FF2B5EF4-FFF2-40B4-BE49-F238E27FC236}">
+                <a16:creationId xmlns:a16="http://schemas.microsoft.com/office/drawing/2014/main" id="{A8EDCF46-DD54-462F-B79F-F45EDE9B08E1}"/>
+              </a:ext>
+            </a:extLst>
+          </p:cNvPr>
+          <p:cNvSpPr txBox="1"/>
+          <p:nvPr/>
+        </p:nvSpPr>
+        <p:spPr>
+          <a:xfrm>
+            <a:off x="5220072" y="4293096"/>
+            <a:ext cx="492443" cy="276999"/>
+          </a:xfrm>
+          <a:prstGeom prst="rect">
+            <a:avLst/>
+          </a:prstGeom>
+          <a:noFill/>
+        </p:spPr>
+        <p:txBody>
+          <a:bodyPr wrap="none" rtlCol="0">
+            <a:spAutoFit/>
+          </a:bodyPr>
+          <a:lstStyle/>
+          <a:p>
+            <a:r>
+              <a:rPr lang="ja-JP" altLang="en-US" sz="1200" dirty="0"/>
+              <a:t>今日</a:t>
+            </a:r>
+            <a:endParaRPr kumimoji="1" lang="ja-JP" altLang="en-US" sz="1200" dirty="0"/>
+          </a:p>
+        </p:txBody>
+      </p:sp>
+      <p:sp>
+        <p:nvSpPr>
+          <p:cNvPr id="91" name="テキスト ボックス 90">
+            <a:extLst>
+              <a:ext uri="{FF2B5EF4-FFF2-40B4-BE49-F238E27FC236}">
+                <a16:creationId xmlns:a16="http://schemas.microsoft.com/office/drawing/2014/main" id="{69A24BFB-7E11-4293-9AEE-43DC7CE9FDD8}"/>
+              </a:ext>
+            </a:extLst>
+          </p:cNvPr>
+          <p:cNvSpPr txBox="1"/>
+          <p:nvPr/>
+        </p:nvSpPr>
+        <p:spPr>
+          <a:xfrm>
+            <a:off x="4499992" y="4293096"/>
+            <a:ext cx="492443" cy="276999"/>
+          </a:xfrm>
+          <a:prstGeom prst="rect">
+            <a:avLst/>
+          </a:prstGeom>
+          <a:noFill/>
+        </p:spPr>
+        <p:txBody>
+          <a:bodyPr wrap="none" rtlCol="0">
+            <a:spAutoFit/>
+          </a:bodyPr>
+          <a:lstStyle/>
+          <a:p>
+            <a:r>
+              <a:rPr lang="ja-JP" altLang="en-US" sz="1200" dirty="0"/>
+              <a:t>昨日</a:t>
+            </a:r>
+            <a:endParaRPr kumimoji="1" lang="ja-JP" altLang="en-US" sz="1200" dirty="0"/>
+          </a:p>
+        </p:txBody>
+      </p:sp>
+      <p:sp>
+        <p:nvSpPr>
+          <p:cNvPr id="92" name="テキスト ボックス 91">
+            <a:extLst>
+              <a:ext uri="{FF2B5EF4-FFF2-40B4-BE49-F238E27FC236}">
+                <a16:creationId xmlns:a16="http://schemas.microsoft.com/office/drawing/2014/main" id="{43359184-8F32-4BA1-A21A-1792BD76E0EE}"/>
+              </a:ext>
+            </a:extLst>
+          </p:cNvPr>
+          <p:cNvSpPr txBox="1"/>
+          <p:nvPr/>
+        </p:nvSpPr>
+        <p:spPr>
+          <a:xfrm>
+            <a:off x="3707904" y="4293096"/>
+            <a:ext cx="646331" cy="276999"/>
+          </a:xfrm>
+          <a:prstGeom prst="rect">
+            <a:avLst/>
+          </a:prstGeom>
+          <a:noFill/>
+        </p:spPr>
+        <p:txBody>
+          <a:bodyPr wrap="none" rtlCol="0">
+            <a:spAutoFit/>
+          </a:bodyPr>
+          <a:lstStyle/>
+          <a:p>
+            <a:r>
+              <a:rPr lang="ja-JP" altLang="en-US" sz="1200" dirty="0"/>
+              <a:t>二日前</a:t>
+            </a:r>
+            <a:endParaRPr kumimoji="1" lang="ja-JP" altLang="en-US" sz="1200" dirty="0"/>
+          </a:p>
+        </p:txBody>
+      </p:sp>
+      <p:sp>
+        <p:nvSpPr>
+          <p:cNvPr id="93" name="テキスト ボックス 92">
+            <a:extLst>
+              <a:ext uri="{FF2B5EF4-FFF2-40B4-BE49-F238E27FC236}">
+                <a16:creationId xmlns:a16="http://schemas.microsoft.com/office/drawing/2014/main" id="{8E9F96B7-62D6-4049-99D7-ABB9F19E0636}"/>
+              </a:ext>
+            </a:extLst>
+          </p:cNvPr>
+          <p:cNvSpPr txBox="1"/>
+          <p:nvPr/>
+        </p:nvSpPr>
+        <p:spPr>
+          <a:xfrm>
+            <a:off x="2987824" y="4293096"/>
+            <a:ext cx="646331" cy="276999"/>
+          </a:xfrm>
+          <a:prstGeom prst="rect">
+            <a:avLst/>
+          </a:prstGeom>
+          <a:noFill/>
+        </p:spPr>
+        <p:txBody>
+          <a:bodyPr wrap="none" rtlCol="0">
+            <a:spAutoFit/>
+          </a:bodyPr>
+          <a:lstStyle/>
+          <a:p>
+            <a:r>
+              <a:rPr lang="ja-JP" altLang="en-US" sz="1200" dirty="0"/>
+              <a:t>三日前</a:t>
+            </a:r>
+            <a:endParaRPr kumimoji="1" lang="ja-JP" altLang="en-US" sz="1200" dirty="0"/>
+          </a:p>
+        </p:txBody>
+      </p:sp>
+      <p:sp>
+        <p:nvSpPr>
+          <p:cNvPr id="94" name="楕円 4">
+            <a:extLst>
+              <a:ext uri="{FF2B5EF4-FFF2-40B4-BE49-F238E27FC236}">
+                <a16:creationId xmlns:a16="http://schemas.microsoft.com/office/drawing/2014/main" id="{786831D3-0EAC-47F4-9D07-452D489209DE}"/>
+              </a:ext>
+            </a:extLst>
+          </p:cNvPr>
+          <p:cNvSpPr/>
+          <p:nvPr/>
+        </p:nvSpPr>
+        <p:spPr>
+          <a:xfrm>
+            <a:off x="5292080" y="4581128"/>
+            <a:ext cx="288032" cy="288032"/>
+          </a:xfrm>
+          <a:prstGeom prst="ellipse">
+            <a:avLst/>
+          </a:prstGeom>
+          <a:solidFill>
+            <a:srgbClr val="011893"/>
+          </a:solidFill>
+          <a:ln>
+            <a:solidFill>
+              <a:schemeClr val="tx1"/>
+            </a:solidFill>
+          </a:ln>
+        </p:spPr>
+        <p:style>
+          <a:lnRef idx="2">
+            <a:schemeClr val="accent1">
+              <a:shade val="50000"/>
+            </a:schemeClr>
+          </a:lnRef>
+          <a:fillRef idx="1">
+            <a:schemeClr val="accent1"/>
+          </a:fillRef>
+          <a:effectRef idx="0">
+            <a:schemeClr val="accent1"/>
+          </a:effectRef>
+          <a:fontRef idx="minor">
+            <a:schemeClr val="lt1"/>
+          </a:fontRef>
+        </p:style>
+        <p:txBody>
+          <a:bodyPr rtlCol="0" anchor="ctr"/>
+          <a:lstStyle/>
+          <a:p>
+            <a:pPr algn="ctr"/>
+            <a:endParaRPr kumimoji="1" lang="ja-JP" altLang="en-US"/>
+          </a:p>
+        </p:txBody>
+      </p:sp>
+      <p:grpSp>
+        <p:nvGrpSpPr>
+          <p:cNvPr id="95" name="グループ化 94">
+            <a:extLst>
+              <a:ext uri="{FF2B5EF4-FFF2-40B4-BE49-F238E27FC236}">
+                <a16:creationId xmlns:a16="http://schemas.microsoft.com/office/drawing/2014/main" id="{3458CC12-D8A2-4BE6-A976-A7F28E0D163C}"/>
+              </a:ext>
+            </a:extLst>
+          </p:cNvPr>
+          <p:cNvGrpSpPr/>
+          <p:nvPr/>
+        </p:nvGrpSpPr>
+        <p:grpSpPr>
+          <a:xfrm>
+            <a:off x="5076056" y="5373216"/>
+            <a:ext cx="1344149" cy="1008112"/>
+            <a:chOff x="5292080" y="1916832"/>
+            <a:chExt cx="2304256" cy="1728192"/>
+          </a:xfrm>
+        </p:grpSpPr>
+        <p:sp>
+          <p:nvSpPr>
+            <p:cNvPr id="96" name="角丸四角形 34">
+              <a:extLst>
+                <a:ext uri="{FF2B5EF4-FFF2-40B4-BE49-F238E27FC236}">
+                  <a16:creationId xmlns:a16="http://schemas.microsoft.com/office/drawing/2014/main" id="{9F9757B1-B34B-4BB1-9476-D88EA3216A60}"/>
+                </a:ext>
+              </a:extLst>
+            </p:cNvPr>
+            <p:cNvSpPr/>
+            <p:nvPr/>
+          </p:nvSpPr>
+          <p:spPr>
+            <a:xfrm>
+              <a:off x="5292080" y="1916832"/>
+              <a:ext cx="2304256" cy="1728192"/>
+            </a:xfrm>
+            <a:prstGeom prst="roundRect">
+              <a:avLst/>
+            </a:prstGeom>
+            <a:noFill/>
+            <a:ln w="28575">
+              <a:solidFill>
+                <a:schemeClr val="tx1"/>
+              </a:solidFill>
+              <a:prstDash val="dash"/>
+            </a:ln>
+          </p:spPr>
+          <p:style>
+            <a:lnRef idx="2">
+              <a:schemeClr val="accent1">
+                <a:shade val="50000"/>
+              </a:schemeClr>
+            </a:lnRef>
+            <a:fillRef idx="1">
+              <a:schemeClr val="accent1"/>
+            </a:fillRef>
+            <a:effectRef idx="0">
+              <a:schemeClr val="accent1"/>
+            </a:effectRef>
+            <a:fontRef idx="minor">
+              <a:schemeClr val="lt1"/>
+            </a:fontRef>
+          </p:style>
+          <p:txBody>
+            <a:bodyPr rtlCol="0" anchor="ctr"/>
+            <a:lstStyle/>
+            <a:p>
+              <a:pPr algn="ctr"/>
+              <a:endParaRPr kumimoji="1" lang="ja-JP" altLang="en-US"/>
+            </a:p>
+          </p:txBody>
+        </p:sp>
+        <p:pic>
+          <p:nvPicPr>
+            <p:cNvPr id="97" name="Picture 2" descr="フォルダのイラスト">
+              <a:extLst>
+                <a:ext uri="{FF2B5EF4-FFF2-40B4-BE49-F238E27FC236}">
+                  <a16:creationId xmlns:a16="http://schemas.microsoft.com/office/drawing/2014/main" id="{82992D34-6D16-4663-9A6D-BEF86A88C158}"/>
+                </a:ext>
+              </a:extLst>
+            </p:cNvPr>
+            <p:cNvPicPr>
+              <a:picLocks noChangeAspect="1" noChangeArrowheads="1"/>
+            </p:cNvPicPr>
+            <p:nvPr/>
+          </p:nvPicPr>
+          <p:blipFill>
+            <a:blip r:embed="rId2" cstate="print">
+              <a:extLst>
+                <a:ext uri="{28A0092B-C50C-407E-A947-70E740481C1C}">
+                  <a14:useLocalDpi xmlns:a14="http://schemas.microsoft.com/office/drawing/2010/main" val="0"/>
+                </a:ext>
+              </a:extLst>
+            </a:blip>
+            <a:srcRect/>
+            <a:stretch>
+              <a:fillRect/>
+            </a:stretch>
+          </p:blipFill>
+          <p:spPr bwMode="auto">
+            <a:xfrm>
+              <a:off x="5580112" y="1988840"/>
+              <a:ext cx="764145" cy="639971"/>
+            </a:xfrm>
+            <a:prstGeom prst="rect">
+              <a:avLst/>
+            </a:prstGeom>
+            <a:noFill/>
+            <a:extLst>
+              <a:ext uri="{909E8E84-426E-40DD-AFC4-6F175D3DCCD1}">
+                <a14:hiddenFill xmlns:a14="http://schemas.microsoft.com/office/drawing/2010/main">
+                  <a:solidFill>
+                    <a:srgbClr val="FFFFFF"/>
+                  </a:solidFill>
+                </a14:hiddenFill>
+              </a:ext>
+            </a:extLst>
+          </p:spPr>
+        </p:pic>
+        <p:pic>
+          <p:nvPicPr>
+            <p:cNvPr id="98" name="Picture 2" descr="ファイルアイコン（ブランク）">
+              <a:extLst>
+                <a:ext uri="{FF2B5EF4-FFF2-40B4-BE49-F238E27FC236}">
+                  <a16:creationId xmlns:a16="http://schemas.microsoft.com/office/drawing/2014/main" id="{D56A0112-7831-4E09-AAA4-579841F233A4}"/>
+                </a:ext>
+              </a:extLst>
+            </p:cNvPr>
+            <p:cNvPicPr>
+              <a:picLocks noChangeAspect="1" noChangeArrowheads="1"/>
+            </p:cNvPicPr>
+            <p:nvPr/>
+          </p:nvPicPr>
+          <p:blipFill>
+            <a:blip r:embed="rId3" cstate="print">
+              <a:extLst>
+                <a:ext uri="{28A0092B-C50C-407E-A947-70E740481C1C}">
+                  <a14:useLocalDpi xmlns:a14="http://schemas.microsoft.com/office/drawing/2010/main" val="0"/>
+                </a:ext>
+              </a:extLst>
+            </a:blip>
+            <a:srcRect/>
+            <a:stretch>
+              <a:fillRect/>
+            </a:stretch>
+          </p:blipFill>
+          <p:spPr bwMode="auto">
+            <a:xfrm>
+              <a:off x="5738876" y="2935194"/>
+              <a:ext cx="455985" cy="529531"/>
+            </a:xfrm>
+            <a:prstGeom prst="rect">
+              <a:avLst/>
+            </a:prstGeom>
+            <a:noFill/>
+            <a:extLst>
+              <a:ext uri="{909E8E84-426E-40DD-AFC4-6F175D3DCCD1}">
+                <a14:hiddenFill xmlns:a14="http://schemas.microsoft.com/office/drawing/2010/main">
+                  <a:solidFill>
+                    <a:srgbClr val="FFFFFF"/>
+                  </a:solidFill>
+                </a14:hiddenFill>
+              </a:ext>
+            </a:extLst>
+          </p:spPr>
+        </p:pic>
+        <p:pic>
+          <p:nvPicPr>
+            <p:cNvPr id="99" name="Picture 2" descr="ファイルアイコン（ブランク）">
+              <a:extLst>
+                <a:ext uri="{FF2B5EF4-FFF2-40B4-BE49-F238E27FC236}">
+                  <a16:creationId xmlns:a16="http://schemas.microsoft.com/office/drawing/2014/main" id="{31EE7D07-F0C5-4F76-A703-ACE15707642F}"/>
+                </a:ext>
+              </a:extLst>
+            </p:cNvPr>
+            <p:cNvPicPr>
+              <a:picLocks noChangeAspect="1" noChangeArrowheads="1"/>
+            </p:cNvPicPr>
+            <p:nvPr/>
+          </p:nvPicPr>
+          <p:blipFill>
+            <a:blip r:embed="rId3" cstate="print">
+              <a:extLst>
+                <a:ext uri="{28A0092B-C50C-407E-A947-70E740481C1C}">
+                  <a14:useLocalDpi xmlns:a14="http://schemas.microsoft.com/office/drawing/2010/main" val="0"/>
+                </a:ext>
+              </a:extLst>
+            </a:blip>
+            <a:srcRect/>
+            <a:stretch>
+              <a:fillRect/>
+            </a:stretch>
+          </p:blipFill>
+          <p:spPr bwMode="auto">
+            <a:xfrm>
+              <a:off x="6372200" y="2924944"/>
+              <a:ext cx="455985" cy="529531"/>
+            </a:xfrm>
+            <a:prstGeom prst="rect">
+              <a:avLst/>
+            </a:prstGeom>
+            <a:noFill/>
+            <a:extLst>
+              <a:ext uri="{909E8E84-426E-40DD-AFC4-6F175D3DCCD1}">
+                <a14:hiddenFill xmlns:a14="http://schemas.microsoft.com/office/drawing/2010/main">
+                  <a:solidFill>
+                    <a:srgbClr val="FFFFFF"/>
+                  </a:solidFill>
+                </a14:hiddenFill>
+              </a:ext>
+            </a:extLst>
+          </p:spPr>
+        </p:pic>
+        <p:cxnSp>
+          <p:nvCxnSpPr>
+            <p:cNvPr id="100" name="直線コネクタ 99">
+              <a:extLst>
+                <a:ext uri="{FF2B5EF4-FFF2-40B4-BE49-F238E27FC236}">
+                  <a16:creationId xmlns:a16="http://schemas.microsoft.com/office/drawing/2014/main" id="{6846D8A0-065E-4309-A80B-9E40C5E06023}"/>
+                </a:ext>
+              </a:extLst>
+            </p:cNvPr>
+            <p:cNvCxnSpPr>
+              <a:cxnSpLocks/>
+              <a:stCxn id="97" idx="2"/>
+              <a:endCxn id="98" idx="0"/>
+            </p:cNvCxnSpPr>
+            <p:nvPr/>
+          </p:nvCxnSpPr>
+          <p:spPr>
+            <a:xfrm>
+              <a:off x="5962185" y="2628811"/>
+              <a:ext cx="4684" cy="306383"/>
+            </a:xfrm>
+            <a:prstGeom prst="line">
+              <a:avLst/>
+            </a:prstGeom>
+            <a:ln w="12700">
+              <a:solidFill>
+                <a:schemeClr val="tx1"/>
+              </a:solidFill>
+            </a:ln>
+          </p:spPr>
+          <p:style>
+            <a:lnRef idx="1">
+              <a:schemeClr val="accent1"/>
+            </a:lnRef>
+            <a:fillRef idx="0">
+              <a:schemeClr val="accent1"/>
+            </a:fillRef>
+            <a:effectRef idx="0">
+              <a:schemeClr val="accent1"/>
+            </a:effectRef>
+            <a:fontRef idx="minor">
+              <a:schemeClr val="tx1"/>
+            </a:fontRef>
+          </p:style>
+        </p:cxnSp>
+        <p:cxnSp>
+          <p:nvCxnSpPr>
+            <p:cNvPr id="101" name="コネクタ: カギ線 100">
+              <a:extLst>
+                <a:ext uri="{FF2B5EF4-FFF2-40B4-BE49-F238E27FC236}">
+                  <a16:creationId xmlns:a16="http://schemas.microsoft.com/office/drawing/2014/main" id="{4389CCE1-C31E-4472-868B-5C5713A3717D}"/>
+                </a:ext>
+              </a:extLst>
+            </p:cNvPr>
+            <p:cNvCxnSpPr>
+              <a:stCxn id="97" idx="2"/>
+              <a:endCxn id="99" idx="0"/>
+            </p:cNvCxnSpPr>
+            <p:nvPr/>
+          </p:nvCxnSpPr>
+          <p:spPr>
+            <a:xfrm rot="16200000" flipH="1">
+              <a:off x="6133123" y="2457873"/>
+              <a:ext cx="296133" cy="638008"/>
+            </a:xfrm>
+            <a:prstGeom prst="bentConnector3">
+              <a:avLst/>
+            </a:prstGeom>
+            <a:ln w="12700">
+              <a:solidFill>
+                <a:schemeClr val="tx1"/>
+              </a:solidFill>
+            </a:ln>
+          </p:spPr>
+          <p:style>
+            <a:lnRef idx="1">
+              <a:schemeClr val="accent1"/>
+            </a:lnRef>
+            <a:fillRef idx="0">
+              <a:schemeClr val="accent1"/>
+            </a:fillRef>
+            <a:effectRef idx="0">
+              <a:schemeClr val="accent1"/>
+            </a:effectRef>
+            <a:fontRef idx="minor">
+              <a:schemeClr val="tx1"/>
+            </a:fontRef>
+          </p:style>
+        </p:cxnSp>
+        <p:pic>
+          <p:nvPicPr>
+            <p:cNvPr id="102" name="Picture 2" descr="ファイルアイコン（ブランク）">
+              <a:extLst>
+                <a:ext uri="{FF2B5EF4-FFF2-40B4-BE49-F238E27FC236}">
+                  <a16:creationId xmlns:a16="http://schemas.microsoft.com/office/drawing/2014/main" id="{C2490EAE-7B0D-4677-9DBE-98DC4D93BD98}"/>
+                </a:ext>
+              </a:extLst>
+            </p:cNvPr>
+            <p:cNvPicPr>
+              <a:picLocks noChangeAspect="1" noChangeArrowheads="1"/>
+            </p:cNvPicPr>
+            <p:nvPr/>
+          </p:nvPicPr>
+          <p:blipFill>
+            <a:blip r:embed="rId3" cstate="print">
+              <a:extLst>
+                <a:ext uri="{28A0092B-C50C-407E-A947-70E740481C1C}">
+                  <a14:useLocalDpi xmlns:a14="http://schemas.microsoft.com/office/drawing/2010/main" val="0"/>
+                </a:ext>
+              </a:extLst>
+            </a:blip>
+            <a:srcRect/>
+            <a:stretch>
+              <a:fillRect/>
+            </a:stretch>
+          </p:blipFill>
+          <p:spPr bwMode="auto">
+            <a:xfrm>
+              <a:off x="6948264" y="2924944"/>
+              <a:ext cx="455985" cy="529531"/>
+            </a:xfrm>
+            <a:prstGeom prst="rect">
+              <a:avLst/>
+            </a:prstGeom>
+            <a:noFill/>
+            <a:extLst>
+              <a:ext uri="{909E8E84-426E-40DD-AFC4-6F175D3DCCD1}">
+                <a14:hiddenFill xmlns:a14="http://schemas.microsoft.com/office/drawing/2010/main">
+                  <a:solidFill>
+                    <a:srgbClr val="FFFFFF"/>
+                  </a:solidFill>
+                </a14:hiddenFill>
+              </a:ext>
+            </a:extLst>
+          </p:spPr>
+        </p:pic>
+        <p:cxnSp>
+          <p:nvCxnSpPr>
+            <p:cNvPr id="103" name="コネクタ: カギ線 102">
+              <a:extLst>
+                <a:ext uri="{FF2B5EF4-FFF2-40B4-BE49-F238E27FC236}">
+                  <a16:creationId xmlns:a16="http://schemas.microsoft.com/office/drawing/2014/main" id="{686A0F5E-6965-4B28-958A-266FAFED0B0F}"/>
+                </a:ext>
+              </a:extLst>
+            </p:cNvPr>
+            <p:cNvCxnSpPr>
+              <a:cxnSpLocks/>
+              <a:stCxn id="97" idx="2"/>
+              <a:endCxn id="102" idx="0"/>
+            </p:cNvCxnSpPr>
+            <p:nvPr/>
+          </p:nvCxnSpPr>
+          <p:spPr>
+            <a:xfrm rot="16200000" flipH="1">
+              <a:off x="6421155" y="2169841"/>
+              <a:ext cx="296133" cy="1214072"/>
+            </a:xfrm>
+            <a:prstGeom prst="bentConnector3">
+              <a:avLst>
+                <a:gd name="adj1" fmla="val 50000"/>
+              </a:avLst>
+            </a:prstGeom>
+            <a:ln w="12700">
+              <a:solidFill>
+                <a:schemeClr val="tx1"/>
+              </a:solidFill>
+            </a:ln>
+          </p:spPr>
+          <p:style>
+            <a:lnRef idx="1">
+              <a:schemeClr val="accent1"/>
+            </a:lnRef>
+            <a:fillRef idx="0">
+              <a:schemeClr val="accent1"/>
+            </a:fillRef>
+            <a:effectRef idx="0">
+              <a:schemeClr val="accent1"/>
+            </a:effectRef>
+            <a:fontRef idx="minor">
+              <a:schemeClr val="tx1"/>
+            </a:fontRef>
+          </p:style>
+        </p:cxnSp>
+      </p:grpSp>
+      <p:grpSp>
+        <p:nvGrpSpPr>
+          <p:cNvPr id="104" name="グループ化 103">
+            <a:extLst>
+              <a:ext uri="{FF2B5EF4-FFF2-40B4-BE49-F238E27FC236}">
+                <a16:creationId xmlns:a16="http://schemas.microsoft.com/office/drawing/2014/main" id="{DBC685F2-662B-4622-A24A-BC8C01E1CF0F}"/>
+              </a:ext>
+            </a:extLst>
+          </p:cNvPr>
+          <p:cNvGrpSpPr/>
+          <p:nvPr/>
+        </p:nvGrpSpPr>
+        <p:grpSpPr>
+          <a:xfrm>
+            <a:off x="2987824" y="5373216"/>
+            <a:ext cx="1344149" cy="1008112"/>
+            <a:chOff x="5292080" y="1916832"/>
+            <a:chExt cx="2304256" cy="1728192"/>
+          </a:xfrm>
+        </p:grpSpPr>
+        <p:sp>
+          <p:nvSpPr>
+            <p:cNvPr id="105" name="角丸四角形 34">
+              <a:extLst>
+                <a:ext uri="{FF2B5EF4-FFF2-40B4-BE49-F238E27FC236}">
+                  <a16:creationId xmlns:a16="http://schemas.microsoft.com/office/drawing/2014/main" id="{BAFB0140-FE89-466F-A2DE-AB1AA3A499A4}"/>
+                </a:ext>
+              </a:extLst>
+            </p:cNvPr>
+            <p:cNvSpPr/>
+            <p:nvPr/>
+          </p:nvSpPr>
+          <p:spPr>
+            <a:xfrm>
+              <a:off x="5292080" y="1916832"/>
+              <a:ext cx="2304256" cy="1728192"/>
+            </a:xfrm>
+            <a:prstGeom prst="roundRect">
+              <a:avLst/>
+            </a:prstGeom>
+            <a:noFill/>
+            <a:ln w="28575">
+              <a:solidFill>
+                <a:schemeClr val="tx1"/>
+              </a:solidFill>
+              <a:prstDash val="dash"/>
+            </a:ln>
+          </p:spPr>
+          <p:style>
+            <a:lnRef idx="2">
+              <a:schemeClr val="accent1">
+                <a:shade val="50000"/>
+              </a:schemeClr>
+            </a:lnRef>
+            <a:fillRef idx="1">
+              <a:schemeClr val="accent1"/>
+            </a:fillRef>
+            <a:effectRef idx="0">
+              <a:schemeClr val="accent1"/>
+            </a:effectRef>
+            <a:fontRef idx="minor">
+              <a:schemeClr val="lt1"/>
+            </a:fontRef>
+          </p:style>
+          <p:txBody>
+            <a:bodyPr rtlCol="0" anchor="ctr"/>
+            <a:lstStyle/>
+            <a:p>
+              <a:pPr algn="ctr"/>
+              <a:endParaRPr kumimoji="1" lang="ja-JP" altLang="en-US"/>
+            </a:p>
+          </p:txBody>
+        </p:sp>
+        <p:pic>
+          <p:nvPicPr>
+            <p:cNvPr id="106" name="Picture 2" descr="フォルダのイラスト">
+              <a:extLst>
+                <a:ext uri="{FF2B5EF4-FFF2-40B4-BE49-F238E27FC236}">
+                  <a16:creationId xmlns:a16="http://schemas.microsoft.com/office/drawing/2014/main" id="{6EA6CC43-BF78-4E58-9680-92C83DE4DDCB}"/>
+                </a:ext>
+              </a:extLst>
+            </p:cNvPr>
+            <p:cNvPicPr>
+              <a:picLocks noChangeAspect="1" noChangeArrowheads="1"/>
+            </p:cNvPicPr>
+            <p:nvPr/>
+          </p:nvPicPr>
+          <p:blipFill>
+            <a:blip r:embed="rId2" cstate="print">
+              <a:extLst>
+                <a:ext uri="{28A0092B-C50C-407E-A947-70E740481C1C}">
+                  <a14:useLocalDpi xmlns:a14="http://schemas.microsoft.com/office/drawing/2010/main" val="0"/>
+                </a:ext>
+              </a:extLst>
+            </a:blip>
+            <a:srcRect/>
+            <a:stretch>
+              <a:fillRect/>
+            </a:stretch>
+          </p:blipFill>
+          <p:spPr bwMode="auto">
+            <a:xfrm>
+              <a:off x="5580112" y="1988840"/>
+              <a:ext cx="764145" cy="639971"/>
+            </a:xfrm>
+            <a:prstGeom prst="rect">
+              <a:avLst/>
+            </a:prstGeom>
+            <a:noFill/>
+            <a:extLst>
+              <a:ext uri="{909E8E84-426E-40DD-AFC4-6F175D3DCCD1}">
+                <a14:hiddenFill xmlns:a14="http://schemas.microsoft.com/office/drawing/2010/main">
+                  <a:solidFill>
+                    <a:srgbClr val="FFFFFF"/>
+                  </a:solidFill>
+                </a14:hiddenFill>
+              </a:ext>
+            </a:extLst>
+          </p:spPr>
+        </p:pic>
+        <p:pic>
+          <p:nvPicPr>
+            <p:cNvPr id="107" name="Picture 2" descr="ファイルアイコン（ブランク）">
+              <a:extLst>
+                <a:ext uri="{FF2B5EF4-FFF2-40B4-BE49-F238E27FC236}">
+                  <a16:creationId xmlns:a16="http://schemas.microsoft.com/office/drawing/2014/main" id="{AB604999-4589-4DF7-AB57-DAA01BC0E686}"/>
+                </a:ext>
+              </a:extLst>
+            </p:cNvPr>
+            <p:cNvPicPr>
+              <a:picLocks noChangeAspect="1" noChangeArrowheads="1"/>
+            </p:cNvPicPr>
+            <p:nvPr/>
+          </p:nvPicPr>
+          <p:blipFill>
+            <a:blip r:embed="rId3" cstate="print">
+              <a:extLst>
+                <a:ext uri="{28A0092B-C50C-407E-A947-70E740481C1C}">
+                  <a14:useLocalDpi xmlns:a14="http://schemas.microsoft.com/office/drawing/2010/main" val="0"/>
+                </a:ext>
+              </a:extLst>
+            </a:blip>
+            <a:srcRect/>
+            <a:stretch>
+              <a:fillRect/>
+            </a:stretch>
+          </p:blipFill>
+          <p:spPr bwMode="auto">
+            <a:xfrm>
+              <a:off x="5738876" y="2935194"/>
+              <a:ext cx="455985" cy="529531"/>
+            </a:xfrm>
+            <a:prstGeom prst="rect">
+              <a:avLst/>
+            </a:prstGeom>
+            <a:noFill/>
+            <a:extLst>
+              <a:ext uri="{909E8E84-426E-40DD-AFC4-6F175D3DCCD1}">
+                <a14:hiddenFill xmlns:a14="http://schemas.microsoft.com/office/drawing/2010/main">
+                  <a:solidFill>
+                    <a:srgbClr val="FFFFFF"/>
+                  </a:solidFill>
+                </a14:hiddenFill>
+              </a:ext>
+            </a:extLst>
+          </p:spPr>
+        </p:pic>
+        <p:pic>
+          <p:nvPicPr>
+            <p:cNvPr id="108" name="Picture 2" descr="ファイルアイコン（ブランク）">
+              <a:extLst>
+                <a:ext uri="{FF2B5EF4-FFF2-40B4-BE49-F238E27FC236}">
+                  <a16:creationId xmlns:a16="http://schemas.microsoft.com/office/drawing/2014/main" id="{523592F7-6EE9-4011-A0B9-227D43C91AD5}"/>
+                </a:ext>
+              </a:extLst>
+            </p:cNvPr>
+            <p:cNvPicPr>
+              <a:picLocks noChangeAspect="1" noChangeArrowheads="1"/>
+            </p:cNvPicPr>
+            <p:nvPr/>
+          </p:nvPicPr>
+          <p:blipFill>
+            <a:blip r:embed="rId3" cstate="print">
+              <a:extLst>
+                <a:ext uri="{28A0092B-C50C-407E-A947-70E740481C1C}">
+                  <a14:useLocalDpi xmlns:a14="http://schemas.microsoft.com/office/drawing/2010/main" val="0"/>
+                </a:ext>
+              </a:extLst>
+            </a:blip>
+            <a:srcRect/>
+            <a:stretch>
+              <a:fillRect/>
+            </a:stretch>
+          </p:blipFill>
+          <p:spPr bwMode="auto">
+            <a:xfrm>
+              <a:off x="6372200" y="2924944"/>
+              <a:ext cx="455985" cy="529531"/>
+            </a:xfrm>
+            <a:prstGeom prst="rect">
+              <a:avLst/>
+            </a:prstGeom>
+            <a:noFill/>
+            <a:extLst>
+              <a:ext uri="{909E8E84-426E-40DD-AFC4-6F175D3DCCD1}">
+                <a14:hiddenFill xmlns:a14="http://schemas.microsoft.com/office/drawing/2010/main">
+                  <a:solidFill>
+                    <a:srgbClr val="FFFFFF"/>
+                  </a:solidFill>
+                </a14:hiddenFill>
+              </a:ext>
+            </a:extLst>
+          </p:spPr>
+        </p:pic>
+        <p:cxnSp>
+          <p:nvCxnSpPr>
+            <p:cNvPr id="109" name="直線コネクタ 108">
+              <a:extLst>
+                <a:ext uri="{FF2B5EF4-FFF2-40B4-BE49-F238E27FC236}">
+                  <a16:creationId xmlns:a16="http://schemas.microsoft.com/office/drawing/2014/main" id="{33175C9B-45DF-4E20-B321-80F3AFFA30E1}"/>
+                </a:ext>
+              </a:extLst>
+            </p:cNvPr>
+            <p:cNvCxnSpPr>
+              <a:cxnSpLocks/>
+              <a:stCxn id="106" idx="2"/>
+              <a:endCxn id="107" idx="0"/>
+            </p:cNvCxnSpPr>
+            <p:nvPr/>
+          </p:nvCxnSpPr>
+          <p:spPr>
+            <a:xfrm>
+              <a:off x="5962185" y="2628811"/>
+              <a:ext cx="4684" cy="306383"/>
+            </a:xfrm>
+            <a:prstGeom prst="line">
+              <a:avLst/>
+            </a:prstGeom>
+            <a:ln w="12700">
+              <a:solidFill>
+                <a:schemeClr val="tx1"/>
+              </a:solidFill>
+            </a:ln>
+          </p:spPr>
+          <p:style>
+            <a:lnRef idx="1">
+              <a:schemeClr val="accent1"/>
+            </a:lnRef>
+            <a:fillRef idx="0">
+              <a:schemeClr val="accent1"/>
+            </a:fillRef>
+            <a:effectRef idx="0">
+              <a:schemeClr val="accent1"/>
+            </a:effectRef>
+            <a:fontRef idx="minor">
+              <a:schemeClr val="tx1"/>
+            </a:fontRef>
+          </p:style>
+        </p:cxnSp>
+        <p:cxnSp>
+          <p:nvCxnSpPr>
+            <p:cNvPr id="110" name="コネクタ: カギ線 109">
+              <a:extLst>
+                <a:ext uri="{FF2B5EF4-FFF2-40B4-BE49-F238E27FC236}">
+                  <a16:creationId xmlns:a16="http://schemas.microsoft.com/office/drawing/2014/main" id="{99235B9E-8F39-4264-AE4D-0BB66D37A1BA}"/>
+                </a:ext>
+              </a:extLst>
+            </p:cNvPr>
+            <p:cNvCxnSpPr>
+              <a:stCxn id="106" idx="2"/>
+              <a:endCxn id="108" idx="0"/>
+            </p:cNvCxnSpPr>
+            <p:nvPr/>
+          </p:nvCxnSpPr>
+          <p:spPr>
+            <a:xfrm rot="16200000" flipH="1">
+              <a:off x="6133123" y="2457873"/>
+              <a:ext cx="296133" cy="638008"/>
+            </a:xfrm>
+            <a:prstGeom prst="bentConnector3">
+              <a:avLst/>
+            </a:prstGeom>
+            <a:ln w="12700">
+              <a:solidFill>
+                <a:schemeClr val="tx1"/>
+              </a:solidFill>
+            </a:ln>
+          </p:spPr>
+          <p:style>
+            <a:lnRef idx="1">
+              <a:schemeClr val="accent1"/>
+            </a:lnRef>
+            <a:fillRef idx="0">
+              <a:schemeClr val="accent1"/>
+            </a:fillRef>
+            <a:effectRef idx="0">
+              <a:schemeClr val="accent1"/>
+            </a:effectRef>
+            <a:fontRef idx="minor">
+              <a:schemeClr val="tx1"/>
+            </a:fontRef>
+          </p:style>
+        </p:cxnSp>
+      </p:grpSp>
+      <p:sp>
+        <p:nvSpPr>
+          <p:cNvPr id="128" name="四角形: 角を丸くする 127">
+            <a:extLst>
+              <a:ext uri="{FF2B5EF4-FFF2-40B4-BE49-F238E27FC236}">
+                <a16:creationId xmlns:a16="http://schemas.microsoft.com/office/drawing/2014/main" id="{62B0DDE4-5351-4EDE-83A0-9FD51D8892A9}"/>
+              </a:ext>
+            </a:extLst>
+          </p:cNvPr>
+          <p:cNvSpPr/>
+          <p:nvPr/>
+        </p:nvSpPr>
+        <p:spPr>
+          <a:xfrm>
+            <a:off x="6012160" y="5805264"/>
+            <a:ext cx="360040" cy="504056"/>
+          </a:xfrm>
+          <a:prstGeom prst="roundRect">
+            <a:avLst>
+              <a:gd name="adj" fmla="val 22811"/>
+            </a:avLst>
+          </a:prstGeom>
+          <a:noFill/>
+          <a:ln w="28575">
+            <a:solidFill>
+              <a:srgbClr val="FF0000"/>
+            </a:solidFill>
+            <a:prstDash val="sysDash"/>
+          </a:ln>
+        </p:spPr>
+        <p:style>
+          <a:lnRef idx="2">
+            <a:schemeClr val="accent1">
+              <a:shade val="50000"/>
+            </a:schemeClr>
+          </a:lnRef>
+          <a:fillRef idx="1">
+            <a:schemeClr val="accent1"/>
+          </a:fillRef>
+          <a:effectRef idx="0">
+            <a:schemeClr val="accent1"/>
+          </a:effectRef>
+          <a:fontRef idx="minor">
+            <a:schemeClr val="lt1"/>
+          </a:fontRef>
+        </p:style>
+        <p:txBody>
+          <a:bodyPr rtlCol="0" anchor="ctr"/>
+          <a:lstStyle/>
+          <a:p>
+            <a:pPr algn="ctr"/>
+            <a:endParaRPr kumimoji="1" lang="ja-JP" altLang="en-US"/>
+          </a:p>
+        </p:txBody>
+      </p:sp>
+      <p:cxnSp>
+        <p:nvCxnSpPr>
+          <p:cNvPr id="130" name="コネクタ: カギ線 129">
+            <a:extLst>
+              <a:ext uri="{FF2B5EF4-FFF2-40B4-BE49-F238E27FC236}">
+                <a16:creationId xmlns:a16="http://schemas.microsoft.com/office/drawing/2014/main" id="{484ABBC5-033E-47C4-A4B8-D8A6545106D0}"/>
+              </a:ext>
+            </a:extLst>
+          </p:cNvPr>
+          <p:cNvCxnSpPr>
+            <a:cxnSpLocks/>
+            <a:stCxn id="85" idx="4"/>
+          </p:cNvCxnSpPr>
+          <p:nvPr/>
+        </p:nvCxnSpPr>
+        <p:spPr>
+          <a:xfrm rot="5400000">
+            <a:off x="3563888" y="4941168"/>
+            <a:ext cx="504056" cy="360040"/>
+          </a:xfrm>
+          <a:prstGeom prst="bentConnector3">
+            <a:avLst>
+              <a:gd name="adj1" fmla="val 50000"/>
+            </a:avLst>
+          </a:prstGeom>
+          <a:ln w="12700">
+            <a:solidFill>
+              <a:schemeClr val="tx1"/>
+            </a:solidFill>
+            <a:tailEnd type="triangle"/>
+          </a:ln>
+        </p:spPr>
+        <p:style>
+          <a:lnRef idx="1">
+            <a:schemeClr val="accent1"/>
+          </a:lnRef>
+          <a:fillRef idx="0">
+            <a:schemeClr val="accent1"/>
+          </a:fillRef>
+          <a:effectRef idx="0">
+            <a:schemeClr val="accent1"/>
+          </a:effectRef>
+          <a:fontRef idx="minor">
+            <a:schemeClr val="tx1"/>
+          </a:fontRef>
+        </p:style>
+      </p:cxnSp>
+      <p:cxnSp>
+        <p:nvCxnSpPr>
+          <p:cNvPr id="133" name="コネクタ: カギ線 132">
+            <a:extLst>
+              <a:ext uri="{FF2B5EF4-FFF2-40B4-BE49-F238E27FC236}">
+                <a16:creationId xmlns:a16="http://schemas.microsoft.com/office/drawing/2014/main" id="{F3A18CDC-1C92-4870-908D-305900219947}"/>
+              </a:ext>
+            </a:extLst>
+          </p:cNvPr>
+          <p:cNvCxnSpPr>
+            <a:cxnSpLocks/>
+            <a:stCxn id="94" idx="4"/>
+            <a:endCxn id="96" idx="0"/>
+          </p:cNvCxnSpPr>
+          <p:nvPr/>
+        </p:nvCxnSpPr>
+        <p:spPr>
+          <a:xfrm rot="16200000" flipH="1">
+            <a:off x="5340085" y="4965170"/>
+            <a:ext cx="504056" cy="312035"/>
+          </a:xfrm>
+          <a:prstGeom prst="bentConnector3">
+            <a:avLst>
+              <a:gd name="adj1" fmla="val 50000"/>
+            </a:avLst>
+          </a:prstGeom>
+          <a:ln w="12700">
+            <a:solidFill>
+              <a:schemeClr val="tx1"/>
+            </a:solidFill>
+            <a:tailEnd type="triangle"/>
+          </a:ln>
+        </p:spPr>
+        <p:style>
+          <a:lnRef idx="1">
+            <a:schemeClr val="accent1"/>
+          </a:lnRef>
+          <a:fillRef idx="0">
+            <a:schemeClr val="accent1"/>
+          </a:fillRef>
+          <a:effectRef idx="0">
+            <a:schemeClr val="accent1"/>
+          </a:effectRef>
+          <a:fontRef idx="minor">
+            <a:schemeClr val="tx1"/>
+          </a:fontRef>
+        </p:style>
+      </p:cxnSp>
+      <p:sp>
+        <p:nvSpPr>
+          <p:cNvPr id="136" name="矢印: 左右 135">
+            <a:extLst>
+              <a:ext uri="{FF2B5EF4-FFF2-40B4-BE49-F238E27FC236}">
+                <a16:creationId xmlns:a16="http://schemas.microsoft.com/office/drawing/2014/main" id="{6A9C5C3A-09BB-448B-8D0F-00F02E38396A}"/>
+              </a:ext>
+            </a:extLst>
+          </p:cNvPr>
+          <p:cNvSpPr/>
+          <p:nvPr/>
+        </p:nvSpPr>
+        <p:spPr>
+          <a:xfrm>
+            <a:off x="4427984" y="5733256"/>
+            <a:ext cx="576064" cy="268608"/>
+          </a:xfrm>
+          <a:prstGeom prst="leftRightArrow">
+            <a:avLst/>
+          </a:prstGeom>
+          <a:solidFill>
+            <a:srgbClr val="FF0000"/>
+          </a:solidFill>
+          <a:ln>
+            <a:solidFill>
+              <a:schemeClr val="tx1"/>
+            </a:solidFill>
+          </a:ln>
+        </p:spPr>
+        <p:style>
+          <a:lnRef idx="2">
+            <a:schemeClr val="accent1">
+              <a:shade val="50000"/>
+            </a:schemeClr>
+          </a:lnRef>
+          <a:fillRef idx="1">
+            <a:schemeClr val="accent1"/>
+          </a:fillRef>
+          <a:effectRef idx="0">
+            <a:schemeClr val="accent1"/>
+          </a:effectRef>
+          <a:fontRef idx="minor">
+            <a:schemeClr val="lt1"/>
+          </a:fontRef>
+        </p:style>
+        <p:txBody>
+          <a:bodyPr rtlCol="0" anchor="ctr"/>
+          <a:lstStyle/>
+          <a:p>
+            <a:pPr algn="ctr"/>
+            <a:endParaRPr kumimoji="1" lang="ja-JP" altLang="en-US"/>
+          </a:p>
+        </p:txBody>
+      </p:sp>
+    </p:spTree>
+    <p:extLst>
+      <p:ext uri="{BB962C8B-B14F-4D97-AF65-F5344CB8AC3E}">
+        <p14:creationId xmlns:p14="http://schemas.microsoft.com/office/powerpoint/2010/main" val="2613539564"/>
       </p:ext>
     </p:extLst>
   </p:cSld>

--- a/term/fig/fig.pptx
+++ b/term/fig/fig.pptx
@@ -10,6 +10,8 @@
     <p:sldId id="257" r:id="rId4"/>
     <p:sldId id="258" r:id="rId5"/>
     <p:sldId id="260" r:id="rId6"/>
+    <p:sldId id="261" r:id="rId7"/>
+    <p:sldId id="262" r:id="rId8"/>
   </p:sldIdLst>
   <p:sldSz cx="9144000" cy="6858000" type="screen4x3"/>
   <p:notesSz cx="6858000" cy="9144000"/>
@@ -8200,6 +8202,866 @@
 </p:sld>
 </file>
 
+<file path=ppt/slides/slide6.xml><?xml version="1.0" encoding="utf-8"?>
+<p:sld xmlns:a="http://schemas.openxmlformats.org/drawingml/2006/main" xmlns:r="http://schemas.openxmlformats.org/officeDocument/2006/relationships" xmlns:p="http://schemas.openxmlformats.org/presentationml/2006/main">
+  <p:cSld>
+    <p:spTree>
+      <p:nvGrpSpPr>
+        <p:cNvPr id="1" name=""/>
+        <p:cNvGrpSpPr/>
+        <p:nvPr/>
+      </p:nvGrpSpPr>
+      <p:grpSpPr>
+        <a:xfrm>
+          <a:off x="0" y="0"/>
+          <a:ext cx="0" cy="0"/>
+          <a:chOff x="0" y="0"/>
+          <a:chExt cx="0" cy="0"/>
+        </a:xfrm>
+      </p:grpSpPr>
+      <p:sp>
+        <p:nvSpPr>
+          <p:cNvPr id="2" name="テキスト ボックス 1">
+            <a:extLst>
+              <a:ext uri="{FF2B5EF4-FFF2-40B4-BE49-F238E27FC236}">
+                <a16:creationId xmlns:a16="http://schemas.microsoft.com/office/drawing/2014/main" id="{A23F9429-8B27-4A00-A956-B448DB61C572}"/>
+              </a:ext>
+            </a:extLst>
+          </p:cNvPr>
+          <p:cNvSpPr txBox="1"/>
+          <p:nvPr/>
+        </p:nvSpPr>
+        <p:spPr>
+          <a:xfrm>
+            <a:off x="1763688" y="188640"/>
+            <a:ext cx="2031325" cy="369332"/>
+          </a:xfrm>
+          <a:prstGeom prst="rect">
+            <a:avLst/>
+          </a:prstGeom>
+          <a:noFill/>
+        </p:spPr>
+        <p:txBody>
+          <a:bodyPr wrap="none" rtlCol="0">
+            <a:spAutoFit/>
+          </a:bodyPr>
+          <a:lstStyle/>
+          <a:p>
+            <a:r>
+              <a:rPr kumimoji="1" lang="ja-JP" altLang="en-US" dirty="0"/>
+              <a:t>ワーキングツリー</a:t>
+            </a:r>
+          </a:p>
+        </p:txBody>
+      </p:sp>
+      <p:sp>
+        <p:nvSpPr>
+          <p:cNvPr id="3" name="テキスト ボックス 2">
+            <a:extLst>
+              <a:ext uri="{FF2B5EF4-FFF2-40B4-BE49-F238E27FC236}">
+                <a16:creationId xmlns:a16="http://schemas.microsoft.com/office/drawing/2014/main" id="{B161A176-6362-4828-90F8-05878B094528}"/>
+              </a:ext>
+            </a:extLst>
+          </p:cNvPr>
+          <p:cNvSpPr txBox="1"/>
+          <p:nvPr/>
+        </p:nvSpPr>
+        <p:spPr>
+          <a:xfrm>
+            <a:off x="179512" y="1124744"/>
+            <a:ext cx="1338828" cy="369332"/>
+          </a:xfrm>
+          <a:prstGeom prst="rect">
+            <a:avLst/>
+          </a:prstGeom>
+          <a:noFill/>
+        </p:spPr>
+        <p:txBody>
+          <a:bodyPr wrap="none" rtlCol="0">
+            <a:spAutoFit/>
+          </a:bodyPr>
+          <a:lstStyle/>
+          <a:p>
+            <a:r>
+              <a:rPr kumimoji="1" lang="ja-JP" altLang="en-US" dirty="0"/>
+              <a:t>初期化直後</a:t>
+            </a:r>
+          </a:p>
+        </p:txBody>
+      </p:sp>
+      <p:sp>
+        <p:nvSpPr>
+          <p:cNvPr id="4" name="テキスト ボックス 3">
+            <a:extLst>
+              <a:ext uri="{FF2B5EF4-FFF2-40B4-BE49-F238E27FC236}">
+                <a16:creationId xmlns:a16="http://schemas.microsoft.com/office/drawing/2014/main" id="{1AE4B945-F3F7-4BA7-9997-CC16B973E62A}"/>
+              </a:ext>
+            </a:extLst>
+          </p:cNvPr>
+          <p:cNvSpPr txBox="1"/>
+          <p:nvPr/>
+        </p:nvSpPr>
+        <p:spPr>
+          <a:xfrm>
+            <a:off x="4211960" y="188640"/>
+            <a:ext cx="1569660" cy="538609"/>
+          </a:xfrm>
+          <a:prstGeom prst="rect">
+            <a:avLst/>
+          </a:prstGeom>
+          <a:noFill/>
+        </p:spPr>
+        <p:txBody>
+          <a:bodyPr wrap="none" rtlCol="0">
+            <a:spAutoFit/>
+          </a:bodyPr>
+          <a:lstStyle/>
+          <a:p>
+            <a:r>
+              <a:rPr kumimoji="1" lang="ja-JP" altLang="en-US" dirty="0"/>
+              <a:t>インデックス</a:t>
+            </a:r>
+            <a:endParaRPr kumimoji="1" lang="en-US" altLang="ja-JP" dirty="0"/>
+          </a:p>
+          <a:p>
+            <a:r>
+              <a:rPr kumimoji="1" lang="en-US" altLang="ja-JP" sz="1100" dirty="0"/>
+              <a:t>(</a:t>
+            </a:r>
+            <a:r>
+              <a:rPr kumimoji="1" lang="ja-JP" altLang="en-US" sz="1100" dirty="0"/>
+              <a:t>ステージングエリア</a:t>
+            </a:r>
+            <a:r>
+              <a:rPr kumimoji="1" lang="en-US" altLang="ja-JP" sz="1100" dirty="0"/>
+              <a:t>)</a:t>
+            </a:r>
+            <a:endParaRPr kumimoji="1" lang="en-US" altLang="ja-JP" dirty="0"/>
+          </a:p>
+        </p:txBody>
+      </p:sp>
+      <p:sp>
+        <p:nvSpPr>
+          <p:cNvPr id="5" name="テキスト ボックス 4">
+            <a:extLst>
+              <a:ext uri="{FF2B5EF4-FFF2-40B4-BE49-F238E27FC236}">
+                <a16:creationId xmlns:a16="http://schemas.microsoft.com/office/drawing/2014/main" id="{0009BCE8-CEF9-4365-87BE-7963F91CA390}"/>
+              </a:ext>
+            </a:extLst>
+          </p:cNvPr>
+          <p:cNvSpPr txBox="1"/>
+          <p:nvPr/>
+        </p:nvSpPr>
+        <p:spPr>
+          <a:xfrm>
+            <a:off x="6473532" y="188640"/>
+            <a:ext cx="1338828" cy="369332"/>
+          </a:xfrm>
+          <a:prstGeom prst="rect">
+            <a:avLst/>
+          </a:prstGeom>
+          <a:noFill/>
+        </p:spPr>
+        <p:txBody>
+          <a:bodyPr wrap="none" rtlCol="0">
+            <a:spAutoFit/>
+          </a:bodyPr>
+          <a:lstStyle/>
+          <a:p>
+            <a:r>
+              <a:rPr lang="ja-JP" altLang="en-US" dirty="0"/>
+              <a:t>リポジトリ</a:t>
+            </a:r>
+            <a:endParaRPr kumimoji="1" lang="ja-JP" altLang="en-US" dirty="0"/>
+          </a:p>
+        </p:txBody>
+      </p:sp>
+      <p:cxnSp>
+        <p:nvCxnSpPr>
+          <p:cNvPr id="7" name="直線コネクタ 6">
+            <a:extLst>
+              <a:ext uri="{FF2B5EF4-FFF2-40B4-BE49-F238E27FC236}">
+                <a16:creationId xmlns:a16="http://schemas.microsoft.com/office/drawing/2014/main" id="{48B1BBBD-38C0-4BA5-AB8F-C2650B81F077}"/>
+              </a:ext>
+            </a:extLst>
+          </p:cNvPr>
+          <p:cNvCxnSpPr>
+            <a:cxnSpLocks/>
+          </p:cNvCxnSpPr>
+          <p:nvPr/>
+        </p:nvCxnSpPr>
+        <p:spPr>
+          <a:xfrm>
+            <a:off x="1691680" y="116632"/>
+            <a:ext cx="0" cy="2160240"/>
+          </a:xfrm>
+          <a:prstGeom prst="line">
+            <a:avLst/>
+          </a:prstGeom>
+          <a:ln w="12700">
+            <a:solidFill>
+              <a:schemeClr val="tx1"/>
+            </a:solidFill>
+          </a:ln>
+        </p:spPr>
+        <p:style>
+          <a:lnRef idx="1">
+            <a:schemeClr val="accent1"/>
+          </a:lnRef>
+          <a:fillRef idx="0">
+            <a:schemeClr val="accent1"/>
+          </a:fillRef>
+          <a:effectRef idx="0">
+            <a:schemeClr val="accent1"/>
+          </a:effectRef>
+          <a:fontRef idx="minor">
+            <a:schemeClr val="tx1"/>
+          </a:fontRef>
+        </p:style>
+      </p:cxnSp>
+      <p:pic>
+        <p:nvPicPr>
+          <p:cNvPr id="13" name="Picture 2" descr="フォルダのイラスト">
+            <a:extLst>
+              <a:ext uri="{FF2B5EF4-FFF2-40B4-BE49-F238E27FC236}">
+                <a16:creationId xmlns:a16="http://schemas.microsoft.com/office/drawing/2014/main" id="{066824C7-8C3E-4E6A-AC07-B41F6FF53236}"/>
+              </a:ext>
+            </a:extLst>
+          </p:cNvPr>
+          <p:cNvPicPr>
+            <a:picLocks noChangeAspect="1" noChangeArrowheads="1"/>
+          </p:cNvPicPr>
+          <p:nvPr/>
+        </p:nvPicPr>
+        <p:blipFill>
+          <a:blip r:embed="rId2" cstate="print">
+            <a:extLst>
+              <a:ext uri="{28A0092B-C50C-407E-A947-70E740481C1C}">
+                <a14:useLocalDpi xmlns:a14="http://schemas.microsoft.com/office/drawing/2010/main" val="0"/>
+              </a:ext>
+            </a:extLst>
+          </a:blip>
+          <a:srcRect/>
+          <a:stretch>
+            <a:fillRect/>
+          </a:stretch>
+        </p:blipFill>
+        <p:spPr bwMode="auto">
+          <a:xfrm>
+            <a:off x="2051720" y="764704"/>
+            <a:ext cx="504056" cy="422147"/>
+          </a:xfrm>
+          <a:prstGeom prst="rect">
+            <a:avLst/>
+          </a:prstGeom>
+          <a:noFill/>
+          <a:extLst>
+            <a:ext uri="{909E8E84-426E-40DD-AFC4-6F175D3DCCD1}">
+              <a14:hiddenFill xmlns:a14="http://schemas.microsoft.com/office/drawing/2010/main">
+                <a:solidFill>
+                  <a:srgbClr val="FFFFFF"/>
+                </a:solidFill>
+              </a14:hiddenFill>
+            </a:ext>
+          </a:extLst>
+        </p:spPr>
+      </p:pic>
+      <p:pic>
+        <p:nvPicPr>
+          <p:cNvPr id="14" name="Picture 2" descr="ファイルアイコン（ブランク）">
+            <a:extLst>
+              <a:ext uri="{FF2B5EF4-FFF2-40B4-BE49-F238E27FC236}">
+                <a16:creationId xmlns:a16="http://schemas.microsoft.com/office/drawing/2014/main" id="{5818584E-CC0E-4F23-951A-C59C987A27E4}"/>
+              </a:ext>
+            </a:extLst>
+          </p:cNvPr>
+          <p:cNvPicPr>
+            <a:picLocks noChangeAspect="1" noChangeArrowheads="1"/>
+          </p:cNvPicPr>
+          <p:nvPr/>
+        </p:nvPicPr>
+        <p:blipFill>
+          <a:blip r:embed="rId3" cstate="print">
+            <a:extLst>
+              <a:ext uri="{28A0092B-C50C-407E-A947-70E740481C1C}">
+                <a14:useLocalDpi xmlns:a14="http://schemas.microsoft.com/office/drawing/2010/main" val="0"/>
+              </a:ext>
+            </a:extLst>
+          </a:blip>
+          <a:srcRect/>
+          <a:stretch>
+            <a:fillRect/>
+          </a:stretch>
+        </p:blipFill>
+        <p:spPr bwMode="auto">
+          <a:xfrm>
+            <a:off x="2067722" y="1700808"/>
+            <a:ext cx="472052" cy="548190"/>
+          </a:xfrm>
+          <a:prstGeom prst="rect">
+            <a:avLst/>
+          </a:prstGeom>
+          <a:noFill/>
+          <a:extLst>
+            <a:ext uri="{909E8E84-426E-40DD-AFC4-6F175D3DCCD1}">
+              <a14:hiddenFill xmlns:a14="http://schemas.microsoft.com/office/drawing/2010/main">
+                <a:solidFill>
+                  <a:srgbClr val="FFFFFF"/>
+                </a:solidFill>
+              </a14:hiddenFill>
+            </a:ext>
+          </a:extLst>
+        </p:spPr>
+      </p:pic>
+      <p:cxnSp>
+        <p:nvCxnSpPr>
+          <p:cNvPr id="17" name="直線コネクタ 16">
+            <a:extLst>
+              <a:ext uri="{FF2B5EF4-FFF2-40B4-BE49-F238E27FC236}">
+                <a16:creationId xmlns:a16="http://schemas.microsoft.com/office/drawing/2014/main" id="{0E284447-EC60-4A55-8614-5745A1B26E4C}"/>
+              </a:ext>
+            </a:extLst>
+          </p:cNvPr>
+          <p:cNvCxnSpPr>
+            <a:stCxn id="13" idx="2"/>
+            <a:endCxn id="14" idx="0"/>
+          </p:cNvCxnSpPr>
+          <p:nvPr/>
+        </p:nvCxnSpPr>
+        <p:spPr>
+          <a:xfrm>
+            <a:off x="2303748" y="1186851"/>
+            <a:ext cx="0" cy="513957"/>
+          </a:xfrm>
+          <a:prstGeom prst="line">
+            <a:avLst/>
+          </a:prstGeom>
+          <a:ln w="12700">
+            <a:solidFill>
+              <a:schemeClr val="tx1"/>
+            </a:solidFill>
+          </a:ln>
+        </p:spPr>
+        <p:style>
+          <a:lnRef idx="1">
+            <a:schemeClr val="accent1"/>
+          </a:lnRef>
+          <a:fillRef idx="0">
+            <a:schemeClr val="accent1"/>
+          </a:fillRef>
+          <a:effectRef idx="0">
+            <a:schemeClr val="accent1"/>
+          </a:effectRef>
+          <a:fontRef idx="minor">
+            <a:schemeClr val="tx1"/>
+          </a:fontRef>
+        </p:style>
+      </p:cxnSp>
+      <p:pic>
+        <p:nvPicPr>
+          <p:cNvPr id="18" name="Picture 2" descr="ファイルアイコン（ブランク）">
+            <a:extLst>
+              <a:ext uri="{FF2B5EF4-FFF2-40B4-BE49-F238E27FC236}">
+                <a16:creationId xmlns:a16="http://schemas.microsoft.com/office/drawing/2014/main" id="{DAA0807E-62EA-4FDB-977B-FFF377082A32}"/>
+              </a:ext>
+            </a:extLst>
+          </p:cNvPr>
+          <p:cNvPicPr>
+            <a:picLocks noChangeAspect="1" noChangeArrowheads="1"/>
+          </p:cNvPicPr>
+          <p:nvPr/>
+        </p:nvPicPr>
+        <p:blipFill>
+          <a:blip r:embed="rId3" cstate="print">
+            <a:extLst>
+              <a:ext uri="{28A0092B-C50C-407E-A947-70E740481C1C}">
+                <a14:useLocalDpi xmlns:a14="http://schemas.microsoft.com/office/drawing/2010/main" val="0"/>
+              </a:ext>
+            </a:extLst>
+          </a:blip>
+          <a:srcRect/>
+          <a:stretch>
+            <a:fillRect/>
+          </a:stretch>
+        </p:blipFill>
+        <p:spPr bwMode="auto">
+          <a:xfrm>
+            <a:off x="2915816" y="1700808"/>
+            <a:ext cx="472052" cy="548190"/>
+          </a:xfrm>
+          <a:prstGeom prst="rect">
+            <a:avLst/>
+          </a:prstGeom>
+          <a:noFill/>
+          <a:extLst>
+            <a:ext uri="{909E8E84-426E-40DD-AFC4-6F175D3DCCD1}">
+              <a14:hiddenFill xmlns:a14="http://schemas.microsoft.com/office/drawing/2010/main">
+                <a:solidFill>
+                  <a:srgbClr val="FFFFFF"/>
+                </a:solidFill>
+              </a14:hiddenFill>
+            </a:ext>
+          </a:extLst>
+        </p:spPr>
+      </p:pic>
+      <p:cxnSp>
+        <p:nvCxnSpPr>
+          <p:cNvPr id="20" name="コネクタ: カギ線 19">
+            <a:extLst>
+              <a:ext uri="{FF2B5EF4-FFF2-40B4-BE49-F238E27FC236}">
+                <a16:creationId xmlns:a16="http://schemas.microsoft.com/office/drawing/2014/main" id="{A78D56AB-A13A-442D-8E55-4A3FC7F78FDA}"/>
+              </a:ext>
+            </a:extLst>
+          </p:cNvPr>
+          <p:cNvCxnSpPr>
+            <a:stCxn id="13" idx="2"/>
+            <a:endCxn id="18" idx="0"/>
+          </p:cNvCxnSpPr>
+          <p:nvPr/>
+        </p:nvCxnSpPr>
+        <p:spPr>
+          <a:xfrm rot="16200000" flipH="1">
+            <a:off x="2470817" y="1019782"/>
+            <a:ext cx="513957" cy="848094"/>
+          </a:xfrm>
+          <a:prstGeom prst="bentConnector3">
+            <a:avLst/>
+          </a:prstGeom>
+          <a:ln w="12700">
+            <a:solidFill>
+              <a:schemeClr val="tx1"/>
+            </a:solidFill>
+          </a:ln>
+        </p:spPr>
+        <p:style>
+          <a:lnRef idx="1">
+            <a:schemeClr val="accent1"/>
+          </a:lnRef>
+          <a:fillRef idx="0">
+            <a:schemeClr val="accent1"/>
+          </a:fillRef>
+          <a:effectRef idx="0">
+            <a:schemeClr val="accent1"/>
+          </a:effectRef>
+          <a:fontRef idx="minor">
+            <a:schemeClr val="tx1"/>
+          </a:fontRef>
+        </p:style>
+      </p:cxnSp>
+      <p:cxnSp>
+        <p:nvCxnSpPr>
+          <p:cNvPr id="30" name="直線コネクタ 29">
+            <a:extLst>
+              <a:ext uri="{FF2B5EF4-FFF2-40B4-BE49-F238E27FC236}">
+                <a16:creationId xmlns:a16="http://schemas.microsoft.com/office/drawing/2014/main" id="{4BF97008-85ED-493C-B204-DFE429D9C1BD}"/>
+              </a:ext>
+            </a:extLst>
+          </p:cNvPr>
+          <p:cNvCxnSpPr>
+            <a:cxnSpLocks/>
+          </p:cNvCxnSpPr>
+          <p:nvPr/>
+        </p:nvCxnSpPr>
+        <p:spPr>
+          <a:xfrm>
+            <a:off x="6012160" y="116632"/>
+            <a:ext cx="0" cy="2160240"/>
+          </a:xfrm>
+          <a:prstGeom prst="line">
+            <a:avLst/>
+          </a:prstGeom>
+          <a:ln w="12700">
+            <a:solidFill>
+              <a:schemeClr val="tx1"/>
+            </a:solidFill>
+          </a:ln>
+        </p:spPr>
+        <p:style>
+          <a:lnRef idx="1">
+            <a:schemeClr val="accent1"/>
+          </a:lnRef>
+          <a:fillRef idx="0">
+            <a:schemeClr val="accent1"/>
+          </a:fillRef>
+          <a:effectRef idx="0">
+            <a:schemeClr val="accent1"/>
+          </a:effectRef>
+          <a:fontRef idx="minor">
+            <a:schemeClr val="tx1"/>
+          </a:fontRef>
+        </p:style>
+      </p:cxnSp>
+      <p:cxnSp>
+        <p:nvCxnSpPr>
+          <p:cNvPr id="31" name="直線コネクタ 30">
+            <a:extLst>
+              <a:ext uri="{FF2B5EF4-FFF2-40B4-BE49-F238E27FC236}">
+                <a16:creationId xmlns:a16="http://schemas.microsoft.com/office/drawing/2014/main" id="{787CF50B-3A25-40AD-9458-FF762293A0C9}"/>
+              </a:ext>
+            </a:extLst>
+          </p:cNvPr>
+          <p:cNvCxnSpPr>
+            <a:cxnSpLocks/>
+          </p:cNvCxnSpPr>
+          <p:nvPr/>
+        </p:nvCxnSpPr>
+        <p:spPr>
+          <a:xfrm>
+            <a:off x="8172400" y="116632"/>
+            <a:ext cx="0" cy="2160240"/>
+          </a:xfrm>
+          <a:prstGeom prst="line">
+            <a:avLst/>
+          </a:prstGeom>
+          <a:ln w="12700">
+            <a:solidFill>
+              <a:schemeClr val="tx1"/>
+            </a:solidFill>
+          </a:ln>
+        </p:spPr>
+        <p:style>
+          <a:lnRef idx="1">
+            <a:schemeClr val="accent1"/>
+          </a:lnRef>
+          <a:fillRef idx="0">
+            <a:schemeClr val="accent1"/>
+          </a:fillRef>
+          <a:effectRef idx="0">
+            <a:schemeClr val="accent1"/>
+          </a:effectRef>
+          <a:fontRef idx="minor">
+            <a:schemeClr val="tx1"/>
+          </a:fontRef>
+        </p:style>
+      </p:cxnSp>
+    </p:spTree>
+    <p:extLst>
+      <p:ext uri="{BB962C8B-B14F-4D97-AF65-F5344CB8AC3E}">
+        <p14:creationId xmlns:p14="http://schemas.microsoft.com/office/powerpoint/2010/main" val="105986748"/>
+      </p:ext>
+    </p:extLst>
+  </p:cSld>
+  <p:clrMapOvr>
+    <a:masterClrMapping/>
+  </p:clrMapOvr>
+</p:sld>
+</file>
+
+<file path=ppt/slides/slide7.xml><?xml version="1.0" encoding="utf-8"?>
+<p:sld xmlns:a="http://schemas.openxmlformats.org/drawingml/2006/main" xmlns:r="http://schemas.openxmlformats.org/officeDocument/2006/relationships" xmlns:p="http://schemas.openxmlformats.org/presentationml/2006/main">
+  <p:cSld>
+    <p:spTree>
+      <p:nvGrpSpPr>
+        <p:cNvPr id="1" name=""/>
+        <p:cNvGrpSpPr/>
+        <p:nvPr/>
+      </p:nvGrpSpPr>
+      <p:grpSpPr>
+        <a:xfrm>
+          <a:off x="0" y="0"/>
+          <a:ext cx="0" cy="0"/>
+          <a:chOff x="0" y="0"/>
+          <a:chExt cx="0" cy="0"/>
+        </a:xfrm>
+      </p:grpSpPr>
+      <p:sp>
+        <p:nvSpPr>
+          <p:cNvPr id="2" name="正方形/長方形 1">
+            <a:extLst>
+              <a:ext uri="{FF2B5EF4-FFF2-40B4-BE49-F238E27FC236}">
+                <a16:creationId xmlns:a16="http://schemas.microsoft.com/office/drawing/2014/main" id="{3CB3465E-47E5-4974-AC2C-0D3665FEEF3F}"/>
+              </a:ext>
+            </a:extLst>
+          </p:cNvPr>
+          <p:cNvSpPr/>
+          <p:nvPr/>
+        </p:nvSpPr>
+        <p:spPr>
+          <a:xfrm>
+            <a:off x="251520" y="188640"/>
+            <a:ext cx="7920880" cy="1800200"/>
+          </a:xfrm>
+          <a:prstGeom prst="rect">
+            <a:avLst/>
+          </a:prstGeom>
+          <a:noFill/>
+          <a:ln>
+            <a:solidFill>
+              <a:schemeClr val="tx1"/>
+            </a:solidFill>
+          </a:ln>
+        </p:spPr>
+        <p:style>
+          <a:lnRef idx="2">
+            <a:schemeClr val="accent1">
+              <a:shade val="50000"/>
+            </a:schemeClr>
+          </a:lnRef>
+          <a:fillRef idx="1">
+            <a:schemeClr val="accent1"/>
+          </a:fillRef>
+          <a:effectRef idx="0">
+            <a:schemeClr val="accent1"/>
+          </a:effectRef>
+          <a:fontRef idx="minor">
+            <a:schemeClr val="lt1"/>
+          </a:fontRef>
+        </p:style>
+        <p:txBody>
+          <a:bodyPr rtlCol="0" anchor="ctr"/>
+          <a:lstStyle/>
+          <a:p>
+            <a:pPr algn="ctr"/>
+            <a:endParaRPr kumimoji="1" lang="ja-JP" altLang="en-US"/>
+          </a:p>
+        </p:txBody>
+      </p:sp>
+      <p:sp>
+        <p:nvSpPr>
+          <p:cNvPr id="5" name="正方形/長方形 4">
+            <a:extLst>
+              <a:ext uri="{FF2B5EF4-FFF2-40B4-BE49-F238E27FC236}">
+                <a16:creationId xmlns:a16="http://schemas.microsoft.com/office/drawing/2014/main" id="{C0E8F2D0-2382-47B2-A626-93C0B998D676}"/>
+              </a:ext>
+            </a:extLst>
+          </p:cNvPr>
+          <p:cNvSpPr/>
+          <p:nvPr/>
+        </p:nvSpPr>
+        <p:spPr>
+          <a:xfrm>
+            <a:off x="971600" y="2564904"/>
+            <a:ext cx="7200800" cy="1800200"/>
+          </a:xfrm>
+          <a:prstGeom prst="rect">
+            <a:avLst/>
+          </a:prstGeom>
+          <a:noFill/>
+          <a:ln>
+            <a:solidFill>
+              <a:schemeClr val="tx1"/>
+            </a:solidFill>
+          </a:ln>
+        </p:spPr>
+        <p:style>
+          <a:lnRef idx="2">
+            <a:schemeClr val="accent1">
+              <a:shade val="50000"/>
+            </a:schemeClr>
+          </a:lnRef>
+          <a:fillRef idx="1">
+            <a:schemeClr val="accent1"/>
+          </a:fillRef>
+          <a:effectRef idx="0">
+            <a:schemeClr val="accent1"/>
+          </a:effectRef>
+          <a:fontRef idx="minor">
+            <a:schemeClr val="lt1"/>
+          </a:fontRef>
+        </p:style>
+        <p:txBody>
+          <a:bodyPr rtlCol="0" anchor="ctr"/>
+          <a:lstStyle/>
+          <a:p>
+            <a:pPr algn="ctr"/>
+            <a:endParaRPr kumimoji="1" lang="ja-JP" altLang="en-US"/>
+          </a:p>
+        </p:txBody>
+      </p:sp>
+      <p:sp>
+        <p:nvSpPr>
+          <p:cNvPr id="6" name="正方形/長方形 5">
+            <a:extLst>
+              <a:ext uri="{FF2B5EF4-FFF2-40B4-BE49-F238E27FC236}">
+                <a16:creationId xmlns:a16="http://schemas.microsoft.com/office/drawing/2014/main" id="{14071CB9-008A-4E62-969A-BD24A5521C63}"/>
+              </a:ext>
+            </a:extLst>
+          </p:cNvPr>
+          <p:cNvSpPr/>
+          <p:nvPr/>
+        </p:nvSpPr>
+        <p:spPr>
+          <a:xfrm>
+            <a:off x="971600" y="4869160"/>
+            <a:ext cx="7200800" cy="1800200"/>
+          </a:xfrm>
+          <a:prstGeom prst="rect">
+            <a:avLst/>
+          </a:prstGeom>
+          <a:noFill/>
+          <a:ln>
+            <a:solidFill>
+              <a:schemeClr val="tx1"/>
+            </a:solidFill>
+          </a:ln>
+        </p:spPr>
+        <p:style>
+          <a:lnRef idx="2">
+            <a:schemeClr val="accent1">
+              <a:shade val="50000"/>
+            </a:schemeClr>
+          </a:lnRef>
+          <a:fillRef idx="1">
+            <a:schemeClr val="accent1"/>
+          </a:fillRef>
+          <a:effectRef idx="0">
+            <a:schemeClr val="accent1"/>
+          </a:effectRef>
+          <a:fontRef idx="minor">
+            <a:schemeClr val="lt1"/>
+          </a:fontRef>
+        </p:style>
+        <p:txBody>
+          <a:bodyPr rtlCol="0" anchor="ctr"/>
+          <a:lstStyle/>
+          <a:p>
+            <a:pPr algn="ctr"/>
+            <a:endParaRPr kumimoji="1" lang="ja-JP" altLang="en-US"/>
+          </a:p>
+        </p:txBody>
+      </p:sp>
+      <p:cxnSp>
+        <p:nvCxnSpPr>
+          <p:cNvPr id="7" name="直線コネクタ 6">
+            <a:extLst>
+              <a:ext uri="{FF2B5EF4-FFF2-40B4-BE49-F238E27FC236}">
+                <a16:creationId xmlns:a16="http://schemas.microsoft.com/office/drawing/2014/main" id="{DB07C4FE-C25C-4EF8-BE30-1C4D4D1A1C77}"/>
+              </a:ext>
+            </a:extLst>
+          </p:cNvPr>
+          <p:cNvCxnSpPr>
+            <a:cxnSpLocks/>
+          </p:cNvCxnSpPr>
+          <p:nvPr/>
+        </p:nvCxnSpPr>
+        <p:spPr>
+          <a:xfrm>
+            <a:off x="6012160" y="188640"/>
+            <a:ext cx="0" cy="1800200"/>
+          </a:xfrm>
+          <a:prstGeom prst="line">
+            <a:avLst/>
+          </a:prstGeom>
+          <a:ln w="12700">
+            <a:solidFill>
+              <a:schemeClr val="tx1"/>
+            </a:solidFill>
+          </a:ln>
+        </p:spPr>
+        <p:style>
+          <a:lnRef idx="1">
+            <a:schemeClr val="accent1"/>
+          </a:lnRef>
+          <a:fillRef idx="0">
+            <a:schemeClr val="accent1"/>
+          </a:fillRef>
+          <a:effectRef idx="0">
+            <a:schemeClr val="accent1"/>
+          </a:effectRef>
+          <a:fontRef idx="minor">
+            <a:schemeClr val="tx1"/>
+          </a:fontRef>
+        </p:style>
+      </p:cxnSp>
+      <p:cxnSp>
+        <p:nvCxnSpPr>
+          <p:cNvPr id="9" name="直線コネクタ 8">
+            <a:extLst>
+              <a:ext uri="{FF2B5EF4-FFF2-40B4-BE49-F238E27FC236}">
+                <a16:creationId xmlns:a16="http://schemas.microsoft.com/office/drawing/2014/main" id="{C0A3E820-E31D-4621-B2A4-0DF19A045490}"/>
+              </a:ext>
+            </a:extLst>
+          </p:cNvPr>
+          <p:cNvCxnSpPr>
+            <a:cxnSpLocks/>
+          </p:cNvCxnSpPr>
+          <p:nvPr/>
+        </p:nvCxnSpPr>
+        <p:spPr>
+          <a:xfrm>
+            <a:off x="3851920" y="188640"/>
+            <a:ext cx="0" cy="1800200"/>
+          </a:xfrm>
+          <a:prstGeom prst="line">
+            <a:avLst/>
+          </a:prstGeom>
+          <a:ln w="12700">
+            <a:solidFill>
+              <a:schemeClr val="tx1"/>
+            </a:solidFill>
+          </a:ln>
+        </p:spPr>
+        <p:style>
+          <a:lnRef idx="1">
+            <a:schemeClr val="accent1"/>
+          </a:lnRef>
+          <a:fillRef idx="0">
+            <a:schemeClr val="accent1"/>
+          </a:fillRef>
+          <a:effectRef idx="0">
+            <a:schemeClr val="accent1"/>
+          </a:effectRef>
+          <a:fontRef idx="minor">
+            <a:schemeClr val="tx1"/>
+          </a:fontRef>
+        </p:style>
+      </p:cxnSp>
+      <p:cxnSp>
+        <p:nvCxnSpPr>
+          <p:cNvPr id="10" name="直線コネクタ 9">
+            <a:extLst>
+              <a:ext uri="{FF2B5EF4-FFF2-40B4-BE49-F238E27FC236}">
+                <a16:creationId xmlns:a16="http://schemas.microsoft.com/office/drawing/2014/main" id="{AF42962D-ACDC-4E79-BB94-90E4B370974F}"/>
+              </a:ext>
+            </a:extLst>
+          </p:cNvPr>
+          <p:cNvCxnSpPr>
+            <a:cxnSpLocks/>
+          </p:cNvCxnSpPr>
+          <p:nvPr/>
+        </p:nvCxnSpPr>
+        <p:spPr>
+          <a:xfrm>
+            <a:off x="1691680" y="188640"/>
+            <a:ext cx="0" cy="1800200"/>
+          </a:xfrm>
+          <a:prstGeom prst="line">
+            <a:avLst/>
+          </a:prstGeom>
+          <a:ln w="12700">
+            <a:solidFill>
+              <a:schemeClr val="tx1"/>
+            </a:solidFill>
+          </a:ln>
+        </p:spPr>
+        <p:style>
+          <a:lnRef idx="1">
+            <a:schemeClr val="accent1"/>
+          </a:lnRef>
+          <a:fillRef idx="0">
+            <a:schemeClr val="accent1"/>
+          </a:fillRef>
+          <a:effectRef idx="0">
+            <a:schemeClr val="accent1"/>
+          </a:effectRef>
+          <a:fontRef idx="minor">
+            <a:schemeClr val="tx1"/>
+          </a:fontRef>
+        </p:style>
+      </p:cxnSp>
+    </p:spTree>
+    <p:extLst>
+      <p:ext uri="{BB962C8B-B14F-4D97-AF65-F5344CB8AC3E}">
+        <p14:creationId xmlns:p14="http://schemas.microsoft.com/office/powerpoint/2010/main" val="1850595869"/>
+      </p:ext>
+    </p:extLst>
+  </p:cSld>
+  <p:clrMapOvr>
+    <a:masterClrMapping/>
+  </p:clrMapOvr>
+</p:sld>
+</file>
+
 <file path=ppt/theme/theme1.xml><?xml version="1.0" encoding="utf-8"?>
 <a:theme xmlns:a="http://schemas.openxmlformats.org/drawingml/2006/main" name="Office テーマ">
   <a:themeElements>

--- a/term/fig/fig.pptx
+++ b/term/fig/fig.pptx
@@ -18,6 +18,8 @@
     <p:sldId id="266" r:id="rId12"/>
     <p:sldId id="267" r:id="rId13"/>
     <p:sldId id="268" r:id="rId14"/>
+    <p:sldId id="270" r:id="rId15"/>
+    <p:sldId id="269" r:id="rId16"/>
   </p:sldIdLst>
   <p:sldSz cx="9144000" cy="6858000" type="screen4x3"/>
   <p:notesSz cx="6858000" cy="9144000"/>
@@ -8594,6 +8596,4194 @@
 </p:sld>
 </file>
 
+<file path=ppt/slides/slide14.xml><?xml version="1.0" encoding="utf-8"?>
+<p:sld xmlns:a="http://schemas.openxmlformats.org/drawingml/2006/main" xmlns:r="http://schemas.openxmlformats.org/officeDocument/2006/relationships" xmlns:p="http://schemas.openxmlformats.org/presentationml/2006/main">
+  <p:cSld>
+    <p:spTree>
+      <p:nvGrpSpPr>
+        <p:cNvPr id="1" name=""/>
+        <p:cNvGrpSpPr/>
+        <p:nvPr/>
+      </p:nvGrpSpPr>
+      <p:grpSpPr>
+        <a:xfrm>
+          <a:off x="0" y="0"/>
+          <a:ext cx="0" cy="0"/>
+          <a:chOff x="0" y="0"/>
+          <a:chExt cx="0" cy="0"/>
+        </a:xfrm>
+      </p:grpSpPr>
+      <p:sp>
+        <p:nvSpPr>
+          <p:cNvPr id="2" name="楕円 4">
+            <a:extLst>
+              <a:ext uri="{FF2B5EF4-FFF2-40B4-BE49-F238E27FC236}">
+                <a16:creationId xmlns:a16="http://schemas.microsoft.com/office/drawing/2014/main" id="{3CABE067-84DC-4793-B908-ED50DBAAB5F4}"/>
+              </a:ext>
+            </a:extLst>
+          </p:cNvPr>
+          <p:cNvSpPr/>
+          <p:nvPr/>
+        </p:nvSpPr>
+        <p:spPr>
+          <a:xfrm>
+            <a:off x="1259632" y="2298576"/>
+            <a:ext cx="288032" cy="288032"/>
+          </a:xfrm>
+          <a:prstGeom prst="ellipse">
+            <a:avLst/>
+          </a:prstGeom>
+          <a:solidFill>
+            <a:srgbClr val="011893"/>
+          </a:solidFill>
+          <a:ln>
+            <a:solidFill>
+              <a:schemeClr val="tx1"/>
+            </a:solidFill>
+          </a:ln>
+        </p:spPr>
+        <p:style>
+          <a:lnRef idx="2">
+            <a:schemeClr val="accent1">
+              <a:shade val="50000"/>
+            </a:schemeClr>
+          </a:lnRef>
+          <a:fillRef idx="1">
+            <a:schemeClr val="accent1"/>
+          </a:fillRef>
+          <a:effectRef idx="0">
+            <a:schemeClr val="accent1"/>
+          </a:effectRef>
+          <a:fontRef idx="minor">
+            <a:schemeClr val="lt1"/>
+          </a:fontRef>
+        </p:style>
+        <p:txBody>
+          <a:bodyPr rtlCol="0" anchor="ctr"/>
+          <a:lstStyle/>
+          <a:p>
+            <a:pPr algn="ctr"/>
+            <a:endParaRPr kumimoji="1" lang="ja-JP" altLang="en-US"/>
+          </a:p>
+        </p:txBody>
+      </p:sp>
+      <p:sp>
+        <p:nvSpPr>
+          <p:cNvPr id="3" name="四角形: 1 つの角を切り取り 1 つの角を丸める 2">
+            <a:extLst>
+              <a:ext uri="{FF2B5EF4-FFF2-40B4-BE49-F238E27FC236}">
+                <a16:creationId xmlns:a16="http://schemas.microsoft.com/office/drawing/2014/main" id="{5BB48A30-94FD-4B4D-92DA-597A46E977A4}"/>
+              </a:ext>
+            </a:extLst>
+          </p:cNvPr>
+          <p:cNvSpPr/>
+          <p:nvPr/>
+        </p:nvSpPr>
+        <p:spPr>
+          <a:xfrm>
+            <a:off x="827584" y="692696"/>
+            <a:ext cx="1152128" cy="338336"/>
+          </a:xfrm>
+          <a:prstGeom prst="snipRoundRect">
+            <a:avLst>
+              <a:gd name="adj1" fmla="val 16667"/>
+              <a:gd name="adj2" fmla="val 35924"/>
+            </a:avLst>
+          </a:prstGeom>
+          <a:solidFill>
+            <a:schemeClr val="accent6">
+              <a:lumMod val="20000"/>
+              <a:lumOff val="80000"/>
+            </a:schemeClr>
+          </a:solidFill>
+          <a:ln>
+            <a:solidFill>
+              <a:schemeClr val="tx1"/>
+            </a:solidFill>
+          </a:ln>
+        </p:spPr>
+        <p:style>
+          <a:lnRef idx="2">
+            <a:schemeClr val="accent1">
+              <a:shade val="50000"/>
+            </a:schemeClr>
+          </a:lnRef>
+          <a:fillRef idx="1">
+            <a:schemeClr val="accent1"/>
+          </a:fillRef>
+          <a:effectRef idx="0">
+            <a:schemeClr val="accent1"/>
+          </a:effectRef>
+          <a:fontRef idx="minor">
+            <a:schemeClr val="lt1"/>
+          </a:fontRef>
+        </p:style>
+        <p:txBody>
+          <a:bodyPr rtlCol="0" anchor="ctr"/>
+          <a:lstStyle/>
+          <a:p>
+            <a:pPr algn="ctr"/>
+            <a:r>
+              <a:rPr kumimoji="1" lang="en-US" altLang="ja-JP">
+                <a:solidFill>
+                  <a:sysClr val="windowText" lastClr="000000"/>
+                </a:solidFill>
+                <a:latin typeface="Consolas" panose="020B0609020204030204" pitchFamily="49" charset="0"/>
+              </a:rPr>
+              <a:t>master</a:t>
+            </a:r>
+            <a:endParaRPr kumimoji="1" lang="ja-JP" altLang="en-US">
+              <a:solidFill>
+                <a:sysClr val="windowText" lastClr="000000"/>
+              </a:solidFill>
+              <a:latin typeface="Consolas" panose="020B0609020204030204" pitchFamily="49" charset="0"/>
+            </a:endParaRPr>
+          </a:p>
+        </p:txBody>
+      </p:sp>
+      <p:cxnSp>
+        <p:nvCxnSpPr>
+          <p:cNvPr id="4" name="直線矢印コネクタ 3">
+            <a:extLst>
+              <a:ext uri="{FF2B5EF4-FFF2-40B4-BE49-F238E27FC236}">
+                <a16:creationId xmlns:a16="http://schemas.microsoft.com/office/drawing/2014/main" id="{942FBE24-ED65-4928-8835-2B4CA6F27088}"/>
+              </a:ext>
+            </a:extLst>
+          </p:cNvPr>
+          <p:cNvCxnSpPr>
+            <a:cxnSpLocks/>
+            <a:stCxn id="3" idx="1"/>
+          </p:cNvCxnSpPr>
+          <p:nvPr/>
+        </p:nvCxnSpPr>
+        <p:spPr>
+          <a:xfrm>
+            <a:off x="1403648" y="1031032"/>
+            <a:ext cx="0" cy="381744"/>
+          </a:xfrm>
+          <a:prstGeom prst="straightConnector1">
+            <a:avLst/>
+          </a:prstGeom>
+          <a:ln w="12700">
+            <a:solidFill>
+              <a:schemeClr val="tx1"/>
+            </a:solidFill>
+            <a:tailEnd type="triangle"/>
+          </a:ln>
+        </p:spPr>
+        <p:style>
+          <a:lnRef idx="1">
+            <a:schemeClr val="accent1"/>
+          </a:lnRef>
+          <a:fillRef idx="0">
+            <a:schemeClr val="accent1"/>
+          </a:fillRef>
+          <a:effectRef idx="0">
+            <a:schemeClr val="accent1"/>
+          </a:effectRef>
+          <a:fontRef idx="minor">
+            <a:schemeClr val="tx1"/>
+          </a:fontRef>
+        </p:style>
+      </p:cxnSp>
+      <p:sp>
+        <p:nvSpPr>
+          <p:cNvPr id="5" name="楕円 4">
+            <a:extLst>
+              <a:ext uri="{FF2B5EF4-FFF2-40B4-BE49-F238E27FC236}">
+                <a16:creationId xmlns:a16="http://schemas.microsoft.com/office/drawing/2014/main" id="{FF8E0D23-D1BE-445B-8009-37BB33116AEC}"/>
+              </a:ext>
+            </a:extLst>
+          </p:cNvPr>
+          <p:cNvSpPr/>
+          <p:nvPr/>
+        </p:nvSpPr>
+        <p:spPr>
+          <a:xfrm>
+            <a:off x="827584" y="1844824"/>
+            <a:ext cx="288032" cy="288032"/>
+          </a:xfrm>
+          <a:prstGeom prst="ellipse">
+            <a:avLst/>
+          </a:prstGeom>
+          <a:solidFill>
+            <a:srgbClr val="011893"/>
+          </a:solidFill>
+          <a:ln>
+            <a:solidFill>
+              <a:schemeClr val="tx1"/>
+            </a:solidFill>
+          </a:ln>
+        </p:spPr>
+        <p:style>
+          <a:lnRef idx="2">
+            <a:schemeClr val="accent1">
+              <a:shade val="50000"/>
+            </a:schemeClr>
+          </a:lnRef>
+          <a:fillRef idx="1">
+            <a:schemeClr val="accent1"/>
+          </a:fillRef>
+          <a:effectRef idx="0">
+            <a:schemeClr val="accent1"/>
+          </a:effectRef>
+          <a:fontRef idx="minor">
+            <a:schemeClr val="lt1"/>
+          </a:fontRef>
+        </p:style>
+        <p:txBody>
+          <a:bodyPr rtlCol="0" anchor="ctr"/>
+          <a:lstStyle/>
+          <a:p>
+            <a:pPr algn="ctr"/>
+            <a:endParaRPr kumimoji="1" lang="ja-JP" altLang="en-US"/>
+          </a:p>
+        </p:txBody>
+      </p:sp>
+      <p:cxnSp>
+        <p:nvCxnSpPr>
+          <p:cNvPr id="6" name="直線コネクタ 5">
+            <a:extLst>
+              <a:ext uri="{FF2B5EF4-FFF2-40B4-BE49-F238E27FC236}">
+                <a16:creationId xmlns:a16="http://schemas.microsoft.com/office/drawing/2014/main" id="{9081E076-B741-47D7-BBF9-4601CD5710B4}"/>
+              </a:ext>
+            </a:extLst>
+          </p:cNvPr>
+          <p:cNvCxnSpPr>
+            <a:cxnSpLocks/>
+            <a:stCxn id="5" idx="5"/>
+            <a:endCxn id="2" idx="1"/>
+          </p:cNvCxnSpPr>
+          <p:nvPr/>
+        </p:nvCxnSpPr>
+        <p:spPr>
+          <a:xfrm>
+            <a:off x="1073435" y="2090675"/>
+            <a:ext cx="228378" cy="250082"/>
+          </a:xfrm>
+          <a:prstGeom prst="line">
+            <a:avLst/>
+          </a:prstGeom>
+          <a:ln w="57150">
+            <a:solidFill>
+              <a:schemeClr val="tx1"/>
+            </a:solidFill>
+            <a:headEnd type="none" w="med" len="med"/>
+            <a:tailEnd type="none" w="med" len="med"/>
+          </a:ln>
+        </p:spPr>
+        <p:style>
+          <a:lnRef idx="1">
+            <a:schemeClr val="accent1"/>
+          </a:lnRef>
+          <a:fillRef idx="0">
+            <a:schemeClr val="accent1"/>
+          </a:fillRef>
+          <a:effectRef idx="0">
+            <a:schemeClr val="accent1"/>
+          </a:effectRef>
+          <a:fontRef idx="minor">
+            <a:schemeClr val="tx1"/>
+          </a:fontRef>
+        </p:style>
+      </p:cxnSp>
+      <p:sp>
+        <p:nvSpPr>
+          <p:cNvPr id="7" name="四角形: 1 つの角を切り取り 1 つの角を丸める 6">
+            <a:extLst>
+              <a:ext uri="{FF2B5EF4-FFF2-40B4-BE49-F238E27FC236}">
+                <a16:creationId xmlns:a16="http://schemas.microsoft.com/office/drawing/2014/main" id="{C5E93BA9-CEA0-4F3F-BC96-797973C789EE}"/>
+              </a:ext>
+            </a:extLst>
+          </p:cNvPr>
+          <p:cNvSpPr/>
+          <p:nvPr/>
+        </p:nvSpPr>
+        <p:spPr>
+          <a:xfrm>
+            <a:off x="1547664" y="3018656"/>
+            <a:ext cx="1152128" cy="338336"/>
+          </a:xfrm>
+          <a:prstGeom prst="snipRoundRect">
+            <a:avLst>
+              <a:gd name="adj1" fmla="val 16667"/>
+              <a:gd name="adj2" fmla="val 35924"/>
+            </a:avLst>
+          </a:prstGeom>
+          <a:solidFill>
+            <a:schemeClr val="accent4">
+              <a:lumMod val="20000"/>
+              <a:lumOff val="80000"/>
+            </a:schemeClr>
+          </a:solidFill>
+          <a:ln>
+            <a:solidFill>
+              <a:schemeClr val="tx1"/>
+            </a:solidFill>
+          </a:ln>
+        </p:spPr>
+        <p:style>
+          <a:lnRef idx="2">
+            <a:schemeClr val="accent1">
+              <a:shade val="50000"/>
+            </a:schemeClr>
+          </a:lnRef>
+          <a:fillRef idx="1">
+            <a:schemeClr val="accent1"/>
+          </a:fillRef>
+          <a:effectRef idx="0">
+            <a:schemeClr val="accent1"/>
+          </a:effectRef>
+          <a:fontRef idx="minor">
+            <a:schemeClr val="lt1"/>
+          </a:fontRef>
+        </p:style>
+        <p:txBody>
+          <a:bodyPr rtlCol="0" anchor="ctr"/>
+          <a:lstStyle/>
+          <a:p>
+            <a:pPr algn="ctr"/>
+            <a:r>
+              <a:rPr kumimoji="1" lang="en-US" altLang="ja-JP">
+                <a:solidFill>
+                  <a:sysClr val="windowText" lastClr="000000"/>
+                </a:solidFill>
+                <a:latin typeface="Consolas" panose="020B0609020204030204" pitchFamily="49" charset="0"/>
+              </a:rPr>
+              <a:t>branch</a:t>
+            </a:r>
+            <a:endParaRPr kumimoji="1" lang="ja-JP" altLang="en-US">
+              <a:solidFill>
+                <a:sysClr val="windowText" lastClr="000000"/>
+              </a:solidFill>
+              <a:latin typeface="Consolas" panose="020B0609020204030204" pitchFamily="49" charset="0"/>
+            </a:endParaRPr>
+          </a:p>
+        </p:txBody>
+      </p:sp>
+      <p:cxnSp>
+        <p:nvCxnSpPr>
+          <p:cNvPr id="9" name="直線コネクタ 8">
+            <a:extLst>
+              <a:ext uri="{FF2B5EF4-FFF2-40B4-BE49-F238E27FC236}">
+                <a16:creationId xmlns:a16="http://schemas.microsoft.com/office/drawing/2014/main" id="{5AE5DBAA-E593-4E2D-A2F0-EA97C381B280}"/>
+              </a:ext>
+            </a:extLst>
+          </p:cNvPr>
+          <p:cNvCxnSpPr>
+            <a:cxnSpLocks/>
+          </p:cNvCxnSpPr>
+          <p:nvPr/>
+        </p:nvCxnSpPr>
+        <p:spPr>
+          <a:xfrm>
+            <a:off x="1547664" y="2442592"/>
+            <a:ext cx="432048" cy="0"/>
+          </a:xfrm>
+          <a:prstGeom prst="line">
+            <a:avLst/>
+          </a:prstGeom>
+          <a:ln w="57150">
+            <a:solidFill>
+              <a:schemeClr val="tx1"/>
+            </a:solidFill>
+            <a:headEnd type="none" w="med" len="med"/>
+            <a:tailEnd type="none" w="med" len="med"/>
+          </a:ln>
+        </p:spPr>
+        <p:style>
+          <a:lnRef idx="1">
+            <a:schemeClr val="accent1"/>
+          </a:lnRef>
+          <a:fillRef idx="0">
+            <a:schemeClr val="accent1"/>
+          </a:fillRef>
+          <a:effectRef idx="0">
+            <a:schemeClr val="accent1"/>
+          </a:effectRef>
+          <a:fontRef idx="minor">
+            <a:schemeClr val="tx1"/>
+          </a:fontRef>
+        </p:style>
+      </p:cxnSp>
+      <p:sp>
+        <p:nvSpPr>
+          <p:cNvPr id="10" name="楕円 4">
+            <a:extLst>
+              <a:ext uri="{FF2B5EF4-FFF2-40B4-BE49-F238E27FC236}">
+                <a16:creationId xmlns:a16="http://schemas.microsoft.com/office/drawing/2014/main" id="{9F19C10C-5021-471C-B54E-692668B473FB}"/>
+              </a:ext>
+            </a:extLst>
+          </p:cNvPr>
+          <p:cNvSpPr/>
+          <p:nvPr/>
+        </p:nvSpPr>
+        <p:spPr>
+          <a:xfrm>
+            <a:off x="1979712" y="2298576"/>
+            <a:ext cx="288032" cy="288032"/>
+          </a:xfrm>
+          <a:prstGeom prst="ellipse">
+            <a:avLst/>
+          </a:prstGeom>
+          <a:solidFill>
+            <a:srgbClr val="011893"/>
+          </a:solidFill>
+          <a:ln>
+            <a:solidFill>
+              <a:schemeClr val="tx1"/>
+            </a:solidFill>
+          </a:ln>
+        </p:spPr>
+        <p:style>
+          <a:lnRef idx="2">
+            <a:schemeClr val="accent1">
+              <a:shade val="50000"/>
+            </a:schemeClr>
+          </a:lnRef>
+          <a:fillRef idx="1">
+            <a:schemeClr val="accent1"/>
+          </a:fillRef>
+          <a:effectRef idx="0">
+            <a:schemeClr val="accent1"/>
+          </a:effectRef>
+          <a:fontRef idx="minor">
+            <a:schemeClr val="lt1"/>
+          </a:fontRef>
+        </p:style>
+        <p:txBody>
+          <a:bodyPr rtlCol="0" anchor="ctr"/>
+          <a:lstStyle/>
+          <a:p>
+            <a:pPr algn="ctr"/>
+            <a:endParaRPr kumimoji="1" lang="ja-JP" altLang="en-US"/>
+          </a:p>
+        </p:txBody>
+      </p:sp>
+      <p:cxnSp>
+        <p:nvCxnSpPr>
+          <p:cNvPr id="12" name="直線矢印コネクタ 11">
+            <a:extLst>
+              <a:ext uri="{FF2B5EF4-FFF2-40B4-BE49-F238E27FC236}">
+                <a16:creationId xmlns:a16="http://schemas.microsoft.com/office/drawing/2014/main" id="{41628647-3B88-4777-BD61-89252AB51769}"/>
+              </a:ext>
+            </a:extLst>
+          </p:cNvPr>
+          <p:cNvCxnSpPr>
+            <a:stCxn id="7" idx="3"/>
+            <a:endCxn id="10" idx="4"/>
+          </p:cNvCxnSpPr>
+          <p:nvPr/>
+        </p:nvCxnSpPr>
+        <p:spPr>
+          <a:xfrm flipV="1">
+            <a:off x="2123728" y="2586608"/>
+            <a:ext cx="0" cy="432048"/>
+          </a:xfrm>
+          <a:prstGeom prst="straightConnector1">
+            <a:avLst/>
+          </a:prstGeom>
+          <a:ln w="12700">
+            <a:solidFill>
+              <a:schemeClr val="tx1"/>
+            </a:solidFill>
+            <a:tailEnd type="triangle"/>
+          </a:ln>
+        </p:spPr>
+        <p:style>
+          <a:lnRef idx="1">
+            <a:schemeClr val="accent1"/>
+          </a:lnRef>
+          <a:fillRef idx="0">
+            <a:schemeClr val="accent1"/>
+          </a:fillRef>
+          <a:effectRef idx="0">
+            <a:schemeClr val="accent1"/>
+          </a:effectRef>
+          <a:fontRef idx="minor">
+            <a:schemeClr val="tx1"/>
+          </a:fontRef>
+        </p:style>
+      </p:cxnSp>
+      <p:sp>
+        <p:nvSpPr>
+          <p:cNvPr id="13" name="楕円 4">
+            <a:extLst>
+              <a:ext uri="{FF2B5EF4-FFF2-40B4-BE49-F238E27FC236}">
+                <a16:creationId xmlns:a16="http://schemas.microsoft.com/office/drawing/2014/main" id="{EB080CE7-51A7-4443-A8EF-61C99F1FE719}"/>
+              </a:ext>
+            </a:extLst>
+          </p:cNvPr>
+          <p:cNvSpPr/>
+          <p:nvPr/>
+        </p:nvSpPr>
+        <p:spPr>
+          <a:xfrm>
+            <a:off x="1259632" y="1412776"/>
+            <a:ext cx="288032" cy="288032"/>
+          </a:xfrm>
+          <a:prstGeom prst="ellipse">
+            <a:avLst/>
+          </a:prstGeom>
+          <a:solidFill>
+            <a:srgbClr val="011893"/>
+          </a:solidFill>
+          <a:ln>
+            <a:solidFill>
+              <a:schemeClr val="tx1"/>
+            </a:solidFill>
+          </a:ln>
+        </p:spPr>
+        <p:style>
+          <a:lnRef idx="2">
+            <a:schemeClr val="accent1">
+              <a:shade val="50000"/>
+            </a:schemeClr>
+          </a:lnRef>
+          <a:fillRef idx="1">
+            <a:schemeClr val="accent1"/>
+          </a:fillRef>
+          <a:effectRef idx="0">
+            <a:schemeClr val="accent1"/>
+          </a:effectRef>
+          <a:fontRef idx="minor">
+            <a:schemeClr val="lt1"/>
+          </a:fontRef>
+        </p:style>
+        <p:txBody>
+          <a:bodyPr rtlCol="0" anchor="ctr"/>
+          <a:lstStyle/>
+          <a:p>
+            <a:pPr algn="ctr"/>
+            <a:endParaRPr kumimoji="1" lang="ja-JP" altLang="en-US"/>
+          </a:p>
+        </p:txBody>
+      </p:sp>
+      <p:cxnSp>
+        <p:nvCxnSpPr>
+          <p:cNvPr id="16" name="直線コネクタ 15">
+            <a:extLst>
+              <a:ext uri="{FF2B5EF4-FFF2-40B4-BE49-F238E27FC236}">
+                <a16:creationId xmlns:a16="http://schemas.microsoft.com/office/drawing/2014/main" id="{B9C181DE-604F-4062-8821-BCE11C5F8733}"/>
+              </a:ext>
+            </a:extLst>
+          </p:cNvPr>
+          <p:cNvCxnSpPr>
+            <a:cxnSpLocks/>
+            <a:stCxn id="5" idx="7"/>
+            <a:endCxn id="13" idx="3"/>
+          </p:cNvCxnSpPr>
+          <p:nvPr/>
+        </p:nvCxnSpPr>
+        <p:spPr>
+          <a:xfrm flipV="1">
+            <a:off x="1073435" y="1658627"/>
+            <a:ext cx="228378" cy="228378"/>
+          </a:xfrm>
+          <a:prstGeom prst="line">
+            <a:avLst/>
+          </a:prstGeom>
+          <a:ln w="57150">
+            <a:solidFill>
+              <a:schemeClr val="tx1"/>
+            </a:solidFill>
+            <a:headEnd type="none" w="med" len="med"/>
+            <a:tailEnd type="none" w="med" len="med"/>
+          </a:ln>
+        </p:spPr>
+        <p:style>
+          <a:lnRef idx="1">
+            <a:schemeClr val="accent1"/>
+          </a:lnRef>
+          <a:fillRef idx="0">
+            <a:schemeClr val="accent1"/>
+          </a:fillRef>
+          <a:effectRef idx="0">
+            <a:schemeClr val="accent1"/>
+          </a:effectRef>
+          <a:fontRef idx="minor">
+            <a:schemeClr val="tx1"/>
+          </a:fontRef>
+        </p:style>
+      </p:cxnSp>
+      <p:sp>
+        <p:nvSpPr>
+          <p:cNvPr id="20" name="楕円 4">
+            <a:extLst>
+              <a:ext uri="{FF2B5EF4-FFF2-40B4-BE49-F238E27FC236}">
+                <a16:creationId xmlns:a16="http://schemas.microsoft.com/office/drawing/2014/main" id="{26DAC07A-99F1-407A-A205-C7F763D64DEA}"/>
+              </a:ext>
+            </a:extLst>
+          </p:cNvPr>
+          <p:cNvSpPr/>
+          <p:nvPr/>
+        </p:nvSpPr>
+        <p:spPr>
+          <a:xfrm>
+            <a:off x="4860032" y="2348880"/>
+            <a:ext cx="288032" cy="288032"/>
+          </a:xfrm>
+          <a:prstGeom prst="ellipse">
+            <a:avLst/>
+          </a:prstGeom>
+          <a:solidFill>
+            <a:srgbClr val="011893"/>
+          </a:solidFill>
+          <a:ln>
+            <a:solidFill>
+              <a:schemeClr val="tx1"/>
+            </a:solidFill>
+          </a:ln>
+        </p:spPr>
+        <p:style>
+          <a:lnRef idx="2">
+            <a:schemeClr val="accent1">
+              <a:shade val="50000"/>
+            </a:schemeClr>
+          </a:lnRef>
+          <a:fillRef idx="1">
+            <a:schemeClr val="accent1"/>
+          </a:fillRef>
+          <a:effectRef idx="0">
+            <a:schemeClr val="accent1"/>
+          </a:effectRef>
+          <a:fontRef idx="minor">
+            <a:schemeClr val="lt1"/>
+          </a:fontRef>
+        </p:style>
+        <p:txBody>
+          <a:bodyPr rtlCol="0" anchor="ctr"/>
+          <a:lstStyle/>
+          <a:p>
+            <a:pPr algn="ctr"/>
+            <a:endParaRPr kumimoji="1" lang="ja-JP" altLang="en-US"/>
+          </a:p>
+        </p:txBody>
+      </p:sp>
+      <p:sp>
+        <p:nvSpPr>
+          <p:cNvPr id="21" name="四角形: 1 つの角を切り取り 1 つの角を丸める 20">
+            <a:extLst>
+              <a:ext uri="{FF2B5EF4-FFF2-40B4-BE49-F238E27FC236}">
+                <a16:creationId xmlns:a16="http://schemas.microsoft.com/office/drawing/2014/main" id="{6BCF6415-8831-4AF8-96A7-988D84B2C6DE}"/>
+              </a:ext>
+            </a:extLst>
+          </p:cNvPr>
+          <p:cNvSpPr/>
+          <p:nvPr/>
+        </p:nvSpPr>
+        <p:spPr>
+          <a:xfrm>
+            <a:off x="6012160" y="692696"/>
+            <a:ext cx="1152128" cy="338336"/>
+          </a:xfrm>
+          <a:prstGeom prst="snipRoundRect">
+            <a:avLst>
+              <a:gd name="adj1" fmla="val 16667"/>
+              <a:gd name="adj2" fmla="val 35924"/>
+            </a:avLst>
+          </a:prstGeom>
+          <a:solidFill>
+            <a:schemeClr val="accent6">
+              <a:lumMod val="20000"/>
+              <a:lumOff val="80000"/>
+            </a:schemeClr>
+          </a:solidFill>
+          <a:ln>
+            <a:solidFill>
+              <a:schemeClr val="tx1"/>
+            </a:solidFill>
+          </a:ln>
+        </p:spPr>
+        <p:style>
+          <a:lnRef idx="2">
+            <a:schemeClr val="accent1">
+              <a:shade val="50000"/>
+            </a:schemeClr>
+          </a:lnRef>
+          <a:fillRef idx="1">
+            <a:schemeClr val="accent1"/>
+          </a:fillRef>
+          <a:effectRef idx="0">
+            <a:schemeClr val="accent1"/>
+          </a:effectRef>
+          <a:fontRef idx="minor">
+            <a:schemeClr val="lt1"/>
+          </a:fontRef>
+        </p:style>
+        <p:txBody>
+          <a:bodyPr rtlCol="0" anchor="ctr"/>
+          <a:lstStyle/>
+          <a:p>
+            <a:pPr algn="ctr"/>
+            <a:r>
+              <a:rPr kumimoji="1" lang="en-US" altLang="ja-JP">
+                <a:solidFill>
+                  <a:sysClr val="windowText" lastClr="000000"/>
+                </a:solidFill>
+                <a:latin typeface="Consolas" panose="020B0609020204030204" pitchFamily="49" charset="0"/>
+              </a:rPr>
+              <a:t>master</a:t>
+            </a:r>
+            <a:endParaRPr kumimoji="1" lang="ja-JP" altLang="en-US">
+              <a:solidFill>
+                <a:sysClr val="windowText" lastClr="000000"/>
+              </a:solidFill>
+              <a:latin typeface="Consolas" panose="020B0609020204030204" pitchFamily="49" charset="0"/>
+            </a:endParaRPr>
+          </a:p>
+        </p:txBody>
+      </p:sp>
+      <p:cxnSp>
+        <p:nvCxnSpPr>
+          <p:cNvPr id="22" name="直線矢印コネクタ 21">
+            <a:extLst>
+              <a:ext uri="{FF2B5EF4-FFF2-40B4-BE49-F238E27FC236}">
+                <a16:creationId xmlns:a16="http://schemas.microsoft.com/office/drawing/2014/main" id="{BCE9718E-43FE-49BB-AD70-FA4C85CF10A3}"/>
+              </a:ext>
+            </a:extLst>
+          </p:cNvPr>
+          <p:cNvCxnSpPr>
+            <a:cxnSpLocks/>
+            <a:stCxn id="21" idx="1"/>
+            <a:endCxn id="33" idx="0"/>
+          </p:cNvCxnSpPr>
+          <p:nvPr/>
+        </p:nvCxnSpPr>
+        <p:spPr>
+          <a:xfrm>
+            <a:off x="6588224" y="1031032"/>
+            <a:ext cx="0" cy="370892"/>
+          </a:xfrm>
+          <a:prstGeom prst="straightConnector1">
+            <a:avLst/>
+          </a:prstGeom>
+          <a:ln w="12700">
+            <a:solidFill>
+              <a:schemeClr val="tx1"/>
+            </a:solidFill>
+            <a:tailEnd type="triangle"/>
+          </a:ln>
+        </p:spPr>
+        <p:style>
+          <a:lnRef idx="1">
+            <a:schemeClr val="accent1"/>
+          </a:lnRef>
+          <a:fillRef idx="0">
+            <a:schemeClr val="accent1"/>
+          </a:fillRef>
+          <a:effectRef idx="0">
+            <a:schemeClr val="accent1"/>
+          </a:effectRef>
+          <a:fontRef idx="minor">
+            <a:schemeClr val="tx1"/>
+          </a:fontRef>
+        </p:style>
+      </p:cxnSp>
+      <p:sp>
+        <p:nvSpPr>
+          <p:cNvPr id="23" name="楕円 22">
+            <a:extLst>
+              <a:ext uri="{FF2B5EF4-FFF2-40B4-BE49-F238E27FC236}">
+                <a16:creationId xmlns:a16="http://schemas.microsoft.com/office/drawing/2014/main" id="{4A2ACB12-A4D3-4083-BE41-A587A03A16E4}"/>
+              </a:ext>
+            </a:extLst>
+          </p:cNvPr>
+          <p:cNvSpPr/>
+          <p:nvPr/>
+        </p:nvSpPr>
+        <p:spPr>
+          <a:xfrm>
+            <a:off x="4427984" y="1895128"/>
+            <a:ext cx="288032" cy="288032"/>
+          </a:xfrm>
+          <a:prstGeom prst="ellipse">
+            <a:avLst/>
+          </a:prstGeom>
+          <a:solidFill>
+            <a:srgbClr val="011893"/>
+          </a:solidFill>
+          <a:ln>
+            <a:solidFill>
+              <a:schemeClr val="tx1"/>
+            </a:solidFill>
+          </a:ln>
+        </p:spPr>
+        <p:style>
+          <a:lnRef idx="2">
+            <a:schemeClr val="accent1">
+              <a:shade val="50000"/>
+            </a:schemeClr>
+          </a:lnRef>
+          <a:fillRef idx="1">
+            <a:schemeClr val="accent1"/>
+          </a:fillRef>
+          <a:effectRef idx="0">
+            <a:schemeClr val="accent1"/>
+          </a:effectRef>
+          <a:fontRef idx="minor">
+            <a:schemeClr val="lt1"/>
+          </a:fontRef>
+        </p:style>
+        <p:txBody>
+          <a:bodyPr rtlCol="0" anchor="ctr"/>
+          <a:lstStyle/>
+          <a:p>
+            <a:pPr algn="ctr"/>
+            <a:endParaRPr kumimoji="1" lang="ja-JP" altLang="en-US"/>
+          </a:p>
+        </p:txBody>
+      </p:sp>
+      <p:cxnSp>
+        <p:nvCxnSpPr>
+          <p:cNvPr id="24" name="直線コネクタ 23">
+            <a:extLst>
+              <a:ext uri="{FF2B5EF4-FFF2-40B4-BE49-F238E27FC236}">
+                <a16:creationId xmlns:a16="http://schemas.microsoft.com/office/drawing/2014/main" id="{91E85FC9-47CE-4985-A1F0-9517497F1746}"/>
+              </a:ext>
+            </a:extLst>
+          </p:cNvPr>
+          <p:cNvCxnSpPr>
+            <a:cxnSpLocks/>
+            <a:stCxn id="23" idx="5"/>
+            <a:endCxn id="20" idx="1"/>
+          </p:cNvCxnSpPr>
+          <p:nvPr/>
+        </p:nvCxnSpPr>
+        <p:spPr>
+          <a:xfrm>
+            <a:off x="4673835" y="2140979"/>
+            <a:ext cx="228378" cy="250082"/>
+          </a:xfrm>
+          <a:prstGeom prst="line">
+            <a:avLst/>
+          </a:prstGeom>
+          <a:ln w="57150">
+            <a:solidFill>
+              <a:schemeClr val="tx1"/>
+            </a:solidFill>
+            <a:headEnd type="none" w="med" len="med"/>
+            <a:tailEnd type="none" w="med" len="med"/>
+          </a:ln>
+        </p:spPr>
+        <p:style>
+          <a:lnRef idx="1">
+            <a:schemeClr val="accent1"/>
+          </a:lnRef>
+          <a:fillRef idx="0">
+            <a:schemeClr val="accent1"/>
+          </a:fillRef>
+          <a:effectRef idx="0">
+            <a:schemeClr val="accent1"/>
+          </a:effectRef>
+          <a:fontRef idx="minor">
+            <a:schemeClr val="tx1"/>
+          </a:fontRef>
+        </p:style>
+      </p:cxnSp>
+      <p:sp>
+        <p:nvSpPr>
+          <p:cNvPr id="25" name="四角形: 1 つの角を切り取り 1 つの角を丸める 24">
+            <a:extLst>
+              <a:ext uri="{FF2B5EF4-FFF2-40B4-BE49-F238E27FC236}">
+                <a16:creationId xmlns:a16="http://schemas.microsoft.com/office/drawing/2014/main" id="{D4774264-3CDA-446B-80F6-E5C8873898EE}"/>
+              </a:ext>
+            </a:extLst>
+          </p:cNvPr>
+          <p:cNvSpPr/>
+          <p:nvPr/>
+        </p:nvSpPr>
+        <p:spPr>
+          <a:xfrm>
+            <a:off x="5148064" y="3068960"/>
+            <a:ext cx="1152128" cy="338336"/>
+          </a:xfrm>
+          <a:prstGeom prst="snipRoundRect">
+            <a:avLst>
+              <a:gd name="adj1" fmla="val 16667"/>
+              <a:gd name="adj2" fmla="val 35924"/>
+            </a:avLst>
+          </a:prstGeom>
+          <a:solidFill>
+            <a:schemeClr val="accent4">
+              <a:lumMod val="20000"/>
+              <a:lumOff val="80000"/>
+            </a:schemeClr>
+          </a:solidFill>
+          <a:ln>
+            <a:solidFill>
+              <a:schemeClr val="tx1"/>
+            </a:solidFill>
+          </a:ln>
+        </p:spPr>
+        <p:style>
+          <a:lnRef idx="2">
+            <a:schemeClr val="accent1">
+              <a:shade val="50000"/>
+            </a:schemeClr>
+          </a:lnRef>
+          <a:fillRef idx="1">
+            <a:schemeClr val="accent1"/>
+          </a:fillRef>
+          <a:effectRef idx="0">
+            <a:schemeClr val="accent1"/>
+          </a:effectRef>
+          <a:fontRef idx="minor">
+            <a:schemeClr val="lt1"/>
+          </a:fontRef>
+        </p:style>
+        <p:txBody>
+          <a:bodyPr rtlCol="0" anchor="ctr"/>
+          <a:lstStyle/>
+          <a:p>
+            <a:pPr algn="ctr"/>
+            <a:r>
+              <a:rPr kumimoji="1" lang="en-US" altLang="ja-JP">
+                <a:solidFill>
+                  <a:sysClr val="windowText" lastClr="000000"/>
+                </a:solidFill>
+                <a:latin typeface="Consolas" panose="020B0609020204030204" pitchFamily="49" charset="0"/>
+              </a:rPr>
+              <a:t>branch</a:t>
+            </a:r>
+            <a:endParaRPr kumimoji="1" lang="ja-JP" altLang="en-US">
+              <a:solidFill>
+                <a:sysClr val="windowText" lastClr="000000"/>
+              </a:solidFill>
+              <a:latin typeface="Consolas" panose="020B0609020204030204" pitchFamily="49" charset="0"/>
+            </a:endParaRPr>
+          </a:p>
+        </p:txBody>
+      </p:sp>
+      <p:cxnSp>
+        <p:nvCxnSpPr>
+          <p:cNvPr id="26" name="直線コネクタ 25">
+            <a:extLst>
+              <a:ext uri="{FF2B5EF4-FFF2-40B4-BE49-F238E27FC236}">
+                <a16:creationId xmlns:a16="http://schemas.microsoft.com/office/drawing/2014/main" id="{985C78E0-DC59-45D3-ACBF-94665F28C023}"/>
+              </a:ext>
+            </a:extLst>
+          </p:cNvPr>
+          <p:cNvCxnSpPr>
+            <a:cxnSpLocks/>
+          </p:cNvCxnSpPr>
+          <p:nvPr/>
+        </p:nvCxnSpPr>
+        <p:spPr>
+          <a:xfrm>
+            <a:off x="5148064" y="2492896"/>
+            <a:ext cx="432048" cy="0"/>
+          </a:xfrm>
+          <a:prstGeom prst="line">
+            <a:avLst/>
+          </a:prstGeom>
+          <a:ln w="57150">
+            <a:solidFill>
+              <a:schemeClr val="tx1"/>
+            </a:solidFill>
+            <a:headEnd type="none" w="med" len="med"/>
+            <a:tailEnd type="none" w="med" len="med"/>
+          </a:ln>
+        </p:spPr>
+        <p:style>
+          <a:lnRef idx="1">
+            <a:schemeClr val="accent1"/>
+          </a:lnRef>
+          <a:fillRef idx="0">
+            <a:schemeClr val="accent1"/>
+          </a:fillRef>
+          <a:effectRef idx="0">
+            <a:schemeClr val="accent1"/>
+          </a:effectRef>
+          <a:fontRef idx="minor">
+            <a:schemeClr val="tx1"/>
+          </a:fontRef>
+        </p:style>
+      </p:cxnSp>
+      <p:sp>
+        <p:nvSpPr>
+          <p:cNvPr id="27" name="楕円 4">
+            <a:extLst>
+              <a:ext uri="{FF2B5EF4-FFF2-40B4-BE49-F238E27FC236}">
+                <a16:creationId xmlns:a16="http://schemas.microsoft.com/office/drawing/2014/main" id="{B841C21A-1E33-4BFB-A465-627518740FA6}"/>
+              </a:ext>
+            </a:extLst>
+          </p:cNvPr>
+          <p:cNvSpPr/>
+          <p:nvPr/>
+        </p:nvSpPr>
+        <p:spPr>
+          <a:xfrm>
+            <a:off x="5580112" y="2348880"/>
+            <a:ext cx="288032" cy="288032"/>
+          </a:xfrm>
+          <a:prstGeom prst="ellipse">
+            <a:avLst/>
+          </a:prstGeom>
+          <a:solidFill>
+            <a:srgbClr val="011893"/>
+          </a:solidFill>
+          <a:ln>
+            <a:solidFill>
+              <a:schemeClr val="tx1"/>
+            </a:solidFill>
+          </a:ln>
+        </p:spPr>
+        <p:style>
+          <a:lnRef idx="2">
+            <a:schemeClr val="accent1">
+              <a:shade val="50000"/>
+            </a:schemeClr>
+          </a:lnRef>
+          <a:fillRef idx="1">
+            <a:schemeClr val="accent1"/>
+          </a:fillRef>
+          <a:effectRef idx="0">
+            <a:schemeClr val="accent1"/>
+          </a:effectRef>
+          <a:fontRef idx="minor">
+            <a:schemeClr val="lt1"/>
+          </a:fontRef>
+        </p:style>
+        <p:txBody>
+          <a:bodyPr rtlCol="0" anchor="ctr"/>
+          <a:lstStyle/>
+          <a:p>
+            <a:pPr algn="ctr"/>
+            <a:endParaRPr kumimoji="1" lang="ja-JP" altLang="en-US"/>
+          </a:p>
+        </p:txBody>
+      </p:sp>
+      <p:cxnSp>
+        <p:nvCxnSpPr>
+          <p:cNvPr id="28" name="直線矢印コネクタ 27">
+            <a:extLst>
+              <a:ext uri="{FF2B5EF4-FFF2-40B4-BE49-F238E27FC236}">
+                <a16:creationId xmlns:a16="http://schemas.microsoft.com/office/drawing/2014/main" id="{7A6CD5B2-E19B-45BF-B2FF-9E3247344822}"/>
+              </a:ext>
+            </a:extLst>
+          </p:cNvPr>
+          <p:cNvCxnSpPr>
+            <a:stCxn id="25" idx="3"/>
+            <a:endCxn id="27" idx="4"/>
+          </p:cNvCxnSpPr>
+          <p:nvPr/>
+        </p:nvCxnSpPr>
+        <p:spPr>
+          <a:xfrm flipV="1">
+            <a:off x="5724128" y="2636912"/>
+            <a:ext cx="0" cy="432048"/>
+          </a:xfrm>
+          <a:prstGeom prst="straightConnector1">
+            <a:avLst/>
+          </a:prstGeom>
+          <a:ln w="12700">
+            <a:solidFill>
+              <a:schemeClr val="tx1"/>
+            </a:solidFill>
+            <a:tailEnd type="triangle"/>
+          </a:ln>
+        </p:spPr>
+        <p:style>
+          <a:lnRef idx="1">
+            <a:schemeClr val="accent1"/>
+          </a:lnRef>
+          <a:fillRef idx="0">
+            <a:schemeClr val="accent1"/>
+          </a:fillRef>
+          <a:effectRef idx="0">
+            <a:schemeClr val="accent1"/>
+          </a:effectRef>
+          <a:fontRef idx="minor">
+            <a:schemeClr val="tx1"/>
+          </a:fontRef>
+        </p:style>
+      </p:cxnSp>
+      <p:sp>
+        <p:nvSpPr>
+          <p:cNvPr id="29" name="楕円 4">
+            <a:extLst>
+              <a:ext uri="{FF2B5EF4-FFF2-40B4-BE49-F238E27FC236}">
+                <a16:creationId xmlns:a16="http://schemas.microsoft.com/office/drawing/2014/main" id="{EC47AC5B-97DC-46F4-894A-CEDADD8BD389}"/>
+              </a:ext>
+            </a:extLst>
+          </p:cNvPr>
+          <p:cNvSpPr/>
+          <p:nvPr/>
+        </p:nvSpPr>
+        <p:spPr>
+          <a:xfrm>
+            <a:off x="4860032" y="1401924"/>
+            <a:ext cx="288032" cy="288032"/>
+          </a:xfrm>
+          <a:prstGeom prst="ellipse">
+            <a:avLst/>
+          </a:prstGeom>
+          <a:solidFill>
+            <a:srgbClr val="011893"/>
+          </a:solidFill>
+          <a:ln>
+            <a:solidFill>
+              <a:schemeClr val="tx1"/>
+            </a:solidFill>
+          </a:ln>
+        </p:spPr>
+        <p:style>
+          <a:lnRef idx="2">
+            <a:schemeClr val="accent1">
+              <a:shade val="50000"/>
+            </a:schemeClr>
+          </a:lnRef>
+          <a:fillRef idx="1">
+            <a:schemeClr val="accent1"/>
+          </a:fillRef>
+          <a:effectRef idx="0">
+            <a:schemeClr val="accent1"/>
+          </a:effectRef>
+          <a:fontRef idx="minor">
+            <a:schemeClr val="lt1"/>
+          </a:fontRef>
+        </p:style>
+        <p:txBody>
+          <a:bodyPr rtlCol="0" anchor="ctr"/>
+          <a:lstStyle/>
+          <a:p>
+            <a:pPr algn="ctr"/>
+            <a:endParaRPr kumimoji="1" lang="ja-JP" altLang="en-US"/>
+          </a:p>
+        </p:txBody>
+      </p:sp>
+      <p:cxnSp>
+        <p:nvCxnSpPr>
+          <p:cNvPr id="30" name="直線コネクタ 29">
+            <a:extLst>
+              <a:ext uri="{FF2B5EF4-FFF2-40B4-BE49-F238E27FC236}">
+                <a16:creationId xmlns:a16="http://schemas.microsoft.com/office/drawing/2014/main" id="{3233E531-B4D2-4EB6-9F0E-E8C5C9E1EA95}"/>
+              </a:ext>
+            </a:extLst>
+          </p:cNvPr>
+          <p:cNvCxnSpPr>
+            <a:cxnSpLocks/>
+            <a:stCxn id="29" idx="6"/>
+            <a:endCxn id="33" idx="2"/>
+          </p:cNvCxnSpPr>
+          <p:nvPr/>
+        </p:nvCxnSpPr>
+        <p:spPr>
+          <a:xfrm>
+            <a:off x="5148064" y="1545940"/>
+            <a:ext cx="1296144" cy="0"/>
+          </a:xfrm>
+          <a:prstGeom prst="line">
+            <a:avLst/>
+          </a:prstGeom>
+          <a:ln w="57150">
+            <a:solidFill>
+              <a:srgbClr val="FF0000"/>
+            </a:solidFill>
+            <a:headEnd type="none" w="med" len="med"/>
+            <a:tailEnd type="none" w="med" len="med"/>
+          </a:ln>
+        </p:spPr>
+        <p:style>
+          <a:lnRef idx="1">
+            <a:schemeClr val="accent1"/>
+          </a:lnRef>
+          <a:fillRef idx="0">
+            <a:schemeClr val="accent1"/>
+          </a:fillRef>
+          <a:effectRef idx="0">
+            <a:schemeClr val="accent1"/>
+          </a:effectRef>
+          <a:fontRef idx="minor">
+            <a:schemeClr val="tx1"/>
+          </a:fontRef>
+        </p:style>
+      </p:cxnSp>
+      <p:cxnSp>
+        <p:nvCxnSpPr>
+          <p:cNvPr id="32" name="直線コネクタ 31">
+            <a:extLst>
+              <a:ext uri="{FF2B5EF4-FFF2-40B4-BE49-F238E27FC236}">
+                <a16:creationId xmlns:a16="http://schemas.microsoft.com/office/drawing/2014/main" id="{0531795B-E57A-4C35-BAC2-0C834386B97F}"/>
+              </a:ext>
+            </a:extLst>
+          </p:cNvPr>
+          <p:cNvCxnSpPr>
+            <a:cxnSpLocks/>
+            <a:stCxn id="23" idx="7"/>
+            <a:endCxn id="29" idx="3"/>
+          </p:cNvCxnSpPr>
+          <p:nvPr/>
+        </p:nvCxnSpPr>
+        <p:spPr>
+          <a:xfrm flipV="1">
+            <a:off x="4673835" y="1647775"/>
+            <a:ext cx="228378" cy="289534"/>
+          </a:xfrm>
+          <a:prstGeom prst="line">
+            <a:avLst/>
+          </a:prstGeom>
+          <a:ln w="57150">
+            <a:solidFill>
+              <a:schemeClr val="tx1"/>
+            </a:solidFill>
+            <a:headEnd type="none" w="med" len="med"/>
+            <a:tailEnd type="none" w="med" len="med"/>
+          </a:ln>
+        </p:spPr>
+        <p:style>
+          <a:lnRef idx="1">
+            <a:schemeClr val="accent1"/>
+          </a:lnRef>
+          <a:fillRef idx="0">
+            <a:schemeClr val="accent1"/>
+          </a:fillRef>
+          <a:effectRef idx="0">
+            <a:schemeClr val="accent1"/>
+          </a:effectRef>
+          <a:fontRef idx="minor">
+            <a:schemeClr val="tx1"/>
+          </a:fontRef>
+        </p:style>
+      </p:cxnSp>
+      <p:sp>
+        <p:nvSpPr>
+          <p:cNvPr id="33" name="楕円 32">
+            <a:extLst>
+              <a:ext uri="{FF2B5EF4-FFF2-40B4-BE49-F238E27FC236}">
+                <a16:creationId xmlns:a16="http://schemas.microsoft.com/office/drawing/2014/main" id="{416CCF20-FECA-470E-97D3-216D7880D20E}"/>
+              </a:ext>
+            </a:extLst>
+          </p:cNvPr>
+          <p:cNvSpPr/>
+          <p:nvPr/>
+        </p:nvSpPr>
+        <p:spPr>
+          <a:xfrm>
+            <a:off x="6444208" y="1401924"/>
+            <a:ext cx="288032" cy="288032"/>
+          </a:xfrm>
+          <a:prstGeom prst="ellipse">
+            <a:avLst/>
+          </a:prstGeom>
+          <a:solidFill>
+            <a:srgbClr val="FF0000"/>
+          </a:solidFill>
+          <a:ln>
+            <a:solidFill>
+              <a:schemeClr val="tx1"/>
+            </a:solidFill>
+          </a:ln>
+        </p:spPr>
+        <p:style>
+          <a:lnRef idx="2">
+            <a:schemeClr val="accent1">
+              <a:shade val="50000"/>
+            </a:schemeClr>
+          </a:lnRef>
+          <a:fillRef idx="1">
+            <a:schemeClr val="accent1"/>
+          </a:fillRef>
+          <a:effectRef idx="0">
+            <a:schemeClr val="accent1"/>
+          </a:effectRef>
+          <a:fontRef idx="minor">
+            <a:schemeClr val="lt1"/>
+          </a:fontRef>
+        </p:style>
+        <p:txBody>
+          <a:bodyPr rtlCol="0" anchor="ctr"/>
+          <a:lstStyle/>
+          <a:p>
+            <a:pPr algn="ctr"/>
+            <a:endParaRPr kumimoji="1" lang="ja-JP" altLang="en-US"/>
+          </a:p>
+        </p:txBody>
+      </p:sp>
+      <p:cxnSp>
+        <p:nvCxnSpPr>
+          <p:cNvPr id="38" name="直線コネクタ 37">
+            <a:extLst>
+              <a:ext uri="{FF2B5EF4-FFF2-40B4-BE49-F238E27FC236}">
+                <a16:creationId xmlns:a16="http://schemas.microsoft.com/office/drawing/2014/main" id="{183755A3-A4C5-4D46-9729-59B05713518F}"/>
+              </a:ext>
+            </a:extLst>
+          </p:cNvPr>
+          <p:cNvCxnSpPr>
+            <a:cxnSpLocks/>
+            <a:stCxn id="27" idx="7"/>
+            <a:endCxn id="33" idx="3"/>
+          </p:cNvCxnSpPr>
+          <p:nvPr/>
+        </p:nvCxnSpPr>
+        <p:spPr>
+          <a:xfrm flipV="1">
+            <a:off x="5825963" y="1647775"/>
+            <a:ext cx="660426" cy="743286"/>
+          </a:xfrm>
+          <a:prstGeom prst="line">
+            <a:avLst/>
+          </a:prstGeom>
+          <a:ln w="57150">
+            <a:solidFill>
+              <a:schemeClr val="tx1"/>
+            </a:solidFill>
+            <a:headEnd type="none" w="med" len="med"/>
+            <a:tailEnd type="none" w="med" len="med"/>
+          </a:ln>
+        </p:spPr>
+        <p:style>
+          <a:lnRef idx="1">
+            <a:schemeClr val="accent1"/>
+          </a:lnRef>
+          <a:fillRef idx="0">
+            <a:schemeClr val="accent1"/>
+          </a:fillRef>
+          <a:effectRef idx="0">
+            <a:schemeClr val="accent1"/>
+          </a:effectRef>
+          <a:fontRef idx="minor">
+            <a:schemeClr val="tx1"/>
+          </a:fontRef>
+        </p:style>
+      </p:cxnSp>
+      <p:sp>
+        <p:nvSpPr>
+          <p:cNvPr id="50" name="矢印: 右 49">
+            <a:extLst>
+              <a:ext uri="{FF2B5EF4-FFF2-40B4-BE49-F238E27FC236}">
+                <a16:creationId xmlns:a16="http://schemas.microsoft.com/office/drawing/2014/main" id="{BE08557B-7038-4272-8A31-6BBB59C5D388}"/>
+              </a:ext>
+            </a:extLst>
+          </p:cNvPr>
+          <p:cNvSpPr/>
+          <p:nvPr/>
+        </p:nvSpPr>
+        <p:spPr>
+          <a:xfrm>
+            <a:off x="3347864" y="1772816"/>
+            <a:ext cx="360040" cy="412624"/>
+          </a:xfrm>
+          <a:prstGeom prst="rightArrow">
+            <a:avLst/>
+          </a:prstGeom>
+          <a:solidFill>
+            <a:srgbClr val="FF0000"/>
+          </a:solidFill>
+          <a:ln>
+            <a:solidFill>
+              <a:schemeClr val="tx1"/>
+            </a:solidFill>
+          </a:ln>
+        </p:spPr>
+        <p:style>
+          <a:lnRef idx="2">
+            <a:schemeClr val="accent1">
+              <a:shade val="50000"/>
+            </a:schemeClr>
+          </a:lnRef>
+          <a:fillRef idx="1">
+            <a:schemeClr val="accent1"/>
+          </a:fillRef>
+          <a:effectRef idx="0">
+            <a:schemeClr val="accent1"/>
+          </a:effectRef>
+          <a:fontRef idx="minor">
+            <a:schemeClr val="lt1"/>
+          </a:fontRef>
+        </p:style>
+        <p:txBody>
+          <a:bodyPr rtlCol="0" anchor="ctr"/>
+          <a:lstStyle/>
+          <a:p>
+            <a:pPr algn="ctr"/>
+            <a:endParaRPr kumimoji="1" lang="ja-JP" altLang="en-US"/>
+          </a:p>
+        </p:txBody>
+      </p:sp>
+      <p:sp>
+        <p:nvSpPr>
+          <p:cNvPr id="51" name="テキスト ボックス 50">
+            <a:extLst>
+              <a:ext uri="{FF2B5EF4-FFF2-40B4-BE49-F238E27FC236}">
+                <a16:creationId xmlns:a16="http://schemas.microsoft.com/office/drawing/2014/main" id="{C9262AEE-FE0B-46C6-B1A8-635DF2E1CCBD}"/>
+              </a:ext>
+            </a:extLst>
+          </p:cNvPr>
+          <p:cNvSpPr txBox="1"/>
+          <p:nvPr/>
+        </p:nvSpPr>
+        <p:spPr>
+          <a:xfrm>
+            <a:off x="3059832" y="332656"/>
+            <a:ext cx="1107996" cy="461665"/>
+          </a:xfrm>
+          <a:prstGeom prst="rect">
+            <a:avLst/>
+          </a:prstGeom>
+          <a:noFill/>
+        </p:spPr>
+        <p:txBody>
+          <a:bodyPr wrap="none" rtlCol="0">
+            <a:spAutoFit/>
+          </a:bodyPr>
+          <a:lstStyle/>
+          <a:p>
+            <a:r>
+              <a:rPr lang="ja-JP" altLang="en-US" sz="2400"/>
+              <a:t>マージ</a:t>
+            </a:r>
+            <a:endParaRPr kumimoji="1" lang="ja-JP" altLang="en-US" sz="2400"/>
+          </a:p>
+        </p:txBody>
+      </p:sp>
+    </p:spTree>
+    <p:extLst>
+      <p:ext uri="{BB962C8B-B14F-4D97-AF65-F5344CB8AC3E}">
+        <p14:creationId xmlns:p14="http://schemas.microsoft.com/office/powerpoint/2010/main" val="4282633689"/>
+      </p:ext>
+    </p:extLst>
+  </p:cSld>
+  <p:clrMapOvr>
+    <a:masterClrMapping/>
+  </p:clrMapOvr>
+</p:sld>
+</file>
+
+<file path=ppt/slides/slide15.xml><?xml version="1.0" encoding="utf-8"?>
+<p:sld xmlns:a="http://schemas.openxmlformats.org/drawingml/2006/main" xmlns:r="http://schemas.openxmlformats.org/officeDocument/2006/relationships" xmlns:p="http://schemas.openxmlformats.org/presentationml/2006/main">
+  <p:cSld>
+    <p:spTree>
+      <p:nvGrpSpPr>
+        <p:cNvPr id="1" name=""/>
+        <p:cNvGrpSpPr/>
+        <p:nvPr/>
+      </p:nvGrpSpPr>
+      <p:grpSpPr>
+        <a:xfrm>
+          <a:off x="0" y="0"/>
+          <a:ext cx="0" cy="0"/>
+          <a:chOff x="0" y="0"/>
+          <a:chExt cx="0" cy="0"/>
+        </a:xfrm>
+      </p:grpSpPr>
+      <p:sp>
+        <p:nvSpPr>
+          <p:cNvPr id="2" name="楕円 4">
+            <a:extLst>
+              <a:ext uri="{FF2B5EF4-FFF2-40B4-BE49-F238E27FC236}">
+                <a16:creationId xmlns:a16="http://schemas.microsoft.com/office/drawing/2014/main" id="{D1C7DFF2-20F2-42C7-90EE-F4FFA3D30C26}"/>
+              </a:ext>
+            </a:extLst>
+          </p:cNvPr>
+          <p:cNvSpPr/>
+          <p:nvPr/>
+        </p:nvSpPr>
+        <p:spPr>
+          <a:xfrm>
+            <a:off x="1547664" y="1844824"/>
+            <a:ext cx="288032" cy="288032"/>
+          </a:xfrm>
+          <a:prstGeom prst="ellipse">
+            <a:avLst/>
+          </a:prstGeom>
+          <a:solidFill>
+            <a:srgbClr val="011893"/>
+          </a:solidFill>
+          <a:ln>
+            <a:solidFill>
+              <a:schemeClr val="tx1"/>
+            </a:solidFill>
+          </a:ln>
+        </p:spPr>
+        <p:style>
+          <a:lnRef idx="2">
+            <a:schemeClr val="accent1">
+              <a:shade val="50000"/>
+            </a:schemeClr>
+          </a:lnRef>
+          <a:fillRef idx="1">
+            <a:schemeClr val="accent1"/>
+          </a:fillRef>
+          <a:effectRef idx="0">
+            <a:schemeClr val="accent1"/>
+          </a:effectRef>
+          <a:fontRef idx="minor">
+            <a:schemeClr val="lt1"/>
+          </a:fontRef>
+        </p:style>
+        <p:txBody>
+          <a:bodyPr rtlCol="0" anchor="ctr"/>
+          <a:lstStyle/>
+          <a:p>
+            <a:pPr algn="ctr"/>
+            <a:endParaRPr kumimoji="1" lang="ja-JP" altLang="en-US"/>
+          </a:p>
+        </p:txBody>
+      </p:sp>
+      <p:sp>
+        <p:nvSpPr>
+          <p:cNvPr id="3" name="四角形: 1 つの角を切り取り 1 つの角を丸める 2">
+            <a:extLst>
+              <a:ext uri="{FF2B5EF4-FFF2-40B4-BE49-F238E27FC236}">
+                <a16:creationId xmlns:a16="http://schemas.microsoft.com/office/drawing/2014/main" id="{905420C1-99BF-42B0-9891-B9C1B015DFE2}"/>
+              </a:ext>
+            </a:extLst>
+          </p:cNvPr>
+          <p:cNvSpPr/>
+          <p:nvPr/>
+        </p:nvSpPr>
+        <p:spPr>
+          <a:xfrm>
+            <a:off x="395536" y="1124744"/>
+            <a:ext cx="1152128" cy="338336"/>
+          </a:xfrm>
+          <a:prstGeom prst="snipRoundRect">
+            <a:avLst>
+              <a:gd name="adj1" fmla="val 16667"/>
+              <a:gd name="adj2" fmla="val 35924"/>
+            </a:avLst>
+          </a:prstGeom>
+          <a:solidFill>
+            <a:schemeClr val="accent6">
+              <a:lumMod val="20000"/>
+              <a:lumOff val="80000"/>
+            </a:schemeClr>
+          </a:solidFill>
+          <a:ln>
+            <a:solidFill>
+              <a:schemeClr val="tx1"/>
+            </a:solidFill>
+          </a:ln>
+        </p:spPr>
+        <p:style>
+          <a:lnRef idx="2">
+            <a:schemeClr val="accent1">
+              <a:shade val="50000"/>
+            </a:schemeClr>
+          </a:lnRef>
+          <a:fillRef idx="1">
+            <a:schemeClr val="accent1"/>
+          </a:fillRef>
+          <a:effectRef idx="0">
+            <a:schemeClr val="accent1"/>
+          </a:effectRef>
+          <a:fontRef idx="minor">
+            <a:schemeClr val="lt1"/>
+          </a:fontRef>
+        </p:style>
+        <p:txBody>
+          <a:bodyPr rtlCol="0" anchor="ctr"/>
+          <a:lstStyle/>
+          <a:p>
+            <a:pPr algn="ctr"/>
+            <a:r>
+              <a:rPr kumimoji="1" lang="en-US" altLang="ja-JP">
+                <a:solidFill>
+                  <a:sysClr val="windowText" lastClr="000000"/>
+                </a:solidFill>
+                <a:latin typeface="Consolas" panose="020B0609020204030204" pitchFamily="49" charset="0"/>
+              </a:rPr>
+              <a:t>master</a:t>
+            </a:r>
+            <a:endParaRPr kumimoji="1" lang="ja-JP" altLang="en-US">
+              <a:solidFill>
+                <a:sysClr val="windowText" lastClr="000000"/>
+              </a:solidFill>
+              <a:latin typeface="Consolas" panose="020B0609020204030204" pitchFamily="49" charset="0"/>
+            </a:endParaRPr>
+          </a:p>
+        </p:txBody>
+      </p:sp>
+      <p:cxnSp>
+        <p:nvCxnSpPr>
+          <p:cNvPr id="4" name="直線矢印コネクタ 3">
+            <a:extLst>
+              <a:ext uri="{FF2B5EF4-FFF2-40B4-BE49-F238E27FC236}">
+                <a16:creationId xmlns:a16="http://schemas.microsoft.com/office/drawing/2014/main" id="{4466E2DA-0660-4E07-86B3-3B205AC74EA3}"/>
+              </a:ext>
+            </a:extLst>
+          </p:cNvPr>
+          <p:cNvCxnSpPr>
+            <a:cxnSpLocks/>
+            <a:stCxn id="3" idx="1"/>
+          </p:cNvCxnSpPr>
+          <p:nvPr/>
+        </p:nvCxnSpPr>
+        <p:spPr>
+          <a:xfrm>
+            <a:off x="971600" y="1463080"/>
+            <a:ext cx="0" cy="381744"/>
+          </a:xfrm>
+          <a:prstGeom prst="straightConnector1">
+            <a:avLst/>
+          </a:prstGeom>
+          <a:ln w="12700">
+            <a:solidFill>
+              <a:schemeClr val="tx1"/>
+            </a:solidFill>
+            <a:tailEnd type="triangle"/>
+          </a:ln>
+        </p:spPr>
+        <p:style>
+          <a:lnRef idx="1">
+            <a:schemeClr val="accent1"/>
+          </a:lnRef>
+          <a:fillRef idx="0">
+            <a:schemeClr val="accent1"/>
+          </a:fillRef>
+          <a:effectRef idx="0">
+            <a:schemeClr val="accent1"/>
+          </a:effectRef>
+          <a:fontRef idx="minor">
+            <a:schemeClr val="tx1"/>
+          </a:fontRef>
+        </p:style>
+      </p:cxnSp>
+      <p:sp>
+        <p:nvSpPr>
+          <p:cNvPr id="5" name="楕円 4">
+            <a:extLst>
+              <a:ext uri="{FF2B5EF4-FFF2-40B4-BE49-F238E27FC236}">
+                <a16:creationId xmlns:a16="http://schemas.microsoft.com/office/drawing/2014/main" id="{CD66E012-9F8C-448C-A8F2-A325D58925E0}"/>
+              </a:ext>
+            </a:extLst>
+          </p:cNvPr>
+          <p:cNvSpPr/>
+          <p:nvPr/>
+        </p:nvSpPr>
+        <p:spPr>
+          <a:xfrm>
+            <a:off x="827584" y="1844824"/>
+            <a:ext cx="288032" cy="288032"/>
+          </a:xfrm>
+          <a:prstGeom prst="ellipse">
+            <a:avLst/>
+          </a:prstGeom>
+          <a:solidFill>
+            <a:srgbClr val="011893"/>
+          </a:solidFill>
+          <a:ln>
+            <a:solidFill>
+              <a:schemeClr val="tx1"/>
+            </a:solidFill>
+          </a:ln>
+        </p:spPr>
+        <p:style>
+          <a:lnRef idx="2">
+            <a:schemeClr val="accent1">
+              <a:shade val="50000"/>
+            </a:schemeClr>
+          </a:lnRef>
+          <a:fillRef idx="1">
+            <a:schemeClr val="accent1"/>
+          </a:fillRef>
+          <a:effectRef idx="0">
+            <a:schemeClr val="accent1"/>
+          </a:effectRef>
+          <a:fontRef idx="minor">
+            <a:schemeClr val="lt1"/>
+          </a:fontRef>
+        </p:style>
+        <p:txBody>
+          <a:bodyPr rtlCol="0" anchor="ctr"/>
+          <a:lstStyle/>
+          <a:p>
+            <a:pPr algn="ctr"/>
+            <a:endParaRPr kumimoji="1" lang="ja-JP" altLang="en-US"/>
+          </a:p>
+        </p:txBody>
+      </p:sp>
+      <p:cxnSp>
+        <p:nvCxnSpPr>
+          <p:cNvPr id="6" name="直線コネクタ 5">
+            <a:extLst>
+              <a:ext uri="{FF2B5EF4-FFF2-40B4-BE49-F238E27FC236}">
+                <a16:creationId xmlns:a16="http://schemas.microsoft.com/office/drawing/2014/main" id="{3AABDD86-E5D5-4906-80F2-D06E831B5856}"/>
+              </a:ext>
+            </a:extLst>
+          </p:cNvPr>
+          <p:cNvCxnSpPr>
+            <a:cxnSpLocks/>
+            <a:stCxn id="5" idx="6"/>
+          </p:cNvCxnSpPr>
+          <p:nvPr/>
+        </p:nvCxnSpPr>
+        <p:spPr>
+          <a:xfrm>
+            <a:off x="1115616" y="1988840"/>
+            <a:ext cx="432048" cy="0"/>
+          </a:xfrm>
+          <a:prstGeom prst="line">
+            <a:avLst/>
+          </a:prstGeom>
+          <a:ln w="57150">
+            <a:solidFill>
+              <a:schemeClr val="tx1"/>
+            </a:solidFill>
+            <a:headEnd type="none" w="med" len="med"/>
+            <a:tailEnd type="none" w="med" len="med"/>
+          </a:ln>
+        </p:spPr>
+        <p:style>
+          <a:lnRef idx="1">
+            <a:schemeClr val="accent1"/>
+          </a:lnRef>
+          <a:fillRef idx="0">
+            <a:schemeClr val="accent1"/>
+          </a:fillRef>
+          <a:effectRef idx="0">
+            <a:schemeClr val="accent1"/>
+          </a:effectRef>
+          <a:fontRef idx="minor">
+            <a:schemeClr val="tx1"/>
+          </a:fontRef>
+        </p:style>
+      </p:cxnSp>
+      <p:sp>
+        <p:nvSpPr>
+          <p:cNvPr id="7" name="四角形: 1 つの角を切り取り 1 つの角を丸める 6">
+            <a:extLst>
+              <a:ext uri="{FF2B5EF4-FFF2-40B4-BE49-F238E27FC236}">
+                <a16:creationId xmlns:a16="http://schemas.microsoft.com/office/drawing/2014/main" id="{027D3778-DDB4-48C7-B2FC-C2290C9F3647}"/>
+              </a:ext>
+            </a:extLst>
+          </p:cNvPr>
+          <p:cNvSpPr/>
+          <p:nvPr/>
+        </p:nvSpPr>
+        <p:spPr>
+          <a:xfrm>
+            <a:off x="2555776" y="2564904"/>
+            <a:ext cx="1152128" cy="338336"/>
+          </a:xfrm>
+          <a:prstGeom prst="snipRoundRect">
+            <a:avLst>
+              <a:gd name="adj1" fmla="val 16667"/>
+              <a:gd name="adj2" fmla="val 35924"/>
+            </a:avLst>
+          </a:prstGeom>
+          <a:solidFill>
+            <a:schemeClr val="accent4">
+              <a:lumMod val="20000"/>
+              <a:lumOff val="80000"/>
+            </a:schemeClr>
+          </a:solidFill>
+          <a:ln>
+            <a:solidFill>
+              <a:schemeClr val="tx1"/>
+            </a:solidFill>
+          </a:ln>
+        </p:spPr>
+        <p:style>
+          <a:lnRef idx="2">
+            <a:schemeClr val="accent1">
+              <a:shade val="50000"/>
+            </a:schemeClr>
+          </a:lnRef>
+          <a:fillRef idx="1">
+            <a:schemeClr val="accent1"/>
+          </a:fillRef>
+          <a:effectRef idx="0">
+            <a:schemeClr val="accent1"/>
+          </a:effectRef>
+          <a:fontRef idx="minor">
+            <a:schemeClr val="lt1"/>
+          </a:fontRef>
+        </p:style>
+        <p:txBody>
+          <a:bodyPr rtlCol="0" anchor="ctr"/>
+          <a:lstStyle/>
+          <a:p>
+            <a:pPr algn="ctr"/>
+            <a:r>
+              <a:rPr kumimoji="1" lang="en-US" altLang="ja-JP">
+                <a:solidFill>
+                  <a:sysClr val="windowText" lastClr="000000"/>
+                </a:solidFill>
+                <a:latin typeface="Consolas" panose="020B0609020204030204" pitchFamily="49" charset="0"/>
+              </a:rPr>
+              <a:t>branch</a:t>
+            </a:r>
+            <a:endParaRPr kumimoji="1" lang="ja-JP" altLang="en-US">
+              <a:solidFill>
+                <a:sysClr val="windowText" lastClr="000000"/>
+              </a:solidFill>
+              <a:latin typeface="Consolas" panose="020B0609020204030204" pitchFamily="49" charset="0"/>
+            </a:endParaRPr>
+          </a:p>
+        </p:txBody>
+      </p:sp>
+      <p:sp>
+        <p:nvSpPr>
+          <p:cNvPr id="10" name="楕円 4">
+            <a:extLst>
+              <a:ext uri="{FF2B5EF4-FFF2-40B4-BE49-F238E27FC236}">
+                <a16:creationId xmlns:a16="http://schemas.microsoft.com/office/drawing/2014/main" id="{9E95CE15-951D-4411-9816-7491D4027BD1}"/>
+              </a:ext>
+            </a:extLst>
+          </p:cNvPr>
+          <p:cNvSpPr/>
+          <p:nvPr/>
+        </p:nvSpPr>
+        <p:spPr>
+          <a:xfrm>
+            <a:off x="2267744" y="1844824"/>
+            <a:ext cx="288032" cy="288032"/>
+          </a:xfrm>
+          <a:prstGeom prst="ellipse">
+            <a:avLst/>
+          </a:prstGeom>
+          <a:solidFill>
+            <a:srgbClr val="011893"/>
+          </a:solidFill>
+          <a:ln>
+            <a:solidFill>
+              <a:schemeClr val="tx1"/>
+            </a:solidFill>
+          </a:ln>
+        </p:spPr>
+        <p:style>
+          <a:lnRef idx="2">
+            <a:schemeClr val="accent1">
+              <a:shade val="50000"/>
+            </a:schemeClr>
+          </a:lnRef>
+          <a:fillRef idx="1">
+            <a:schemeClr val="accent1"/>
+          </a:fillRef>
+          <a:effectRef idx="0">
+            <a:schemeClr val="accent1"/>
+          </a:effectRef>
+          <a:fontRef idx="minor">
+            <a:schemeClr val="lt1"/>
+          </a:fontRef>
+        </p:style>
+        <p:txBody>
+          <a:bodyPr rtlCol="0" anchor="ctr"/>
+          <a:lstStyle/>
+          <a:p>
+            <a:pPr algn="ctr"/>
+            <a:endParaRPr kumimoji="1" lang="ja-JP" altLang="en-US"/>
+          </a:p>
+        </p:txBody>
+      </p:sp>
+      <p:cxnSp>
+        <p:nvCxnSpPr>
+          <p:cNvPr id="11" name="直線コネクタ 10">
+            <a:extLst>
+              <a:ext uri="{FF2B5EF4-FFF2-40B4-BE49-F238E27FC236}">
+                <a16:creationId xmlns:a16="http://schemas.microsoft.com/office/drawing/2014/main" id="{B38DED62-F9D6-4836-A1DC-24AF0E9CB2F4}"/>
+              </a:ext>
+            </a:extLst>
+          </p:cNvPr>
+          <p:cNvCxnSpPr>
+            <a:cxnSpLocks/>
+          </p:cNvCxnSpPr>
+          <p:nvPr/>
+        </p:nvCxnSpPr>
+        <p:spPr>
+          <a:xfrm>
+            <a:off x="1835696" y="1988840"/>
+            <a:ext cx="432048" cy="0"/>
+          </a:xfrm>
+          <a:prstGeom prst="line">
+            <a:avLst/>
+          </a:prstGeom>
+          <a:ln w="57150">
+            <a:solidFill>
+              <a:schemeClr val="tx1"/>
+            </a:solidFill>
+            <a:headEnd type="none" w="med" len="med"/>
+            <a:tailEnd type="none" w="med" len="med"/>
+          </a:ln>
+        </p:spPr>
+        <p:style>
+          <a:lnRef idx="1">
+            <a:schemeClr val="accent1"/>
+          </a:lnRef>
+          <a:fillRef idx="0">
+            <a:schemeClr val="accent1"/>
+          </a:fillRef>
+          <a:effectRef idx="0">
+            <a:schemeClr val="accent1"/>
+          </a:effectRef>
+          <a:fontRef idx="minor">
+            <a:schemeClr val="tx1"/>
+          </a:fontRef>
+        </p:style>
+      </p:cxnSp>
+      <p:sp>
+        <p:nvSpPr>
+          <p:cNvPr id="14" name="楕円 4">
+            <a:extLst>
+              <a:ext uri="{FF2B5EF4-FFF2-40B4-BE49-F238E27FC236}">
+                <a16:creationId xmlns:a16="http://schemas.microsoft.com/office/drawing/2014/main" id="{B874CD44-628D-4781-8411-9556E2BF455D}"/>
+              </a:ext>
+            </a:extLst>
+          </p:cNvPr>
+          <p:cNvSpPr/>
+          <p:nvPr/>
+        </p:nvSpPr>
+        <p:spPr>
+          <a:xfrm>
+            <a:off x="2987824" y="1844824"/>
+            <a:ext cx="288032" cy="288032"/>
+          </a:xfrm>
+          <a:prstGeom prst="ellipse">
+            <a:avLst/>
+          </a:prstGeom>
+          <a:solidFill>
+            <a:srgbClr val="011893"/>
+          </a:solidFill>
+          <a:ln>
+            <a:solidFill>
+              <a:schemeClr val="tx1"/>
+            </a:solidFill>
+          </a:ln>
+        </p:spPr>
+        <p:style>
+          <a:lnRef idx="2">
+            <a:schemeClr val="accent1">
+              <a:shade val="50000"/>
+            </a:schemeClr>
+          </a:lnRef>
+          <a:fillRef idx="1">
+            <a:schemeClr val="accent1"/>
+          </a:fillRef>
+          <a:effectRef idx="0">
+            <a:schemeClr val="accent1"/>
+          </a:effectRef>
+          <a:fontRef idx="minor">
+            <a:schemeClr val="lt1"/>
+          </a:fontRef>
+        </p:style>
+        <p:txBody>
+          <a:bodyPr rtlCol="0" anchor="ctr"/>
+          <a:lstStyle/>
+          <a:p>
+            <a:pPr algn="ctr"/>
+            <a:endParaRPr kumimoji="1" lang="ja-JP" altLang="en-US"/>
+          </a:p>
+        </p:txBody>
+      </p:sp>
+      <p:cxnSp>
+        <p:nvCxnSpPr>
+          <p:cNvPr id="15" name="直線コネクタ 14">
+            <a:extLst>
+              <a:ext uri="{FF2B5EF4-FFF2-40B4-BE49-F238E27FC236}">
+                <a16:creationId xmlns:a16="http://schemas.microsoft.com/office/drawing/2014/main" id="{2D511D2C-AAAD-4345-8D09-9A68B6A1081A}"/>
+              </a:ext>
+            </a:extLst>
+          </p:cNvPr>
+          <p:cNvCxnSpPr>
+            <a:cxnSpLocks/>
+          </p:cNvCxnSpPr>
+          <p:nvPr/>
+        </p:nvCxnSpPr>
+        <p:spPr>
+          <a:xfrm>
+            <a:off x="2555776" y="1988840"/>
+            <a:ext cx="432048" cy="0"/>
+          </a:xfrm>
+          <a:prstGeom prst="line">
+            <a:avLst/>
+          </a:prstGeom>
+          <a:ln w="57150">
+            <a:solidFill>
+              <a:schemeClr val="tx1"/>
+            </a:solidFill>
+            <a:headEnd type="none" w="med" len="med"/>
+            <a:tailEnd type="none" w="med" len="med"/>
+          </a:ln>
+        </p:spPr>
+        <p:style>
+          <a:lnRef idx="1">
+            <a:schemeClr val="accent1"/>
+          </a:lnRef>
+          <a:fillRef idx="0">
+            <a:schemeClr val="accent1"/>
+          </a:fillRef>
+          <a:effectRef idx="0">
+            <a:schemeClr val="accent1"/>
+          </a:effectRef>
+          <a:fontRef idx="minor">
+            <a:schemeClr val="tx1"/>
+          </a:fontRef>
+        </p:style>
+      </p:cxnSp>
+      <p:cxnSp>
+        <p:nvCxnSpPr>
+          <p:cNvPr id="17" name="直線矢印コネクタ 16">
+            <a:extLst>
+              <a:ext uri="{FF2B5EF4-FFF2-40B4-BE49-F238E27FC236}">
+                <a16:creationId xmlns:a16="http://schemas.microsoft.com/office/drawing/2014/main" id="{13082AB3-0531-4B28-9239-AA099CFF75DB}"/>
+              </a:ext>
+            </a:extLst>
+          </p:cNvPr>
+          <p:cNvCxnSpPr>
+            <a:stCxn id="7" idx="3"/>
+            <a:endCxn id="14" idx="4"/>
+          </p:cNvCxnSpPr>
+          <p:nvPr/>
+        </p:nvCxnSpPr>
+        <p:spPr>
+          <a:xfrm flipV="1">
+            <a:off x="3131840" y="2132856"/>
+            <a:ext cx="0" cy="432048"/>
+          </a:xfrm>
+          <a:prstGeom prst="straightConnector1">
+            <a:avLst/>
+          </a:prstGeom>
+          <a:ln w="12700">
+            <a:solidFill>
+              <a:schemeClr val="tx1"/>
+            </a:solidFill>
+            <a:tailEnd type="triangle"/>
+          </a:ln>
+        </p:spPr>
+        <p:style>
+          <a:lnRef idx="1">
+            <a:schemeClr val="accent1"/>
+          </a:lnRef>
+          <a:fillRef idx="0">
+            <a:schemeClr val="accent1"/>
+          </a:fillRef>
+          <a:effectRef idx="0">
+            <a:schemeClr val="accent1"/>
+          </a:effectRef>
+          <a:fontRef idx="minor">
+            <a:schemeClr val="tx1"/>
+          </a:fontRef>
+        </p:style>
+      </p:cxnSp>
+      <p:sp>
+        <p:nvSpPr>
+          <p:cNvPr id="18" name="楕円 4">
+            <a:extLst>
+              <a:ext uri="{FF2B5EF4-FFF2-40B4-BE49-F238E27FC236}">
+                <a16:creationId xmlns:a16="http://schemas.microsoft.com/office/drawing/2014/main" id="{2ADFF1F1-1CB0-453B-8583-E900D3A6D0D3}"/>
+              </a:ext>
+            </a:extLst>
+          </p:cNvPr>
+          <p:cNvSpPr/>
+          <p:nvPr/>
+        </p:nvSpPr>
+        <p:spPr>
+          <a:xfrm>
+            <a:off x="5868144" y="1844824"/>
+            <a:ext cx="288032" cy="288032"/>
+          </a:xfrm>
+          <a:prstGeom prst="ellipse">
+            <a:avLst/>
+          </a:prstGeom>
+          <a:solidFill>
+            <a:srgbClr val="011893"/>
+          </a:solidFill>
+          <a:ln>
+            <a:solidFill>
+              <a:schemeClr val="tx1"/>
+            </a:solidFill>
+          </a:ln>
+        </p:spPr>
+        <p:style>
+          <a:lnRef idx="2">
+            <a:schemeClr val="accent1">
+              <a:shade val="50000"/>
+            </a:schemeClr>
+          </a:lnRef>
+          <a:fillRef idx="1">
+            <a:schemeClr val="accent1"/>
+          </a:fillRef>
+          <a:effectRef idx="0">
+            <a:schemeClr val="accent1"/>
+          </a:effectRef>
+          <a:fontRef idx="minor">
+            <a:schemeClr val="lt1"/>
+          </a:fontRef>
+        </p:style>
+        <p:txBody>
+          <a:bodyPr rtlCol="0" anchor="ctr"/>
+          <a:lstStyle/>
+          <a:p>
+            <a:pPr algn="ctr"/>
+            <a:endParaRPr kumimoji="1" lang="ja-JP" altLang="en-US"/>
+          </a:p>
+        </p:txBody>
+      </p:sp>
+      <p:sp>
+        <p:nvSpPr>
+          <p:cNvPr id="19" name="四角形: 1 つの角を切り取り 1 つの角を丸める 18">
+            <a:extLst>
+              <a:ext uri="{FF2B5EF4-FFF2-40B4-BE49-F238E27FC236}">
+                <a16:creationId xmlns:a16="http://schemas.microsoft.com/office/drawing/2014/main" id="{C05334A5-D1B7-4DDF-BE22-279E109AA12B}"/>
+              </a:ext>
+            </a:extLst>
+          </p:cNvPr>
+          <p:cNvSpPr/>
+          <p:nvPr/>
+        </p:nvSpPr>
+        <p:spPr>
+          <a:xfrm>
+            <a:off x="6876256" y="1124744"/>
+            <a:ext cx="1152128" cy="338336"/>
+          </a:xfrm>
+          <a:prstGeom prst="snipRoundRect">
+            <a:avLst>
+              <a:gd name="adj1" fmla="val 16667"/>
+              <a:gd name="adj2" fmla="val 35924"/>
+            </a:avLst>
+          </a:prstGeom>
+          <a:solidFill>
+            <a:schemeClr val="accent6">
+              <a:lumMod val="20000"/>
+              <a:lumOff val="80000"/>
+            </a:schemeClr>
+          </a:solidFill>
+          <a:ln>
+            <a:solidFill>
+              <a:schemeClr val="tx1"/>
+            </a:solidFill>
+          </a:ln>
+        </p:spPr>
+        <p:style>
+          <a:lnRef idx="2">
+            <a:schemeClr val="accent1">
+              <a:shade val="50000"/>
+            </a:schemeClr>
+          </a:lnRef>
+          <a:fillRef idx="1">
+            <a:schemeClr val="accent1"/>
+          </a:fillRef>
+          <a:effectRef idx="0">
+            <a:schemeClr val="accent1"/>
+          </a:effectRef>
+          <a:fontRef idx="minor">
+            <a:schemeClr val="lt1"/>
+          </a:fontRef>
+        </p:style>
+        <p:txBody>
+          <a:bodyPr rtlCol="0" anchor="ctr"/>
+          <a:lstStyle/>
+          <a:p>
+            <a:pPr algn="ctr"/>
+            <a:r>
+              <a:rPr kumimoji="1" lang="en-US" altLang="ja-JP">
+                <a:solidFill>
+                  <a:sysClr val="windowText" lastClr="000000"/>
+                </a:solidFill>
+                <a:latin typeface="Consolas" panose="020B0609020204030204" pitchFamily="49" charset="0"/>
+              </a:rPr>
+              <a:t>master</a:t>
+            </a:r>
+            <a:endParaRPr kumimoji="1" lang="ja-JP" altLang="en-US">
+              <a:solidFill>
+                <a:sysClr val="windowText" lastClr="000000"/>
+              </a:solidFill>
+              <a:latin typeface="Consolas" panose="020B0609020204030204" pitchFamily="49" charset="0"/>
+            </a:endParaRPr>
+          </a:p>
+        </p:txBody>
+      </p:sp>
+      <p:cxnSp>
+        <p:nvCxnSpPr>
+          <p:cNvPr id="20" name="直線矢印コネクタ 19">
+            <a:extLst>
+              <a:ext uri="{FF2B5EF4-FFF2-40B4-BE49-F238E27FC236}">
+                <a16:creationId xmlns:a16="http://schemas.microsoft.com/office/drawing/2014/main" id="{D2C370D9-1D09-42EC-A881-D88B45373DC2}"/>
+              </a:ext>
+            </a:extLst>
+          </p:cNvPr>
+          <p:cNvCxnSpPr>
+            <a:cxnSpLocks/>
+            <a:stCxn id="19" idx="1"/>
+          </p:cNvCxnSpPr>
+          <p:nvPr/>
+        </p:nvCxnSpPr>
+        <p:spPr>
+          <a:xfrm>
+            <a:off x="7452320" y="1463080"/>
+            <a:ext cx="0" cy="381744"/>
+          </a:xfrm>
+          <a:prstGeom prst="straightConnector1">
+            <a:avLst/>
+          </a:prstGeom>
+          <a:ln w="12700">
+            <a:solidFill>
+              <a:schemeClr val="tx1"/>
+            </a:solidFill>
+            <a:tailEnd type="triangle"/>
+          </a:ln>
+        </p:spPr>
+        <p:style>
+          <a:lnRef idx="1">
+            <a:schemeClr val="accent1"/>
+          </a:lnRef>
+          <a:fillRef idx="0">
+            <a:schemeClr val="accent1"/>
+          </a:fillRef>
+          <a:effectRef idx="0">
+            <a:schemeClr val="accent1"/>
+          </a:effectRef>
+          <a:fontRef idx="minor">
+            <a:schemeClr val="tx1"/>
+          </a:fontRef>
+        </p:style>
+      </p:cxnSp>
+      <p:sp>
+        <p:nvSpPr>
+          <p:cNvPr id="21" name="楕円 20">
+            <a:extLst>
+              <a:ext uri="{FF2B5EF4-FFF2-40B4-BE49-F238E27FC236}">
+                <a16:creationId xmlns:a16="http://schemas.microsoft.com/office/drawing/2014/main" id="{BFC7A06C-1E4F-42C9-AB5D-1417966966BC}"/>
+              </a:ext>
+            </a:extLst>
+          </p:cNvPr>
+          <p:cNvSpPr/>
+          <p:nvPr/>
+        </p:nvSpPr>
+        <p:spPr>
+          <a:xfrm>
+            <a:off x="5148064" y="1844824"/>
+            <a:ext cx="288032" cy="288032"/>
+          </a:xfrm>
+          <a:prstGeom prst="ellipse">
+            <a:avLst/>
+          </a:prstGeom>
+          <a:solidFill>
+            <a:srgbClr val="011893"/>
+          </a:solidFill>
+          <a:ln>
+            <a:solidFill>
+              <a:schemeClr val="tx1"/>
+            </a:solidFill>
+          </a:ln>
+        </p:spPr>
+        <p:style>
+          <a:lnRef idx="2">
+            <a:schemeClr val="accent1">
+              <a:shade val="50000"/>
+            </a:schemeClr>
+          </a:lnRef>
+          <a:fillRef idx="1">
+            <a:schemeClr val="accent1"/>
+          </a:fillRef>
+          <a:effectRef idx="0">
+            <a:schemeClr val="accent1"/>
+          </a:effectRef>
+          <a:fontRef idx="minor">
+            <a:schemeClr val="lt1"/>
+          </a:fontRef>
+        </p:style>
+        <p:txBody>
+          <a:bodyPr rtlCol="0" anchor="ctr"/>
+          <a:lstStyle/>
+          <a:p>
+            <a:pPr algn="ctr"/>
+            <a:endParaRPr kumimoji="1" lang="ja-JP" altLang="en-US"/>
+          </a:p>
+        </p:txBody>
+      </p:sp>
+      <p:cxnSp>
+        <p:nvCxnSpPr>
+          <p:cNvPr id="22" name="直線コネクタ 21">
+            <a:extLst>
+              <a:ext uri="{FF2B5EF4-FFF2-40B4-BE49-F238E27FC236}">
+                <a16:creationId xmlns:a16="http://schemas.microsoft.com/office/drawing/2014/main" id="{4ECB9857-D2FE-4C4E-AEEB-49CA4E3DE2FA}"/>
+              </a:ext>
+            </a:extLst>
+          </p:cNvPr>
+          <p:cNvCxnSpPr>
+            <a:cxnSpLocks/>
+            <a:stCxn id="21" idx="6"/>
+          </p:cNvCxnSpPr>
+          <p:nvPr/>
+        </p:nvCxnSpPr>
+        <p:spPr>
+          <a:xfrm>
+            <a:off x="5436096" y="1988840"/>
+            <a:ext cx="432048" cy="0"/>
+          </a:xfrm>
+          <a:prstGeom prst="line">
+            <a:avLst/>
+          </a:prstGeom>
+          <a:ln w="57150">
+            <a:solidFill>
+              <a:schemeClr val="tx1"/>
+            </a:solidFill>
+            <a:headEnd type="none" w="med" len="med"/>
+            <a:tailEnd type="none" w="med" len="med"/>
+          </a:ln>
+        </p:spPr>
+        <p:style>
+          <a:lnRef idx="1">
+            <a:schemeClr val="accent1"/>
+          </a:lnRef>
+          <a:fillRef idx="0">
+            <a:schemeClr val="accent1"/>
+          </a:fillRef>
+          <a:effectRef idx="0">
+            <a:schemeClr val="accent1"/>
+          </a:effectRef>
+          <a:fontRef idx="minor">
+            <a:schemeClr val="tx1"/>
+          </a:fontRef>
+        </p:style>
+      </p:cxnSp>
+      <p:sp>
+        <p:nvSpPr>
+          <p:cNvPr id="23" name="四角形: 1 つの角を切り取り 1 つの角を丸める 22">
+            <a:extLst>
+              <a:ext uri="{FF2B5EF4-FFF2-40B4-BE49-F238E27FC236}">
+                <a16:creationId xmlns:a16="http://schemas.microsoft.com/office/drawing/2014/main" id="{94F2D936-6E5E-4D26-BC2E-8D729CA6A0E1}"/>
+              </a:ext>
+            </a:extLst>
+          </p:cNvPr>
+          <p:cNvSpPr/>
+          <p:nvPr/>
+        </p:nvSpPr>
+        <p:spPr>
+          <a:xfrm>
+            <a:off x="6876256" y="2564904"/>
+            <a:ext cx="1152128" cy="338336"/>
+          </a:xfrm>
+          <a:prstGeom prst="snipRoundRect">
+            <a:avLst>
+              <a:gd name="adj1" fmla="val 16667"/>
+              <a:gd name="adj2" fmla="val 35924"/>
+            </a:avLst>
+          </a:prstGeom>
+          <a:solidFill>
+            <a:schemeClr val="accent4">
+              <a:lumMod val="20000"/>
+              <a:lumOff val="80000"/>
+            </a:schemeClr>
+          </a:solidFill>
+          <a:ln>
+            <a:solidFill>
+              <a:schemeClr val="tx1"/>
+            </a:solidFill>
+          </a:ln>
+        </p:spPr>
+        <p:style>
+          <a:lnRef idx="2">
+            <a:schemeClr val="accent1">
+              <a:shade val="50000"/>
+            </a:schemeClr>
+          </a:lnRef>
+          <a:fillRef idx="1">
+            <a:schemeClr val="accent1"/>
+          </a:fillRef>
+          <a:effectRef idx="0">
+            <a:schemeClr val="accent1"/>
+          </a:effectRef>
+          <a:fontRef idx="minor">
+            <a:schemeClr val="lt1"/>
+          </a:fontRef>
+        </p:style>
+        <p:txBody>
+          <a:bodyPr rtlCol="0" anchor="ctr"/>
+          <a:lstStyle/>
+          <a:p>
+            <a:pPr algn="ctr"/>
+            <a:r>
+              <a:rPr kumimoji="1" lang="en-US" altLang="ja-JP">
+                <a:solidFill>
+                  <a:sysClr val="windowText" lastClr="000000"/>
+                </a:solidFill>
+                <a:latin typeface="Consolas" panose="020B0609020204030204" pitchFamily="49" charset="0"/>
+              </a:rPr>
+              <a:t>branch</a:t>
+            </a:r>
+            <a:endParaRPr kumimoji="1" lang="ja-JP" altLang="en-US">
+              <a:solidFill>
+                <a:sysClr val="windowText" lastClr="000000"/>
+              </a:solidFill>
+              <a:latin typeface="Consolas" panose="020B0609020204030204" pitchFamily="49" charset="0"/>
+            </a:endParaRPr>
+          </a:p>
+        </p:txBody>
+      </p:sp>
+      <p:sp>
+        <p:nvSpPr>
+          <p:cNvPr id="24" name="楕円 4">
+            <a:extLst>
+              <a:ext uri="{FF2B5EF4-FFF2-40B4-BE49-F238E27FC236}">
+                <a16:creationId xmlns:a16="http://schemas.microsoft.com/office/drawing/2014/main" id="{1FA2B5DC-224A-4064-AF99-CB451C01693D}"/>
+              </a:ext>
+            </a:extLst>
+          </p:cNvPr>
+          <p:cNvSpPr/>
+          <p:nvPr/>
+        </p:nvSpPr>
+        <p:spPr>
+          <a:xfrm>
+            <a:off x="6588224" y="1844824"/>
+            <a:ext cx="288032" cy="288032"/>
+          </a:xfrm>
+          <a:prstGeom prst="ellipse">
+            <a:avLst/>
+          </a:prstGeom>
+          <a:solidFill>
+            <a:srgbClr val="011893"/>
+          </a:solidFill>
+          <a:ln>
+            <a:solidFill>
+              <a:schemeClr val="tx1"/>
+            </a:solidFill>
+          </a:ln>
+        </p:spPr>
+        <p:style>
+          <a:lnRef idx="2">
+            <a:schemeClr val="accent1">
+              <a:shade val="50000"/>
+            </a:schemeClr>
+          </a:lnRef>
+          <a:fillRef idx="1">
+            <a:schemeClr val="accent1"/>
+          </a:fillRef>
+          <a:effectRef idx="0">
+            <a:schemeClr val="accent1"/>
+          </a:effectRef>
+          <a:fontRef idx="minor">
+            <a:schemeClr val="lt1"/>
+          </a:fontRef>
+        </p:style>
+        <p:txBody>
+          <a:bodyPr rtlCol="0" anchor="ctr"/>
+          <a:lstStyle/>
+          <a:p>
+            <a:pPr algn="ctr"/>
+            <a:endParaRPr kumimoji="1" lang="ja-JP" altLang="en-US"/>
+          </a:p>
+        </p:txBody>
+      </p:sp>
+      <p:cxnSp>
+        <p:nvCxnSpPr>
+          <p:cNvPr id="25" name="直線コネクタ 24">
+            <a:extLst>
+              <a:ext uri="{FF2B5EF4-FFF2-40B4-BE49-F238E27FC236}">
+                <a16:creationId xmlns:a16="http://schemas.microsoft.com/office/drawing/2014/main" id="{D0CA2955-58DF-471B-8E51-42C02EC8211A}"/>
+              </a:ext>
+            </a:extLst>
+          </p:cNvPr>
+          <p:cNvCxnSpPr>
+            <a:cxnSpLocks/>
+          </p:cNvCxnSpPr>
+          <p:nvPr/>
+        </p:nvCxnSpPr>
+        <p:spPr>
+          <a:xfrm>
+            <a:off x="6156176" y="1988840"/>
+            <a:ext cx="432048" cy="0"/>
+          </a:xfrm>
+          <a:prstGeom prst="line">
+            <a:avLst/>
+          </a:prstGeom>
+          <a:ln w="57150">
+            <a:solidFill>
+              <a:schemeClr val="tx1"/>
+            </a:solidFill>
+            <a:headEnd type="none" w="med" len="med"/>
+            <a:tailEnd type="none" w="med" len="med"/>
+          </a:ln>
+        </p:spPr>
+        <p:style>
+          <a:lnRef idx="1">
+            <a:schemeClr val="accent1"/>
+          </a:lnRef>
+          <a:fillRef idx="0">
+            <a:schemeClr val="accent1"/>
+          </a:fillRef>
+          <a:effectRef idx="0">
+            <a:schemeClr val="accent1"/>
+          </a:effectRef>
+          <a:fontRef idx="minor">
+            <a:schemeClr val="tx1"/>
+          </a:fontRef>
+        </p:style>
+      </p:cxnSp>
+      <p:sp>
+        <p:nvSpPr>
+          <p:cNvPr id="26" name="楕円 4">
+            <a:extLst>
+              <a:ext uri="{FF2B5EF4-FFF2-40B4-BE49-F238E27FC236}">
+                <a16:creationId xmlns:a16="http://schemas.microsoft.com/office/drawing/2014/main" id="{92C6B4B9-FC13-4258-9AE3-487A05870260}"/>
+              </a:ext>
+            </a:extLst>
+          </p:cNvPr>
+          <p:cNvSpPr/>
+          <p:nvPr/>
+        </p:nvSpPr>
+        <p:spPr>
+          <a:xfrm>
+            <a:off x="7308304" y="1844824"/>
+            <a:ext cx="288032" cy="288032"/>
+          </a:xfrm>
+          <a:prstGeom prst="ellipse">
+            <a:avLst/>
+          </a:prstGeom>
+          <a:solidFill>
+            <a:srgbClr val="011893"/>
+          </a:solidFill>
+          <a:ln>
+            <a:solidFill>
+              <a:schemeClr val="tx1"/>
+            </a:solidFill>
+          </a:ln>
+        </p:spPr>
+        <p:style>
+          <a:lnRef idx="2">
+            <a:schemeClr val="accent1">
+              <a:shade val="50000"/>
+            </a:schemeClr>
+          </a:lnRef>
+          <a:fillRef idx="1">
+            <a:schemeClr val="accent1"/>
+          </a:fillRef>
+          <a:effectRef idx="0">
+            <a:schemeClr val="accent1"/>
+          </a:effectRef>
+          <a:fontRef idx="minor">
+            <a:schemeClr val="lt1"/>
+          </a:fontRef>
+        </p:style>
+        <p:txBody>
+          <a:bodyPr rtlCol="0" anchor="ctr"/>
+          <a:lstStyle/>
+          <a:p>
+            <a:pPr algn="ctr"/>
+            <a:endParaRPr kumimoji="1" lang="ja-JP" altLang="en-US"/>
+          </a:p>
+        </p:txBody>
+      </p:sp>
+      <p:cxnSp>
+        <p:nvCxnSpPr>
+          <p:cNvPr id="27" name="直線コネクタ 26">
+            <a:extLst>
+              <a:ext uri="{FF2B5EF4-FFF2-40B4-BE49-F238E27FC236}">
+                <a16:creationId xmlns:a16="http://schemas.microsoft.com/office/drawing/2014/main" id="{F6167EA1-3CB3-42C2-873D-2E27AFFCC0F9}"/>
+              </a:ext>
+            </a:extLst>
+          </p:cNvPr>
+          <p:cNvCxnSpPr>
+            <a:cxnSpLocks/>
+          </p:cNvCxnSpPr>
+          <p:nvPr/>
+        </p:nvCxnSpPr>
+        <p:spPr>
+          <a:xfrm>
+            <a:off x="6876256" y="1988840"/>
+            <a:ext cx="432048" cy="0"/>
+          </a:xfrm>
+          <a:prstGeom prst="line">
+            <a:avLst/>
+          </a:prstGeom>
+          <a:ln w="57150">
+            <a:solidFill>
+              <a:schemeClr val="tx1"/>
+            </a:solidFill>
+            <a:headEnd type="none" w="med" len="med"/>
+            <a:tailEnd type="none" w="med" len="med"/>
+          </a:ln>
+        </p:spPr>
+        <p:style>
+          <a:lnRef idx="1">
+            <a:schemeClr val="accent1"/>
+          </a:lnRef>
+          <a:fillRef idx="0">
+            <a:schemeClr val="accent1"/>
+          </a:fillRef>
+          <a:effectRef idx="0">
+            <a:schemeClr val="accent1"/>
+          </a:effectRef>
+          <a:fontRef idx="minor">
+            <a:schemeClr val="tx1"/>
+          </a:fontRef>
+        </p:style>
+      </p:cxnSp>
+      <p:cxnSp>
+        <p:nvCxnSpPr>
+          <p:cNvPr id="28" name="直線矢印コネクタ 27">
+            <a:extLst>
+              <a:ext uri="{FF2B5EF4-FFF2-40B4-BE49-F238E27FC236}">
+                <a16:creationId xmlns:a16="http://schemas.microsoft.com/office/drawing/2014/main" id="{5AF72AE9-05F7-4578-9C1E-C905516488BE}"/>
+              </a:ext>
+            </a:extLst>
+          </p:cNvPr>
+          <p:cNvCxnSpPr>
+            <a:stCxn id="23" idx="3"/>
+            <a:endCxn id="26" idx="4"/>
+          </p:cNvCxnSpPr>
+          <p:nvPr/>
+        </p:nvCxnSpPr>
+        <p:spPr>
+          <a:xfrm flipV="1">
+            <a:off x="7452320" y="2132856"/>
+            <a:ext cx="0" cy="432048"/>
+          </a:xfrm>
+          <a:prstGeom prst="straightConnector1">
+            <a:avLst/>
+          </a:prstGeom>
+          <a:ln w="12700">
+            <a:solidFill>
+              <a:schemeClr val="tx1"/>
+            </a:solidFill>
+            <a:tailEnd type="triangle"/>
+          </a:ln>
+        </p:spPr>
+        <p:style>
+          <a:lnRef idx="1">
+            <a:schemeClr val="accent1"/>
+          </a:lnRef>
+          <a:fillRef idx="0">
+            <a:schemeClr val="accent1"/>
+          </a:fillRef>
+          <a:effectRef idx="0">
+            <a:schemeClr val="accent1"/>
+          </a:effectRef>
+          <a:fontRef idx="minor">
+            <a:schemeClr val="tx1"/>
+          </a:fontRef>
+        </p:style>
+      </p:cxnSp>
+      <p:sp>
+        <p:nvSpPr>
+          <p:cNvPr id="29" name="矢印: 右 28">
+            <a:extLst>
+              <a:ext uri="{FF2B5EF4-FFF2-40B4-BE49-F238E27FC236}">
+                <a16:creationId xmlns:a16="http://schemas.microsoft.com/office/drawing/2014/main" id="{F6D0B6FF-F5B3-4147-829B-7072212C583B}"/>
+              </a:ext>
+            </a:extLst>
+          </p:cNvPr>
+          <p:cNvSpPr/>
+          <p:nvPr/>
+        </p:nvSpPr>
+        <p:spPr>
+          <a:xfrm>
+            <a:off x="4067944" y="1772816"/>
+            <a:ext cx="360040" cy="412624"/>
+          </a:xfrm>
+          <a:prstGeom prst="rightArrow">
+            <a:avLst/>
+          </a:prstGeom>
+          <a:solidFill>
+            <a:srgbClr val="FF0000"/>
+          </a:solidFill>
+          <a:ln>
+            <a:solidFill>
+              <a:schemeClr val="tx1"/>
+            </a:solidFill>
+          </a:ln>
+        </p:spPr>
+        <p:style>
+          <a:lnRef idx="2">
+            <a:schemeClr val="accent1">
+              <a:shade val="50000"/>
+            </a:schemeClr>
+          </a:lnRef>
+          <a:fillRef idx="1">
+            <a:schemeClr val="accent1"/>
+          </a:fillRef>
+          <a:effectRef idx="0">
+            <a:schemeClr val="accent1"/>
+          </a:effectRef>
+          <a:fontRef idx="minor">
+            <a:schemeClr val="lt1"/>
+          </a:fontRef>
+        </p:style>
+        <p:txBody>
+          <a:bodyPr rtlCol="0" anchor="ctr"/>
+          <a:lstStyle/>
+          <a:p>
+            <a:pPr algn="ctr"/>
+            <a:endParaRPr kumimoji="1" lang="ja-JP" altLang="en-US"/>
+          </a:p>
+        </p:txBody>
+      </p:sp>
+      <p:sp>
+        <p:nvSpPr>
+          <p:cNvPr id="30" name="楕円 4">
+            <a:extLst>
+              <a:ext uri="{FF2B5EF4-FFF2-40B4-BE49-F238E27FC236}">
+                <a16:creationId xmlns:a16="http://schemas.microsoft.com/office/drawing/2014/main" id="{03F50E4F-B518-42FA-A0D6-5662BBF6DDAE}"/>
+              </a:ext>
+            </a:extLst>
+          </p:cNvPr>
+          <p:cNvSpPr/>
+          <p:nvPr/>
+        </p:nvSpPr>
+        <p:spPr>
+          <a:xfrm>
+            <a:off x="1259632" y="5178896"/>
+            <a:ext cx="288032" cy="288032"/>
+          </a:xfrm>
+          <a:prstGeom prst="ellipse">
+            <a:avLst/>
+          </a:prstGeom>
+          <a:solidFill>
+            <a:srgbClr val="011893"/>
+          </a:solidFill>
+          <a:ln>
+            <a:solidFill>
+              <a:schemeClr val="tx1"/>
+            </a:solidFill>
+          </a:ln>
+        </p:spPr>
+        <p:style>
+          <a:lnRef idx="2">
+            <a:schemeClr val="accent1">
+              <a:shade val="50000"/>
+            </a:schemeClr>
+          </a:lnRef>
+          <a:fillRef idx="1">
+            <a:schemeClr val="accent1"/>
+          </a:fillRef>
+          <a:effectRef idx="0">
+            <a:schemeClr val="accent1"/>
+          </a:effectRef>
+          <a:fontRef idx="minor">
+            <a:schemeClr val="lt1"/>
+          </a:fontRef>
+        </p:style>
+        <p:txBody>
+          <a:bodyPr rtlCol="0" anchor="ctr"/>
+          <a:lstStyle/>
+          <a:p>
+            <a:pPr algn="ctr"/>
+            <a:endParaRPr kumimoji="1" lang="ja-JP" altLang="en-US"/>
+          </a:p>
+        </p:txBody>
+      </p:sp>
+      <p:sp>
+        <p:nvSpPr>
+          <p:cNvPr id="31" name="四角形: 1 つの角を切り取り 1 つの角を丸める 30">
+            <a:extLst>
+              <a:ext uri="{FF2B5EF4-FFF2-40B4-BE49-F238E27FC236}">
+                <a16:creationId xmlns:a16="http://schemas.microsoft.com/office/drawing/2014/main" id="{935494A9-44AB-4168-9867-8A3350B5C3ED}"/>
+              </a:ext>
+            </a:extLst>
+          </p:cNvPr>
+          <p:cNvSpPr/>
+          <p:nvPr/>
+        </p:nvSpPr>
+        <p:spPr>
+          <a:xfrm>
+            <a:off x="395536" y="4005064"/>
+            <a:ext cx="1152128" cy="338336"/>
+          </a:xfrm>
+          <a:prstGeom prst="snipRoundRect">
+            <a:avLst>
+              <a:gd name="adj1" fmla="val 16667"/>
+              <a:gd name="adj2" fmla="val 35924"/>
+            </a:avLst>
+          </a:prstGeom>
+          <a:solidFill>
+            <a:schemeClr val="accent6">
+              <a:lumMod val="20000"/>
+              <a:lumOff val="80000"/>
+            </a:schemeClr>
+          </a:solidFill>
+          <a:ln>
+            <a:solidFill>
+              <a:schemeClr val="tx1"/>
+            </a:solidFill>
+          </a:ln>
+        </p:spPr>
+        <p:style>
+          <a:lnRef idx="2">
+            <a:schemeClr val="accent1">
+              <a:shade val="50000"/>
+            </a:schemeClr>
+          </a:lnRef>
+          <a:fillRef idx="1">
+            <a:schemeClr val="accent1"/>
+          </a:fillRef>
+          <a:effectRef idx="0">
+            <a:schemeClr val="accent1"/>
+          </a:effectRef>
+          <a:fontRef idx="minor">
+            <a:schemeClr val="lt1"/>
+          </a:fontRef>
+        </p:style>
+        <p:txBody>
+          <a:bodyPr rtlCol="0" anchor="ctr"/>
+          <a:lstStyle/>
+          <a:p>
+            <a:pPr algn="ctr"/>
+            <a:r>
+              <a:rPr kumimoji="1" lang="en-US" altLang="ja-JP">
+                <a:solidFill>
+                  <a:sysClr val="windowText" lastClr="000000"/>
+                </a:solidFill>
+                <a:latin typeface="Consolas" panose="020B0609020204030204" pitchFamily="49" charset="0"/>
+              </a:rPr>
+              <a:t>master</a:t>
+            </a:r>
+            <a:endParaRPr kumimoji="1" lang="ja-JP" altLang="en-US">
+              <a:solidFill>
+                <a:sysClr val="windowText" lastClr="000000"/>
+              </a:solidFill>
+              <a:latin typeface="Consolas" panose="020B0609020204030204" pitchFamily="49" charset="0"/>
+            </a:endParaRPr>
+          </a:p>
+        </p:txBody>
+      </p:sp>
+      <p:cxnSp>
+        <p:nvCxnSpPr>
+          <p:cNvPr id="32" name="直線矢印コネクタ 31">
+            <a:extLst>
+              <a:ext uri="{FF2B5EF4-FFF2-40B4-BE49-F238E27FC236}">
+                <a16:creationId xmlns:a16="http://schemas.microsoft.com/office/drawing/2014/main" id="{145A057A-2079-41D0-997C-F638980753C2}"/>
+              </a:ext>
+            </a:extLst>
+          </p:cNvPr>
+          <p:cNvCxnSpPr>
+            <a:cxnSpLocks/>
+            <a:stCxn id="31" idx="1"/>
+          </p:cNvCxnSpPr>
+          <p:nvPr/>
+        </p:nvCxnSpPr>
+        <p:spPr>
+          <a:xfrm>
+            <a:off x="971600" y="4343400"/>
+            <a:ext cx="0" cy="381744"/>
+          </a:xfrm>
+          <a:prstGeom prst="straightConnector1">
+            <a:avLst/>
+          </a:prstGeom>
+          <a:ln w="12700">
+            <a:solidFill>
+              <a:schemeClr val="tx1"/>
+            </a:solidFill>
+            <a:tailEnd type="triangle"/>
+          </a:ln>
+        </p:spPr>
+        <p:style>
+          <a:lnRef idx="1">
+            <a:schemeClr val="accent1"/>
+          </a:lnRef>
+          <a:fillRef idx="0">
+            <a:schemeClr val="accent1"/>
+          </a:fillRef>
+          <a:effectRef idx="0">
+            <a:schemeClr val="accent1"/>
+          </a:effectRef>
+          <a:fontRef idx="minor">
+            <a:schemeClr val="tx1"/>
+          </a:fontRef>
+        </p:style>
+      </p:cxnSp>
+      <p:sp>
+        <p:nvSpPr>
+          <p:cNvPr id="33" name="楕円 32">
+            <a:extLst>
+              <a:ext uri="{FF2B5EF4-FFF2-40B4-BE49-F238E27FC236}">
+                <a16:creationId xmlns:a16="http://schemas.microsoft.com/office/drawing/2014/main" id="{C040A3C6-A997-446C-8EEF-9A71F35BBF85}"/>
+              </a:ext>
+            </a:extLst>
+          </p:cNvPr>
+          <p:cNvSpPr/>
+          <p:nvPr/>
+        </p:nvSpPr>
+        <p:spPr>
+          <a:xfrm>
+            <a:off x="827584" y="4725144"/>
+            <a:ext cx="288032" cy="288032"/>
+          </a:xfrm>
+          <a:prstGeom prst="ellipse">
+            <a:avLst/>
+          </a:prstGeom>
+          <a:solidFill>
+            <a:srgbClr val="011893"/>
+          </a:solidFill>
+          <a:ln>
+            <a:solidFill>
+              <a:schemeClr val="tx1"/>
+            </a:solidFill>
+          </a:ln>
+        </p:spPr>
+        <p:style>
+          <a:lnRef idx="2">
+            <a:schemeClr val="accent1">
+              <a:shade val="50000"/>
+            </a:schemeClr>
+          </a:lnRef>
+          <a:fillRef idx="1">
+            <a:schemeClr val="accent1"/>
+          </a:fillRef>
+          <a:effectRef idx="0">
+            <a:schemeClr val="accent1"/>
+          </a:effectRef>
+          <a:fontRef idx="minor">
+            <a:schemeClr val="lt1"/>
+          </a:fontRef>
+        </p:style>
+        <p:txBody>
+          <a:bodyPr rtlCol="0" anchor="ctr"/>
+          <a:lstStyle/>
+          <a:p>
+            <a:pPr algn="ctr"/>
+            <a:endParaRPr kumimoji="1" lang="ja-JP" altLang="en-US"/>
+          </a:p>
+        </p:txBody>
+      </p:sp>
+      <p:cxnSp>
+        <p:nvCxnSpPr>
+          <p:cNvPr id="34" name="直線コネクタ 33">
+            <a:extLst>
+              <a:ext uri="{FF2B5EF4-FFF2-40B4-BE49-F238E27FC236}">
+                <a16:creationId xmlns:a16="http://schemas.microsoft.com/office/drawing/2014/main" id="{510F823F-646E-454F-A973-7A710E097B45}"/>
+              </a:ext>
+            </a:extLst>
+          </p:cNvPr>
+          <p:cNvCxnSpPr>
+            <a:cxnSpLocks/>
+            <a:stCxn id="33" idx="5"/>
+            <a:endCxn id="30" idx="1"/>
+          </p:cNvCxnSpPr>
+          <p:nvPr/>
+        </p:nvCxnSpPr>
+        <p:spPr>
+          <a:xfrm>
+            <a:off x="1073435" y="4970995"/>
+            <a:ext cx="228378" cy="250082"/>
+          </a:xfrm>
+          <a:prstGeom prst="line">
+            <a:avLst/>
+          </a:prstGeom>
+          <a:ln w="57150">
+            <a:solidFill>
+              <a:schemeClr val="tx1"/>
+            </a:solidFill>
+            <a:headEnd type="none" w="med" len="med"/>
+            <a:tailEnd type="none" w="med" len="med"/>
+          </a:ln>
+        </p:spPr>
+        <p:style>
+          <a:lnRef idx="1">
+            <a:schemeClr val="accent1"/>
+          </a:lnRef>
+          <a:fillRef idx="0">
+            <a:schemeClr val="accent1"/>
+          </a:fillRef>
+          <a:effectRef idx="0">
+            <a:schemeClr val="accent1"/>
+          </a:effectRef>
+          <a:fontRef idx="minor">
+            <a:schemeClr val="tx1"/>
+          </a:fontRef>
+        </p:style>
+      </p:cxnSp>
+      <p:sp>
+        <p:nvSpPr>
+          <p:cNvPr id="35" name="四角形: 1 つの角を切り取り 1 つの角を丸める 34">
+            <a:extLst>
+              <a:ext uri="{FF2B5EF4-FFF2-40B4-BE49-F238E27FC236}">
+                <a16:creationId xmlns:a16="http://schemas.microsoft.com/office/drawing/2014/main" id="{F8BBDE30-A953-4F4E-81E6-238F8F4052F5}"/>
+              </a:ext>
+            </a:extLst>
+          </p:cNvPr>
+          <p:cNvSpPr/>
+          <p:nvPr/>
+        </p:nvSpPr>
+        <p:spPr>
+          <a:xfrm>
+            <a:off x="2267744" y="5898976"/>
+            <a:ext cx="1152128" cy="338336"/>
+          </a:xfrm>
+          <a:prstGeom prst="snipRoundRect">
+            <a:avLst>
+              <a:gd name="adj1" fmla="val 16667"/>
+              <a:gd name="adj2" fmla="val 35924"/>
+            </a:avLst>
+          </a:prstGeom>
+          <a:solidFill>
+            <a:schemeClr val="accent4">
+              <a:lumMod val="20000"/>
+              <a:lumOff val="80000"/>
+            </a:schemeClr>
+          </a:solidFill>
+          <a:ln>
+            <a:solidFill>
+              <a:schemeClr val="tx1"/>
+            </a:solidFill>
+          </a:ln>
+        </p:spPr>
+        <p:style>
+          <a:lnRef idx="2">
+            <a:schemeClr val="accent1">
+              <a:shade val="50000"/>
+            </a:schemeClr>
+          </a:lnRef>
+          <a:fillRef idx="1">
+            <a:schemeClr val="accent1"/>
+          </a:fillRef>
+          <a:effectRef idx="0">
+            <a:schemeClr val="accent1"/>
+          </a:effectRef>
+          <a:fontRef idx="minor">
+            <a:schemeClr val="lt1"/>
+          </a:fontRef>
+        </p:style>
+        <p:txBody>
+          <a:bodyPr rtlCol="0" anchor="ctr"/>
+          <a:lstStyle/>
+          <a:p>
+            <a:pPr algn="ctr"/>
+            <a:r>
+              <a:rPr kumimoji="1" lang="en-US" altLang="ja-JP">
+                <a:solidFill>
+                  <a:sysClr val="windowText" lastClr="000000"/>
+                </a:solidFill>
+                <a:latin typeface="Consolas" panose="020B0609020204030204" pitchFamily="49" charset="0"/>
+              </a:rPr>
+              <a:t>branch</a:t>
+            </a:r>
+            <a:endParaRPr kumimoji="1" lang="ja-JP" altLang="en-US">
+              <a:solidFill>
+                <a:sysClr val="windowText" lastClr="000000"/>
+              </a:solidFill>
+              <a:latin typeface="Consolas" panose="020B0609020204030204" pitchFamily="49" charset="0"/>
+            </a:endParaRPr>
+          </a:p>
+        </p:txBody>
+      </p:sp>
+      <p:sp>
+        <p:nvSpPr>
+          <p:cNvPr id="36" name="楕円 4">
+            <a:extLst>
+              <a:ext uri="{FF2B5EF4-FFF2-40B4-BE49-F238E27FC236}">
+                <a16:creationId xmlns:a16="http://schemas.microsoft.com/office/drawing/2014/main" id="{1D569006-7BFF-4133-96E0-771940D06E29}"/>
+              </a:ext>
+            </a:extLst>
+          </p:cNvPr>
+          <p:cNvSpPr/>
+          <p:nvPr/>
+        </p:nvSpPr>
+        <p:spPr>
+          <a:xfrm>
+            <a:off x="1979712" y="5178896"/>
+            <a:ext cx="288032" cy="288032"/>
+          </a:xfrm>
+          <a:prstGeom prst="ellipse">
+            <a:avLst/>
+          </a:prstGeom>
+          <a:solidFill>
+            <a:srgbClr val="011893"/>
+          </a:solidFill>
+          <a:ln>
+            <a:solidFill>
+              <a:schemeClr val="tx1"/>
+            </a:solidFill>
+          </a:ln>
+        </p:spPr>
+        <p:style>
+          <a:lnRef idx="2">
+            <a:schemeClr val="accent1">
+              <a:shade val="50000"/>
+            </a:schemeClr>
+          </a:lnRef>
+          <a:fillRef idx="1">
+            <a:schemeClr val="accent1"/>
+          </a:fillRef>
+          <a:effectRef idx="0">
+            <a:schemeClr val="accent1"/>
+          </a:effectRef>
+          <a:fontRef idx="minor">
+            <a:schemeClr val="lt1"/>
+          </a:fontRef>
+        </p:style>
+        <p:txBody>
+          <a:bodyPr rtlCol="0" anchor="ctr"/>
+          <a:lstStyle/>
+          <a:p>
+            <a:pPr algn="ctr"/>
+            <a:endParaRPr kumimoji="1" lang="ja-JP" altLang="en-US"/>
+          </a:p>
+        </p:txBody>
+      </p:sp>
+      <p:cxnSp>
+        <p:nvCxnSpPr>
+          <p:cNvPr id="37" name="直線コネクタ 36">
+            <a:extLst>
+              <a:ext uri="{FF2B5EF4-FFF2-40B4-BE49-F238E27FC236}">
+                <a16:creationId xmlns:a16="http://schemas.microsoft.com/office/drawing/2014/main" id="{8666F74F-1CE1-41C2-A1AF-06DB56A45AEA}"/>
+              </a:ext>
+            </a:extLst>
+          </p:cNvPr>
+          <p:cNvCxnSpPr>
+            <a:cxnSpLocks/>
+          </p:cNvCxnSpPr>
+          <p:nvPr/>
+        </p:nvCxnSpPr>
+        <p:spPr>
+          <a:xfrm>
+            <a:off x="1547664" y="5322912"/>
+            <a:ext cx="432048" cy="0"/>
+          </a:xfrm>
+          <a:prstGeom prst="line">
+            <a:avLst/>
+          </a:prstGeom>
+          <a:ln w="57150">
+            <a:solidFill>
+              <a:schemeClr val="tx1"/>
+            </a:solidFill>
+            <a:headEnd type="none" w="med" len="med"/>
+            <a:tailEnd type="none" w="med" len="med"/>
+          </a:ln>
+        </p:spPr>
+        <p:style>
+          <a:lnRef idx="1">
+            <a:schemeClr val="accent1"/>
+          </a:lnRef>
+          <a:fillRef idx="0">
+            <a:schemeClr val="accent1"/>
+          </a:fillRef>
+          <a:effectRef idx="0">
+            <a:schemeClr val="accent1"/>
+          </a:effectRef>
+          <a:fontRef idx="minor">
+            <a:schemeClr val="tx1"/>
+          </a:fontRef>
+        </p:style>
+      </p:cxnSp>
+      <p:sp>
+        <p:nvSpPr>
+          <p:cNvPr id="38" name="楕円 4">
+            <a:extLst>
+              <a:ext uri="{FF2B5EF4-FFF2-40B4-BE49-F238E27FC236}">
+                <a16:creationId xmlns:a16="http://schemas.microsoft.com/office/drawing/2014/main" id="{1F350709-40DC-4C89-AD2F-0F255C50CE53}"/>
+              </a:ext>
+            </a:extLst>
+          </p:cNvPr>
+          <p:cNvSpPr/>
+          <p:nvPr/>
+        </p:nvSpPr>
+        <p:spPr>
+          <a:xfrm>
+            <a:off x="2699792" y="5178896"/>
+            <a:ext cx="288032" cy="288032"/>
+          </a:xfrm>
+          <a:prstGeom prst="ellipse">
+            <a:avLst/>
+          </a:prstGeom>
+          <a:solidFill>
+            <a:srgbClr val="011893"/>
+          </a:solidFill>
+          <a:ln>
+            <a:solidFill>
+              <a:schemeClr val="tx1"/>
+            </a:solidFill>
+          </a:ln>
+        </p:spPr>
+        <p:style>
+          <a:lnRef idx="2">
+            <a:schemeClr val="accent1">
+              <a:shade val="50000"/>
+            </a:schemeClr>
+          </a:lnRef>
+          <a:fillRef idx="1">
+            <a:schemeClr val="accent1"/>
+          </a:fillRef>
+          <a:effectRef idx="0">
+            <a:schemeClr val="accent1"/>
+          </a:effectRef>
+          <a:fontRef idx="minor">
+            <a:schemeClr val="lt1"/>
+          </a:fontRef>
+        </p:style>
+        <p:txBody>
+          <a:bodyPr rtlCol="0" anchor="ctr"/>
+          <a:lstStyle/>
+          <a:p>
+            <a:pPr algn="ctr"/>
+            <a:endParaRPr kumimoji="1" lang="ja-JP" altLang="en-US"/>
+          </a:p>
+        </p:txBody>
+      </p:sp>
+      <p:cxnSp>
+        <p:nvCxnSpPr>
+          <p:cNvPr id="39" name="直線コネクタ 38">
+            <a:extLst>
+              <a:ext uri="{FF2B5EF4-FFF2-40B4-BE49-F238E27FC236}">
+                <a16:creationId xmlns:a16="http://schemas.microsoft.com/office/drawing/2014/main" id="{2E37473C-27E0-4285-AC78-0986DC84EC63}"/>
+              </a:ext>
+            </a:extLst>
+          </p:cNvPr>
+          <p:cNvCxnSpPr>
+            <a:cxnSpLocks/>
+          </p:cNvCxnSpPr>
+          <p:nvPr/>
+        </p:nvCxnSpPr>
+        <p:spPr>
+          <a:xfrm>
+            <a:off x="2267744" y="5322912"/>
+            <a:ext cx="432048" cy="0"/>
+          </a:xfrm>
+          <a:prstGeom prst="line">
+            <a:avLst/>
+          </a:prstGeom>
+          <a:ln w="57150">
+            <a:solidFill>
+              <a:schemeClr val="tx1"/>
+            </a:solidFill>
+            <a:headEnd type="none" w="med" len="med"/>
+            <a:tailEnd type="none" w="med" len="med"/>
+          </a:ln>
+        </p:spPr>
+        <p:style>
+          <a:lnRef idx="1">
+            <a:schemeClr val="accent1"/>
+          </a:lnRef>
+          <a:fillRef idx="0">
+            <a:schemeClr val="accent1"/>
+          </a:fillRef>
+          <a:effectRef idx="0">
+            <a:schemeClr val="accent1"/>
+          </a:effectRef>
+          <a:fontRef idx="minor">
+            <a:schemeClr val="tx1"/>
+          </a:fontRef>
+        </p:style>
+      </p:cxnSp>
+      <p:cxnSp>
+        <p:nvCxnSpPr>
+          <p:cNvPr id="40" name="直線矢印コネクタ 39">
+            <a:extLst>
+              <a:ext uri="{FF2B5EF4-FFF2-40B4-BE49-F238E27FC236}">
+                <a16:creationId xmlns:a16="http://schemas.microsoft.com/office/drawing/2014/main" id="{154BD79C-B64E-4DF8-9672-207189D69E7E}"/>
+              </a:ext>
+            </a:extLst>
+          </p:cNvPr>
+          <p:cNvCxnSpPr>
+            <a:stCxn id="35" idx="3"/>
+            <a:endCxn id="38" idx="4"/>
+          </p:cNvCxnSpPr>
+          <p:nvPr/>
+        </p:nvCxnSpPr>
+        <p:spPr>
+          <a:xfrm flipV="1">
+            <a:off x="2843808" y="5466928"/>
+            <a:ext cx="0" cy="432048"/>
+          </a:xfrm>
+          <a:prstGeom prst="straightConnector1">
+            <a:avLst/>
+          </a:prstGeom>
+          <a:ln w="12700">
+            <a:solidFill>
+              <a:schemeClr val="tx1"/>
+            </a:solidFill>
+            <a:tailEnd type="triangle"/>
+          </a:ln>
+        </p:spPr>
+        <p:style>
+          <a:lnRef idx="1">
+            <a:schemeClr val="accent1"/>
+          </a:lnRef>
+          <a:fillRef idx="0">
+            <a:schemeClr val="accent1"/>
+          </a:fillRef>
+          <a:effectRef idx="0">
+            <a:schemeClr val="accent1"/>
+          </a:effectRef>
+          <a:fontRef idx="minor">
+            <a:schemeClr val="tx1"/>
+          </a:fontRef>
+        </p:style>
+      </p:cxnSp>
+      <p:sp>
+        <p:nvSpPr>
+          <p:cNvPr id="52" name="矢印: 右 51">
+            <a:extLst>
+              <a:ext uri="{FF2B5EF4-FFF2-40B4-BE49-F238E27FC236}">
+                <a16:creationId xmlns:a16="http://schemas.microsoft.com/office/drawing/2014/main" id="{2E14954D-69B1-4E75-BF51-CB7F68A4A57C}"/>
+              </a:ext>
+            </a:extLst>
+          </p:cNvPr>
+          <p:cNvSpPr/>
+          <p:nvPr/>
+        </p:nvSpPr>
+        <p:spPr>
+          <a:xfrm>
+            <a:off x="4067944" y="4653136"/>
+            <a:ext cx="360040" cy="412624"/>
+          </a:xfrm>
+          <a:prstGeom prst="rightArrow">
+            <a:avLst/>
+          </a:prstGeom>
+          <a:solidFill>
+            <a:srgbClr val="FF0000"/>
+          </a:solidFill>
+          <a:ln>
+            <a:solidFill>
+              <a:schemeClr val="tx1"/>
+            </a:solidFill>
+          </a:ln>
+        </p:spPr>
+        <p:style>
+          <a:lnRef idx="2">
+            <a:schemeClr val="accent1">
+              <a:shade val="50000"/>
+            </a:schemeClr>
+          </a:lnRef>
+          <a:fillRef idx="1">
+            <a:schemeClr val="accent1"/>
+          </a:fillRef>
+          <a:effectRef idx="0">
+            <a:schemeClr val="accent1"/>
+          </a:effectRef>
+          <a:fontRef idx="minor">
+            <a:schemeClr val="lt1"/>
+          </a:fontRef>
+        </p:style>
+        <p:txBody>
+          <a:bodyPr rtlCol="0" anchor="ctr"/>
+          <a:lstStyle/>
+          <a:p>
+            <a:pPr algn="ctr"/>
+            <a:endParaRPr kumimoji="1" lang="ja-JP" altLang="en-US"/>
+          </a:p>
+        </p:txBody>
+      </p:sp>
+      <p:sp>
+        <p:nvSpPr>
+          <p:cNvPr id="56" name="楕円 4">
+            <a:extLst>
+              <a:ext uri="{FF2B5EF4-FFF2-40B4-BE49-F238E27FC236}">
+                <a16:creationId xmlns:a16="http://schemas.microsoft.com/office/drawing/2014/main" id="{BD1F58E4-5248-43A1-89C0-003F318287F9}"/>
+              </a:ext>
+            </a:extLst>
+          </p:cNvPr>
+          <p:cNvSpPr/>
+          <p:nvPr/>
+        </p:nvSpPr>
+        <p:spPr>
+          <a:xfrm>
+            <a:off x="5580112" y="5178896"/>
+            <a:ext cx="288032" cy="288032"/>
+          </a:xfrm>
+          <a:prstGeom prst="ellipse">
+            <a:avLst/>
+          </a:prstGeom>
+          <a:solidFill>
+            <a:srgbClr val="011893"/>
+          </a:solidFill>
+          <a:ln>
+            <a:solidFill>
+              <a:schemeClr val="tx1"/>
+            </a:solidFill>
+          </a:ln>
+        </p:spPr>
+        <p:style>
+          <a:lnRef idx="2">
+            <a:schemeClr val="accent1">
+              <a:shade val="50000"/>
+            </a:schemeClr>
+          </a:lnRef>
+          <a:fillRef idx="1">
+            <a:schemeClr val="accent1"/>
+          </a:fillRef>
+          <a:effectRef idx="0">
+            <a:schemeClr val="accent1"/>
+          </a:effectRef>
+          <a:fontRef idx="minor">
+            <a:schemeClr val="lt1"/>
+          </a:fontRef>
+        </p:style>
+        <p:txBody>
+          <a:bodyPr rtlCol="0" anchor="ctr"/>
+          <a:lstStyle/>
+          <a:p>
+            <a:pPr algn="ctr"/>
+            <a:endParaRPr kumimoji="1" lang="ja-JP" altLang="en-US"/>
+          </a:p>
+        </p:txBody>
+      </p:sp>
+      <p:sp>
+        <p:nvSpPr>
+          <p:cNvPr id="57" name="四角形: 1 つの角を切り取り 1 つの角を丸める 56">
+            <a:extLst>
+              <a:ext uri="{FF2B5EF4-FFF2-40B4-BE49-F238E27FC236}">
+                <a16:creationId xmlns:a16="http://schemas.microsoft.com/office/drawing/2014/main" id="{ACF0485B-9281-44A9-901C-FF610D6156FC}"/>
+              </a:ext>
+            </a:extLst>
+          </p:cNvPr>
+          <p:cNvSpPr/>
+          <p:nvPr/>
+        </p:nvSpPr>
+        <p:spPr>
+          <a:xfrm>
+            <a:off x="7092280" y="4005064"/>
+            <a:ext cx="1152128" cy="338336"/>
+          </a:xfrm>
+          <a:prstGeom prst="snipRoundRect">
+            <a:avLst>
+              <a:gd name="adj1" fmla="val 16667"/>
+              <a:gd name="adj2" fmla="val 35924"/>
+            </a:avLst>
+          </a:prstGeom>
+          <a:solidFill>
+            <a:schemeClr val="accent6">
+              <a:lumMod val="20000"/>
+              <a:lumOff val="80000"/>
+            </a:schemeClr>
+          </a:solidFill>
+          <a:ln>
+            <a:solidFill>
+              <a:schemeClr val="tx1"/>
+            </a:solidFill>
+          </a:ln>
+        </p:spPr>
+        <p:style>
+          <a:lnRef idx="2">
+            <a:schemeClr val="accent1">
+              <a:shade val="50000"/>
+            </a:schemeClr>
+          </a:lnRef>
+          <a:fillRef idx="1">
+            <a:schemeClr val="accent1"/>
+          </a:fillRef>
+          <a:effectRef idx="0">
+            <a:schemeClr val="accent1"/>
+          </a:effectRef>
+          <a:fontRef idx="minor">
+            <a:schemeClr val="lt1"/>
+          </a:fontRef>
+        </p:style>
+        <p:txBody>
+          <a:bodyPr rtlCol="0" anchor="ctr"/>
+          <a:lstStyle/>
+          <a:p>
+            <a:pPr algn="ctr"/>
+            <a:r>
+              <a:rPr kumimoji="1" lang="en-US" altLang="ja-JP">
+                <a:solidFill>
+                  <a:sysClr val="windowText" lastClr="000000"/>
+                </a:solidFill>
+                <a:latin typeface="Consolas" panose="020B0609020204030204" pitchFamily="49" charset="0"/>
+              </a:rPr>
+              <a:t>master</a:t>
+            </a:r>
+            <a:endParaRPr kumimoji="1" lang="ja-JP" altLang="en-US">
+              <a:solidFill>
+                <a:sysClr val="windowText" lastClr="000000"/>
+              </a:solidFill>
+              <a:latin typeface="Consolas" panose="020B0609020204030204" pitchFamily="49" charset="0"/>
+            </a:endParaRPr>
+          </a:p>
+        </p:txBody>
+      </p:sp>
+      <p:cxnSp>
+        <p:nvCxnSpPr>
+          <p:cNvPr id="58" name="直線矢印コネクタ 57">
+            <a:extLst>
+              <a:ext uri="{FF2B5EF4-FFF2-40B4-BE49-F238E27FC236}">
+                <a16:creationId xmlns:a16="http://schemas.microsoft.com/office/drawing/2014/main" id="{CCD811D2-0A2E-454D-8A67-CD393861170C}"/>
+              </a:ext>
+            </a:extLst>
+          </p:cNvPr>
+          <p:cNvCxnSpPr>
+            <a:cxnSpLocks/>
+            <a:stCxn id="57" idx="1"/>
+          </p:cNvCxnSpPr>
+          <p:nvPr/>
+        </p:nvCxnSpPr>
+        <p:spPr>
+          <a:xfrm>
+            <a:off x="7668344" y="4343400"/>
+            <a:ext cx="0" cy="381744"/>
+          </a:xfrm>
+          <a:prstGeom prst="straightConnector1">
+            <a:avLst/>
+          </a:prstGeom>
+          <a:ln w="12700">
+            <a:solidFill>
+              <a:schemeClr val="tx1"/>
+            </a:solidFill>
+            <a:tailEnd type="triangle"/>
+          </a:ln>
+        </p:spPr>
+        <p:style>
+          <a:lnRef idx="1">
+            <a:schemeClr val="accent1"/>
+          </a:lnRef>
+          <a:fillRef idx="0">
+            <a:schemeClr val="accent1"/>
+          </a:fillRef>
+          <a:effectRef idx="0">
+            <a:schemeClr val="accent1"/>
+          </a:effectRef>
+          <a:fontRef idx="minor">
+            <a:schemeClr val="tx1"/>
+          </a:fontRef>
+        </p:style>
+      </p:cxnSp>
+      <p:sp>
+        <p:nvSpPr>
+          <p:cNvPr id="59" name="楕円 58">
+            <a:extLst>
+              <a:ext uri="{FF2B5EF4-FFF2-40B4-BE49-F238E27FC236}">
+                <a16:creationId xmlns:a16="http://schemas.microsoft.com/office/drawing/2014/main" id="{36BE59B5-785A-42B8-B05D-6A28DB8365BE}"/>
+              </a:ext>
+            </a:extLst>
+          </p:cNvPr>
+          <p:cNvSpPr/>
+          <p:nvPr/>
+        </p:nvSpPr>
+        <p:spPr>
+          <a:xfrm>
+            <a:off x="5148064" y="4725144"/>
+            <a:ext cx="288032" cy="288032"/>
+          </a:xfrm>
+          <a:prstGeom prst="ellipse">
+            <a:avLst/>
+          </a:prstGeom>
+          <a:solidFill>
+            <a:srgbClr val="011893"/>
+          </a:solidFill>
+          <a:ln>
+            <a:solidFill>
+              <a:schemeClr val="tx1"/>
+            </a:solidFill>
+          </a:ln>
+        </p:spPr>
+        <p:style>
+          <a:lnRef idx="2">
+            <a:schemeClr val="accent1">
+              <a:shade val="50000"/>
+            </a:schemeClr>
+          </a:lnRef>
+          <a:fillRef idx="1">
+            <a:schemeClr val="accent1"/>
+          </a:fillRef>
+          <a:effectRef idx="0">
+            <a:schemeClr val="accent1"/>
+          </a:effectRef>
+          <a:fontRef idx="minor">
+            <a:schemeClr val="lt1"/>
+          </a:fontRef>
+        </p:style>
+        <p:txBody>
+          <a:bodyPr rtlCol="0" anchor="ctr"/>
+          <a:lstStyle/>
+          <a:p>
+            <a:pPr algn="ctr"/>
+            <a:endParaRPr kumimoji="1" lang="ja-JP" altLang="en-US"/>
+          </a:p>
+        </p:txBody>
+      </p:sp>
+      <p:cxnSp>
+        <p:nvCxnSpPr>
+          <p:cNvPr id="60" name="直線コネクタ 59">
+            <a:extLst>
+              <a:ext uri="{FF2B5EF4-FFF2-40B4-BE49-F238E27FC236}">
+                <a16:creationId xmlns:a16="http://schemas.microsoft.com/office/drawing/2014/main" id="{35099906-D3BD-4CB0-9019-216A2462BB9A}"/>
+              </a:ext>
+            </a:extLst>
+          </p:cNvPr>
+          <p:cNvCxnSpPr>
+            <a:cxnSpLocks/>
+            <a:stCxn id="59" idx="5"/>
+            <a:endCxn id="56" idx="1"/>
+          </p:cNvCxnSpPr>
+          <p:nvPr/>
+        </p:nvCxnSpPr>
+        <p:spPr>
+          <a:xfrm>
+            <a:off x="5393915" y="4970995"/>
+            <a:ext cx="228378" cy="250082"/>
+          </a:xfrm>
+          <a:prstGeom prst="line">
+            <a:avLst/>
+          </a:prstGeom>
+          <a:ln w="57150">
+            <a:solidFill>
+              <a:schemeClr val="tx1"/>
+            </a:solidFill>
+            <a:headEnd type="none" w="med" len="med"/>
+            <a:tailEnd type="none" w="med" len="med"/>
+          </a:ln>
+        </p:spPr>
+        <p:style>
+          <a:lnRef idx="1">
+            <a:schemeClr val="accent1"/>
+          </a:lnRef>
+          <a:fillRef idx="0">
+            <a:schemeClr val="accent1"/>
+          </a:fillRef>
+          <a:effectRef idx="0">
+            <a:schemeClr val="accent1"/>
+          </a:effectRef>
+          <a:fontRef idx="minor">
+            <a:schemeClr val="tx1"/>
+          </a:fontRef>
+        </p:style>
+      </p:cxnSp>
+      <p:sp>
+        <p:nvSpPr>
+          <p:cNvPr id="61" name="四角形: 1 つの角を切り取り 1 つの角を丸める 60">
+            <a:extLst>
+              <a:ext uri="{FF2B5EF4-FFF2-40B4-BE49-F238E27FC236}">
+                <a16:creationId xmlns:a16="http://schemas.microsoft.com/office/drawing/2014/main" id="{A399964A-104A-4BD6-91B9-7CCD61297C9A}"/>
+              </a:ext>
+            </a:extLst>
+          </p:cNvPr>
+          <p:cNvSpPr/>
+          <p:nvPr/>
+        </p:nvSpPr>
+        <p:spPr>
+          <a:xfrm>
+            <a:off x="6588224" y="5898976"/>
+            <a:ext cx="1152128" cy="338336"/>
+          </a:xfrm>
+          <a:prstGeom prst="snipRoundRect">
+            <a:avLst>
+              <a:gd name="adj1" fmla="val 16667"/>
+              <a:gd name="adj2" fmla="val 35924"/>
+            </a:avLst>
+          </a:prstGeom>
+          <a:solidFill>
+            <a:schemeClr val="accent4">
+              <a:lumMod val="20000"/>
+              <a:lumOff val="80000"/>
+            </a:schemeClr>
+          </a:solidFill>
+          <a:ln>
+            <a:solidFill>
+              <a:schemeClr val="tx1"/>
+            </a:solidFill>
+          </a:ln>
+        </p:spPr>
+        <p:style>
+          <a:lnRef idx="2">
+            <a:schemeClr val="accent1">
+              <a:shade val="50000"/>
+            </a:schemeClr>
+          </a:lnRef>
+          <a:fillRef idx="1">
+            <a:schemeClr val="accent1"/>
+          </a:fillRef>
+          <a:effectRef idx="0">
+            <a:schemeClr val="accent1"/>
+          </a:effectRef>
+          <a:fontRef idx="minor">
+            <a:schemeClr val="lt1"/>
+          </a:fontRef>
+        </p:style>
+        <p:txBody>
+          <a:bodyPr rtlCol="0" anchor="ctr"/>
+          <a:lstStyle/>
+          <a:p>
+            <a:pPr algn="ctr"/>
+            <a:r>
+              <a:rPr kumimoji="1" lang="en-US" altLang="ja-JP">
+                <a:solidFill>
+                  <a:sysClr val="windowText" lastClr="000000"/>
+                </a:solidFill>
+                <a:latin typeface="Consolas" panose="020B0609020204030204" pitchFamily="49" charset="0"/>
+              </a:rPr>
+              <a:t>branch</a:t>
+            </a:r>
+            <a:endParaRPr kumimoji="1" lang="ja-JP" altLang="en-US">
+              <a:solidFill>
+                <a:sysClr val="windowText" lastClr="000000"/>
+              </a:solidFill>
+              <a:latin typeface="Consolas" panose="020B0609020204030204" pitchFamily="49" charset="0"/>
+            </a:endParaRPr>
+          </a:p>
+        </p:txBody>
+      </p:sp>
+      <p:sp>
+        <p:nvSpPr>
+          <p:cNvPr id="62" name="楕円 4">
+            <a:extLst>
+              <a:ext uri="{FF2B5EF4-FFF2-40B4-BE49-F238E27FC236}">
+                <a16:creationId xmlns:a16="http://schemas.microsoft.com/office/drawing/2014/main" id="{1A882B05-918E-4235-BA21-9001E73E2140}"/>
+              </a:ext>
+            </a:extLst>
+          </p:cNvPr>
+          <p:cNvSpPr/>
+          <p:nvPr/>
+        </p:nvSpPr>
+        <p:spPr>
+          <a:xfrm>
+            <a:off x="6300192" y="5178896"/>
+            <a:ext cx="288032" cy="288032"/>
+          </a:xfrm>
+          <a:prstGeom prst="ellipse">
+            <a:avLst/>
+          </a:prstGeom>
+          <a:solidFill>
+            <a:srgbClr val="011893"/>
+          </a:solidFill>
+          <a:ln>
+            <a:solidFill>
+              <a:schemeClr val="tx1"/>
+            </a:solidFill>
+          </a:ln>
+        </p:spPr>
+        <p:style>
+          <a:lnRef idx="2">
+            <a:schemeClr val="accent1">
+              <a:shade val="50000"/>
+            </a:schemeClr>
+          </a:lnRef>
+          <a:fillRef idx="1">
+            <a:schemeClr val="accent1"/>
+          </a:fillRef>
+          <a:effectRef idx="0">
+            <a:schemeClr val="accent1"/>
+          </a:effectRef>
+          <a:fontRef idx="minor">
+            <a:schemeClr val="lt1"/>
+          </a:fontRef>
+        </p:style>
+        <p:txBody>
+          <a:bodyPr rtlCol="0" anchor="ctr"/>
+          <a:lstStyle/>
+          <a:p>
+            <a:pPr algn="ctr"/>
+            <a:endParaRPr kumimoji="1" lang="ja-JP" altLang="en-US"/>
+          </a:p>
+        </p:txBody>
+      </p:sp>
+      <p:cxnSp>
+        <p:nvCxnSpPr>
+          <p:cNvPr id="63" name="直線コネクタ 62">
+            <a:extLst>
+              <a:ext uri="{FF2B5EF4-FFF2-40B4-BE49-F238E27FC236}">
+                <a16:creationId xmlns:a16="http://schemas.microsoft.com/office/drawing/2014/main" id="{36B8B127-E99A-4A18-B8C8-326F96A16DF0}"/>
+              </a:ext>
+            </a:extLst>
+          </p:cNvPr>
+          <p:cNvCxnSpPr>
+            <a:cxnSpLocks/>
+          </p:cNvCxnSpPr>
+          <p:nvPr/>
+        </p:nvCxnSpPr>
+        <p:spPr>
+          <a:xfrm>
+            <a:off x="5868144" y="5322912"/>
+            <a:ext cx="432048" cy="0"/>
+          </a:xfrm>
+          <a:prstGeom prst="line">
+            <a:avLst/>
+          </a:prstGeom>
+          <a:ln w="57150">
+            <a:solidFill>
+              <a:schemeClr val="tx1"/>
+            </a:solidFill>
+            <a:headEnd type="none" w="med" len="med"/>
+            <a:tailEnd type="none" w="med" len="med"/>
+          </a:ln>
+        </p:spPr>
+        <p:style>
+          <a:lnRef idx="1">
+            <a:schemeClr val="accent1"/>
+          </a:lnRef>
+          <a:fillRef idx="0">
+            <a:schemeClr val="accent1"/>
+          </a:fillRef>
+          <a:effectRef idx="0">
+            <a:schemeClr val="accent1"/>
+          </a:effectRef>
+          <a:fontRef idx="minor">
+            <a:schemeClr val="tx1"/>
+          </a:fontRef>
+        </p:style>
+      </p:cxnSp>
+      <p:sp>
+        <p:nvSpPr>
+          <p:cNvPr id="64" name="楕円 4">
+            <a:extLst>
+              <a:ext uri="{FF2B5EF4-FFF2-40B4-BE49-F238E27FC236}">
+                <a16:creationId xmlns:a16="http://schemas.microsoft.com/office/drawing/2014/main" id="{A1E37373-A454-4452-8D5C-DA4DC4685995}"/>
+              </a:ext>
+            </a:extLst>
+          </p:cNvPr>
+          <p:cNvSpPr/>
+          <p:nvPr/>
+        </p:nvSpPr>
+        <p:spPr>
+          <a:xfrm>
+            <a:off x="7020272" y="5178896"/>
+            <a:ext cx="288032" cy="288032"/>
+          </a:xfrm>
+          <a:prstGeom prst="ellipse">
+            <a:avLst/>
+          </a:prstGeom>
+          <a:solidFill>
+            <a:srgbClr val="011893"/>
+          </a:solidFill>
+          <a:ln>
+            <a:solidFill>
+              <a:schemeClr val="tx1"/>
+            </a:solidFill>
+          </a:ln>
+        </p:spPr>
+        <p:style>
+          <a:lnRef idx="2">
+            <a:schemeClr val="accent1">
+              <a:shade val="50000"/>
+            </a:schemeClr>
+          </a:lnRef>
+          <a:fillRef idx="1">
+            <a:schemeClr val="accent1"/>
+          </a:fillRef>
+          <a:effectRef idx="0">
+            <a:schemeClr val="accent1"/>
+          </a:effectRef>
+          <a:fontRef idx="minor">
+            <a:schemeClr val="lt1"/>
+          </a:fontRef>
+        </p:style>
+        <p:txBody>
+          <a:bodyPr rtlCol="0" anchor="ctr"/>
+          <a:lstStyle/>
+          <a:p>
+            <a:pPr algn="ctr"/>
+            <a:endParaRPr kumimoji="1" lang="ja-JP" altLang="en-US"/>
+          </a:p>
+        </p:txBody>
+      </p:sp>
+      <p:cxnSp>
+        <p:nvCxnSpPr>
+          <p:cNvPr id="65" name="直線コネクタ 64">
+            <a:extLst>
+              <a:ext uri="{FF2B5EF4-FFF2-40B4-BE49-F238E27FC236}">
+                <a16:creationId xmlns:a16="http://schemas.microsoft.com/office/drawing/2014/main" id="{2B9C2B1B-15BA-4C94-B7DE-BD40CE2A3A52}"/>
+              </a:ext>
+            </a:extLst>
+          </p:cNvPr>
+          <p:cNvCxnSpPr>
+            <a:cxnSpLocks/>
+          </p:cNvCxnSpPr>
+          <p:nvPr/>
+        </p:nvCxnSpPr>
+        <p:spPr>
+          <a:xfrm>
+            <a:off x="6588224" y="5322912"/>
+            <a:ext cx="432048" cy="0"/>
+          </a:xfrm>
+          <a:prstGeom prst="line">
+            <a:avLst/>
+          </a:prstGeom>
+          <a:ln w="57150">
+            <a:solidFill>
+              <a:schemeClr val="tx1"/>
+            </a:solidFill>
+            <a:headEnd type="none" w="med" len="med"/>
+            <a:tailEnd type="none" w="med" len="med"/>
+          </a:ln>
+        </p:spPr>
+        <p:style>
+          <a:lnRef idx="1">
+            <a:schemeClr val="accent1"/>
+          </a:lnRef>
+          <a:fillRef idx="0">
+            <a:schemeClr val="accent1"/>
+          </a:fillRef>
+          <a:effectRef idx="0">
+            <a:schemeClr val="accent1"/>
+          </a:effectRef>
+          <a:fontRef idx="minor">
+            <a:schemeClr val="tx1"/>
+          </a:fontRef>
+        </p:style>
+      </p:cxnSp>
+      <p:cxnSp>
+        <p:nvCxnSpPr>
+          <p:cNvPr id="66" name="直線矢印コネクタ 65">
+            <a:extLst>
+              <a:ext uri="{FF2B5EF4-FFF2-40B4-BE49-F238E27FC236}">
+                <a16:creationId xmlns:a16="http://schemas.microsoft.com/office/drawing/2014/main" id="{4E30E962-F974-4DBC-AFF8-8CD48796BE34}"/>
+              </a:ext>
+            </a:extLst>
+          </p:cNvPr>
+          <p:cNvCxnSpPr>
+            <a:stCxn id="61" idx="3"/>
+            <a:endCxn id="64" idx="4"/>
+          </p:cNvCxnSpPr>
+          <p:nvPr/>
+        </p:nvCxnSpPr>
+        <p:spPr>
+          <a:xfrm flipV="1">
+            <a:off x="7164288" y="5466928"/>
+            <a:ext cx="0" cy="432048"/>
+          </a:xfrm>
+          <a:prstGeom prst="straightConnector1">
+            <a:avLst/>
+          </a:prstGeom>
+          <a:ln w="12700">
+            <a:solidFill>
+              <a:schemeClr val="tx1"/>
+            </a:solidFill>
+            <a:tailEnd type="triangle"/>
+          </a:ln>
+        </p:spPr>
+        <p:style>
+          <a:lnRef idx="1">
+            <a:schemeClr val="accent1"/>
+          </a:lnRef>
+          <a:fillRef idx="0">
+            <a:schemeClr val="accent1"/>
+          </a:fillRef>
+          <a:effectRef idx="0">
+            <a:schemeClr val="accent1"/>
+          </a:effectRef>
+          <a:fontRef idx="minor">
+            <a:schemeClr val="tx1"/>
+          </a:fontRef>
+        </p:style>
+      </p:cxnSp>
+      <p:sp>
+        <p:nvSpPr>
+          <p:cNvPr id="67" name="楕円 66">
+            <a:extLst>
+              <a:ext uri="{FF2B5EF4-FFF2-40B4-BE49-F238E27FC236}">
+                <a16:creationId xmlns:a16="http://schemas.microsoft.com/office/drawing/2014/main" id="{0317C870-7FC9-449E-8EA1-DCD279A87AA3}"/>
+              </a:ext>
+            </a:extLst>
+          </p:cNvPr>
+          <p:cNvSpPr/>
+          <p:nvPr/>
+        </p:nvSpPr>
+        <p:spPr>
+          <a:xfrm>
+            <a:off x="7524328" y="4725144"/>
+            <a:ext cx="288032" cy="288032"/>
+          </a:xfrm>
+          <a:prstGeom prst="ellipse">
+            <a:avLst/>
+          </a:prstGeom>
+          <a:solidFill>
+            <a:srgbClr val="FF0000"/>
+          </a:solidFill>
+          <a:ln>
+            <a:solidFill>
+              <a:schemeClr val="tx1"/>
+            </a:solidFill>
+          </a:ln>
+        </p:spPr>
+        <p:style>
+          <a:lnRef idx="2">
+            <a:schemeClr val="accent1">
+              <a:shade val="50000"/>
+            </a:schemeClr>
+          </a:lnRef>
+          <a:fillRef idx="1">
+            <a:schemeClr val="accent1"/>
+          </a:fillRef>
+          <a:effectRef idx="0">
+            <a:schemeClr val="accent1"/>
+          </a:effectRef>
+          <a:fontRef idx="minor">
+            <a:schemeClr val="lt1"/>
+          </a:fontRef>
+        </p:style>
+        <p:txBody>
+          <a:bodyPr rtlCol="0" anchor="ctr"/>
+          <a:lstStyle/>
+          <a:p>
+            <a:pPr algn="ctr"/>
+            <a:endParaRPr kumimoji="1" lang="ja-JP" altLang="en-US"/>
+          </a:p>
+        </p:txBody>
+      </p:sp>
+      <p:cxnSp>
+        <p:nvCxnSpPr>
+          <p:cNvPr id="68" name="直線コネクタ 67">
+            <a:extLst>
+              <a:ext uri="{FF2B5EF4-FFF2-40B4-BE49-F238E27FC236}">
+                <a16:creationId xmlns:a16="http://schemas.microsoft.com/office/drawing/2014/main" id="{1953528C-E34D-4B51-B50F-381D1532F58A}"/>
+              </a:ext>
+            </a:extLst>
+          </p:cNvPr>
+          <p:cNvCxnSpPr>
+            <a:cxnSpLocks/>
+            <a:stCxn id="67" idx="3"/>
+            <a:endCxn id="64" idx="7"/>
+          </p:cNvCxnSpPr>
+          <p:nvPr/>
+        </p:nvCxnSpPr>
+        <p:spPr>
+          <a:xfrm flipH="1">
+            <a:off x="7266123" y="4970995"/>
+            <a:ext cx="300386" cy="250082"/>
+          </a:xfrm>
+          <a:prstGeom prst="line">
+            <a:avLst/>
+          </a:prstGeom>
+          <a:ln w="57150">
+            <a:solidFill>
+              <a:schemeClr val="tx1"/>
+            </a:solidFill>
+            <a:headEnd type="none" w="med" len="med"/>
+            <a:tailEnd type="none" w="med" len="med"/>
+          </a:ln>
+        </p:spPr>
+        <p:style>
+          <a:lnRef idx="1">
+            <a:schemeClr val="accent1"/>
+          </a:lnRef>
+          <a:fillRef idx="0">
+            <a:schemeClr val="accent1"/>
+          </a:fillRef>
+          <a:effectRef idx="0">
+            <a:schemeClr val="accent1"/>
+          </a:effectRef>
+          <a:fontRef idx="minor">
+            <a:schemeClr val="tx1"/>
+          </a:fontRef>
+        </p:style>
+      </p:cxnSp>
+      <p:cxnSp>
+        <p:nvCxnSpPr>
+          <p:cNvPr id="71" name="直線コネクタ 70">
+            <a:extLst>
+              <a:ext uri="{FF2B5EF4-FFF2-40B4-BE49-F238E27FC236}">
+                <a16:creationId xmlns:a16="http://schemas.microsoft.com/office/drawing/2014/main" id="{0CBC1B68-A36E-4E15-B94C-2260308AD2FE}"/>
+              </a:ext>
+            </a:extLst>
+          </p:cNvPr>
+          <p:cNvCxnSpPr>
+            <a:cxnSpLocks/>
+            <a:endCxn id="67" idx="2"/>
+          </p:cNvCxnSpPr>
+          <p:nvPr/>
+        </p:nvCxnSpPr>
+        <p:spPr>
+          <a:xfrm>
+            <a:off x="5436096" y="4869160"/>
+            <a:ext cx="2088232" cy="0"/>
+          </a:xfrm>
+          <a:prstGeom prst="line">
+            <a:avLst/>
+          </a:prstGeom>
+          <a:ln w="57150">
+            <a:solidFill>
+              <a:srgbClr val="FF0000"/>
+            </a:solidFill>
+            <a:headEnd type="none" w="med" len="med"/>
+            <a:tailEnd type="none" w="med" len="med"/>
+          </a:ln>
+        </p:spPr>
+        <p:style>
+          <a:lnRef idx="1">
+            <a:schemeClr val="accent1"/>
+          </a:lnRef>
+          <a:fillRef idx="0">
+            <a:schemeClr val="accent1"/>
+          </a:fillRef>
+          <a:effectRef idx="0">
+            <a:schemeClr val="accent1"/>
+          </a:effectRef>
+          <a:fontRef idx="minor">
+            <a:schemeClr val="tx1"/>
+          </a:fontRef>
+        </p:style>
+      </p:cxnSp>
+      <p:sp>
+        <p:nvSpPr>
+          <p:cNvPr id="73" name="テキスト ボックス 72">
+            <a:extLst>
+              <a:ext uri="{FF2B5EF4-FFF2-40B4-BE49-F238E27FC236}">
+                <a16:creationId xmlns:a16="http://schemas.microsoft.com/office/drawing/2014/main" id="{22FF374A-DEB3-4BC2-BACB-BD1F724B2EFB}"/>
+              </a:ext>
+            </a:extLst>
+          </p:cNvPr>
+          <p:cNvSpPr txBox="1"/>
+          <p:nvPr/>
+        </p:nvSpPr>
+        <p:spPr>
+          <a:xfrm>
+            <a:off x="2915816" y="620688"/>
+            <a:ext cx="2833083" cy="461665"/>
+          </a:xfrm>
+          <a:prstGeom prst="rect">
+            <a:avLst/>
+          </a:prstGeom>
+          <a:noFill/>
+        </p:spPr>
+        <p:txBody>
+          <a:bodyPr wrap="none" rtlCol="0">
+            <a:spAutoFit/>
+          </a:bodyPr>
+          <a:lstStyle/>
+          <a:p>
+            <a:r>
+              <a:rPr lang="en-US" altLang="ja-JP" sz="2400"/>
+              <a:t>Fast Forward </a:t>
+            </a:r>
+            <a:r>
+              <a:rPr lang="ja-JP" altLang="en-US" sz="2400"/>
+              <a:t>マージ</a:t>
+            </a:r>
+            <a:endParaRPr kumimoji="1" lang="ja-JP" altLang="en-US" sz="2400"/>
+          </a:p>
+        </p:txBody>
+      </p:sp>
+      <p:sp>
+        <p:nvSpPr>
+          <p:cNvPr id="74" name="テキスト ボックス 73">
+            <a:extLst>
+              <a:ext uri="{FF2B5EF4-FFF2-40B4-BE49-F238E27FC236}">
+                <a16:creationId xmlns:a16="http://schemas.microsoft.com/office/drawing/2014/main" id="{377305B5-50BF-4A24-9EE8-7C3875277AB6}"/>
+              </a:ext>
+            </a:extLst>
+          </p:cNvPr>
+          <p:cNvSpPr txBox="1"/>
+          <p:nvPr/>
+        </p:nvSpPr>
+        <p:spPr>
+          <a:xfrm>
+            <a:off x="2555776" y="3429000"/>
+            <a:ext cx="3775393" cy="707886"/>
+          </a:xfrm>
+          <a:prstGeom prst="rect">
+            <a:avLst/>
+          </a:prstGeom>
+          <a:noFill/>
+        </p:spPr>
+        <p:txBody>
+          <a:bodyPr wrap="none" rtlCol="0">
+            <a:spAutoFit/>
+          </a:bodyPr>
+          <a:lstStyle/>
+          <a:p>
+            <a:r>
+              <a:rPr lang="en-US" altLang="ja-JP" sz="2000"/>
+              <a:t>Fast Forward</a:t>
+            </a:r>
+            <a:r>
+              <a:rPr lang="ja-JP" altLang="en-US" sz="2000"/>
+              <a:t>マージできるが</a:t>
+            </a:r>
+            <a:endParaRPr lang="en-US" altLang="ja-JP" sz="2000"/>
+          </a:p>
+          <a:p>
+            <a:r>
+              <a:rPr kumimoji="1" lang="ja-JP" altLang="en-US" sz="2000"/>
+              <a:t>マージコミットを作ってマージ</a:t>
+            </a:r>
+          </a:p>
+        </p:txBody>
+      </p:sp>
+    </p:spTree>
+    <p:extLst>
+      <p:ext uri="{BB962C8B-B14F-4D97-AF65-F5344CB8AC3E}">
+        <p14:creationId xmlns:p14="http://schemas.microsoft.com/office/powerpoint/2010/main" val="2535542917"/>
+      </p:ext>
+    </p:extLst>
+  </p:cSld>
+  <p:clrMapOvr>
+    <a:masterClrMapping/>
+  </p:clrMapOvr>
+</p:sld>
+</file>
+
 <file path=ppt/slides/slide2.xml><?xml version="1.0" encoding="utf-8"?>
 <p:sld xmlns:a="http://schemas.openxmlformats.org/drawingml/2006/main" xmlns:r="http://schemas.openxmlformats.org/officeDocument/2006/relationships" xmlns:p="http://schemas.openxmlformats.org/presentationml/2006/main">
   <p:cSld>
